--- a/notes/notes/mcs/9.5-group-theory/3-morphi.pptx
+++ b/notes/notes/mcs/9.5-group-theory/3-morphi.pptx
@@ -216,7 +216,7 @@
           <a:p>
             <a:fld id="{9BFDADED-620D-D24E-82E2-96F000A12D1D}" type="datetimeFigureOut">
               <a:rPr lang="en-CN" smtClean="0"/>
-              <a:t>2023/6/4</a:t>
+              <a:t>2023/6/5</a:t>
             </a:fld>
             <a:endParaRPr lang="en-CN"/>
           </a:p>
@@ -1071,7 +1071,7 @@
           <a:p>
             <a:fld id="{58D30FAB-176C-8449-8796-69F8D9C85B57}" type="datetime1">
               <a:rPr lang="en-US" smtClean="0"/>
-              <a:t>6/4/23</a:t>
+              <a:t>6/5/23</a:t>
             </a:fld>
             <a:endParaRPr lang="en-CN"/>
           </a:p>
@@ -1842,7 +1842,7 @@
             </a:r>
             <a:r>
               <a:rPr kumimoji="1" lang="zh-CN" altLang="en-US" dirty="0"/>
-              <a:t> 群</a:t>
+              <a:t> 子群与商群</a:t>
             </a:r>
           </a:p>
         </p:txBody>
@@ -4711,10 +4711,382 @@
           <a:bodyPr/>
           <a:lstStyle/>
           <a:p>
-            <a:endParaRPr kumimoji="1" lang="zh-CN" altLang="en-US"/>
+            <a:r>
+              <a:rPr kumimoji="1" lang="zh-CN" altLang="en-US" dirty="0"/>
+              <a:t>动机</a:t>
+            </a:r>
+            <a:r>
+              <a:rPr kumimoji="1" lang="en-US" altLang="zh-CN" dirty="0"/>
+              <a:t>:</a:t>
+            </a:r>
+            <a:r>
+              <a:rPr kumimoji="1" lang="zh-CN" altLang="en-US" dirty="0"/>
+              <a:t> 研究不同群之间的关系</a:t>
+            </a:r>
           </a:p>
         </p:txBody>
       </p:sp>
+      <p:pic>
+        <p:nvPicPr>
+          <p:cNvPr id="4" name="Picture 3">
+            <a:extLst>
+              <a:ext uri="{FF2B5EF4-FFF2-40B4-BE49-F238E27FC236}">
+                <a16:creationId xmlns:a16="http://schemas.microsoft.com/office/drawing/2014/main" id="{F5E290EA-5518-1775-1027-6917B7E5E9D5}"/>
+              </a:ext>
+            </a:extLst>
+          </p:cNvPr>
+          <p:cNvPicPr>
+            <a:picLocks noChangeAspect="1"/>
+          </p:cNvPicPr>
+          <p:nvPr/>
+        </p:nvPicPr>
+        <p:blipFill>
+          <a:blip r:embed="rId2"/>
+          <a:stretch>
+            <a:fillRect/>
+          </a:stretch>
+        </p:blipFill>
+        <p:spPr>
+          <a:xfrm>
+            <a:off x="673100" y="1102869"/>
+            <a:ext cx="3898900" cy="1054100"/>
+          </a:xfrm>
+          <a:prstGeom prst="rect">
+            <a:avLst/>
+          </a:prstGeom>
+        </p:spPr>
+      </p:pic>
+      <p:sp>
+        <p:nvSpPr>
+          <p:cNvPr id="5" name="TextBox 4">
+            <a:extLst>
+              <a:ext uri="{FF2B5EF4-FFF2-40B4-BE49-F238E27FC236}">
+                <a16:creationId xmlns:a16="http://schemas.microsoft.com/office/drawing/2014/main" id="{07BFA650-6DFB-98F6-2561-AF9B55F00F26}"/>
+              </a:ext>
+            </a:extLst>
+          </p:cNvPr>
+          <p:cNvSpPr txBox="1"/>
+          <p:nvPr/>
+        </p:nvSpPr>
+        <p:spPr>
+          <a:xfrm>
+            <a:off x="900545" y="2355273"/>
+            <a:ext cx="1595309" cy="369332"/>
+          </a:xfrm>
+          <a:prstGeom prst="rect">
+            <a:avLst/>
+          </a:prstGeom>
+          <a:noFill/>
+        </p:spPr>
+        <p:txBody>
+          <a:bodyPr wrap="none" rtlCol="0">
+            <a:spAutoFit/>
+          </a:bodyPr>
+          <a:lstStyle/>
+          <a:p>
+            <a:r>
+              <a:rPr kumimoji="1" lang="en-US" altLang="zh-CN" dirty="0"/>
+              <a:t>1.</a:t>
+            </a:r>
+            <a:r>
+              <a:rPr kumimoji="1" lang="zh-CN" altLang="en-US" dirty="0"/>
+              <a:t> 同态与同构</a:t>
+            </a:r>
+          </a:p>
+        </p:txBody>
+      </p:sp>
+      <p:pic>
+        <p:nvPicPr>
+          <p:cNvPr id="6" name="Picture 5">
+            <a:extLst>
+              <a:ext uri="{FF2B5EF4-FFF2-40B4-BE49-F238E27FC236}">
+                <a16:creationId xmlns:a16="http://schemas.microsoft.com/office/drawing/2014/main" id="{69180C6F-4698-910A-0BBD-F3E2E50027D0}"/>
+              </a:ext>
+            </a:extLst>
+          </p:cNvPr>
+          <p:cNvPicPr>
+            <a:picLocks noChangeAspect="1"/>
+          </p:cNvPicPr>
+          <p:nvPr/>
+        </p:nvPicPr>
+        <p:blipFill>
+          <a:blip r:embed="rId3"/>
+          <a:stretch>
+            <a:fillRect/>
+          </a:stretch>
+        </p:blipFill>
+        <p:spPr>
+          <a:xfrm>
+            <a:off x="1214582" y="2836718"/>
+            <a:ext cx="4775200" cy="571500"/>
+          </a:xfrm>
+          <a:prstGeom prst="rect">
+            <a:avLst/>
+          </a:prstGeom>
+        </p:spPr>
+      </p:pic>
+      <p:pic>
+        <p:nvPicPr>
+          <p:cNvPr id="7" name="Picture 6">
+            <a:extLst>
+              <a:ext uri="{FF2B5EF4-FFF2-40B4-BE49-F238E27FC236}">
+                <a16:creationId xmlns:a16="http://schemas.microsoft.com/office/drawing/2014/main" id="{B4AF0CBC-3CBC-7643-EAEC-7703E547F48C}"/>
+              </a:ext>
+            </a:extLst>
+          </p:cNvPr>
+          <p:cNvPicPr>
+            <a:picLocks noChangeAspect="1"/>
+          </p:cNvPicPr>
+          <p:nvPr/>
+        </p:nvPicPr>
+        <p:blipFill>
+          <a:blip r:embed="rId4"/>
+          <a:stretch>
+            <a:fillRect/>
+          </a:stretch>
+        </p:blipFill>
+        <p:spPr>
+          <a:xfrm>
+            <a:off x="1817832" y="3404354"/>
+            <a:ext cx="3568700" cy="520700"/>
+          </a:xfrm>
+          <a:prstGeom prst="rect">
+            <a:avLst/>
+          </a:prstGeom>
+        </p:spPr>
+      </p:pic>
+      <p:pic>
+        <p:nvPicPr>
+          <p:cNvPr id="8" name="Picture 7">
+            <a:extLst>
+              <a:ext uri="{FF2B5EF4-FFF2-40B4-BE49-F238E27FC236}">
+                <a16:creationId xmlns:a16="http://schemas.microsoft.com/office/drawing/2014/main" id="{A0EDF6F5-8A25-735D-834D-2CF84A168EDA}"/>
+              </a:ext>
+            </a:extLst>
+          </p:cNvPr>
+          <p:cNvPicPr>
+            <a:picLocks noChangeAspect="1"/>
+          </p:cNvPicPr>
+          <p:nvPr/>
+        </p:nvPicPr>
+        <p:blipFill>
+          <a:blip r:embed="rId5"/>
+          <a:stretch>
+            <a:fillRect/>
+          </a:stretch>
+        </p:blipFill>
+        <p:spPr>
+          <a:xfrm>
+            <a:off x="2495854" y="3953163"/>
+            <a:ext cx="1054100" cy="482600"/>
+          </a:xfrm>
+          <a:prstGeom prst="rect">
+            <a:avLst/>
+          </a:prstGeom>
+        </p:spPr>
+      </p:pic>
+      <p:pic>
+        <p:nvPicPr>
+          <p:cNvPr id="9" name="Picture 8">
+            <a:extLst>
+              <a:ext uri="{FF2B5EF4-FFF2-40B4-BE49-F238E27FC236}">
+                <a16:creationId xmlns:a16="http://schemas.microsoft.com/office/drawing/2014/main" id="{40D15652-A7E7-5882-AD77-12768CFE4477}"/>
+              </a:ext>
+            </a:extLst>
+          </p:cNvPr>
+          <p:cNvPicPr>
+            <a:picLocks noChangeAspect="1"/>
+          </p:cNvPicPr>
+          <p:nvPr/>
+        </p:nvPicPr>
+        <p:blipFill>
+          <a:blip r:embed="rId6"/>
+          <a:stretch>
+            <a:fillRect/>
+          </a:stretch>
+        </p:blipFill>
+        <p:spPr>
+          <a:xfrm>
+            <a:off x="3602182" y="3975854"/>
+            <a:ext cx="3327400" cy="546100"/>
+          </a:xfrm>
+          <a:prstGeom prst="rect">
+            <a:avLst/>
+          </a:prstGeom>
+        </p:spPr>
+      </p:pic>
+      <p:pic>
+        <p:nvPicPr>
+          <p:cNvPr id="10" name="Picture 9">
+            <a:extLst>
+              <a:ext uri="{FF2B5EF4-FFF2-40B4-BE49-F238E27FC236}">
+                <a16:creationId xmlns:a16="http://schemas.microsoft.com/office/drawing/2014/main" id="{531B6F86-0F91-4F55-3C57-8B0B05115303}"/>
+              </a:ext>
+            </a:extLst>
+          </p:cNvPr>
+          <p:cNvPicPr>
+            <a:picLocks noChangeAspect="1"/>
+          </p:cNvPicPr>
+          <p:nvPr/>
+        </p:nvPicPr>
+        <p:blipFill>
+          <a:blip r:embed="rId7"/>
+          <a:stretch>
+            <a:fillRect/>
+          </a:stretch>
+        </p:blipFill>
+        <p:spPr>
+          <a:xfrm>
+            <a:off x="1333500" y="4441890"/>
+            <a:ext cx="5867400" cy="647700"/>
+          </a:xfrm>
+          <a:prstGeom prst="rect">
+            <a:avLst/>
+          </a:prstGeom>
+        </p:spPr>
+      </p:pic>
+      <p:pic>
+        <p:nvPicPr>
+          <p:cNvPr id="11" name="Picture 10">
+            <a:extLst>
+              <a:ext uri="{FF2B5EF4-FFF2-40B4-BE49-F238E27FC236}">
+                <a16:creationId xmlns:a16="http://schemas.microsoft.com/office/drawing/2014/main" id="{A8C0A81A-D6C8-7FD4-7970-41F18830BD6C}"/>
+              </a:ext>
+            </a:extLst>
+          </p:cNvPr>
+          <p:cNvPicPr>
+            <a:picLocks noChangeAspect="1"/>
+          </p:cNvPicPr>
+          <p:nvPr/>
+        </p:nvPicPr>
+        <p:blipFill>
+          <a:blip r:embed="rId8"/>
+          <a:stretch>
+            <a:fillRect/>
+          </a:stretch>
+        </p:blipFill>
+        <p:spPr>
+          <a:xfrm>
+            <a:off x="1656634" y="4923689"/>
+            <a:ext cx="4864100" cy="914400"/>
+          </a:xfrm>
+          <a:prstGeom prst="rect">
+            <a:avLst/>
+          </a:prstGeom>
+        </p:spPr>
+      </p:pic>
+      <p:pic>
+        <p:nvPicPr>
+          <p:cNvPr id="12" name="Picture 11">
+            <a:extLst>
+              <a:ext uri="{FF2B5EF4-FFF2-40B4-BE49-F238E27FC236}">
+                <a16:creationId xmlns:a16="http://schemas.microsoft.com/office/drawing/2014/main" id="{FB97B8C2-1013-105E-AFE9-E18DDFA8A241}"/>
+              </a:ext>
+            </a:extLst>
+          </p:cNvPr>
+          <p:cNvPicPr>
+            <a:picLocks noChangeAspect="1"/>
+          </p:cNvPicPr>
+          <p:nvPr/>
+        </p:nvPicPr>
+        <p:blipFill>
+          <a:blip r:embed="rId9"/>
+          <a:stretch>
+            <a:fillRect/>
+          </a:stretch>
+        </p:blipFill>
+        <p:spPr>
+          <a:xfrm>
+            <a:off x="976468" y="5469435"/>
+            <a:ext cx="2324100" cy="546100"/>
+          </a:xfrm>
+          <a:prstGeom prst="rect">
+            <a:avLst/>
+          </a:prstGeom>
+        </p:spPr>
+      </p:pic>
+      <p:pic>
+        <p:nvPicPr>
+          <p:cNvPr id="13" name="Picture 12">
+            <a:extLst>
+              <a:ext uri="{FF2B5EF4-FFF2-40B4-BE49-F238E27FC236}">
+                <a16:creationId xmlns:a16="http://schemas.microsoft.com/office/drawing/2014/main" id="{B1C151C4-1DAA-02B3-158E-CAAFE1AEB0C4}"/>
+              </a:ext>
+            </a:extLst>
+          </p:cNvPr>
+          <p:cNvPicPr>
+            <a:picLocks noChangeAspect="1"/>
+          </p:cNvPicPr>
+          <p:nvPr/>
+        </p:nvPicPr>
+        <p:blipFill>
+          <a:blip r:embed="rId10">
+            <a:clrChange>
+              <a:clrFrom>
+                <a:srgbClr val="FFFFFF"/>
+              </a:clrFrom>
+              <a:clrTo>
+                <a:srgbClr val="FFFFFF">
+                  <a:alpha val="0"/>
+                </a:srgbClr>
+              </a:clrTo>
+            </a:clrChange>
+          </a:blip>
+          <a:stretch>
+            <a:fillRect/>
+          </a:stretch>
+        </p:blipFill>
+        <p:spPr>
+          <a:xfrm rot="21408286">
+            <a:off x="3225373" y="5472908"/>
+            <a:ext cx="4673600" cy="596900"/>
+          </a:xfrm>
+          <a:prstGeom prst="rect">
+            <a:avLst/>
+          </a:prstGeom>
+        </p:spPr>
+      </p:pic>
+      <p:pic>
+        <p:nvPicPr>
+          <p:cNvPr id="14" name="Picture 13">
+            <a:extLst>
+              <a:ext uri="{FF2B5EF4-FFF2-40B4-BE49-F238E27FC236}">
+                <a16:creationId xmlns:a16="http://schemas.microsoft.com/office/drawing/2014/main" id="{C7FBDE8A-AC82-761B-CC02-60E1F43F3CC1}"/>
+              </a:ext>
+            </a:extLst>
+          </p:cNvPr>
+          <p:cNvPicPr>
+            <a:picLocks noChangeAspect="1"/>
+          </p:cNvPicPr>
+          <p:nvPr/>
+        </p:nvPicPr>
+        <p:blipFill>
+          <a:blip r:embed="rId11">
+            <a:clrChange>
+              <a:clrFrom>
+                <a:srgbClr val="FEFEFE"/>
+              </a:clrFrom>
+              <a:clrTo>
+                <a:srgbClr val="FEFEFE">
+                  <a:alpha val="0"/>
+                </a:srgbClr>
+              </a:clrTo>
+            </a:clrChange>
+          </a:blip>
+          <a:stretch>
+            <a:fillRect/>
+          </a:stretch>
+        </p:blipFill>
+        <p:spPr>
+          <a:xfrm>
+            <a:off x="976468" y="5927919"/>
+            <a:ext cx="2197100" cy="533400"/>
+          </a:xfrm>
+          <a:prstGeom prst="rect">
+            <a:avLst/>
+          </a:prstGeom>
+        </p:spPr>
+      </p:pic>
     </p:spTree>
     <p:extLst>
       <p:ext uri="{BB962C8B-B14F-4D97-AF65-F5344CB8AC3E}">
@@ -4725,6 +5097,441 @@
   <p:clrMapOvr>
     <a:masterClrMapping/>
   </p:clrMapOvr>
+  <p:timing>
+    <p:tnLst>
+      <p:par>
+        <p:cTn id="1" dur="indefinite" restart="never" nodeType="tmRoot">
+          <p:childTnLst>
+            <p:seq concurrent="1" nextAc="seek">
+              <p:cTn id="2" dur="indefinite" nodeType="mainSeq">
+                <p:childTnLst>
+                  <p:par>
+                    <p:cTn id="3" fill="hold">
+                      <p:stCondLst>
+                        <p:cond delay="indefinite"/>
+                      </p:stCondLst>
+                      <p:childTnLst>
+                        <p:par>
+                          <p:cTn id="4" fill="hold">
+                            <p:stCondLst>
+                              <p:cond delay="0"/>
+                            </p:stCondLst>
+                            <p:childTnLst>
+                              <p:par>
+                                <p:cTn id="5" presetID="1" presetClass="entr" presetSubtype="0" fill="hold" nodeType="clickEffect">
+                                  <p:stCondLst>
+                                    <p:cond delay="0"/>
+                                  </p:stCondLst>
+                                  <p:childTnLst>
+                                    <p:set>
+                                      <p:cBhvr>
+                                        <p:cTn id="6" dur="1" fill="hold">
+                                          <p:stCondLst>
+                                            <p:cond delay="0"/>
+                                          </p:stCondLst>
+                                        </p:cTn>
+                                        <p:tgtEl>
+                                          <p:spTgt spid="6"/>
+                                        </p:tgtEl>
+                                        <p:attrNameLst>
+                                          <p:attrName>style.visibility</p:attrName>
+                                        </p:attrNameLst>
+                                      </p:cBhvr>
+                                      <p:to>
+                                        <p:strVal val="visible"/>
+                                      </p:to>
+                                    </p:set>
+                                  </p:childTnLst>
+                                </p:cTn>
+                              </p:par>
+                            </p:childTnLst>
+                          </p:cTn>
+                        </p:par>
+                      </p:childTnLst>
+                    </p:cTn>
+                  </p:par>
+                  <p:par>
+                    <p:cTn id="7" fill="hold">
+                      <p:stCondLst>
+                        <p:cond delay="indefinite"/>
+                      </p:stCondLst>
+                      <p:childTnLst>
+                        <p:par>
+                          <p:cTn id="8" fill="hold">
+                            <p:stCondLst>
+                              <p:cond delay="0"/>
+                            </p:stCondLst>
+                            <p:childTnLst>
+                              <p:par>
+                                <p:cTn id="9" presetID="1" presetClass="entr" presetSubtype="0" fill="hold" nodeType="clickEffect">
+                                  <p:stCondLst>
+                                    <p:cond delay="0"/>
+                                  </p:stCondLst>
+                                  <p:childTnLst>
+                                    <p:set>
+                                      <p:cBhvr>
+                                        <p:cTn id="10" dur="1" fill="hold">
+                                          <p:stCondLst>
+                                            <p:cond delay="0"/>
+                                          </p:stCondLst>
+                                        </p:cTn>
+                                        <p:tgtEl>
+                                          <p:spTgt spid="7"/>
+                                        </p:tgtEl>
+                                        <p:attrNameLst>
+                                          <p:attrName>style.visibility</p:attrName>
+                                        </p:attrNameLst>
+                                      </p:cBhvr>
+                                      <p:to>
+                                        <p:strVal val="visible"/>
+                                      </p:to>
+                                    </p:set>
+                                  </p:childTnLst>
+                                </p:cTn>
+                              </p:par>
+                            </p:childTnLst>
+                          </p:cTn>
+                        </p:par>
+                      </p:childTnLst>
+                    </p:cTn>
+                  </p:par>
+                  <p:par>
+                    <p:cTn id="11" fill="hold">
+                      <p:stCondLst>
+                        <p:cond delay="indefinite"/>
+                      </p:stCondLst>
+                      <p:childTnLst>
+                        <p:par>
+                          <p:cTn id="12" fill="hold">
+                            <p:stCondLst>
+                              <p:cond delay="0"/>
+                            </p:stCondLst>
+                            <p:childTnLst>
+                              <p:par>
+                                <p:cTn id="13" presetID="1" presetClass="entr" presetSubtype="0" fill="hold" nodeType="clickEffect">
+                                  <p:stCondLst>
+                                    <p:cond delay="0"/>
+                                  </p:stCondLst>
+                                  <p:childTnLst>
+                                    <p:set>
+                                      <p:cBhvr>
+                                        <p:cTn id="14" dur="1" fill="hold">
+                                          <p:stCondLst>
+                                            <p:cond delay="0"/>
+                                          </p:stCondLst>
+                                        </p:cTn>
+                                        <p:tgtEl>
+                                          <p:spTgt spid="8"/>
+                                        </p:tgtEl>
+                                        <p:attrNameLst>
+                                          <p:attrName>style.visibility</p:attrName>
+                                        </p:attrNameLst>
+                                      </p:cBhvr>
+                                      <p:to>
+                                        <p:strVal val="visible"/>
+                                      </p:to>
+                                    </p:set>
+                                  </p:childTnLst>
+                                </p:cTn>
+                              </p:par>
+                            </p:childTnLst>
+                          </p:cTn>
+                        </p:par>
+                      </p:childTnLst>
+                    </p:cTn>
+                  </p:par>
+                  <p:par>
+                    <p:cTn id="15" fill="hold">
+                      <p:stCondLst>
+                        <p:cond delay="indefinite"/>
+                      </p:stCondLst>
+                      <p:childTnLst>
+                        <p:par>
+                          <p:cTn id="16" fill="hold">
+                            <p:stCondLst>
+                              <p:cond delay="0"/>
+                            </p:stCondLst>
+                            <p:childTnLst>
+                              <p:par>
+                                <p:cTn id="17" presetID="1" presetClass="entr" presetSubtype="0" fill="hold" nodeType="clickEffect">
+                                  <p:stCondLst>
+                                    <p:cond delay="0"/>
+                                  </p:stCondLst>
+                                  <p:childTnLst>
+                                    <p:set>
+                                      <p:cBhvr>
+                                        <p:cTn id="18" dur="1" fill="hold">
+                                          <p:stCondLst>
+                                            <p:cond delay="0"/>
+                                          </p:stCondLst>
+                                        </p:cTn>
+                                        <p:tgtEl>
+                                          <p:spTgt spid="9"/>
+                                        </p:tgtEl>
+                                        <p:attrNameLst>
+                                          <p:attrName>style.visibility</p:attrName>
+                                        </p:attrNameLst>
+                                      </p:cBhvr>
+                                      <p:to>
+                                        <p:strVal val="visible"/>
+                                      </p:to>
+                                    </p:set>
+                                  </p:childTnLst>
+                                </p:cTn>
+                              </p:par>
+                            </p:childTnLst>
+                          </p:cTn>
+                        </p:par>
+                      </p:childTnLst>
+                    </p:cTn>
+                  </p:par>
+                  <p:par>
+                    <p:cTn id="19" fill="hold">
+                      <p:stCondLst>
+                        <p:cond delay="indefinite"/>
+                      </p:stCondLst>
+                      <p:childTnLst>
+                        <p:par>
+                          <p:cTn id="20" fill="hold">
+                            <p:stCondLst>
+                              <p:cond delay="0"/>
+                            </p:stCondLst>
+                            <p:childTnLst>
+                              <p:par>
+                                <p:cTn id="21" presetID="1" presetClass="entr" presetSubtype="0" fill="hold" nodeType="clickEffect">
+                                  <p:stCondLst>
+                                    <p:cond delay="0"/>
+                                  </p:stCondLst>
+                                  <p:childTnLst>
+                                    <p:set>
+                                      <p:cBhvr>
+                                        <p:cTn id="22" dur="1" fill="hold">
+                                          <p:stCondLst>
+                                            <p:cond delay="0"/>
+                                          </p:stCondLst>
+                                        </p:cTn>
+                                        <p:tgtEl>
+                                          <p:spTgt spid="10"/>
+                                        </p:tgtEl>
+                                        <p:attrNameLst>
+                                          <p:attrName>style.visibility</p:attrName>
+                                        </p:attrNameLst>
+                                      </p:cBhvr>
+                                      <p:to>
+                                        <p:strVal val="visible"/>
+                                      </p:to>
+                                    </p:set>
+                                  </p:childTnLst>
+                                </p:cTn>
+                              </p:par>
+                            </p:childTnLst>
+                          </p:cTn>
+                        </p:par>
+                      </p:childTnLst>
+                    </p:cTn>
+                  </p:par>
+                  <p:par>
+                    <p:cTn id="23" fill="hold">
+                      <p:stCondLst>
+                        <p:cond delay="indefinite"/>
+                      </p:stCondLst>
+                      <p:childTnLst>
+                        <p:par>
+                          <p:cTn id="24" fill="hold">
+                            <p:stCondLst>
+                              <p:cond delay="0"/>
+                            </p:stCondLst>
+                            <p:childTnLst>
+                              <p:par>
+                                <p:cTn id="25" presetID="1" presetClass="entr" presetSubtype="0" fill="hold" nodeType="clickEffect">
+                                  <p:stCondLst>
+                                    <p:cond delay="0"/>
+                                  </p:stCondLst>
+                                  <p:childTnLst>
+                                    <p:set>
+                                      <p:cBhvr>
+                                        <p:cTn id="26" dur="1" fill="hold">
+                                          <p:stCondLst>
+                                            <p:cond delay="0"/>
+                                          </p:stCondLst>
+                                        </p:cTn>
+                                        <p:tgtEl>
+                                          <p:spTgt spid="11"/>
+                                        </p:tgtEl>
+                                        <p:attrNameLst>
+                                          <p:attrName>style.visibility</p:attrName>
+                                        </p:attrNameLst>
+                                      </p:cBhvr>
+                                      <p:to>
+                                        <p:strVal val="visible"/>
+                                      </p:to>
+                                    </p:set>
+                                  </p:childTnLst>
+                                </p:cTn>
+                              </p:par>
+                            </p:childTnLst>
+                          </p:cTn>
+                        </p:par>
+                      </p:childTnLst>
+                    </p:cTn>
+                  </p:par>
+                  <p:par>
+                    <p:cTn id="27" fill="hold">
+                      <p:stCondLst>
+                        <p:cond delay="indefinite"/>
+                      </p:stCondLst>
+                      <p:childTnLst>
+                        <p:par>
+                          <p:cTn id="28" fill="hold">
+                            <p:stCondLst>
+                              <p:cond delay="0"/>
+                            </p:stCondLst>
+                            <p:childTnLst>
+                              <p:par>
+                                <p:cTn id="29" presetID="1" presetClass="entr" presetSubtype="0" fill="hold" nodeType="clickEffect">
+                                  <p:stCondLst>
+                                    <p:cond delay="0"/>
+                                  </p:stCondLst>
+                                  <p:childTnLst>
+                                    <p:set>
+                                      <p:cBhvr>
+                                        <p:cTn id="30" dur="1" fill="hold">
+                                          <p:stCondLst>
+                                            <p:cond delay="0"/>
+                                          </p:stCondLst>
+                                        </p:cTn>
+                                        <p:tgtEl>
+                                          <p:spTgt spid="12"/>
+                                        </p:tgtEl>
+                                        <p:attrNameLst>
+                                          <p:attrName>style.visibility</p:attrName>
+                                        </p:attrNameLst>
+                                      </p:cBhvr>
+                                      <p:to>
+                                        <p:strVal val="visible"/>
+                                      </p:to>
+                                    </p:set>
+                                  </p:childTnLst>
+                                </p:cTn>
+                              </p:par>
+                            </p:childTnLst>
+                          </p:cTn>
+                        </p:par>
+                      </p:childTnLst>
+                    </p:cTn>
+                  </p:par>
+                  <p:par>
+                    <p:cTn id="31" fill="hold">
+                      <p:stCondLst>
+                        <p:cond delay="indefinite"/>
+                      </p:stCondLst>
+                      <p:childTnLst>
+                        <p:par>
+                          <p:cTn id="32" fill="hold">
+                            <p:stCondLst>
+                              <p:cond delay="0"/>
+                            </p:stCondLst>
+                            <p:childTnLst>
+                              <p:par>
+                                <p:cTn id="33" presetID="1" presetClass="entr" presetSubtype="0" fill="hold" nodeType="clickEffect">
+                                  <p:stCondLst>
+                                    <p:cond delay="0"/>
+                                  </p:stCondLst>
+                                  <p:childTnLst>
+                                    <p:set>
+                                      <p:cBhvr>
+                                        <p:cTn id="34" dur="1" fill="hold">
+                                          <p:stCondLst>
+                                            <p:cond delay="0"/>
+                                          </p:stCondLst>
+                                        </p:cTn>
+                                        <p:tgtEl>
+                                          <p:spTgt spid="13"/>
+                                        </p:tgtEl>
+                                        <p:attrNameLst>
+                                          <p:attrName>style.visibility</p:attrName>
+                                        </p:attrNameLst>
+                                      </p:cBhvr>
+                                      <p:to>
+                                        <p:strVal val="visible"/>
+                                      </p:to>
+                                    </p:set>
+                                  </p:childTnLst>
+                                </p:cTn>
+                              </p:par>
+                            </p:childTnLst>
+                          </p:cTn>
+                        </p:par>
+                      </p:childTnLst>
+                    </p:cTn>
+                  </p:par>
+                  <p:par>
+                    <p:cTn id="35" fill="hold">
+                      <p:stCondLst>
+                        <p:cond delay="indefinite"/>
+                      </p:stCondLst>
+                      <p:childTnLst>
+                        <p:par>
+                          <p:cTn id="36" fill="hold">
+                            <p:stCondLst>
+                              <p:cond delay="0"/>
+                            </p:stCondLst>
+                            <p:childTnLst>
+                              <p:par>
+                                <p:cTn id="37" presetID="1" presetClass="entr" presetSubtype="0" fill="hold" nodeType="clickEffect">
+                                  <p:stCondLst>
+                                    <p:cond delay="0"/>
+                                  </p:stCondLst>
+                                  <p:childTnLst>
+                                    <p:set>
+                                      <p:cBhvr>
+                                        <p:cTn id="38" dur="1" fill="hold">
+                                          <p:stCondLst>
+                                            <p:cond delay="0"/>
+                                          </p:stCondLst>
+                                        </p:cTn>
+                                        <p:tgtEl>
+                                          <p:spTgt spid="14"/>
+                                        </p:tgtEl>
+                                        <p:attrNameLst>
+                                          <p:attrName>style.visibility</p:attrName>
+                                        </p:attrNameLst>
+                                      </p:cBhvr>
+                                      <p:to>
+                                        <p:strVal val="visible"/>
+                                      </p:to>
+                                    </p:set>
+                                  </p:childTnLst>
+                                </p:cTn>
+                              </p:par>
+                            </p:childTnLst>
+                          </p:cTn>
+                        </p:par>
+                      </p:childTnLst>
+                    </p:cTn>
+                  </p:par>
+                </p:childTnLst>
+              </p:cTn>
+              <p:prevCondLst>
+                <p:cond evt="onPrev" delay="0">
+                  <p:tgtEl>
+                    <p:sldTgt/>
+                  </p:tgtEl>
+                </p:cond>
+              </p:prevCondLst>
+              <p:nextCondLst>
+                <p:cond evt="onNext" delay="0">
+                  <p:tgtEl>
+                    <p:sldTgt/>
+                  </p:tgtEl>
+                </p:cond>
+              </p:nextCondLst>
+            </p:seq>
+          </p:childTnLst>
+        </p:cTn>
+      </p:par>
+    </p:tnLst>
+  </p:timing>
 </p:sld>
 </file>
 

--- a/notes/notes/mcs/9.5-group-theory/3-morphi.pptx
+++ b/notes/notes/mcs/9.5-group-theory/3-morphi.pptx
@@ -5,13 +5,18 @@
     <p:sldMasterId id="2147483660" r:id="rId1"/>
   </p:sldMasterIdLst>
   <p:notesMasterIdLst>
-    <p:notesMasterId r:id="rId6"/>
+    <p:notesMasterId r:id="rId11"/>
   </p:notesMasterIdLst>
   <p:sldIdLst>
     <p:sldId id="257" r:id="rId2"/>
     <p:sldId id="258" r:id="rId3"/>
     <p:sldId id="259" r:id="rId4"/>
     <p:sldId id="260" r:id="rId5"/>
+    <p:sldId id="261" r:id="rId6"/>
+    <p:sldId id="262" r:id="rId7"/>
+    <p:sldId id="263" r:id="rId8"/>
+    <p:sldId id="264" r:id="rId9"/>
+    <p:sldId id="265" r:id="rId10"/>
   </p:sldIdLst>
   <p:sldSz cx="9144000" cy="6858000" type="screen4x3"/>
   <p:notesSz cx="6858000" cy="9144000"/>
@@ -123,6 +128,11 @@
         <p14:section name="子群" id="{A8B52F47-B1F3-9C47-9A78-11B5D7FCB5C6}">
           <p14:sldIdLst>
             <p14:sldId id="260"/>
+            <p14:sldId id="261"/>
+            <p14:sldId id="262"/>
+            <p14:sldId id="263"/>
+            <p14:sldId id="264"/>
+            <p14:sldId id="265"/>
           </p14:sldIdLst>
         </p14:section>
       </p14:sectionLst>
@@ -216,7 +226,7 @@
           <a:p>
             <a:fld id="{9BFDADED-620D-D24E-82E2-96F000A12D1D}" type="datetimeFigureOut">
               <a:rPr lang="en-CN" smtClean="0"/>
-              <a:t>2023/6/5</a:t>
+              <a:t>2023/6/14</a:t>
             </a:fld>
             <a:endParaRPr lang="en-CN"/>
           </a:p>
@@ -1071,7 +1081,7 @@
           <a:p>
             <a:fld id="{58D30FAB-176C-8449-8796-69F8D9C85B57}" type="datetime1">
               <a:rPr lang="en-US" smtClean="0"/>
-              <a:t>6/5/23</a:t>
+              <a:t>6/14/23</a:t>
             </a:fld>
             <a:endParaRPr lang="en-CN"/>
           </a:p>
@@ -5087,6 +5097,55 @@
           </a:prstGeom>
         </p:spPr>
       </p:pic>
+      <p:sp>
+        <p:nvSpPr>
+          <p:cNvPr id="15" name="Oval 14">
+            <a:extLst>
+              <a:ext uri="{FF2B5EF4-FFF2-40B4-BE49-F238E27FC236}">
+                <a16:creationId xmlns:a16="http://schemas.microsoft.com/office/drawing/2014/main" id="{D93EA82F-A87C-E1DB-5129-EF3C86B9AA19}"/>
+              </a:ext>
+            </a:extLst>
+          </p:cNvPr>
+          <p:cNvSpPr/>
+          <p:nvPr/>
+        </p:nvSpPr>
+        <p:spPr>
+          <a:xfrm>
+            <a:off x="6677891" y="1102869"/>
+            <a:ext cx="678873" cy="615095"/>
+          </a:xfrm>
+          <a:prstGeom prst="ellipse">
+            <a:avLst/>
+          </a:prstGeom>
+        </p:spPr>
+        <p:style>
+          <a:lnRef idx="2">
+            <a:schemeClr val="accent2">
+              <a:shade val="50000"/>
+            </a:schemeClr>
+          </a:lnRef>
+          <a:fillRef idx="1">
+            <a:schemeClr val="accent2"/>
+          </a:fillRef>
+          <a:effectRef idx="0">
+            <a:schemeClr val="accent2"/>
+          </a:effectRef>
+          <a:fontRef idx="minor">
+            <a:schemeClr val="lt1"/>
+          </a:fontRef>
+        </p:style>
+        <p:txBody>
+          <a:bodyPr rtlCol="0" anchor="ctr"/>
+          <a:lstStyle/>
+          <a:p>
+            <a:pPr algn="ctr"/>
+            <a:r>
+              <a:rPr kumimoji="1" lang="zh-CN" altLang="en-US" dirty="0"/>
+              <a:t>群</a:t>
+            </a:r>
+          </a:p>
+        </p:txBody>
+      </p:sp>
     </p:spTree>
     <p:extLst>
       <p:ext uri="{BB962C8B-B14F-4D97-AF65-F5344CB8AC3E}">
@@ -5532,6 +5591,6487 @@
       </p:par>
     </p:tnLst>
   </p:timing>
+</p:sld>
+</file>
+
+<file path=ppt/slides/slide5.xml><?xml version="1.0" encoding="utf-8"?>
+<p:sld xmlns:a="http://schemas.openxmlformats.org/drawingml/2006/main" xmlns:r="http://schemas.openxmlformats.org/officeDocument/2006/relationships" xmlns:p="http://schemas.openxmlformats.org/presentationml/2006/main">
+  <p:cSld>
+    <p:spTree>
+      <p:nvGrpSpPr>
+        <p:cNvPr id="1" name=""/>
+        <p:cNvGrpSpPr/>
+        <p:nvPr/>
+      </p:nvGrpSpPr>
+      <p:grpSpPr>
+        <a:xfrm>
+          <a:off x="0" y="0"/>
+          <a:ext cx="0" cy="0"/>
+          <a:chOff x="0" y="0"/>
+          <a:chExt cx="0" cy="0"/>
+        </a:xfrm>
+      </p:grpSpPr>
+      <p:sp>
+        <p:nvSpPr>
+          <p:cNvPr id="2" name="Slide Number Placeholder 1">
+            <a:extLst>
+              <a:ext uri="{FF2B5EF4-FFF2-40B4-BE49-F238E27FC236}">
+                <a16:creationId xmlns:a16="http://schemas.microsoft.com/office/drawing/2014/main" id="{252163C1-2528-F420-833D-73BEDE5FBB96}"/>
+              </a:ext>
+            </a:extLst>
+          </p:cNvPr>
+          <p:cNvSpPr>
+            <a:spLocks noGrp="1"/>
+          </p:cNvSpPr>
+          <p:nvPr>
+            <p:ph type="sldNum" sz="quarter" idx="12"/>
+          </p:nvPr>
+        </p:nvSpPr>
+        <p:spPr/>
+        <p:txBody>
+          <a:bodyPr/>
+          <a:lstStyle/>
+          <a:p>
+            <a:fld id="{7A304655-5D53-B746-8252-3F5A598C52D3}" type="slidenum">
+              <a:rPr lang="en-CN" smtClean="0"/>
+              <a:pPr/>
+              <a:t>5</a:t>
+            </a:fld>
+            <a:endParaRPr lang="en-CN"/>
+          </a:p>
+        </p:txBody>
+      </p:sp>
+      <p:sp>
+        <p:nvSpPr>
+          <p:cNvPr id="3" name="Title 2">
+            <a:extLst>
+              <a:ext uri="{FF2B5EF4-FFF2-40B4-BE49-F238E27FC236}">
+                <a16:creationId xmlns:a16="http://schemas.microsoft.com/office/drawing/2014/main" id="{6E579CAA-EC66-9DFA-8A60-0EAC4F6622C0}"/>
+              </a:ext>
+            </a:extLst>
+          </p:cNvPr>
+          <p:cNvSpPr>
+            <a:spLocks noGrp="1"/>
+          </p:cNvSpPr>
+          <p:nvPr>
+            <p:ph type="title"/>
+          </p:nvPr>
+        </p:nvSpPr>
+        <p:spPr/>
+        <p:txBody>
+          <a:bodyPr/>
+          <a:lstStyle/>
+          <a:p>
+            <a:r>
+              <a:rPr kumimoji="1" lang="zh-CN" altLang="en-US" dirty="0"/>
+              <a:t>动机</a:t>
+            </a:r>
+            <a:r>
+              <a:rPr kumimoji="1" lang="en-US" altLang="zh-CN" dirty="0"/>
+              <a:t>:</a:t>
+            </a:r>
+            <a:r>
+              <a:rPr kumimoji="1" lang="zh-CN" altLang="en-US" dirty="0"/>
+              <a:t> 研究不同群之间的关系</a:t>
+            </a:r>
+          </a:p>
+        </p:txBody>
+      </p:sp>
+      <p:sp>
+        <p:nvSpPr>
+          <p:cNvPr id="5" name="TextBox 4">
+            <a:extLst>
+              <a:ext uri="{FF2B5EF4-FFF2-40B4-BE49-F238E27FC236}">
+                <a16:creationId xmlns:a16="http://schemas.microsoft.com/office/drawing/2014/main" id="{07BFA650-6DFB-98F6-2561-AF9B55F00F26}"/>
+              </a:ext>
+            </a:extLst>
+          </p:cNvPr>
+          <p:cNvSpPr txBox="1"/>
+          <p:nvPr/>
+        </p:nvSpPr>
+        <p:spPr>
+          <a:xfrm>
+            <a:off x="628650" y="1029177"/>
+            <a:ext cx="1595309" cy="369332"/>
+          </a:xfrm>
+          <a:prstGeom prst="rect">
+            <a:avLst/>
+          </a:prstGeom>
+          <a:noFill/>
+        </p:spPr>
+        <p:txBody>
+          <a:bodyPr wrap="none" rtlCol="0">
+            <a:spAutoFit/>
+          </a:bodyPr>
+          <a:lstStyle/>
+          <a:p>
+            <a:r>
+              <a:rPr kumimoji="1" lang="en-US" altLang="zh-CN" dirty="0"/>
+              <a:t>1.</a:t>
+            </a:r>
+            <a:r>
+              <a:rPr kumimoji="1" lang="zh-CN" altLang="en-US" dirty="0"/>
+              <a:t> 同态与同构</a:t>
+            </a:r>
+          </a:p>
+        </p:txBody>
+      </p:sp>
+      <p:sp>
+        <p:nvSpPr>
+          <p:cNvPr id="15" name="Oval 14">
+            <a:extLst>
+              <a:ext uri="{FF2B5EF4-FFF2-40B4-BE49-F238E27FC236}">
+                <a16:creationId xmlns:a16="http://schemas.microsoft.com/office/drawing/2014/main" id="{D93EA82F-A87C-E1DB-5129-EF3C86B9AA19}"/>
+              </a:ext>
+            </a:extLst>
+          </p:cNvPr>
+          <p:cNvSpPr/>
+          <p:nvPr/>
+        </p:nvSpPr>
+        <p:spPr>
+          <a:xfrm>
+            <a:off x="6654540" y="1091324"/>
+            <a:ext cx="678873" cy="615095"/>
+          </a:xfrm>
+          <a:prstGeom prst="ellipse">
+            <a:avLst/>
+          </a:prstGeom>
+        </p:spPr>
+        <p:style>
+          <a:lnRef idx="2">
+            <a:schemeClr val="accent2">
+              <a:shade val="50000"/>
+            </a:schemeClr>
+          </a:lnRef>
+          <a:fillRef idx="1">
+            <a:schemeClr val="accent2"/>
+          </a:fillRef>
+          <a:effectRef idx="0">
+            <a:schemeClr val="accent2"/>
+          </a:effectRef>
+          <a:fontRef idx="minor">
+            <a:schemeClr val="lt1"/>
+          </a:fontRef>
+        </p:style>
+        <p:txBody>
+          <a:bodyPr rtlCol="0" anchor="ctr"/>
+          <a:lstStyle/>
+          <a:p>
+            <a:pPr algn="ctr"/>
+            <a:r>
+              <a:rPr kumimoji="1" lang="zh-CN" altLang="en-US" dirty="0"/>
+              <a:t>群</a:t>
+            </a:r>
+          </a:p>
+        </p:txBody>
+      </p:sp>
+      <p:sp>
+        <p:nvSpPr>
+          <p:cNvPr id="16" name="Oval 15">
+            <a:extLst>
+              <a:ext uri="{FF2B5EF4-FFF2-40B4-BE49-F238E27FC236}">
+                <a16:creationId xmlns:a16="http://schemas.microsoft.com/office/drawing/2014/main" id="{E9B59DF9-5E1E-346B-A4BD-387E676246AC}"/>
+              </a:ext>
+            </a:extLst>
+          </p:cNvPr>
+          <p:cNvSpPr/>
+          <p:nvPr/>
+        </p:nvSpPr>
+        <p:spPr>
+          <a:xfrm>
+            <a:off x="6751522" y="1004256"/>
+            <a:ext cx="678873" cy="615095"/>
+          </a:xfrm>
+          <a:prstGeom prst="ellipse">
+            <a:avLst/>
+          </a:prstGeom>
+        </p:spPr>
+        <p:style>
+          <a:lnRef idx="2">
+            <a:schemeClr val="accent2">
+              <a:shade val="50000"/>
+            </a:schemeClr>
+          </a:lnRef>
+          <a:fillRef idx="1">
+            <a:schemeClr val="accent2"/>
+          </a:fillRef>
+          <a:effectRef idx="0">
+            <a:schemeClr val="accent2"/>
+          </a:effectRef>
+          <a:fontRef idx="minor">
+            <a:schemeClr val="lt1"/>
+          </a:fontRef>
+        </p:style>
+        <p:txBody>
+          <a:bodyPr rtlCol="0" anchor="ctr"/>
+          <a:lstStyle/>
+          <a:p>
+            <a:pPr algn="ctr"/>
+            <a:r>
+              <a:rPr kumimoji="1" lang="zh-CN" altLang="en-US" dirty="0"/>
+              <a:t>群</a:t>
+            </a:r>
+          </a:p>
+        </p:txBody>
+      </p:sp>
+      <p:sp>
+        <p:nvSpPr>
+          <p:cNvPr id="17" name="TextBox 16">
+            <a:extLst>
+              <a:ext uri="{FF2B5EF4-FFF2-40B4-BE49-F238E27FC236}">
+                <a16:creationId xmlns:a16="http://schemas.microsoft.com/office/drawing/2014/main" id="{AAA103BB-3748-4859-62F8-9DBAB77C8C0B}"/>
+              </a:ext>
+            </a:extLst>
+          </p:cNvPr>
+          <p:cNvSpPr txBox="1"/>
+          <p:nvPr/>
+        </p:nvSpPr>
+        <p:spPr>
+          <a:xfrm>
+            <a:off x="7430395" y="930170"/>
+            <a:ext cx="1361270" cy="307777"/>
+          </a:xfrm>
+          <a:prstGeom prst="rect">
+            <a:avLst/>
+          </a:prstGeom>
+          <a:noFill/>
+        </p:spPr>
+        <p:txBody>
+          <a:bodyPr wrap="none" rtlCol="0">
+            <a:spAutoFit/>
+          </a:bodyPr>
+          <a:lstStyle/>
+          <a:p>
+            <a:r>
+              <a:rPr kumimoji="1" lang="zh-CN" altLang="en-US" sz="1400" dirty="0"/>
+              <a:t>同构</a:t>
+            </a:r>
+            <a:r>
+              <a:rPr kumimoji="1" lang="en-US" altLang="zh-CN" sz="1400" dirty="0"/>
+              <a:t>:</a:t>
+            </a:r>
+            <a:r>
+              <a:rPr kumimoji="1" lang="zh-CN" altLang="en-US" sz="1400" dirty="0"/>
+              <a:t> 保持运算</a:t>
+            </a:r>
+          </a:p>
+        </p:txBody>
+      </p:sp>
+      <p:sp>
+        <p:nvSpPr>
+          <p:cNvPr id="18" name="TextBox 17">
+            <a:extLst>
+              <a:ext uri="{FF2B5EF4-FFF2-40B4-BE49-F238E27FC236}">
+                <a16:creationId xmlns:a16="http://schemas.microsoft.com/office/drawing/2014/main" id="{31BCCE2C-4BDA-DD4C-8296-48E2B8BF8D46}"/>
+              </a:ext>
+            </a:extLst>
+          </p:cNvPr>
+          <p:cNvSpPr txBox="1"/>
+          <p:nvPr/>
+        </p:nvSpPr>
+        <p:spPr>
+          <a:xfrm>
+            <a:off x="1094509" y="1634836"/>
+            <a:ext cx="1236236" cy="369332"/>
+          </a:xfrm>
+          <a:prstGeom prst="rect">
+            <a:avLst/>
+          </a:prstGeom>
+          <a:noFill/>
+        </p:spPr>
+        <p:txBody>
+          <a:bodyPr wrap="none" rtlCol="0">
+            <a:spAutoFit/>
+          </a:bodyPr>
+          <a:lstStyle/>
+          <a:p>
+            <a:r>
+              <a:rPr kumimoji="1" lang="zh-CN" altLang="en-US" dirty="0"/>
+              <a:t>举个例子</a:t>
+            </a:r>
+            <a:r>
+              <a:rPr kumimoji="1" lang="en-US" altLang="zh-CN" dirty="0"/>
+              <a:t>:</a:t>
+            </a:r>
+            <a:r>
+              <a:rPr kumimoji="1" lang="zh-CN" altLang="en-US" dirty="0"/>
+              <a:t> </a:t>
+            </a:r>
+          </a:p>
+        </p:txBody>
+      </p:sp>
+      <p:sp>
+        <p:nvSpPr>
+          <p:cNvPr id="19" name="TextBox 18">
+            <a:extLst>
+              <a:ext uri="{FF2B5EF4-FFF2-40B4-BE49-F238E27FC236}">
+                <a16:creationId xmlns:a16="http://schemas.microsoft.com/office/drawing/2014/main" id="{7DB9A868-6033-1EDD-E800-7B68B0C79177}"/>
+              </a:ext>
+            </a:extLst>
+          </p:cNvPr>
+          <p:cNvSpPr txBox="1"/>
+          <p:nvPr/>
+        </p:nvSpPr>
+        <p:spPr>
+          <a:xfrm>
+            <a:off x="1649356" y="3541565"/>
+            <a:ext cx="364202" cy="369332"/>
+          </a:xfrm>
+          <a:prstGeom prst="rect">
+            <a:avLst/>
+          </a:prstGeom>
+          <a:noFill/>
+        </p:spPr>
+        <p:txBody>
+          <a:bodyPr wrap="none" rtlCol="0">
+            <a:spAutoFit/>
+          </a:bodyPr>
+          <a:lstStyle/>
+          <a:p>
+            <a:r>
+              <a:rPr kumimoji="1" lang="en-US" altLang="zh-CN" dirty="0"/>
+              <a:t>ln</a:t>
+            </a:r>
+            <a:endParaRPr kumimoji="1" lang="zh-CN" altLang="en-US" dirty="0"/>
+          </a:p>
+        </p:txBody>
+      </p:sp>
+      <p:sp>
+        <p:nvSpPr>
+          <p:cNvPr id="20" name="Oval 19">
+            <a:extLst>
+              <a:ext uri="{FF2B5EF4-FFF2-40B4-BE49-F238E27FC236}">
+                <a16:creationId xmlns:a16="http://schemas.microsoft.com/office/drawing/2014/main" id="{1EF7129B-2EAD-1537-BA0A-C8ABA88F0508}"/>
+              </a:ext>
+            </a:extLst>
+          </p:cNvPr>
+          <p:cNvSpPr/>
+          <p:nvPr/>
+        </p:nvSpPr>
+        <p:spPr>
+          <a:xfrm>
+            <a:off x="1094509" y="4419600"/>
+            <a:ext cx="7301346" cy="942109"/>
+          </a:xfrm>
+          <a:prstGeom prst="ellipse">
+            <a:avLst/>
+          </a:prstGeom>
+        </p:spPr>
+        <p:style>
+          <a:lnRef idx="2">
+            <a:schemeClr val="accent6"/>
+          </a:lnRef>
+          <a:fillRef idx="1">
+            <a:schemeClr val="lt1"/>
+          </a:fillRef>
+          <a:effectRef idx="0">
+            <a:schemeClr val="accent6"/>
+          </a:effectRef>
+          <a:fontRef idx="minor">
+            <a:schemeClr val="dk1"/>
+          </a:fontRef>
+        </p:style>
+        <p:txBody>
+          <a:bodyPr rtlCol="0" anchor="ctr"/>
+          <a:lstStyle/>
+          <a:p>
+            <a:pPr algn="ctr"/>
+            <a:endParaRPr kumimoji="1" lang="zh-CN" altLang="en-US"/>
+          </a:p>
+        </p:txBody>
+      </p:sp>
+      <mc:AlternateContent xmlns:mc="http://schemas.openxmlformats.org/markup-compatibility/2006">
+        <mc:Choice xmlns:a14="http://schemas.microsoft.com/office/drawing/2010/main" Requires="a14">
+          <p:sp>
+            <p:nvSpPr>
+              <p:cNvPr id="21" name="TextBox 20">
+                <a:extLst>
+                  <a:ext uri="{FF2B5EF4-FFF2-40B4-BE49-F238E27FC236}">
+                    <a16:creationId xmlns:a16="http://schemas.microsoft.com/office/drawing/2014/main" id="{276E2B6F-9DE3-F723-B7D9-C8144685BAD5}"/>
+                  </a:ext>
+                </a:extLst>
+              </p:cNvPr>
+              <p:cNvSpPr txBox="1"/>
+              <p:nvPr/>
+            </p:nvSpPr>
+            <p:spPr>
+              <a:xfrm>
+                <a:off x="3722274" y="5519177"/>
+                <a:ext cx="2045816" cy="374270"/>
+              </a:xfrm>
+              <a:prstGeom prst="rect">
+                <a:avLst/>
+              </a:prstGeom>
+              <a:noFill/>
+            </p:spPr>
+            <p:txBody>
+              <a:bodyPr wrap="none" rtlCol="0">
+                <a:spAutoFit/>
+              </a:bodyPr>
+              <a:lstStyle/>
+              <a:p>
+                <a14:m>
+                  <m:oMath xmlns:m="http://schemas.openxmlformats.org/officeDocument/2006/math">
+                    <m:sSup>
+                      <m:sSupPr>
+                        <m:ctrlPr>
+                          <a:rPr kumimoji="1" lang="en-US" altLang="zh-CN" b="0" i="1" smtClean="0">
+                            <a:latin typeface="Cambria Math" panose="02040503050406030204" pitchFamily="18" charset="0"/>
+                          </a:rPr>
+                        </m:ctrlPr>
+                      </m:sSupPr>
+                      <m:e>
+                        <m:r>
+                          <a:rPr kumimoji="1" lang="en-US" altLang="zh-CN" b="0" i="1" smtClean="0">
+                            <a:latin typeface="Cambria Math" panose="02040503050406030204" pitchFamily="18" charset="0"/>
+                          </a:rPr>
+                          <m:t>2</m:t>
+                        </m:r>
+                      </m:e>
+                      <m:sup>
+                        <m:r>
+                          <a:rPr kumimoji="1" lang="en-US" altLang="zh-CN" b="0" i="1" smtClean="0">
+                            <a:latin typeface="Cambria Math" panose="02040503050406030204" pitchFamily="18" charset="0"/>
+                          </a:rPr>
+                          <m:t>𝑘</m:t>
+                        </m:r>
+                      </m:sup>
+                    </m:sSup>
+                  </m:oMath>
+                </a14:m>
+                <a:r>
+                  <a:rPr kumimoji="1" lang="zh-CN" altLang="en-US" dirty="0"/>
+                  <a:t>对于乘法构成群</a:t>
+                </a:r>
+              </a:p>
+            </p:txBody>
+          </p:sp>
+        </mc:Choice>
+        <mc:Fallback>
+          <p:sp>
+            <p:nvSpPr>
+              <p:cNvPr id="21" name="TextBox 20">
+                <a:extLst>
+                  <a:ext uri="{FF2B5EF4-FFF2-40B4-BE49-F238E27FC236}">
+                    <a16:creationId xmlns:a16="http://schemas.microsoft.com/office/drawing/2014/main" id="{276E2B6F-9DE3-F723-B7D9-C8144685BAD5}"/>
+                  </a:ext>
+                </a:extLst>
+              </p:cNvPr>
+              <p:cNvSpPr txBox="1">
+                <a:spLocks noRot="1" noChangeAspect="1" noMove="1" noResize="1" noEditPoints="1" noAdjustHandles="1" noChangeArrowheads="1" noChangeShapeType="1" noTextEdit="1"/>
+              </p:cNvSpPr>
+              <p:nvPr/>
+            </p:nvSpPr>
+            <p:spPr>
+              <a:xfrm>
+                <a:off x="3722274" y="5519177"/>
+                <a:ext cx="2045816" cy="374270"/>
+              </a:xfrm>
+              <a:prstGeom prst="rect">
+                <a:avLst/>
+              </a:prstGeom>
+              <a:blipFill>
+                <a:blip r:embed="rId2"/>
+                <a:stretch>
+                  <a:fillRect t="-9677" r="-1235" b="-19355"/>
+                </a:stretch>
+              </a:blipFill>
+            </p:spPr>
+            <p:txBody>
+              <a:bodyPr/>
+              <a:lstStyle/>
+              <a:p>
+                <a:r>
+                  <a:rPr lang="zh-CN" altLang="en-US">
+                    <a:noFill/>
+                  </a:rPr>
+                  <a:t> </a:t>
+                </a:r>
+              </a:p>
+            </p:txBody>
+          </p:sp>
+        </mc:Fallback>
+      </mc:AlternateContent>
+      <mc:AlternateContent xmlns:mc="http://schemas.openxmlformats.org/markup-compatibility/2006">
+        <mc:Choice xmlns:a14="http://schemas.microsoft.com/office/drawing/2010/main" Requires="a14">
+          <p:sp>
+            <p:nvSpPr>
+              <p:cNvPr id="22" name="TextBox 21">
+                <a:extLst>
+                  <a:ext uri="{FF2B5EF4-FFF2-40B4-BE49-F238E27FC236}">
+                    <a16:creationId xmlns:a16="http://schemas.microsoft.com/office/drawing/2014/main" id="{2F898483-A159-C4EF-7967-7C20A62AB946}"/>
+                  </a:ext>
+                </a:extLst>
+              </p:cNvPr>
+              <p:cNvSpPr txBox="1"/>
+              <p:nvPr/>
+            </p:nvSpPr>
+            <p:spPr>
+              <a:xfrm>
+                <a:off x="3995714" y="4705988"/>
+                <a:ext cx="1498936" cy="369332"/>
+              </a:xfrm>
+              <a:prstGeom prst="rect">
+                <a:avLst/>
+              </a:prstGeom>
+              <a:noFill/>
+            </p:spPr>
+            <p:txBody>
+              <a:bodyPr wrap="none" rtlCol="0">
+                <a:spAutoFit/>
+              </a:bodyPr>
+              <a:lstStyle/>
+              <a:p>
+                <a14:m>
+                  <m:oMathPara xmlns:m="http://schemas.openxmlformats.org/officeDocument/2006/math">
+                    <m:oMathParaPr>
+                      <m:jc m:val="centerGroup"/>
+                    </m:oMathParaPr>
+                    <m:oMath xmlns:m="http://schemas.openxmlformats.org/officeDocument/2006/math">
+                      <m:sSup>
+                        <m:sSupPr>
+                          <m:ctrlPr>
+                            <a:rPr kumimoji="1" lang="en-US" altLang="zh-CN" b="0" i="1" smtClean="0">
+                              <a:latin typeface="Cambria Math" panose="02040503050406030204" pitchFamily="18" charset="0"/>
+                            </a:rPr>
+                          </m:ctrlPr>
+                        </m:sSupPr>
+                        <m:e>
+                          <m:r>
+                            <a:rPr kumimoji="1" lang="en-US" altLang="zh-CN" b="0" i="1" smtClean="0">
+                              <a:latin typeface="Cambria Math" panose="02040503050406030204" pitchFamily="18" charset="0"/>
+                            </a:rPr>
+                            <m:t>2</m:t>
+                          </m:r>
+                        </m:e>
+                        <m:sup>
+                          <m:r>
+                            <a:rPr kumimoji="1" lang="en-US" altLang="zh-CN" b="0" i="1" smtClean="0">
+                              <a:latin typeface="Cambria Math" panose="02040503050406030204" pitchFamily="18" charset="0"/>
+                            </a:rPr>
+                            <m:t>2</m:t>
+                          </m:r>
+                        </m:sup>
+                      </m:sSup>
+                      <m:r>
+                        <a:rPr kumimoji="1" lang="en-US" altLang="zh-CN" b="0" i="1" smtClean="0">
+                          <a:latin typeface="Cambria Math" panose="02040503050406030204" pitchFamily="18" charset="0"/>
+                        </a:rPr>
+                        <m:t>,</m:t>
+                      </m:r>
+                      <m:sSup>
+                        <m:sSupPr>
+                          <m:ctrlPr>
+                            <a:rPr kumimoji="1" lang="en-US" altLang="zh-CN" b="0" i="1" smtClean="0">
+                              <a:latin typeface="Cambria Math" panose="02040503050406030204" pitchFamily="18" charset="0"/>
+                            </a:rPr>
+                          </m:ctrlPr>
+                        </m:sSupPr>
+                        <m:e>
+                          <m:r>
+                            <a:rPr kumimoji="1" lang="en-US" altLang="zh-CN" b="0" i="1" smtClean="0">
+                              <a:latin typeface="Cambria Math" panose="02040503050406030204" pitchFamily="18" charset="0"/>
+                            </a:rPr>
+                            <m:t>2</m:t>
+                          </m:r>
+                        </m:e>
+                        <m:sup>
+                          <m:r>
+                            <a:rPr kumimoji="1" lang="en-US" altLang="zh-CN" b="0" i="1" smtClean="0">
+                              <a:latin typeface="Cambria Math" panose="02040503050406030204" pitchFamily="18" charset="0"/>
+                            </a:rPr>
+                            <m:t>3</m:t>
+                          </m:r>
+                        </m:sup>
+                      </m:sSup>
+                      <m:r>
+                        <a:rPr kumimoji="1" lang="en-US" altLang="zh-CN" b="0" i="1" smtClean="0">
+                          <a:latin typeface="Cambria Math" panose="02040503050406030204" pitchFamily="18" charset="0"/>
+                        </a:rPr>
+                        <m:t>,</m:t>
+                      </m:r>
+                      <m:sSup>
+                        <m:sSupPr>
+                          <m:ctrlPr>
+                            <a:rPr kumimoji="1" lang="en-US" altLang="zh-CN" b="0" i="1" smtClean="0">
+                              <a:latin typeface="Cambria Math" panose="02040503050406030204" pitchFamily="18" charset="0"/>
+                            </a:rPr>
+                          </m:ctrlPr>
+                        </m:sSupPr>
+                        <m:e>
+                          <m:r>
+                            <a:rPr kumimoji="1" lang="en-US" altLang="zh-CN" b="0" i="1" smtClean="0">
+                              <a:latin typeface="Cambria Math" panose="02040503050406030204" pitchFamily="18" charset="0"/>
+                            </a:rPr>
+                            <m:t>2</m:t>
+                          </m:r>
+                        </m:e>
+                        <m:sup>
+                          <m:r>
+                            <a:rPr kumimoji="1" lang="en-US" altLang="zh-CN" b="0" i="1" smtClean="0">
+                              <a:latin typeface="Cambria Math" panose="02040503050406030204" pitchFamily="18" charset="0"/>
+                            </a:rPr>
+                            <m:t>4</m:t>
+                          </m:r>
+                        </m:sup>
+                      </m:sSup>
+                      <m:r>
+                        <a:rPr kumimoji="1" lang="en-US" altLang="zh-CN" b="0" i="1" smtClean="0">
+                          <a:latin typeface="Cambria Math" panose="02040503050406030204" pitchFamily="18" charset="0"/>
+                        </a:rPr>
+                        <m:t>,⋯,</m:t>
+                      </m:r>
+                    </m:oMath>
+                  </m:oMathPara>
+                </a14:m>
+                <a:endParaRPr kumimoji="1" lang="zh-CN" altLang="en-US" dirty="0"/>
+              </a:p>
+            </p:txBody>
+          </p:sp>
+        </mc:Choice>
+        <mc:Fallback>
+          <p:sp>
+            <p:nvSpPr>
+              <p:cNvPr id="22" name="TextBox 21">
+                <a:extLst>
+                  <a:ext uri="{FF2B5EF4-FFF2-40B4-BE49-F238E27FC236}">
+                    <a16:creationId xmlns:a16="http://schemas.microsoft.com/office/drawing/2014/main" id="{2F898483-A159-C4EF-7967-7C20A62AB946}"/>
+                  </a:ext>
+                </a:extLst>
+              </p:cNvPr>
+              <p:cNvSpPr txBox="1">
+                <a:spLocks noRot="1" noChangeAspect="1" noMove="1" noResize="1" noEditPoints="1" noAdjustHandles="1" noChangeArrowheads="1" noChangeShapeType="1" noTextEdit="1"/>
+              </p:cNvSpPr>
+              <p:nvPr/>
+            </p:nvSpPr>
+            <p:spPr>
+              <a:xfrm>
+                <a:off x="3995714" y="4705988"/>
+                <a:ext cx="1498936" cy="369332"/>
+              </a:xfrm>
+              <a:prstGeom prst="rect">
+                <a:avLst/>
+              </a:prstGeom>
+              <a:blipFill>
+                <a:blip r:embed="rId3"/>
+                <a:stretch>
+                  <a:fillRect/>
+                </a:stretch>
+              </a:blipFill>
+            </p:spPr>
+            <p:txBody>
+              <a:bodyPr/>
+              <a:lstStyle/>
+              <a:p>
+                <a:r>
+                  <a:rPr lang="zh-CN" altLang="en-US">
+                    <a:noFill/>
+                  </a:rPr>
+                  <a:t> </a:t>
+                </a:r>
+              </a:p>
+            </p:txBody>
+          </p:sp>
+        </mc:Fallback>
+      </mc:AlternateContent>
+      <p:sp>
+        <p:nvSpPr>
+          <p:cNvPr id="23" name="Oval 22">
+            <a:extLst>
+              <a:ext uri="{FF2B5EF4-FFF2-40B4-BE49-F238E27FC236}">
+                <a16:creationId xmlns:a16="http://schemas.microsoft.com/office/drawing/2014/main" id="{C33A23B4-4C77-8C39-F637-E7A36E2E95A3}"/>
+              </a:ext>
+            </a:extLst>
+          </p:cNvPr>
+          <p:cNvSpPr/>
+          <p:nvPr/>
+        </p:nvSpPr>
+        <p:spPr>
+          <a:xfrm>
+            <a:off x="1094509" y="2283401"/>
+            <a:ext cx="7301346" cy="942109"/>
+          </a:xfrm>
+          <a:prstGeom prst="ellipse">
+            <a:avLst/>
+          </a:prstGeom>
+        </p:spPr>
+        <p:style>
+          <a:lnRef idx="2">
+            <a:schemeClr val="accent6"/>
+          </a:lnRef>
+          <a:fillRef idx="1">
+            <a:schemeClr val="lt1"/>
+          </a:fillRef>
+          <a:effectRef idx="0">
+            <a:schemeClr val="accent6"/>
+          </a:effectRef>
+          <a:fontRef idx="minor">
+            <a:schemeClr val="dk1"/>
+          </a:fontRef>
+        </p:style>
+        <p:txBody>
+          <a:bodyPr rtlCol="0" anchor="ctr"/>
+          <a:lstStyle/>
+          <a:p>
+            <a:pPr algn="ctr"/>
+            <a:r>
+              <a:rPr kumimoji="1" lang="en-US" altLang="zh-CN" dirty="0"/>
+              <a:t>2,</a:t>
+            </a:r>
+            <a:r>
+              <a:rPr kumimoji="1" lang="zh-CN" altLang="en-US" dirty="0"/>
+              <a:t> </a:t>
+            </a:r>
+            <a:r>
+              <a:rPr kumimoji="1" lang="en-US" altLang="zh-CN" dirty="0"/>
+              <a:t>3,</a:t>
+            </a:r>
+            <a:r>
+              <a:rPr kumimoji="1" lang="zh-CN" altLang="en-US" dirty="0"/>
+              <a:t> </a:t>
+            </a:r>
+            <a:r>
+              <a:rPr kumimoji="1" lang="en-US" altLang="zh-CN" dirty="0"/>
+              <a:t>4</a:t>
+            </a:r>
+            <a:endParaRPr kumimoji="1" lang="zh-CN" altLang="en-US" dirty="0"/>
+          </a:p>
+        </p:txBody>
+      </p:sp>
+      <p:sp>
+        <p:nvSpPr>
+          <p:cNvPr id="24" name="TextBox 23">
+            <a:extLst>
+              <a:ext uri="{FF2B5EF4-FFF2-40B4-BE49-F238E27FC236}">
+                <a16:creationId xmlns:a16="http://schemas.microsoft.com/office/drawing/2014/main" id="{C03A9D2D-FDA2-7B4C-809E-1BC117732E85}"/>
+              </a:ext>
+            </a:extLst>
+          </p:cNvPr>
+          <p:cNvSpPr txBox="1"/>
+          <p:nvPr/>
+        </p:nvSpPr>
+        <p:spPr>
+          <a:xfrm>
+            <a:off x="3722274" y="1844514"/>
+            <a:ext cx="1972015" cy="369332"/>
+          </a:xfrm>
+          <a:prstGeom prst="rect">
+            <a:avLst/>
+          </a:prstGeom>
+          <a:noFill/>
+        </p:spPr>
+        <p:txBody>
+          <a:bodyPr wrap="none" rtlCol="0">
+            <a:spAutoFit/>
+          </a:bodyPr>
+          <a:lstStyle/>
+          <a:p>
+            <a:r>
+              <a:rPr kumimoji="1" lang="en-US" altLang="zh-CN" dirty="0"/>
+              <a:t>R</a:t>
+            </a:r>
+            <a:r>
+              <a:rPr kumimoji="1" lang="zh-CN" altLang="en-US" dirty="0"/>
+              <a:t>对于加法构成群</a:t>
+            </a:r>
+          </a:p>
+        </p:txBody>
+      </p:sp>
+      <p:sp>
+        <p:nvSpPr>
+          <p:cNvPr id="26" name="Freeform 25">
+            <a:extLst>
+              <a:ext uri="{FF2B5EF4-FFF2-40B4-BE49-F238E27FC236}">
+                <a16:creationId xmlns:a16="http://schemas.microsoft.com/office/drawing/2014/main" id="{EFEE106D-4228-CFDE-2438-111F911FB6DD}"/>
+              </a:ext>
+            </a:extLst>
+          </p:cNvPr>
+          <p:cNvSpPr/>
+          <p:nvPr/>
+        </p:nvSpPr>
+        <p:spPr>
+          <a:xfrm>
+            <a:off x="2096685" y="3117273"/>
+            <a:ext cx="688079" cy="1371600"/>
+          </a:xfrm>
+          <a:custGeom>
+            <a:avLst/>
+            <a:gdLst>
+              <a:gd name="connsiteX0" fmla="*/ 688079 w 688079"/>
+              <a:gd name="connsiteY0" fmla="*/ 1371600 h 1371600"/>
+              <a:gd name="connsiteX1" fmla="*/ 23060 w 688079"/>
+              <a:gd name="connsiteY1" fmla="*/ 678872 h 1371600"/>
+              <a:gd name="connsiteX2" fmla="*/ 217024 w 688079"/>
+              <a:gd name="connsiteY2" fmla="*/ 0 h 1371600"/>
+            </a:gdLst>
+            <a:ahLst/>
+            <a:cxnLst>
+              <a:cxn ang="0">
+                <a:pos x="connsiteX0" y="connsiteY0"/>
+              </a:cxn>
+              <a:cxn ang="0">
+                <a:pos x="connsiteX1" y="connsiteY1"/>
+              </a:cxn>
+              <a:cxn ang="0">
+                <a:pos x="connsiteX2" y="connsiteY2"/>
+              </a:cxn>
+            </a:cxnLst>
+            <a:rect l="l" t="t" r="r" b="b"/>
+            <a:pathLst>
+              <a:path w="688079" h="1371600">
+                <a:moveTo>
+                  <a:pt x="688079" y="1371600"/>
+                </a:moveTo>
+                <a:cubicBezTo>
+                  <a:pt x="394824" y="1139536"/>
+                  <a:pt x="101569" y="907472"/>
+                  <a:pt x="23060" y="678872"/>
+                </a:cubicBezTo>
+                <a:cubicBezTo>
+                  <a:pt x="-55449" y="450272"/>
+                  <a:pt x="80787" y="225136"/>
+                  <a:pt x="217024" y="0"/>
+                </a:cubicBezTo>
+              </a:path>
+            </a:pathLst>
+          </a:custGeom>
+          <a:noFill/>
+          <a:ln w="38100">
+            <a:solidFill>
+              <a:schemeClr val="accent1"/>
+            </a:solidFill>
+            <a:headEnd type="none" w="med" len="med"/>
+            <a:tailEnd type="triangle" w="med" len="med"/>
+          </a:ln>
+        </p:spPr>
+        <p:style>
+          <a:lnRef idx="2">
+            <a:schemeClr val="accent1">
+              <a:shade val="50000"/>
+            </a:schemeClr>
+          </a:lnRef>
+          <a:fillRef idx="1">
+            <a:schemeClr val="accent1"/>
+          </a:fillRef>
+          <a:effectRef idx="0">
+            <a:schemeClr val="accent1"/>
+          </a:effectRef>
+          <a:fontRef idx="minor">
+            <a:schemeClr val="lt1"/>
+          </a:fontRef>
+        </p:style>
+        <p:txBody>
+          <a:bodyPr rtlCol="0" anchor="ctr"/>
+          <a:lstStyle/>
+          <a:p>
+            <a:pPr algn="ctr"/>
+            <a:endParaRPr kumimoji="1" lang="zh-CN" altLang="en-US"/>
+          </a:p>
+        </p:txBody>
+      </p:sp>
+      <p:sp>
+        <p:nvSpPr>
+          <p:cNvPr id="27" name="Freeform 26">
+            <a:extLst>
+              <a:ext uri="{FF2B5EF4-FFF2-40B4-BE49-F238E27FC236}">
+                <a16:creationId xmlns:a16="http://schemas.microsoft.com/office/drawing/2014/main" id="{6AAD2CCD-700E-B797-2E83-319EE4F7B123}"/>
+              </a:ext>
+            </a:extLst>
+          </p:cNvPr>
+          <p:cNvSpPr/>
+          <p:nvPr/>
+        </p:nvSpPr>
+        <p:spPr>
+          <a:xfrm rot="12101016">
+            <a:off x="6305897" y="3096787"/>
+            <a:ext cx="688079" cy="1371600"/>
+          </a:xfrm>
+          <a:custGeom>
+            <a:avLst/>
+            <a:gdLst>
+              <a:gd name="connsiteX0" fmla="*/ 688079 w 688079"/>
+              <a:gd name="connsiteY0" fmla="*/ 1371600 h 1371600"/>
+              <a:gd name="connsiteX1" fmla="*/ 23060 w 688079"/>
+              <a:gd name="connsiteY1" fmla="*/ 678872 h 1371600"/>
+              <a:gd name="connsiteX2" fmla="*/ 217024 w 688079"/>
+              <a:gd name="connsiteY2" fmla="*/ 0 h 1371600"/>
+            </a:gdLst>
+            <a:ahLst/>
+            <a:cxnLst>
+              <a:cxn ang="0">
+                <a:pos x="connsiteX0" y="connsiteY0"/>
+              </a:cxn>
+              <a:cxn ang="0">
+                <a:pos x="connsiteX1" y="connsiteY1"/>
+              </a:cxn>
+              <a:cxn ang="0">
+                <a:pos x="connsiteX2" y="connsiteY2"/>
+              </a:cxn>
+            </a:cxnLst>
+            <a:rect l="l" t="t" r="r" b="b"/>
+            <a:pathLst>
+              <a:path w="688079" h="1371600">
+                <a:moveTo>
+                  <a:pt x="688079" y="1371600"/>
+                </a:moveTo>
+                <a:cubicBezTo>
+                  <a:pt x="394824" y="1139536"/>
+                  <a:pt x="101569" y="907472"/>
+                  <a:pt x="23060" y="678872"/>
+                </a:cubicBezTo>
+                <a:cubicBezTo>
+                  <a:pt x="-55449" y="450272"/>
+                  <a:pt x="80787" y="225136"/>
+                  <a:pt x="217024" y="0"/>
+                </a:cubicBezTo>
+              </a:path>
+            </a:pathLst>
+          </a:custGeom>
+          <a:noFill/>
+          <a:ln w="38100">
+            <a:solidFill>
+              <a:schemeClr val="accent1"/>
+            </a:solidFill>
+            <a:headEnd type="none" w="med" len="med"/>
+            <a:tailEnd type="triangle" w="med" len="med"/>
+          </a:ln>
+        </p:spPr>
+        <p:style>
+          <a:lnRef idx="2">
+            <a:schemeClr val="accent1">
+              <a:shade val="50000"/>
+            </a:schemeClr>
+          </a:lnRef>
+          <a:fillRef idx="1">
+            <a:schemeClr val="accent1"/>
+          </a:fillRef>
+          <a:effectRef idx="0">
+            <a:schemeClr val="accent1"/>
+          </a:effectRef>
+          <a:fontRef idx="minor">
+            <a:schemeClr val="lt1"/>
+          </a:fontRef>
+        </p:style>
+        <p:txBody>
+          <a:bodyPr rtlCol="0" anchor="ctr"/>
+          <a:lstStyle/>
+          <a:p>
+            <a:pPr algn="ctr"/>
+            <a:endParaRPr kumimoji="1" lang="zh-CN" altLang="en-US"/>
+          </a:p>
+        </p:txBody>
+      </p:sp>
+      <p:sp>
+        <p:nvSpPr>
+          <p:cNvPr id="28" name="TextBox 27">
+            <a:extLst>
+              <a:ext uri="{FF2B5EF4-FFF2-40B4-BE49-F238E27FC236}">
+                <a16:creationId xmlns:a16="http://schemas.microsoft.com/office/drawing/2014/main" id="{0BB98400-3D54-0727-6AE6-923D64ABEA9E}"/>
+              </a:ext>
+            </a:extLst>
+          </p:cNvPr>
+          <p:cNvSpPr txBox="1"/>
+          <p:nvPr/>
+        </p:nvSpPr>
+        <p:spPr>
+          <a:xfrm>
+            <a:off x="6993976" y="3520228"/>
+            <a:ext cx="556563" cy="369332"/>
+          </a:xfrm>
+          <a:prstGeom prst="rect">
+            <a:avLst/>
+          </a:prstGeom>
+          <a:noFill/>
+        </p:spPr>
+        <p:txBody>
+          <a:bodyPr wrap="none" rtlCol="0">
+            <a:spAutoFit/>
+          </a:bodyPr>
+          <a:lstStyle/>
+          <a:p>
+            <a:r>
+              <a:rPr kumimoji="1" lang="en-US" altLang="zh-CN" dirty="0"/>
+              <a:t>exp</a:t>
+            </a:r>
+            <a:endParaRPr kumimoji="1" lang="zh-CN" altLang="en-US" dirty="0"/>
+          </a:p>
+        </p:txBody>
+      </p:sp>
+    </p:spTree>
+    <p:extLst>
+      <p:ext uri="{BB962C8B-B14F-4D97-AF65-F5344CB8AC3E}">
+        <p14:creationId xmlns:p14="http://schemas.microsoft.com/office/powerpoint/2010/main" val="3667242265"/>
+      </p:ext>
+    </p:extLst>
+  </p:cSld>
+  <p:clrMapOvr>
+    <a:masterClrMapping/>
+  </p:clrMapOvr>
+  <p:timing>
+    <p:tnLst>
+      <p:par>
+        <p:cTn id="1" dur="indefinite" restart="never" nodeType="tmRoot">
+          <p:childTnLst>
+            <p:seq concurrent="1" nextAc="seek">
+              <p:cTn id="2" dur="indefinite" nodeType="mainSeq">
+                <p:childTnLst>
+                  <p:par>
+                    <p:cTn id="3" fill="hold">
+                      <p:stCondLst>
+                        <p:cond delay="indefinite"/>
+                      </p:stCondLst>
+                      <p:childTnLst>
+                        <p:par>
+                          <p:cTn id="4" fill="hold">
+                            <p:stCondLst>
+                              <p:cond delay="0"/>
+                            </p:stCondLst>
+                            <p:childTnLst>
+                              <p:par>
+                                <p:cTn id="5" presetID="1" presetClass="entr" presetSubtype="0" fill="hold" grpId="0" nodeType="clickEffect">
+                                  <p:stCondLst>
+                                    <p:cond delay="0"/>
+                                  </p:stCondLst>
+                                  <p:childTnLst>
+                                    <p:set>
+                                      <p:cBhvr>
+                                        <p:cTn id="6" dur="1" fill="hold">
+                                          <p:stCondLst>
+                                            <p:cond delay="0"/>
+                                          </p:stCondLst>
+                                        </p:cTn>
+                                        <p:tgtEl>
+                                          <p:spTgt spid="23"/>
+                                        </p:tgtEl>
+                                        <p:attrNameLst>
+                                          <p:attrName>style.visibility</p:attrName>
+                                        </p:attrNameLst>
+                                      </p:cBhvr>
+                                      <p:to>
+                                        <p:strVal val="visible"/>
+                                      </p:to>
+                                    </p:set>
+                                  </p:childTnLst>
+                                </p:cTn>
+                              </p:par>
+                            </p:childTnLst>
+                          </p:cTn>
+                        </p:par>
+                      </p:childTnLst>
+                    </p:cTn>
+                  </p:par>
+                  <p:par>
+                    <p:cTn id="7" fill="hold">
+                      <p:stCondLst>
+                        <p:cond delay="indefinite"/>
+                      </p:stCondLst>
+                      <p:childTnLst>
+                        <p:par>
+                          <p:cTn id="8" fill="hold">
+                            <p:stCondLst>
+                              <p:cond delay="0"/>
+                            </p:stCondLst>
+                            <p:childTnLst>
+                              <p:par>
+                                <p:cTn id="9" presetID="1" presetClass="entr" presetSubtype="0" fill="hold" grpId="0" nodeType="clickEffect">
+                                  <p:stCondLst>
+                                    <p:cond delay="0"/>
+                                  </p:stCondLst>
+                                  <p:childTnLst>
+                                    <p:set>
+                                      <p:cBhvr>
+                                        <p:cTn id="10" dur="1" fill="hold">
+                                          <p:stCondLst>
+                                            <p:cond delay="0"/>
+                                          </p:stCondLst>
+                                        </p:cTn>
+                                        <p:tgtEl>
+                                          <p:spTgt spid="20"/>
+                                        </p:tgtEl>
+                                        <p:attrNameLst>
+                                          <p:attrName>style.visibility</p:attrName>
+                                        </p:attrNameLst>
+                                      </p:cBhvr>
+                                      <p:to>
+                                        <p:strVal val="visible"/>
+                                      </p:to>
+                                    </p:set>
+                                  </p:childTnLst>
+                                </p:cTn>
+                              </p:par>
+                              <p:par>
+                                <p:cTn id="11" presetID="1" presetClass="entr" presetSubtype="0" fill="hold" grpId="0" nodeType="withEffect">
+                                  <p:stCondLst>
+                                    <p:cond delay="0"/>
+                                  </p:stCondLst>
+                                  <p:childTnLst>
+                                    <p:set>
+                                      <p:cBhvr>
+                                        <p:cTn id="12" dur="1" fill="hold">
+                                          <p:stCondLst>
+                                            <p:cond delay="0"/>
+                                          </p:stCondLst>
+                                        </p:cTn>
+                                        <p:tgtEl>
+                                          <p:spTgt spid="22"/>
+                                        </p:tgtEl>
+                                        <p:attrNameLst>
+                                          <p:attrName>style.visibility</p:attrName>
+                                        </p:attrNameLst>
+                                      </p:cBhvr>
+                                      <p:to>
+                                        <p:strVal val="visible"/>
+                                      </p:to>
+                                    </p:set>
+                                  </p:childTnLst>
+                                </p:cTn>
+                              </p:par>
+                            </p:childTnLst>
+                          </p:cTn>
+                        </p:par>
+                      </p:childTnLst>
+                    </p:cTn>
+                  </p:par>
+                  <p:par>
+                    <p:cTn id="13" fill="hold">
+                      <p:stCondLst>
+                        <p:cond delay="indefinite"/>
+                      </p:stCondLst>
+                      <p:childTnLst>
+                        <p:par>
+                          <p:cTn id="14" fill="hold">
+                            <p:stCondLst>
+                              <p:cond delay="0"/>
+                            </p:stCondLst>
+                            <p:childTnLst>
+                              <p:par>
+                                <p:cTn id="15" presetID="1" presetClass="entr" presetSubtype="0" fill="hold" grpId="0" nodeType="clickEffect">
+                                  <p:stCondLst>
+                                    <p:cond delay="0"/>
+                                  </p:stCondLst>
+                                  <p:childTnLst>
+                                    <p:set>
+                                      <p:cBhvr>
+                                        <p:cTn id="16" dur="1" fill="hold">
+                                          <p:stCondLst>
+                                            <p:cond delay="0"/>
+                                          </p:stCondLst>
+                                        </p:cTn>
+                                        <p:tgtEl>
+                                          <p:spTgt spid="21"/>
+                                        </p:tgtEl>
+                                        <p:attrNameLst>
+                                          <p:attrName>style.visibility</p:attrName>
+                                        </p:attrNameLst>
+                                      </p:cBhvr>
+                                      <p:to>
+                                        <p:strVal val="visible"/>
+                                      </p:to>
+                                    </p:set>
+                                  </p:childTnLst>
+                                </p:cTn>
+                              </p:par>
+                            </p:childTnLst>
+                          </p:cTn>
+                        </p:par>
+                      </p:childTnLst>
+                    </p:cTn>
+                  </p:par>
+                  <p:par>
+                    <p:cTn id="17" fill="hold">
+                      <p:stCondLst>
+                        <p:cond delay="indefinite"/>
+                      </p:stCondLst>
+                      <p:childTnLst>
+                        <p:par>
+                          <p:cTn id="18" fill="hold">
+                            <p:stCondLst>
+                              <p:cond delay="0"/>
+                            </p:stCondLst>
+                            <p:childTnLst>
+                              <p:par>
+                                <p:cTn id="19" presetID="1" presetClass="entr" presetSubtype="0" fill="hold" grpId="0" nodeType="clickEffect">
+                                  <p:stCondLst>
+                                    <p:cond delay="0"/>
+                                  </p:stCondLst>
+                                  <p:childTnLst>
+                                    <p:set>
+                                      <p:cBhvr>
+                                        <p:cTn id="20" dur="1" fill="hold">
+                                          <p:stCondLst>
+                                            <p:cond delay="0"/>
+                                          </p:stCondLst>
+                                        </p:cTn>
+                                        <p:tgtEl>
+                                          <p:spTgt spid="24"/>
+                                        </p:tgtEl>
+                                        <p:attrNameLst>
+                                          <p:attrName>style.visibility</p:attrName>
+                                        </p:attrNameLst>
+                                      </p:cBhvr>
+                                      <p:to>
+                                        <p:strVal val="visible"/>
+                                      </p:to>
+                                    </p:set>
+                                  </p:childTnLst>
+                                </p:cTn>
+                              </p:par>
+                            </p:childTnLst>
+                          </p:cTn>
+                        </p:par>
+                      </p:childTnLst>
+                    </p:cTn>
+                  </p:par>
+                  <p:par>
+                    <p:cTn id="21" fill="hold">
+                      <p:stCondLst>
+                        <p:cond delay="indefinite"/>
+                      </p:stCondLst>
+                      <p:childTnLst>
+                        <p:par>
+                          <p:cTn id="22" fill="hold">
+                            <p:stCondLst>
+                              <p:cond delay="0"/>
+                            </p:stCondLst>
+                            <p:childTnLst>
+                              <p:par>
+                                <p:cTn id="23" presetID="1" presetClass="entr" presetSubtype="0" fill="hold" grpId="0" nodeType="clickEffect">
+                                  <p:stCondLst>
+                                    <p:cond delay="0"/>
+                                  </p:stCondLst>
+                                  <p:childTnLst>
+                                    <p:set>
+                                      <p:cBhvr>
+                                        <p:cTn id="24" dur="1" fill="hold">
+                                          <p:stCondLst>
+                                            <p:cond delay="0"/>
+                                          </p:stCondLst>
+                                        </p:cTn>
+                                        <p:tgtEl>
+                                          <p:spTgt spid="19"/>
+                                        </p:tgtEl>
+                                        <p:attrNameLst>
+                                          <p:attrName>style.visibility</p:attrName>
+                                        </p:attrNameLst>
+                                      </p:cBhvr>
+                                      <p:to>
+                                        <p:strVal val="visible"/>
+                                      </p:to>
+                                    </p:set>
+                                  </p:childTnLst>
+                                </p:cTn>
+                              </p:par>
+                              <p:par>
+                                <p:cTn id="25" presetID="1" presetClass="entr" presetSubtype="0" fill="hold" grpId="0" nodeType="withEffect">
+                                  <p:stCondLst>
+                                    <p:cond delay="0"/>
+                                  </p:stCondLst>
+                                  <p:childTnLst>
+                                    <p:set>
+                                      <p:cBhvr>
+                                        <p:cTn id="26" dur="1" fill="hold">
+                                          <p:stCondLst>
+                                            <p:cond delay="0"/>
+                                          </p:stCondLst>
+                                        </p:cTn>
+                                        <p:tgtEl>
+                                          <p:spTgt spid="26"/>
+                                        </p:tgtEl>
+                                        <p:attrNameLst>
+                                          <p:attrName>style.visibility</p:attrName>
+                                        </p:attrNameLst>
+                                      </p:cBhvr>
+                                      <p:to>
+                                        <p:strVal val="visible"/>
+                                      </p:to>
+                                    </p:set>
+                                  </p:childTnLst>
+                                </p:cTn>
+                              </p:par>
+                            </p:childTnLst>
+                          </p:cTn>
+                        </p:par>
+                      </p:childTnLst>
+                    </p:cTn>
+                  </p:par>
+                  <p:par>
+                    <p:cTn id="27" fill="hold">
+                      <p:stCondLst>
+                        <p:cond delay="indefinite"/>
+                      </p:stCondLst>
+                      <p:childTnLst>
+                        <p:par>
+                          <p:cTn id="28" fill="hold">
+                            <p:stCondLst>
+                              <p:cond delay="0"/>
+                            </p:stCondLst>
+                            <p:childTnLst>
+                              <p:par>
+                                <p:cTn id="29" presetID="1" presetClass="entr" presetSubtype="0" fill="hold" grpId="0" nodeType="clickEffect">
+                                  <p:stCondLst>
+                                    <p:cond delay="0"/>
+                                  </p:stCondLst>
+                                  <p:childTnLst>
+                                    <p:set>
+                                      <p:cBhvr>
+                                        <p:cTn id="30" dur="1" fill="hold">
+                                          <p:stCondLst>
+                                            <p:cond delay="0"/>
+                                          </p:stCondLst>
+                                        </p:cTn>
+                                        <p:tgtEl>
+                                          <p:spTgt spid="28"/>
+                                        </p:tgtEl>
+                                        <p:attrNameLst>
+                                          <p:attrName>style.visibility</p:attrName>
+                                        </p:attrNameLst>
+                                      </p:cBhvr>
+                                      <p:to>
+                                        <p:strVal val="visible"/>
+                                      </p:to>
+                                    </p:set>
+                                  </p:childTnLst>
+                                </p:cTn>
+                              </p:par>
+                              <p:par>
+                                <p:cTn id="31" presetID="1" presetClass="entr" presetSubtype="0" fill="hold" grpId="0" nodeType="withEffect">
+                                  <p:stCondLst>
+                                    <p:cond delay="0"/>
+                                  </p:stCondLst>
+                                  <p:childTnLst>
+                                    <p:set>
+                                      <p:cBhvr>
+                                        <p:cTn id="32" dur="1" fill="hold">
+                                          <p:stCondLst>
+                                            <p:cond delay="0"/>
+                                          </p:stCondLst>
+                                        </p:cTn>
+                                        <p:tgtEl>
+                                          <p:spTgt spid="27"/>
+                                        </p:tgtEl>
+                                        <p:attrNameLst>
+                                          <p:attrName>style.visibility</p:attrName>
+                                        </p:attrNameLst>
+                                      </p:cBhvr>
+                                      <p:to>
+                                        <p:strVal val="visible"/>
+                                      </p:to>
+                                    </p:set>
+                                  </p:childTnLst>
+                                </p:cTn>
+                              </p:par>
+                            </p:childTnLst>
+                          </p:cTn>
+                        </p:par>
+                      </p:childTnLst>
+                    </p:cTn>
+                  </p:par>
+                </p:childTnLst>
+              </p:cTn>
+              <p:prevCondLst>
+                <p:cond evt="onPrev" delay="0">
+                  <p:tgtEl>
+                    <p:sldTgt/>
+                  </p:tgtEl>
+                </p:cond>
+              </p:prevCondLst>
+              <p:nextCondLst>
+                <p:cond evt="onNext" delay="0">
+                  <p:tgtEl>
+                    <p:sldTgt/>
+                  </p:tgtEl>
+                </p:cond>
+              </p:nextCondLst>
+            </p:seq>
+          </p:childTnLst>
+        </p:cTn>
+      </p:par>
+    </p:tnLst>
+    <p:bldLst>
+      <p:bldP spid="19" grpId="0"/>
+      <p:bldP spid="20" grpId="0" animBg="1"/>
+      <p:bldP spid="21" grpId="0"/>
+      <p:bldP spid="22" grpId="0"/>
+      <p:bldP spid="23" grpId="0" animBg="1"/>
+      <p:bldP spid="24" grpId="0"/>
+      <p:bldP spid="26" grpId="0" animBg="1"/>
+      <p:bldP spid="27" grpId="0" animBg="1"/>
+      <p:bldP spid="28" grpId="0"/>
+    </p:bldLst>
+  </p:timing>
+</p:sld>
+</file>
+
+<file path=ppt/slides/slide6.xml><?xml version="1.0" encoding="utf-8"?>
+<p:sld xmlns:a="http://schemas.openxmlformats.org/drawingml/2006/main" xmlns:r="http://schemas.openxmlformats.org/officeDocument/2006/relationships" xmlns:p="http://schemas.openxmlformats.org/presentationml/2006/main">
+  <p:cSld>
+    <p:spTree>
+      <p:nvGrpSpPr>
+        <p:cNvPr id="1" name=""/>
+        <p:cNvGrpSpPr/>
+        <p:nvPr/>
+      </p:nvGrpSpPr>
+      <p:grpSpPr>
+        <a:xfrm>
+          <a:off x="0" y="0"/>
+          <a:ext cx="0" cy="0"/>
+          <a:chOff x="0" y="0"/>
+          <a:chExt cx="0" cy="0"/>
+        </a:xfrm>
+      </p:grpSpPr>
+      <p:sp>
+        <p:nvSpPr>
+          <p:cNvPr id="2" name="Slide Number Placeholder 1">
+            <a:extLst>
+              <a:ext uri="{FF2B5EF4-FFF2-40B4-BE49-F238E27FC236}">
+                <a16:creationId xmlns:a16="http://schemas.microsoft.com/office/drawing/2014/main" id="{252163C1-2528-F420-833D-73BEDE5FBB96}"/>
+              </a:ext>
+            </a:extLst>
+          </p:cNvPr>
+          <p:cNvSpPr>
+            <a:spLocks noGrp="1"/>
+          </p:cNvSpPr>
+          <p:nvPr>
+            <p:ph type="sldNum" sz="quarter" idx="12"/>
+          </p:nvPr>
+        </p:nvSpPr>
+        <p:spPr/>
+        <p:txBody>
+          <a:bodyPr/>
+          <a:lstStyle/>
+          <a:p>
+            <a:fld id="{7A304655-5D53-B746-8252-3F5A598C52D3}" type="slidenum">
+              <a:rPr lang="en-CN" smtClean="0"/>
+              <a:pPr/>
+              <a:t>6</a:t>
+            </a:fld>
+            <a:endParaRPr lang="en-CN"/>
+          </a:p>
+        </p:txBody>
+      </p:sp>
+      <p:sp>
+        <p:nvSpPr>
+          <p:cNvPr id="3" name="Title 2">
+            <a:extLst>
+              <a:ext uri="{FF2B5EF4-FFF2-40B4-BE49-F238E27FC236}">
+                <a16:creationId xmlns:a16="http://schemas.microsoft.com/office/drawing/2014/main" id="{6E579CAA-EC66-9DFA-8A60-0EAC4F6622C0}"/>
+              </a:ext>
+            </a:extLst>
+          </p:cNvPr>
+          <p:cNvSpPr>
+            <a:spLocks noGrp="1"/>
+          </p:cNvSpPr>
+          <p:nvPr>
+            <p:ph type="title"/>
+          </p:nvPr>
+        </p:nvSpPr>
+        <p:spPr/>
+        <p:txBody>
+          <a:bodyPr/>
+          <a:lstStyle/>
+          <a:p>
+            <a:r>
+              <a:rPr kumimoji="1" lang="zh-CN" altLang="en-US" dirty="0"/>
+              <a:t>一个自然同态</a:t>
+            </a:r>
+          </a:p>
+        </p:txBody>
+      </p:sp>
+      <p:sp>
+        <p:nvSpPr>
+          <p:cNvPr id="5" name="TextBox 4">
+            <a:extLst>
+              <a:ext uri="{FF2B5EF4-FFF2-40B4-BE49-F238E27FC236}">
+                <a16:creationId xmlns:a16="http://schemas.microsoft.com/office/drawing/2014/main" id="{07BFA650-6DFB-98F6-2561-AF9B55F00F26}"/>
+              </a:ext>
+            </a:extLst>
+          </p:cNvPr>
+          <p:cNvSpPr txBox="1"/>
+          <p:nvPr/>
+        </p:nvSpPr>
+        <p:spPr>
+          <a:xfrm>
+            <a:off x="628650" y="1029177"/>
+            <a:ext cx="1595309" cy="369332"/>
+          </a:xfrm>
+          <a:prstGeom prst="rect">
+            <a:avLst/>
+          </a:prstGeom>
+          <a:noFill/>
+        </p:spPr>
+        <p:txBody>
+          <a:bodyPr wrap="none" rtlCol="0">
+            <a:spAutoFit/>
+          </a:bodyPr>
+          <a:lstStyle/>
+          <a:p>
+            <a:r>
+              <a:rPr kumimoji="1" lang="en-US" altLang="zh-CN" dirty="0"/>
+              <a:t>1.</a:t>
+            </a:r>
+            <a:r>
+              <a:rPr kumimoji="1" lang="zh-CN" altLang="en-US" dirty="0"/>
+              <a:t> 同态与同构</a:t>
+            </a:r>
+          </a:p>
+        </p:txBody>
+      </p:sp>
+      <p:sp>
+        <p:nvSpPr>
+          <p:cNvPr id="15" name="Oval 14">
+            <a:extLst>
+              <a:ext uri="{FF2B5EF4-FFF2-40B4-BE49-F238E27FC236}">
+                <a16:creationId xmlns:a16="http://schemas.microsoft.com/office/drawing/2014/main" id="{D93EA82F-A87C-E1DB-5129-EF3C86B9AA19}"/>
+              </a:ext>
+            </a:extLst>
+          </p:cNvPr>
+          <p:cNvSpPr/>
+          <p:nvPr/>
+        </p:nvSpPr>
+        <p:spPr>
+          <a:xfrm>
+            <a:off x="6654540" y="1091324"/>
+            <a:ext cx="678873" cy="615095"/>
+          </a:xfrm>
+          <a:prstGeom prst="ellipse">
+            <a:avLst/>
+          </a:prstGeom>
+        </p:spPr>
+        <p:style>
+          <a:lnRef idx="2">
+            <a:schemeClr val="accent2">
+              <a:shade val="50000"/>
+            </a:schemeClr>
+          </a:lnRef>
+          <a:fillRef idx="1">
+            <a:schemeClr val="accent2"/>
+          </a:fillRef>
+          <a:effectRef idx="0">
+            <a:schemeClr val="accent2"/>
+          </a:effectRef>
+          <a:fontRef idx="minor">
+            <a:schemeClr val="lt1"/>
+          </a:fontRef>
+        </p:style>
+        <p:txBody>
+          <a:bodyPr rtlCol="0" anchor="ctr"/>
+          <a:lstStyle/>
+          <a:p>
+            <a:pPr algn="ctr"/>
+            <a:r>
+              <a:rPr kumimoji="1" lang="zh-CN" altLang="en-US" dirty="0"/>
+              <a:t>群</a:t>
+            </a:r>
+          </a:p>
+        </p:txBody>
+      </p:sp>
+      <p:sp>
+        <p:nvSpPr>
+          <p:cNvPr id="16" name="Oval 15">
+            <a:extLst>
+              <a:ext uri="{FF2B5EF4-FFF2-40B4-BE49-F238E27FC236}">
+                <a16:creationId xmlns:a16="http://schemas.microsoft.com/office/drawing/2014/main" id="{E9B59DF9-5E1E-346B-A4BD-387E676246AC}"/>
+              </a:ext>
+            </a:extLst>
+          </p:cNvPr>
+          <p:cNvSpPr/>
+          <p:nvPr/>
+        </p:nvSpPr>
+        <p:spPr>
+          <a:xfrm>
+            <a:off x="6751522" y="1004256"/>
+            <a:ext cx="678873" cy="615095"/>
+          </a:xfrm>
+          <a:prstGeom prst="ellipse">
+            <a:avLst/>
+          </a:prstGeom>
+        </p:spPr>
+        <p:style>
+          <a:lnRef idx="2">
+            <a:schemeClr val="accent2">
+              <a:shade val="50000"/>
+            </a:schemeClr>
+          </a:lnRef>
+          <a:fillRef idx="1">
+            <a:schemeClr val="accent2"/>
+          </a:fillRef>
+          <a:effectRef idx="0">
+            <a:schemeClr val="accent2"/>
+          </a:effectRef>
+          <a:fontRef idx="minor">
+            <a:schemeClr val="lt1"/>
+          </a:fontRef>
+        </p:style>
+        <p:txBody>
+          <a:bodyPr rtlCol="0" anchor="ctr"/>
+          <a:lstStyle/>
+          <a:p>
+            <a:pPr algn="ctr"/>
+            <a:r>
+              <a:rPr kumimoji="1" lang="zh-CN" altLang="en-US" dirty="0"/>
+              <a:t>群</a:t>
+            </a:r>
+          </a:p>
+        </p:txBody>
+      </p:sp>
+      <p:sp>
+        <p:nvSpPr>
+          <p:cNvPr id="17" name="TextBox 16">
+            <a:extLst>
+              <a:ext uri="{FF2B5EF4-FFF2-40B4-BE49-F238E27FC236}">
+                <a16:creationId xmlns:a16="http://schemas.microsoft.com/office/drawing/2014/main" id="{AAA103BB-3748-4859-62F8-9DBAB77C8C0B}"/>
+              </a:ext>
+            </a:extLst>
+          </p:cNvPr>
+          <p:cNvSpPr txBox="1"/>
+          <p:nvPr/>
+        </p:nvSpPr>
+        <p:spPr>
+          <a:xfrm>
+            <a:off x="7430395" y="930170"/>
+            <a:ext cx="1361270" cy="307777"/>
+          </a:xfrm>
+          <a:prstGeom prst="rect">
+            <a:avLst/>
+          </a:prstGeom>
+          <a:noFill/>
+        </p:spPr>
+        <p:txBody>
+          <a:bodyPr wrap="none" rtlCol="0">
+            <a:spAutoFit/>
+          </a:bodyPr>
+          <a:lstStyle/>
+          <a:p>
+            <a:r>
+              <a:rPr kumimoji="1" lang="zh-CN" altLang="en-US" sz="1400" dirty="0"/>
+              <a:t>同构</a:t>
+            </a:r>
+            <a:r>
+              <a:rPr kumimoji="1" lang="en-US" altLang="zh-CN" sz="1400" dirty="0"/>
+              <a:t>:</a:t>
+            </a:r>
+            <a:r>
+              <a:rPr kumimoji="1" lang="zh-CN" altLang="en-US" sz="1400" dirty="0"/>
+              <a:t> 保持运算</a:t>
+            </a:r>
+          </a:p>
+        </p:txBody>
+      </p:sp>
+      <p:sp>
+        <p:nvSpPr>
+          <p:cNvPr id="4" name="TextBox 3">
+            <a:extLst>
+              <a:ext uri="{FF2B5EF4-FFF2-40B4-BE49-F238E27FC236}">
+                <a16:creationId xmlns:a16="http://schemas.microsoft.com/office/drawing/2014/main" id="{A007733A-20D1-581A-7D25-989B2D870FE5}"/>
+              </a:ext>
+            </a:extLst>
+          </p:cNvPr>
+          <p:cNvSpPr txBox="1"/>
+          <p:nvPr/>
+        </p:nvSpPr>
+        <p:spPr>
+          <a:xfrm>
+            <a:off x="748145" y="1704109"/>
+            <a:ext cx="1928733" cy="369332"/>
+          </a:xfrm>
+          <a:prstGeom prst="rect">
+            <a:avLst/>
+          </a:prstGeom>
+          <a:noFill/>
+        </p:spPr>
+        <p:txBody>
+          <a:bodyPr wrap="none" rtlCol="0">
+            <a:spAutoFit/>
+          </a:bodyPr>
+          <a:lstStyle/>
+          <a:p>
+            <a:r>
+              <a:rPr kumimoji="1" lang="zh-CN" altLang="en-US" dirty="0"/>
+              <a:t>以前遇到过一个</a:t>
+            </a:r>
+            <a:r>
+              <a:rPr kumimoji="1" lang="en-US" altLang="zh-CN" dirty="0"/>
+              <a:t>:</a:t>
+            </a:r>
+            <a:r>
+              <a:rPr kumimoji="1" lang="zh-CN" altLang="en-US" dirty="0"/>
+              <a:t> </a:t>
+            </a:r>
+          </a:p>
+        </p:txBody>
+      </p:sp>
+      <p:pic>
+        <p:nvPicPr>
+          <p:cNvPr id="6" name="Picture 5">
+            <a:extLst>
+              <a:ext uri="{FF2B5EF4-FFF2-40B4-BE49-F238E27FC236}">
+                <a16:creationId xmlns:a16="http://schemas.microsoft.com/office/drawing/2014/main" id="{5D49B723-B5DD-5139-B12A-666B8F0D07DD}"/>
+              </a:ext>
+            </a:extLst>
+          </p:cNvPr>
+          <p:cNvPicPr>
+            <a:picLocks noChangeAspect="1"/>
+          </p:cNvPicPr>
+          <p:nvPr/>
+        </p:nvPicPr>
+        <p:blipFill>
+          <a:blip r:embed="rId2"/>
+          <a:stretch>
+            <a:fillRect/>
+          </a:stretch>
+        </p:blipFill>
+        <p:spPr>
+          <a:xfrm>
+            <a:off x="992059" y="2140126"/>
+            <a:ext cx="2463800" cy="596900"/>
+          </a:xfrm>
+          <a:prstGeom prst="rect">
+            <a:avLst/>
+          </a:prstGeom>
+        </p:spPr>
+      </p:pic>
+      <p:pic>
+        <p:nvPicPr>
+          <p:cNvPr id="7" name="Picture 6">
+            <a:extLst>
+              <a:ext uri="{FF2B5EF4-FFF2-40B4-BE49-F238E27FC236}">
+                <a16:creationId xmlns:a16="http://schemas.microsoft.com/office/drawing/2014/main" id="{A8835976-1AC2-F8EC-C7AC-FF6E86E8D360}"/>
+              </a:ext>
+            </a:extLst>
+          </p:cNvPr>
+          <p:cNvPicPr>
+            <a:picLocks noChangeAspect="1"/>
+          </p:cNvPicPr>
+          <p:nvPr/>
+        </p:nvPicPr>
+        <p:blipFill>
+          <a:blip r:embed="rId3"/>
+          <a:stretch>
+            <a:fillRect/>
+          </a:stretch>
+        </p:blipFill>
+        <p:spPr>
+          <a:xfrm>
+            <a:off x="3455859" y="2140126"/>
+            <a:ext cx="3124200" cy="673100"/>
+          </a:xfrm>
+          <a:prstGeom prst="rect">
+            <a:avLst/>
+          </a:prstGeom>
+        </p:spPr>
+      </p:pic>
+      <p:pic>
+        <p:nvPicPr>
+          <p:cNvPr id="8" name="Picture 7">
+            <a:extLst>
+              <a:ext uri="{FF2B5EF4-FFF2-40B4-BE49-F238E27FC236}">
+                <a16:creationId xmlns:a16="http://schemas.microsoft.com/office/drawing/2014/main" id="{F6F72512-A033-7023-254E-5FBB9F43945F}"/>
+              </a:ext>
+            </a:extLst>
+          </p:cNvPr>
+          <p:cNvPicPr>
+            <a:picLocks noChangeAspect="1"/>
+          </p:cNvPicPr>
+          <p:nvPr/>
+        </p:nvPicPr>
+        <p:blipFill>
+          <a:blip r:embed="rId4"/>
+          <a:stretch>
+            <a:fillRect/>
+          </a:stretch>
+        </p:blipFill>
+        <p:spPr>
+          <a:xfrm>
+            <a:off x="6535045" y="2223844"/>
+            <a:ext cx="1790700" cy="673100"/>
+          </a:xfrm>
+          <a:prstGeom prst="rect">
+            <a:avLst/>
+          </a:prstGeom>
+        </p:spPr>
+      </p:pic>
+      <p:pic>
+        <p:nvPicPr>
+          <p:cNvPr id="9" name="Picture 8">
+            <a:extLst>
+              <a:ext uri="{FF2B5EF4-FFF2-40B4-BE49-F238E27FC236}">
+                <a16:creationId xmlns:a16="http://schemas.microsoft.com/office/drawing/2014/main" id="{26C5C71B-5B89-288E-6C88-4FD2B2BC53DF}"/>
+              </a:ext>
+            </a:extLst>
+          </p:cNvPr>
+          <p:cNvPicPr>
+            <a:picLocks noChangeAspect="1"/>
+          </p:cNvPicPr>
+          <p:nvPr/>
+        </p:nvPicPr>
+        <p:blipFill>
+          <a:blip r:embed="rId5">
+            <a:clrChange>
+              <a:clrFrom>
+                <a:srgbClr val="E4E4E4"/>
+              </a:clrFrom>
+              <a:clrTo>
+                <a:srgbClr val="E4E4E4">
+                  <a:alpha val="0"/>
+                </a:srgbClr>
+              </a:clrTo>
+            </a:clrChange>
+          </a:blip>
+          <a:stretch>
+            <a:fillRect/>
+          </a:stretch>
+        </p:blipFill>
+        <p:spPr>
+          <a:xfrm>
+            <a:off x="202905" y="2813226"/>
+            <a:ext cx="4586454" cy="3484806"/>
+          </a:xfrm>
+          <a:prstGeom prst="rect">
+            <a:avLst/>
+          </a:prstGeom>
+        </p:spPr>
+      </p:pic>
+      <p:pic>
+        <p:nvPicPr>
+          <p:cNvPr id="10" name="Picture 9">
+            <a:extLst>
+              <a:ext uri="{FF2B5EF4-FFF2-40B4-BE49-F238E27FC236}">
+                <a16:creationId xmlns:a16="http://schemas.microsoft.com/office/drawing/2014/main" id="{8DD78A87-8BF8-ED63-5F74-9D53B902EAE8}"/>
+              </a:ext>
+            </a:extLst>
+          </p:cNvPr>
+          <p:cNvPicPr>
+            <a:picLocks noChangeAspect="1"/>
+          </p:cNvPicPr>
+          <p:nvPr/>
+        </p:nvPicPr>
+        <p:blipFill>
+          <a:blip r:embed="rId6"/>
+          <a:stretch>
+            <a:fillRect/>
+          </a:stretch>
+        </p:blipFill>
+        <p:spPr>
+          <a:xfrm>
+            <a:off x="6624236" y="2802671"/>
+            <a:ext cx="2032000" cy="533400"/>
+          </a:xfrm>
+          <a:prstGeom prst="rect">
+            <a:avLst/>
+          </a:prstGeom>
+        </p:spPr>
+      </p:pic>
+    </p:spTree>
+    <p:extLst>
+      <p:ext uri="{BB962C8B-B14F-4D97-AF65-F5344CB8AC3E}">
+        <p14:creationId xmlns:p14="http://schemas.microsoft.com/office/powerpoint/2010/main" val="3351868709"/>
+      </p:ext>
+    </p:extLst>
+  </p:cSld>
+  <p:clrMapOvr>
+    <a:masterClrMapping/>
+  </p:clrMapOvr>
+  <p:timing>
+    <p:tnLst>
+      <p:par>
+        <p:cTn id="1" dur="indefinite" restart="never" nodeType="tmRoot">
+          <p:childTnLst>
+            <p:seq concurrent="1" nextAc="seek">
+              <p:cTn id="2" dur="indefinite" nodeType="mainSeq">
+                <p:childTnLst>
+                  <p:par>
+                    <p:cTn id="3" fill="hold">
+                      <p:stCondLst>
+                        <p:cond delay="indefinite"/>
+                      </p:stCondLst>
+                      <p:childTnLst>
+                        <p:par>
+                          <p:cTn id="4" fill="hold">
+                            <p:stCondLst>
+                              <p:cond delay="0"/>
+                            </p:stCondLst>
+                            <p:childTnLst>
+                              <p:par>
+                                <p:cTn id="5" presetID="1" presetClass="entr" presetSubtype="0" fill="hold" nodeType="clickEffect">
+                                  <p:stCondLst>
+                                    <p:cond delay="0"/>
+                                  </p:stCondLst>
+                                  <p:childTnLst>
+                                    <p:set>
+                                      <p:cBhvr>
+                                        <p:cTn id="6" dur="1" fill="hold">
+                                          <p:stCondLst>
+                                            <p:cond delay="0"/>
+                                          </p:stCondLst>
+                                        </p:cTn>
+                                        <p:tgtEl>
+                                          <p:spTgt spid="6"/>
+                                        </p:tgtEl>
+                                        <p:attrNameLst>
+                                          <p:attrName>style.visibility</p:attrName>
+                                        </p:attrNameLst>
+                                      </p:cBhvr>
+                                      <p:to>
+                                        <p:strVal val="visible"/>
+                                      </p:to>
+                                    </p:set>
+                                  </p:childTnLst>
+                                </p:cTn>
+                              </p:par>
+                            </p:childTnLst>
+                          </p:cTn>
+                        </p:par>
+                      </p:childTnLst>
+                    </p:cTn>
+                  </p:par>
+                  <p:par>
+                    <p:cTn id="7" fill="hold">
+                      <p:stCondLst>
+                        <p:cond delay="indefinite"/>
+                      </p:stCondLst>
+                      <p:childTnLst>
+                        <p:par>
+                          <p:cTn id="8" fill="hold">
+                            <p:stCondLst>
+                              <p:cond delay="0"/>
+                            </p:stCondLst>
+                            <p:childTnLst>
+                              <p:par>
+                                <p:cTn id="9" presetID="1" presetClass="entr" presetSubtype="0" fill="hold" nodeType="clickEffect">
+                                  <p:stCondLst>
+                                    <p:cond delay="0"/>
+                                  </p:stCondLst>
+                                  <p:childTnLst>
+                                    <p:set>
+                                      <p:cBhvr>
+                                        <p:cTn id="10" dur="1" fill="hold">
+                                          <p:stCondLst>
+                                            <p:cond delay="0"/>
+                                          </p:stCondLst>
+                                        </p:cTn>
+                                        <p:tgtEl>
+                                          <p:spTgt spid="7"/>
+                                        </p:tgtEl>
+                                        <p:attrNameLst>
+                                          <p:attrName>style.visibility</p:attrName>
+                                        </p:attrNameLst>
+                                      </p:cBhvr>
+                                      <p:to>
+                                        <p:strVal val="visible"/>
+                                      </p:to>
+                                    </p:set>
+                                  </p:childTnLst>
+                                </p:cTn>
+                              </p:par>
+                            </p:childTnLst>
+                          </p:cTn>
+                        </p:par>
+                      </p:childTnLst>
+                    </p:cTn>
+                  </p:par>
+                  <p:par>
+                    <p:cTn id="11" fill="hold">
+                      <p:stCondLst>
+                        <p:cond delay="indefinite"/>
+                      </p:stCondLst>
+                      <p:childTnLst>
+                        <p:par>
+                          <p:cTn id="12" fill="hold">
+                            <p:stCondLst>
+                              <p:cond delay="0"/>
+                            </p:stCondLst>
+                            <p:childTnLst>
+                              <p:par>
+                                <p:cTn id="13" presetID="1" presetClass="entr" presetSubtype="0" fill="hold" nodeType="clickEffect">
+                                  <p:stCondLst>
+                                    <p:cond delay="0"/>
+                                  </p:stCondLst>
+                                  <p:childTnLst>
+                                    <p:set>
+                                      <p:cBhvr>
+                                        <p:cTn id="14" dur="1" fill="hold">
+                                          <p:stCondLst>
+                                            <p:cond delay="0"/>
+                                          </p:stCondLst>
+                                        </p:cTn>
+                                        <p:tgtEl>
+                                          <p:spTgt spid="9"/>
+                                        </p:tgtEl>
+                                        <p:attrNameLst>
+                                          <p:attrName>style.visibility</p:attrName>
+                                        </p:attrNameLst>
+                                      </p:cBhvr>
+                                      <p:to>
+                                        <p:strVal val="visible"/>
+                                      </p:to>
+                                    </p:set>
+                                  </p:childTnLst>
+                                </p:cTn>
+                              </p:par>
+                            </p:childTnLst>
+                          </p:cTn>
+                        </p:par>
+                      </p:childTnLst>
+                    </p:cTn>
+                  </p:par>
+                  <p:par>
+                    <p:cTn id="15" fill="hold">
+                      <p:stCondLst>
+                        <p:cond delay="indefinite"/>
+                      </p:stCondLst>
+                      <p:childTnLst>
+                        <p:par>
+                          <p:cTn id="16" fill="hold">
+                            <p:stCondLst>
+                              <p:cond delay="0"/>
+                            </p:stCondLst>
+                            <p:childTnLst>
+                              <p:par>
+                                <p:cTn id="17" presetID="1" presetClass="entr" presetSubtype="0" fill="hold" nodeType="clickEffect">
+                                  <p:stCondLst>
+                                    <p:cond delay="0"/>
+                                  </p:stCondLst>
+                                  <p:childTnLst>
+                                    <p:set>
+                                      <p:cBhvr>
+                                        <p:cTn id="18" dur="1" fill="hold">
+                                          <p:stCondLst>
+                                            <p:cond delay="0"/>
+                                          </p:stCondLst>
+                                        </p:cTn>
+                                        <p:tgtEl>
+                                          <p:spTgt spid="8"/>
+                                        </p:tgtEl>
+                                        <p:attrNameLst>
+                                          <p:attrName>style.visibility</p:attrName>
+                                        </p:attrNameLst>
+                                      </p:cBhvr>
+                                      <p:to>
+                                        <p:strVal val="visible"/>
+                                      </p:to>
+                                    </p:set>
+                                  </p:childTnLst>
+                                </p:cTn>
+                              </p:par>
+                            </p:childTnLst>
+                          </p:cTn>
+                        </p:par>
+                      </p:childTnLst>
+                    </p:cTn>
+                  </p:par>
+                  <p:par>
+                    <p:cTn id="19" fill="hold">
+                      <p:stCondLst>
+                        <p:cond delay="indefinite"/>
+                      </p:stCondLst>
+                      <p:childTnLst>
+                        <p:par>
+                          <p:cTn id="20" fill="hold">
+                            <p:stCondLst>
+                              <p:cond delay="0"/>
+                            </p:stCondLst>
+                            <p:childTnLst>
+                              <p:par>
+                                <p:cTn id="21" presetID="1" presetClass="entr" presetSubtype="0" fill="hold" nodeType="clickEffect">
+                                  <p:stCondLst>
+                                    <p:cond delay="0"/>
+                                  </p:stCondLst>
+                                  <p:childTnLst>
+                                    <p:set>
+                                      <p:cBhvr>
+                                        <p:cTn id="22" dur="1" fill="hold">
+                                          <p:stCondLst>
+                                            <p:cond delay="0"/>
+                                          </p:stCondLst>
+                                        </p:cTn>
+                                        <p:tgtEl>
+                                          <p:spTgt spid="10"/>
+                                        </p:tgtEl>
+                                        <p:attrNameLst>
+                                          <p:attrName>style.visibility</p:attrName>
+                                        </p:attrNameLst>
+                                      </p:cBhvr>
+                                      <p:to>
+                                        <p:strVal val="visible"/>
+                                      </p:to>
+                                    </p:set>
+                                  </p:childTnLst>
+                                </p:cTn>
+                              </p:par>
+                            </p:childTnLst>
+                          </p:cTn>
+                        </p:par>
+                      </p:childTnLst>
+                    </p:cTn>
+                  </p:par>
+                </p:childTnLst>
+              </p:cTn>
+              <p:prevCondLst>
+                <p:cond evt="onPrev" delay="0">
+                  <p:tgtEl>
+                    <p:sldTgt/>
+                  </p:tgtEl>
+                </p:cond>
+              </p:prevCondLst>
+              <p:nextCondLst>
+                <p:cond evt="onNext" delay="0">
+                  <p:tgtEl>
+                    <p:sldTgt/>
+                  </p:tgtEl>
+                </p:cond>
+              </p:nextCondLst>
+            </p:seq>
+          </p:childTnLst>
+        </p:cTn>
+      </p:par>
+    </p:tnLst>
+  </p:timing>
+</p:sld>
+</file>
+
+<file path=ppt/slides/slide7.xml><?xml version="1.0" encoding="utf-8"?>
+<p:sld xmlns:a="http://schemas.openxmlformats.org/drawingml/2006/main" xmlns:r="http://schemas.openxmlformats.org/officeDocument/2006/relationships" xmlns:p="http://schemas.openxmlformats.org/presentationml/2006/main">
+  <p:cSld>
+    <p:spTree>
+      <p:nvGrpSpPr>
+        <p:cNvPr id="1" name=""/>
+        <p:cNvGrpSpPr/>
+        <p:nvPr/>
+      </p:nvGrpSpPr>
+      <p:grpSpPr>
+        <a:xfrm>
+          <a:off x="0" y="0"/>
+          <a:ext cx="0" cy="0"/>
+          <a:chOff x="0" y="0"/>
+          <a:chExt cx="0" cy="0"/>
+        </a:xfrm>
+      </p:grpSpPr>
+      <p:sp>
+        <p:nvSpPr>
+          <p:cNvPr id="2" name="Slide Number Placeholder 1">
+            <a:extLst>
+              <a:ext uri="{FF2B5EF4-FFF2-40B4-BE49-F238E27FC236}">
+                <a16:creationId xmlns:a16="http://schemas.microsoft.com/office/drawing/2014/main" id="{252163C1-2528-F420-833D-73BEDE5FBB96}"/>
+              </a:ext>
+            </a:extLst>
+          </p:cNvPr>
+          <p:cNvSpPr>
+            <a:spLocks noGrp="1"/>
+          </p:cNvSpPr>
+          <p:nvPr>
+            <p:ph type="sldNum" sz="quarter" idx="12"/>
+          </p:nvPr>
+        </p:nvSpPr>
+        <p:spPr/>
+        <p:txBody>
+          <a:bodyPr/>
+          <a:lstStyle/>
+          <a:p>
+            <a:fld id="{7A304655-5D53-B746-8252-3F5A598C52D3}" type="slidenum">
+              <a:rPr lang="en-CN" smtClean="0"/>
+              <a:pPr/>
+              <a:t>7</a:t>
+            </a:fld>
+            <a:endParaRPr lang="en-CN"/>
+          </a:p>
+        </p:txBody>
+      </p:sp>
+      <p:sp>
+        <p:nvSpPr>
+          <p:cNvPr id="3" name="Title 2">
+            <a:extLst>
+              <a:ext uri="{FF2B5EF4-FFF2-40B4-BE49-F238E27FC236}">
+                <a16:creationId xmlns:a16="http://schemas.microsoft.com/office/drawing/2014/main" id="{6E579CAA-EC66-9DFA-8A60-0EAC4F6622C0}"/>
+              </a:ext>
+            </a:extLst>
+          </p:cNvPr>
+          <p:cNvSpPr>
+            <a:spLocks noGrp="1"/>
+          </p:cNvSpPr>
+          <p:nvPr>
+            <p:ph type="title"/>
+          </p:nvPr>
+        </p:nvSpPr>
+        <p:spPr/>
+        <p:txBody>
+          <a:bodyPr/>
+          <a:lstStyle/>
+          <a:p>
+            <a:r>
+              <a:rPr kumimoji="1" lang="zh-CN" altLang="en-US" dirty="0"/>
+              <a:t>同态有什么性质</a:t>
+            </a:r>
+            <a:r>
+              <a:rPr kumimoji="1" lang="en-US" altLang="zh-CN" dirty="0"/>
+              <a:t>?</a:t>
+            </a:r>
+            <a:endParaRPr kumimoji="1" lang="zh-CN" altLang="en-US" dirty="0"/>
+          </a:p>
+        </p:txBody>
+      </p:sp>
+      <p:sp>
+        <p:nvSpPr>
+          <p:cNvPr id="5" name="TextBox 4">
+            <a:extLst>
+              <a:ext uri="{FF2B5EF4-FFF2-40B4-BE49-F238E27FC236}">
+                <a16:creationId xmlns:a16="http://schemas.microsoft.com/office/drawing/2014/main" id="{07BFA650-6DFB-98F6-2561-AF9B55F00F26}"/>
+              </a:ext>
+            </a:extLst>
+          </p:cNvPr>
+          <p:cNvSpPr txBox="1"/>
+          <p:nvPr/>
+        </p:nvSpPr>
+        <p:spPr>
+          <a:xfrm>
+            <a:off x="628650" y="1029177"/>
+            <a:ext cx="2056973" cy="369332"/>
+          </a:xfrm>
+          <a:prstGeom prst="rect">
+            <a:avLst/>
+          </a:prstGeom>
+          <a:noFill/>
+        </p:spPr>
+        <p:txBody>
+          <a:bodyPr wrap="none" rtlCol="0">
+            <a:spAutoFit/>
+          </a:bodyPr>
+          <a:lstStyle/>
+          <a:p>
+            <a:r>
+              <a:rPr kumimoji="1" lang="en-US" altLang="zh-CN" dirty="0"/>
+              <a:t>2.</a:t>
+            </a:r>
+            <a:r>
+              <a:rPr kumimoji="1" lang="zh-CN" altLang="en-US" dirty="0"/>
+              <a:t> 同态的基本性质</a:t>
+            </a:r>
+          </a:p>
+        </p:txBody>
+      </p:sp>
+      <p:sp>
+        <p:nvSpPr>
+          <p:cNvPr id="15" name="Oval 14">
+            <a:extLst>
+              <a:ext uri="{FF2B5EF4-FFF2-40B4-BE49-F238E27FC236}">
+                <a16:creationId xmlns:a16="http://schemas.microsoft.com/office/drawing/2014/main" id="{D93EA82F-A87C-E1DB-5129-EF3C86B9AA19}"/>
+              </a:ext>
+            </a:extLst>
+          </p:cNvPr>
+          <p:cNvSpPr/>
+          <p:nvPr/>
+        </p:nvSpPr>
+        <p:spPr>
+          <a:xfrm>
+            <a:off x="6654540" y="1091324"/>
+            <a:ext cx="678873" cy="615095"/>
+          </a:xfrm>
+          <a:prstGeom prst="ellipse">
+            <a:avLst/>
+          </a:prstGeom>
+        </p:spPr>
+        <p:style>
+          <a:lnRef idx="2">
+            <a:schemeClr val="accent2">
+              <a:shade val="50000"/>
+            </a:schemeClr>
+          </a:lnRef>
+          <a:fillRef idx="1">
+            <a:schemeClr val="accent2"/>
+          </a:fillRef>
+          <a:effectRef idx="0">
+            <a:schemeClr val="accent2"/>
+          </a:effectRef>
+          <a:fontRef idx="minor">
+            <a:schemeClr val="lt1"/>
+          </a:fontRef>
+        </p:style>
+        <p:txBody>
+          <a:bodyPr rtlCol="0" anchor="ctr"/>
+          <a:lstStyle/>
+          <a:p>
+            <a:pPr algn="ctr"/>
+            <a:r>
+              <a:rPr kumimoji="1" lang="zh-CN" altLang="en-US" dirty="0"/>
+              <a:t>群</a:t>
+            </a:r>
+          </a:p>
+        </p:txBody>
+      </p:sp>
+      <p:sp>
+        <p:nvSpPr>
+          <p:cNvPr id="16" name="Oval 15">
+            <a:extLst>
+              <a:ext uri="{FF2B5EF4-FFF2-40B4-BE49-F238E27FC236}">
+                <a16:creationId xmlns:a16="http://schemas.microsoft.com/office/drawing/2014/main" id="{E9B59DF9-5E1E-346B-A4BD-387E676246AC}"/>
+              </a:ext>
+            </a:extLst>
+          </p:cNvPr>
+          <p:cNvSpPr/>
+          <p:nvPr/>
+        </p:nvSpPr>
+        <p:spPr>
+          <a:xfrm>
+            <a:off x="6751522" y="1004256"/>
+            <a:ext cx="678873" cy="615095"/>
+          </a:xfrm>
+          <a:prstGeom prst="ellipse">
+            <a:avLst/>
+          </a:prstGeom>
+        </p:spPr>
+        <p:style>
+          <a:lnRef idx="2">
+            <a:schemeClr val="accent2">
+              <a:shade val="50000"/>
+            </a:schemeClr>
+          </a:lnRef>
+          <a:fillRef idx="1">
+            <a:schemeClr val="accent2"/>
+          </a:fillRef>
+          <a:effectRef idx="0">
+            <a:schemeClr val="accent2"/>
+          </a:effectRef>
+          <a:fontRef idx="minor">
+            <a:schemeClr val="lt1"/>
+          </a:fontRef>
+        </p:style>
+        <p:txBody>
+          <a:bodyPr rtlCol="0" anchor="ctr"/>
+          <a:lstStyle/>
+          <a:p>
+            <a:pPr algn="ctr"/>
+            <a:r>
+              <a:rPr kumimoji="1" lang="zh-CN" altLang="en-US" dirty="0"/>
+              <a:t>群</a:t>
+            </a:r>
+          </a:p>
+        </p:txBody>
+      </p:sp>
+      <p:sp>
+        <p:nvSpPr>
+          <p:cNvPr id="17" name="TextBox 16">
+            <a:extLst>
+              <a:ext uri="{FF2B5EF4-FFF2-40B4-BE49-F238E27FC236}">
+                <a16:creationId xmlns:a16="http://schemas.microsoft.com/office/drawing/2014/main" id="{AAA103BB-3748-4859-62F8-9DBAB77C8C0B}"/>
+              </a:ext>
+            </a:extLst>
+          </p:cNvPr>
+          <p:cNvSpPr txBox="1"/>
+          <p:nvPr/>
+        </p:nvSpPr>
+        <p:spPr>
+          <a:xfrm>
+            <a:off x="7430395" y="930170"/>
+            <a:ext cx="1361270" cy="307777"/>
+          </a:xfrm>
+          <a:prstGeom prst="rect">
+            <a:avLst/>
+          </a:prstGeom>
+          <a:noFill/>
+        </p:spPr>
+        <p:txBody>
+          <a:bodyPr wrap="none" rtlCol="0">
+            <a:spAutoFit/>
+          </a:bodyPr>
+          <a:lstStyle/>
+          <a:p>
+            <a:r>
+              <a:rPr kumimoji="1" lang="zh-CN" altLang="en-US" sz="1400" dirty="0"/>
+              <a:t>同构</a:t>
+            </a:r>
+            <a:r>
+              <a:rPr kumimoji="1" lang="en-US" altLang="zh-CN" sz="1400" dirty="0"/>
+              <a:t>:</a:t>
+            </a:r>
+            <a:r>
+              <a:rPr kumimoji="1" lang="zh-CN" altLang="en-US" sz="1400" dirty="0"/>
+              <a:t> 保持运算</a:t>
+            </a:r>
+          </a:p>
+        </p:txBody>
+      </p:sp>
+      <p:pic>
+        <p:nvPicPr>
+          <p:cNvPr id="12" name="Picture 11">
+            <a:extLst>
+              <a:ext uri="{FF2B5EF4-FFF2-40B4-BE49-F238E27FC236}">
+                <a16:creationId xmlns:a16="http://schemas.microsoft.com/office/drawing/2014/main" id="{B0DB4261-8BDE-3933-F7BD-CFC854BA46C8}"/>
+              </a:ext>
+            </a:extLst>
+          </p:cNvPr>
+          <p:cNvPicPr>
+            <a:picLocks noChangeAspect="1"/>
+          </p:cNvPicPr>
+          <p:nvPr/>
+        </p:nvPicPr>
+        <p:blipFill>
+          <a:blip r:embed="rId2"/>
+          <a:stretch>
+            <a:fillRect/>
+          </a:stretch>
+        </p:blipFill>
+        <p:spPr>
+          <a:xfrm>
+            <a:off x="1218652" y="1619351"/>
+            <a:ext cx="4942869" cy="539014"/>
+          </a:xfrm>
+          <a:prstGeom prst="rect">
+            <a:avLst/>
+          </a:prstGeom>
+        </p:spPr>
+      </p:pic>
+      <p:sp>
+        <p:nvSpPr>
+          <p:cNvPr id="13" name="TextBox 12">
+            <a:extLst>
+              <a:ext uri="{FF2B5EF4-FFF2-40B4-BE49-F238E27FC236}">
+                <a16:creationId xmlns:a16="http://schemas.microsoft.com/office/drawing/2014/main" id="{C7B95F3A-8B1C-82A7-48FA-6D6371F2D26A}"/>
+              </a:ext>
+            </a:extLst>
+          </p:cNvPr>
+          <p:cNvSpPr txBox="1"/>
+          <p:nvPr/>
+        </p:nvSpPr>
+        <p:spPr>
+          <a:xfrm>
+            <a:off x="6271103" y="1744525"/>
+            <a:ext cx="1159292" cy="369332"/>
+          </a:xfrm>
+          <a:prstGeom prst="rect">
+            <a:avLst/>
+          </a:prstGeom>
+          <a:noFill/>
+        </p:spPr>
+        <p:txBody>
+          <a:bodyPr wrap="none" rtlCol="0">
+            <a:spAutoFit/>
+          </a:bodyPr>
+          <a:lstStyle/>
+          <a:p>
+            <a:r>
+              <a:rPr kumimoji="1" lang="en-US" altLang="zh-CN" dirty="0"/>
+              <a:t>(</a:t>
+            </a:r>
+            <a:r>
+              <a:rPr kumimoji="1" lang="zh-CN" altLang="en-US" dirty="0"/>
+              <a:t>传递性</a:t>
+            </a:r>
+            <a:r>
+              <a:rPr kumimoji="1" lang="en-US" altLang="zh-CN" dirty="0"/>
+              <a:t>?)</a:t>
+            </a:r>
+            <a:endParaRPr kumimoji="1" lang="zh-CN" altLang="en-US" dirty="0"/>
+          </a:p>
+        </p:txBody>
+      </p:sp>
+      <p:pic>
+        <p:nvPicPr>
+          <p:cNvPr id="14" name="Picture 13">
+            <a:extLst>
+              <a:ext uri="{FF2B5EF4-FFF2-40B4-BE49-F238E27FC236}">
+                <a16:creationId xmlns:a16="http://schemas.microsoft.com/office/drawing/2014/main" id="{46000EC6-A963-9AA0-0889-9445BA563F28}"/>
+              </a:ext>
+            </a:extLst>
+          </p:cNvPr>
+          <p:cNvPicPr>
+            <a:picLocks noChangeAspect="1"/>
+          </p:cNvPicPr>
+          <p:nvPr/>
+        </p:nvPicPr>
+        <p:blipFill>
+          <a:blip r:embed="rId3"/>
+          <a:stretch>
+            <a:fillRect/>
+          </a:stretch>
+        </p:blipFill>
+        <p:spPr>
+          <a:xfrm>
+            <a:off x="1218652" y="2178392"/>
+            <a:ext cx="2619057" cy="404346"/>
+          </a:xfrm>
+          <a:prstGeom prst="rect">
+            <a:avLst/>
+          </a:prstGeom>
+        </p:spPr>
+      </p:pic>
+      <p:pic>
+        <p:nvPicPr>
+          <p:cNvPr id="18" name="Picture 17">
+            <a:extLst>
+              <a:ext uri="{FF2B5EF4-FFF2-40B4-BE49-F238E27FC236}">
+                <a16:creationId xmlns:a16="http://schemas.microsoft.com/office/drawing/2014/main" id="{C1747289-BCB2-E6E3-DA05-76B34585EE38}"/>
+              </a:ext>
+            </a:extLst>
+          </p:cNvPr>
+          <p:cNvPicPr>
+            <a:picLocks noChangeAspect="1"/>
+          </p:cNvPicPr>
+          <p:nvPr/>
+        </p:nvPicPr>
+        <p:blipFill>
+          <a:blip r:embed="rId4"/>
+          <a:stretch>
+            <a:fillRect/>
+          </a:stretch>
+        </p:blipFill>
+        <p:spPr>
+          <a:xfrm>
+            <a:off x="3837709" y="2227352"/>
+            <a:ext cx="4078721" cy="509840"/>
+          </a:xfrm>
+          <a:prstGeom prst="rect">
+            <a:avLst/>
+          </a:prstGeom>
+        </p:spPr>
+      </p:pic>
+      <p:pic>
+        <p:nvPicPr>
+          <p:cNvPr id="19" name="Picture 18">
+            <a:extLst>
+              <a:ext uri="{FF2B5EF4-FFF2-40B4-BE49-F238E27FC236}">
+                <a16:creationId xmlns:a16="http://schemas.microsoft.com/office/drawing/2014/main" id="{0107446A-C63C-72A1-6B1B-18D8DA3A0BD0}"/>
+              </a:ext>
+            </a:extLst>
+          </p:cNvPr>
+          <p:cNvPicPr>
+            <a:picLocks noChangeAspect="1"/>
+          </p:cNvPicPr>
+          <p:nvPr/>
+        </p:nvPicPr>
+        <p:blipFill>
+          <a:blip r:embed="rId5"/>
+          <a:stretch>
+            <a:fillRect/>
+          </a:stretch>
+        </p:blipFill>
+        <p:spPr>
+          <a:xfrm>
+            <a:off x="1218652" y="2740515"/>
+            <a:ext cx="2056973" cy="397269"/>
+          </a:xfrm>
+          <a:prstGeom prst="rect">
+            <a:avLst/>
+          </a:prstGeom>
+        </p:spPr>
+      </p:pic>
+      <p:pic>
+        <p:nvPicPr>
+          <p:cNvPr id="20" name="Picture 19">
+            <a:extLst>
+              <a:ext uri="{FF2B5EF4-FFF2-40B4-BE49-F238E27FC236}">
+                <a16:creationId xmlns:a16="http://schemas.microsoft.com/office/drawing/2014/main" id="{044A708A-6172-21E8-A491-00AB38A65AB7}"/>
+              </a:ext>
+            </a:extLst>
+          </p:cNvPr>
+          <p:cNvPicPr>
+            <a:picLocks noChangeAspect="1"/>
+          </p:cNvPicPr>
+          <p:nvPr/>
+        </p:nvPicPr>
+        <p:blipFill>
+          <a:blip r:embed="rId6"/>
+          <a:stretch>
+            <a:fillRect/>
+          </a:stretch>
+        </p:blipFill>
+        <p:spPr>
+          <a:xfrm>
+            <a:off x="310142" y="1605052"/>
+            <a:ext cx="830982" cy="457507"/>
+          </a:xfrm>
+          <a:prstGeom prst="rect">
+            <a:avLst/>
+          </a:prstGeom>
+        </p:spPr>
+      </p:pic>
+      <p:sp>
+        <p:nvSpPr>
+          <p:cNvPr id="21" name="TextBox 20">
+            <a:extLst>
+              <a:ext uri="{FF2B5EF4-FFF2-40B4-BE49-F238E27FC236}">
+                <a16:creationId xmlns:a16="http://schemas.microsoft.com/office/drawing/2014/main" id="{5AEB5D18-C2A5-64D2-F103-E7B4B79451EF}"/>
+              </a:ext>
+            </a:extLst>
+          </p:cNvPr>
+          <p:cNvSpPr txBox="1"/>
+          <p:nvPr/>
+        </p:nvSpPr>
+        <p:spPr>
+          <a:xfrm>
+            <a:off x="7422269" y="1247387"/>
+            <a:ext cx="646331" cy="276999"/>
+          </a:xfrm>
+          <a:prstGeom prst="rect">
+            <a:avLst/>
+          </a:prstGeom>
+          <a:noFill/>
+        </p:spPr>
+        <p:txBody>
+          <a:bodyPr wrap="none" rtlCol="0">
+            <a:spAutoFit/>
+          </a:bodyPr>
+          <a:lstStyle/>
+          <a:p>
+            <a:r>
+              <a:rPr kumimoji="1" lang="zh-CN" altLang="en-US" sz="1200" dirty="0"/>
+              <a:t>传递性</a:t>
+            </a:r>
+          </a:p>
+        </p:txBody>
+      </p:sp>
+      <p:pic>
+        <p:nvPicPr>
+          <p:cNvPr id="22" name="Picture 21">
+            <a:extLst>
+              <a:ext uri="{FF2B5EF4-FFF2-40B4-BE49-F238E27FC236}">
+                <a16:creationId xmlns:a16="http://schemas.microsoft.com/office/drawing/2014/main" id="{D305D9BF-BBAD-E25B-4270-24553385B6B7}"/>
+              </a:ext>
+            </a:extLst>
+          </p:cNvPr>
+          <p:cNvPicPr>
+            <a:picLocks noChangeAspect="1"/>
+          </p:cNvPicPr>
+          <p:nvPr/>
+        </p:nvPicPr>
+        <p:blipFill>
+          <a:blip r:embed="rId7"/>
+          <a:stretch>
+            <a:fillRect/>
+          </a:stretch>
+        </p:blipFill>
+        <p:spPr>
+          <a:xfrm>
+            <a:off x="432680" y="3968662"/>
+            <a:ext cx="3405029" cy="474640"/>
+          </a:xfrm>
+          <a:prstGeom prst="rect">
+            <a:avLst/>
+          </a:prstGeom>
+        </p:spPr>
+      </p:pic>
+      <p:sp>
+        <p:nvSpPr>
+          <p:cNvPr id="23" name="TextBox 22">
+            <a:extLst>
+              <a:ext uri="{FF2B5EF4-FFF2-40B4-BE49-F238E27FC236}">
+                <a16:creationId xmlns:a16="http://schemas.microsoft.com/office/drawing/2014/main" id="{6E6F3D80-B905-40BE-04BC-5CF3E47DD084}"/>
+              </a:ext>
+            </a:extLst>
+          </p:cNvPr>
+          <p:cNvSpPr txBox="1"/>
+          <p:nvPr/>
+        </p:nvSpPr>
+        <p:spPr>
+          <a:xfrm>
+            <a:off x="526473" y="3574473"/>
+            <a:ext cx="3082895" cy="369332"/>
+          </a:xfrm>
+          <a:prstGeom prst="rect">
+            <a:avLst/>
+          </a:prstGeom>
+          <a:noFill/>
+        </p:spPr>
+        <p:txBody>
+          <a:bodyPr wrap="none" rtlCol="0">
+            <a:spAutoFit/>
+          </a:bodyPr>
+          <a:lstStyle/>
+          <a:p>
+            <a:r>
+              <a:rPr kumimoji="1" lang="zh-CN" altLang="en-US" dirty="0"/>
+              <a:t>和它中间的元素的关系怎样</a:t>
+            </a:r>
+            <a:r>
+              <a:rPr kumimoji="1" lang="en-US" altLang="zh-CN" dirty="0"/>
+              <a:t>?</a:t>
+            </a:r>
+            <a:endParaRPr kumimoji="1" lang="zh-CN" altLang="en-US" dirty="0"/>
+          </a:p>
+        </p:txBody>
+      </p:sp>
+      <p:pic>
+        <p:nvPicPr>
+          <p:cNvPr id="24" name="Picture 23">
+            <a:extLst>
+              <a:ext uri="{FF2B5EF4-FFF2-40B4-BE49-F238E27FC236}">
+                <a16:creationId xmlns:a16="http://schemas.microsoft.com/office/drawing/2014/main" id="{5661B83E-4307-39C1-1132-36142C83240F}"/>
+              </a:ext>
+            </a:extLst>
+          </p:cNvPr>
+          <p:cNvPicPr>
+            <a:picLocks noChangeAspect="1"/>
+          </p:cNvPicPr>
+          <p:nvPr/>
+        </p:nvPicPr>
+        <p:blipFill>
+          <a:blip r:embed="rId8"/>
+          <a:stretch>
+            <a:fillRect/>
+          </a:stretch>
+        </p:blipFill>
+        <p:spPr>
+          <a:xfrm>
+            <a:off x="3837709" y="3971831"/>
+            <a:ext cx="1244600" cy="546100"/>
+          </a:xfrm>
+          <a:prstGeom prst="rect">
+            <a:avLst/>
+          </a:prstGeom>
+        </p:spPr>
+      </p:pic>
+      <mc:AlternateContent xmlns:mc="http://schemas.openxmlformats.org/markup-compatibility/2006">
+        <mc:Choice xmlns:a14="http://schemas.microsoft.com/office/drawing/2010/main" Requires="a14">
+          <p:sp>
+            <p:nvSpPr>
+              <p:cNvPr id="25" name="TextBox 24">
+                <a:extLst>
+                  <a:ext uri="{FF2B5EF4-FFF2-40B4-BE49-F238E27FC236}">
+                    <a16:creationId xmlns:a16="http://schemas.microsoft.com/office/drawing/2014/main" id="{8CD27745-4407-8C76-B665-E54151259D8C}"/>
+                  </a:ext>
+                </a:extLst>
+              </p:cNvPr>
+              <p:cNvSpPr txBox="1"/>
+              <p:nvPr/>
+            </p:nvSpPr>
+            <p:spPr>
+              <a:xfrm>
+                <a:off x="5194397" y="4116068"/>
+                <a:ext cx="1934247" cy="369332"/>
+              </a:xfrm>
+              <a:prstGeom prst="rect">
+                <a:avLst/>
+              </a:prstGeom>
+              <a:noFill/>
+            </p:spPr>
+            <p:txBody>
+              <a:bodyPr wrap="none" rtlCol="0">
+                <a:spAutoFit/>
+              </a:bodyPr>
+              <a:lstStyle/>
+              <a:p>
+                <a14:m>
+                  <m:oMathPara xmlns:m="http://schemas.openxmlformats.org/officeDocument/2006/math">
+                    <m:oMathParaPr>
+                      <m:jc m:val="centerGroup"/>
+                    </m:oMathParaPr>
+                    <m:oMath xmlns:m="http://schemas.openxmlformats.org/officeDocument/2006/math">
+                      <m:r>
+                        <a:rPr kumimoji="1" lang="en-US" altLang="zh-CN" b="0" i="1" smtClean="0">
+                          <a:latin typeface="Cambria Math" panose="02040503050406030204" pitchFamily="18" charset="0"/>
+                        </a:rPr>
+                        <m:t>𝑓</m:t>
+                      </m:r>
+                      <m:d>
+                        <m:dPr>
+                          <m:ctrlPr>
+                            <a:rPr kumimoji="1" lang="en-US" altLang="zh-CN" b="0" i="1" smtClean="0">
+                              <a:latin typeface="Cambria Math" panose="02040503050406030204" pitchFamily="18" charset="0"/>
+                            </a:rPr>
+                          </m:ctrlPr>
+                        </m:dPr>
+                        <m:e>
+                          <m:sSup>
+                            <m:sSupPr>
+                              <m:ctrlPr>
+                                <a:rPr kumimoji="1" lang="en-US" altLang="zh-CN" b="0" i="1" smtClean="0">
+                                  <a:latin typeface="Cambria Math" panose="02040503050406030204" pitchFamily="18" charset="0"/>
+                                </a:rPr>
+                              </m:ctrlPr>
+                            </m:sSupPr>
+                            <m:e>
+                              <m:r>
+                                <a:rPr kumimoji="1" lang="en-US" altLang="zh-CN" b="0" i="1" smtClean="0">
+                                  <a:latin typeface="Cambria Math" panose="02040503050406030204" pitchFamily="18" charset="0"/>
+                                </a:rPr>
+                                <m:t>𝑎</m:t>
+                              </m:r>
+                            </m:e>
+                            <m:sup>
+                              <m:r>
+                                <a:rPr kumimoji="1" lang="en-US" altLang="zh-CN" b="0" i="1" smtClean="0">
+                                  <a:latin typeface="Cambria Math" panose="02040503050406030204" pitchFamily="18" charset="0"/>
+                                </a:rPr>
+                                <m:t>−1</m:t>
+                              </m:r>
+                            </m:sup>
+                          </m:sSup>
+                        </m:e>
+                      </m:d>
+                      <m:r>
+                        <a:rPr kumimoji="1" lang="en-US" altLang="zh-CN" b="0" i="1" smtClean="0">
+                          <a:latin typeface="Cambria Math" panose="02040503050406030204" pitchFamily="18" charset="0"/>
+                        </a:rPr>
+                        <m:t>=</m:t>
+                      </m:r>
+                      <m:sSup>
+                        <m:sSupPr>
+                          <m:ctrlPr>
+                            <a:rPr kumimoji="1" lang="en-US" altLang="zh-CN" b="0" i="1" smtClean="0">
+                              <a:latin typeface="Cambria Math" panose="02040503050406030204" pitchFamily="18" charset="0"/>
+                            </a:rPr>
+                          </m:ctrlPr>
+                        </m:sSupPr>
+                        <m:e>
+                          <m:r>
+                            <a:rPr kumimoji="1" lang="en-US" altLang="zh-CN" b="0" i="1" smtClean="0">
+                              <a:latin typeface="Cambria Math" panose="02040503050406030204" pitchFamily="18" charset="0"/>
+                            </a:rPr>
+                            <m:t>𝑓</m:t>
+                          </m:r>
+                        </m:e>
+                        <m:sup>
+                          <m:r>
+                            <a:rPr kumimoji="1" lang="en-US" altLang="zh-CN" b="0" i="1" smtClean="0">
+                              <a:latin typeface="Cambria Math" panose="02040503050406030204" pitchFamily="18" charset="0"/>
+                            </a:rPr>
+                            <m:t>−1</m:t>
+                          </m:r>
+                        </m:sup>
+                      </m:sSup>
+                      <m:r>
+                        <a:rPr kumimoji="1" lang="en-US" altLang="zh-CN" b="0" i="1" smtClean="0">
+                          <a:latin typeface="Cambria Math" panose="02040503050406030204" pitchFamily="18" charset="0"/>
+                        </a:rPr>
+                        <m:t>(</m:t>
+                      </m:r>
+                      <m:r>
+                        <a:rPr kumimoji="1" lang="en-US" altLang="zh-CN" b="0" i="1" smtClean="0">
+                          <a:latin typeface="Cambria Math" panose="02040503050406030204" pitchFamily="18" charset="0"/>
+                        </a:rPr>
+                        <m:t>𝑎</m:t>
+                      </m:r>
+                      <m:r>
+                        <a:rPr kumimoji="1" lang="en-US" altLang="zh-CN" b="0" i="1" smtClean="0">
+                          <a:latin typeface="Cambria Math" panose="02040503050406030204" pitchFamily="18" charset="0"/>
+                        </a:rPr>
+                        <m:t>)</m:t>
+                      </m:r>
+                    </m:oMath>
+                  </m:oMathPara>
+                </a14:m>
+                <a:endParaRPr kumimoji="1" lang="zh-CN" altLang="en-US" dirty="0"/>
+              </a:p>
+            </p:txBody>
+          </p:sp>
+        </mc:Choice>
+        <mc:Fallback>
+          <p:sp>
+            <p:nvSpPr>
+              <p:cNvPr id="25" name="TextBox 24">
+                <a:extLst>
+                  <a:ext uri="{FF2B5EF4-FFF2-40B4-BE49-F238E27FC236}">
+                    <a16:creationId xmlns:a16="http://schemas.microsoft.com/office/drawing/2014/main" id="{8CD27745-4407-8C76-B665-E54151259D8C}"/>
+                  </a:ext>
+                </a:extLst>
+              </p:cNvPr>
+              <p:cNvSpPr txBox="1">
+                <a:spLocks noRot="1" noChangeAspect="1" noMove="1" noResize="1" noEditPoints="1" noAdjustHandles="1" noChangeArrowheads="1" noChangeShapeType="1" noTextEdit="1"/>
+              </p:cNvSpPr>
+              <p:nvPr/>
+            </p:nvSpPr>
+            <p:spPr>
+              <a:xfrm>
+                <a:off x="5194397" y="4116068"/>
+                <a:ext cx="1934247" cy="369332"/>
+              </a:xfrm>
+              <a:prstGeom prst="rect">
+                <a:avLst/>
+              </a:prstGeom>
+              <a:blipFill>
+                <a:blip r:embed="rId9"/>
+                <a:stretch>
+                  <a:fillRect b="-16667"/>
+                </a:stretch>
+              </a:blipFill>
+            </p:spPr>
+            <p:txBody>
+              <a:bodyPr/>
+              <a:lstStyle/>
+              <a:p>
+                <a:r>
+                  <a:rPr lang="zh-CN" altLang="en-US">
+                    <a:noFill/>
+                  </a:rPr>
+                  <a:t> </a:t>
+                </a:r>
+              </a:p>
+            </p:txBody>
+          </p:sp>
+        </mc:Fallback>
+      </mc:AlternateContent>
+      <p:pic>
+        <p:nvPicPr>
+          <p:cNvPr id="26" name="Picture 25">
+            <a:extLst>
+              <a:ext uri="{FF2B5EF4-FFF2-40B4-BE49-F238E27FC236}">
+                <a16:creationId xmlns:a16="http://schemas.microsoft.com/office/drawing/2014/main" id="{6FDEB747-E7C9-8218-91B9-D1A58C18EBBD}"/>
+              </a:ext>
+            </a:extLst>
+          </p:cNvPr>
+          <p:cNvPicPr>
+            <a:picLocks noChangeAspect="1"/>
+          </p:cNvPicPr>
+          <p:nvPr/>
+        </p:nvPicPr>
+        <p:blipFill>
+          <a:blip r:embed="rId10"/>
+          <a:stretch>
+            <a:fillRect/>
+          </a:stretch>
+        </p:blipFill>
+        <p:spPr>
+          <a:xfrm>
+            <a:off x="7068030" y="4111202"/>
+            <a:ext cx="1934247" cy="466495"/>
+          </a:xfrm>
+          <a:prstGeom prst="rect">
+            <a:avLst/>
+          </a:prstGeom>
+        </p:spPr>
+      </p:pic>
+      <p:pic>
+        <p:nvPicPr>
+          <p:cNvPr id="27" name="Picture 26">
+            <a:extLst>
+              <a:ext uri="{FF2B5EF4-FFF2-40B4-BE49-F238E27FC236}">
+                <a16:creationId xmlns:a16="http://schemas.microsoft.com/office/drawing/2014/main" id="{6F6410DD-ECA5-6547-958B-739D506C55D6}"/>
+              </a:ext>
+            </a:extLst>
+          </p:cNvPr>
+          <p:cNvPicPr>
+            <a:picLocks noChangeAspect="1"/>
+          </p:cNvPicPr>
+          <p:nvPr/>
+        </p:nvPicPr>
+        <p:blipFill>
+          <a:blip r:embed="rId11">
+            <a:clrChange>
+              <a:clrFrom>
+                <a:srgbClr val="FFFFFF"/>
+              </a:clrFrom>
+              <a:clrTo>
+                <a:srgbClr val="FFFFFF">
+                  <a:alpha val="0"/>
+                </a:srgbClr>
+              </a:clrTo>
+            </a:clrChange>
+          </a:blip>
+          <a:stretch>
+            <a:fillRect/>
+          </a:stretch>
+        </p:blipFill>
+        <p:spPr>
+          <a:xfrm>
+            <a:off x="1867507" y="4303750"/>
+            <a:ext cx="5749925" cy="1636601"/>
+          </a:xfrm>
+          <a:prstGeom prst="rect">
+            <a:avLst/>
+          </a:prstGeom>
+        </p:spPr>
+      </p:pic>
+    </p:spTree>
+    <p:extLst>
+      <p:ext uri="{BB962C8B-B14F-4D97-AF65-F5344CB8AC3E}">
+        <p14:creationId xmlns:p14="http://schemas.microsoft.com/office/powerpoint/2010/main" val="1407682733"/>
+      </p:ext>
+    </p:extLst>
+  </p:cSld>
+  <p:clrMapOvr>
+    <a:masterClrMapping/>
+  </p:clrMapOvr>
+  <p:timing>
+    <p:tnLst>
+      <p:par>
+        <p:cTn id="1" dur="indefinite" restart="never" nodeType="tmRoot">
+          <p:childTnLst>
+            <p:seq concurrent="1" nextAc="seek">
+              <p:cTn id="2" dur="indefinite" nodeType="mainSeq">
+                <p:childTnLst>
+                  <p:par>
+                    <p:cTn id="3" fill="hold">
+                      <p:stCondLst>
+                        <p:cond delay="indefinite"/>
+                      </p:stCondLst>
+                      <p:childTnLst>
+                        <p:par>
+                          <p:cTn id="4" fill="hold">
+                            <p:stCondLst>
+                              <p:cond delay="0"/>
+                            </p:stCondLst>
+                            <p:childTnLst>
+                              <p:par>
+                                <p:cTn id="5" presetID="1" presetClass="entr" presetSubtype="0" fill="hold" grpId="0" nodeType="clickEffect">
+                                  <p:stCondLst>
+                                    <p:cond delay="0"/>
+                                  </p:stCondLst>
+                                  <p:childTnLst>
+                                    <p:set>
+                                      <p:cBhvr>
+                                        <p:cTn id="6" dur="1" fill="hold">
+                                          <p:stCondLst>
+                                            <p:cond delay="0"/>
+                                          </p:stCondLst>
+                                        </p:cTn>
+                                        <p:tgtEl>
+                                          <p:spTgt spid="13"/>
+                                        </p:tgtEl>
+                                        <p:attrNameLst>
+                                          <p:attrName>style.visibility</p:attrName>
+                                        </p:attrNameLst>
+                                      </p:cBhvr>
+                                      <p:to>
+                                        <p:strVal val="visible"/>
+                                      </p:to>
+                                    </p:set>
+                                  </p:childTnLst>
+                                </p:cTn>
+                              </p:par>
+                            </p:childTnLst>
+                          </p:cTn>
+                        </p:par>
+                      </p:childTnLst>
+                    </p:cTn>
+                  </p:par>
+                  <p:par>
+                    <p:cTn id="7" fill="hold">
+                      <p:stCondLst>
+                        <p:cond delay="indefinite"/>
+                      </p:stCondLst>
+                      <p:childTnLst>
+                        <p:par>
+                          <p:cTn id="8" fill="hold">
+                            <p:stCondLst>
+                              <p:cond delay="0"/>
+                            </p:stCondLst>
+                            <p:childTnLst>
+                              <p:par>
+                                <p:cTn id="9" presetID="1" presetClass="entr" presetSubtype="0" fill="hold" nodeType="clickEffect">
+                                  <p:stCondLst>
+                                    <p:cond delay="0"/>
+                                  </p:stCondLst>
+                                  <p:childTnLst>
+                                    <p:set>
+                                      <p:cBhvr>
+                                        <p:cTn id="10" dur="1" fill="hold">
+                                          <p:stCondLst>
+                                            <p:cond delay="0"/>
+                                          </p:stCondLst>
+                                        </p:cTn>
+                                        <p:tgtEl>
+                                          <p:spTgt spid="12"/>
+                                        </p:tgtEl>
+                                        <p:attrNameLst>
+                                          <p:attrName>style.visibility</p:attrName>
+                                        </p:attrNameLst>
+                                      </p:cBhvr>
+                                      <p:to>
+                                        <p:strVal val="visible"/>
+                                      </p:to>
+                                    </p:set>
+                                  </p:childTnLst>
+                                </p:cTn>
+                              </p:par>
+                            </p:childTnLst>
+                          </p:cTn>
+                        </p:par>
+                      </p:childTnLst>
+                    </p:cTn>
+                  </p:par>
+                  <p:par>
+                    <p:cTn id="11" fill="hold">
+                      <p:stCondLst>
+                        <p:cond delay="indefinite"/>
+                      </p:stCondLst>
+                      <p:childTnLst>
+                        <p:par>
+                          <p:cTn id="12" fill="hold">
+                            <p:stCondLst>
+                              <p:cond delay="0"/>
+                            </p:stCondLst>
+                            <p:childTnLst>
+                              <p:par>
+                                <p:cTn id="13" presetID="1" presetClass="entr" presetSubtype="0" fill="hold" nodeType="clickEffect">
+                                  <p:stCondLst>
+                                    <p:cond delay="0"/>
+                                  </p:stCondLst>
+                                  <p:childTnLst>
+                                    <p:set>
+                                      <p:cBhvr>
+                                        <p:cTn id="14" dur="1" fill="hold">
+                                          <p:stCondLst>
+                                            <p:cond delay="0"/>
+                                          </p:stCondLst>
+                                        </p:cTn>
+                                        <p:tgtEl>
+                                          <p:spTgt spid="14"/>
+                                        </p:tgtEl>
+                                        <p:attrNameLst>
+                                          <p:attrName>style.visibility</p:attrName>
+                                        </p:attrNameLst>
+                                      </p:cBhvr>
+                                      <p:to>
+                                        <p:strVal val="visible"/>
+                                      </p:to>
+                                    </p:set>
+                                  </p:childTnLst>
+                                </p:cTn>
+                              </p:par>
+                            </p:childTnLst>
+                          </p:cTn>
+                        </p:par>
+                      </p:childTnLst>
+                    </p:cTn>
+                  </p:par>
+                  <p:par>
+                    <p:cTn id="15" fill="hold">
+                      <p:stCondLst>
+                        <p:cond delay="indefinite"/>
+                      </p:stCondLst>
+                      <p:childTnLst>
+                        <p:par>
+                          <p:cTn id="16" fill="hold">
+                            <p:stCondLst>
+                              <p:cond delay="0"/>
+                            </p:stCondLst>
+                            <p:childTnLst>
+                              <p:par>
+                                <p:cTn id="17" presetID="1" presetClass="entr" presetSubtype="0" fill="hold" nodeType="clickEffect">
+                                  <p:stCondLst>
+                                    <p:cond delay="0"/>
+                                  </p:stCondLst>
+                                  <p:childTnLst>
+                                    <p:set>
+                                      <p:cBhvr>
+                                        <p:cTn id="18" dur="1" fill="hold">
+                                          <p:stCondLst>
+                                            <p:cond delay="0"/>
+                                          </p:stCondLst>
+                                        </p:cTn>
+                                        <p:tgtEl>
+                                          <p:spTgt spid="18"/>
+                                        </p:tgtEl>
+                                        <p:attrNameLst>
+                                          <p:attrName>style.visibility</p:attrName>
+                                        </p:attrNameLst>
+                                      </p:cBhvr>
+                                      <p:to>
+                                        <p:strVal val="visible"/>
+                                      </p:to>
+                                    </p:set>
+                                  </p:childTnLst>
+                                </p:cTn>
+                              </p:par>
+                              <p:par>
+                                <p:cTn id="19" presetID="1" presetClass="entr" presetSubtype="0" fill="hold" nodeType="withEffect">
+                                  <p:stCondLst>
+                                    <p:cond delay="0"/>
+                                  </p:stCondLst>
+                                  <p:childTnLst>
+                                    <p:set>
+                                      <p:cBhvr>
+                                        <p:cTn id="20" dur="1" fill="hold">
+                                          <p:stCondLst>
+                                            <p:cond delay="0"/>
+                                          </p:stCondLst>
+                                        </p:cTn>
+                                        <p:tgtEl>
+                                          <p:spTgt spid="19"/>
+                                        </p:tgtEl>
+                                        <p:attrNameLst>
+                                          <p:attrName>style.visibility</p:attrName>
+                                        </p:attrNameLst>
+                                      </p:cBhvr>
+                                      <p:to>
+                                        <p:strVal val="visible"/>
+                                      </p:to>
+                                    </p:set>
+                                  </p:childTnLst>
+                                </p:cTn>
+                              </p:par>
+                            </p:childTnLst>
+                          </p:cTn>
+                        </p:par>
+                      </p:childTnLst>
+                    </p:cTn>
+                  </p:par>
+                  <p:par>
+                    <p:cTn id="21" fill="hold">
+                      <p:stCondLst>
+                        <p:cond delay="indefinite"/>
+                      </p:stCondLst>
+                      <p:childTnLst>
+                        <p:par>
+                          <p:cTn id="22" fill="hold">
+                            <p:stCondLst>
+                              <p:cond delay="0"/>
+                            </p:stCondLst>
+                            <p:childTnLst>
+                              <p:par>
+                                <p:cTn id="23" presetID="1" presetClass="entr" presetSubtype="0" fill="hold" nodeType="clickEffect">
+                                  <p:stCondLst>
+                                    <p:cond delay="0"/>
+                                  </p:stCondLst>
+                                  <p:childTnLst>
+                                    <p:set>
+                                      <p:cBhvr>
+                                        <p:cTn id="24" dur="1" fill="hold">
+                                          <p:stCondLst>
+                                            <p:cond delay="0"/>
+                                          </p:stCondLst>
+                                        </p:cTn>
+                                        <p:tgtEl>
+                                          <p:spTgt spid="20"/>
+                                        </p:tgtEl>
+                                        <p:attrNameLst>
+                                          <p:attrName>style.visibility</p:attrName>
+                                        </p:attrNameLst>
+                                      </p:cBhvr>
+                                      <p:to>
+                                        <p:strVal val="visible"/>
+                                      </p:to>
+                                    </p:set>
+                                  </p:childTnLst>
+                                </p:cTn>
+                              </p:par>
+                            </p:childTnLst>
+                          </p:cTn>
+                        </p:par>
+                      </p:childTnLst>
+                    </p:cTn>
+                  </p:par>
+                  <p:par>
+                    <p:cTn id="25" fill="hold">
+                      <p:stCondLst>
+                        <p:cond delay="indefinite"/>
+                      </p:stCondLst>
+                      <p:childTnLst>
+                        <p:par>
+                          <p:cTn id="26" fill="hold">
+                            <p:stCondLst>
+                              <p:cond delay="0"/>
+                            </p:stCondLst>
+                            <p:childTnLst>
+                              <p:par>
+                                <p:cTn id="27" presetID="1" presetClass="exit" presetSubtype="0" fill="hold" grpId="1" nodeType="clickEffect">
+                                  <p:stCondLst>
+                                    <p:cond delay="0"/>
+                                  </p:stCondLst>
+                                  <p:childTnLst>
+                                    <p:set>
+                                      <p:cBhvr>
+                                        <p:cTn id="28" dur="1" fill="hold">
+                                          <p:stCondLst>
+                                            <p:cond delay="0"/>
+                                          </p:stCondLst>
+                                        </p:cTn>
+                                        <p:tgtEl>
+                                          <p:spTgt spid="13"/>
+                                        </p:tgtEl>
+                                        <p:attrNameLst>
+                                          <p:attrName>style.visibility</p:attrName>
+                                        </p:attrNameLst>
+                                      </p:cBhvr>
+                                      <p:to>
+                                        <p:strVal val="hidden"/>
+                                      </p:to>
+                                    </p:set>
+                                  </p:childTnLst>
+                                </p:cTn>
+                              </p:par>
+                            </p:childTnLst>
+                          </p:cTn>
+                        </p:par>
+                      </p:childTnLst>
+                    </p:cTn>
+                  </p:par>
+                  <p:par>
+                    <p:cTn id="29" fill="hold">
+                      <p:stCondLst>
+                        <p:cond delay="indefinite"/>
+                      </p:stCondLst>
+                      <p:childTnLst>
+                        <p:par>
+                          <p:cTn id="30" fill="hold">
+                            <p:stCondLst>
+                              <p:cond delay="0"/>
+                            </p:stCondLst>
+                            <p:childTnLst>
+                              <p:par>
+                                <p:cTn id="31" presetID="1" presetClass="entr" presetSubtype="0" fill="hold" grpId="0" nodeType="clickEffect">
+                                  <p:stCondLst>
+                                    <p:cond delay="0"/>
+                                  </p:stCondLst>
+                                  <p:childTnLst>
+                                    <p:set>
+                                      <p:cBhvr>
+                                        <p:cTn id="32" dur="1" fill="hold">
+                                          <p:stCondLst>
+                                            <p:cond delay="0"/>
+                                          </p:stCondLst>
+                                        </p:cTn>
+                                        <p:tgtEl>
+                                          <p:spTgt spid="21"/>
+                                        </p:tgtEl>
+                                        <p:attrNameLst>
+                                          <p:attrName>style.visibility</p:attrName>
+                                        </p:attrNameLst>
+                                      </p:cBhvr>
+                                      <p:to>
+                                        <p:strVal val="visible"/>
+                                      </p:to>
+                                    </p:set>
+                                  </p:childTnLst>
+                                </p:cTn>
+                              </p:par>
+                            </p:childTnLst>
+                          </p:cTn>
+                        </p:par>
+                      </p:childTnLst>
+                    </p:cTn>
+                  </p:par>
+                  <p:par>
+                    <p:cTn id="33" fill="hold">
+                      <p:stCondLst>
+                        <p:cond delay="indefinite"/>
+                      </p:stCondLst>
+                      <p:childTnLst>
+                        <p:par>
+                          <p:cTn id="34" fill="hold">
+                            <p:stCondLst>
+                              <p:cond delay="0"/>
+                            </p:stCondLst>
+                            <p:childTnLst>
+                              <p:par>
+                                <p:cTn id="35" presetID="1" presetClass="entr" presetSubtype="0" fill="hold" grpId="0" nodeType="clickEffect">
+                                  <p:stCondLst>
+                                    <p:cond delay="0"/>
+                                  </p:stCondLst>
+                                  <p:childTnLst>
+                                    <p:set>
+                                      <p:cBhvr>
+                                        <p:cTn id="36" dur="1" fill="hold">
+                                          <p:stCondLst>
+                                            <p:cond delay="0"/>
+                                          </p:stCondLst>
+                                        </p:cTn>
+                                        <p:tgtEl>
+                                          <p:spTgt spid="23"/>
+                                        </p:tgtEl>
+                                        <p:attrNameLst>
+                                          <p:attrName>style.visibility</p:attrName>
+                                        </p:attrNameLst>
+                                      </p:cBhvr>
+                                      <p:to>
+                                        <p:strVal val="visible"/>
+                                      </p:to>
+                                    </p:set>
+                                  </p:childTnLst>
+                                </p:cTn>
+                              </p:par>
+                            </p:childTnLst>
+                          </p:cTn>
+                        </p:par>
+                      </p:childTnLst>
+                    </p:cTn>
+                  </p:par>
+                  <p:par>
+                    <p:cTn id="37" fill="hold">
+                      <p:stCondLst>
+                        <p:cond delay="indefinite"/>
+                      </p:stCondLst>
+                      <p:childTnLst>
+                        <p:par>
+                          <p:cTn id="38" fill="hold">
+                            <p:stCondLst>
+                              <p:cond delay="0"/>
+                            </p:stCondLst>
+                            <p:childTnLst>
+                              <p:par>
+                                <p:cTn id="39" presetID="1" presetClass="entr" presetSubtype="0" fill="hold" nodeType="clickEffect">
+                                  <p:stCondLst>
+                                    <p:cond delay="0"/>
+                                  </p:stCondLst>
+                                  <p:childTnLst>
+                                    <p:set>
+                                      <p:cBhvr>
+                                        <p:cTn id="40" dur="1" fill="hold">
+                                          <p:stCondLst>
+                                            <p:cond delay="0"/>
+                                          </p:stCondLst>
+                                        </p:cTn>
+                                        <p:tgtEl>
+                                          <p:spTgt spid="22"/>
+                                        </p:tgtEl>
+                                        <p:attrNameLst>
+                                          <p:attrName>style.visibility</p:attrName>
+                                        </p:attrNameLst>
+                                      </p:cBhvr>
+                                      <p:to>
+                                        <p:strVal val="visible"/>
+                                      </p:to>
+                                    </p:set>
+                                  </p:childTnLst>
+                                </p:cTn>
+                              </p:par>
+                            </p:childTnLst>
+                          </p:cTn>
+                        </p:par>
+                      </p:childTnLst>
+                    </p:cTn>
+                  </p:par>
+                  <p:par>
+                    <p:cTn id="41" fill="hold">
+                      <p:stCondLst>
+                        <p:cond delay="indefinite"/>
+                      </p:stCondLst>
+                      <p:childTnLst>
+                        <p:par>
+                          <p:cTn id="42" fill="hold">
+                            <p:stCondLst>
+                              <p:cond delay="0"/>
+                            </p:stCondLst>
+                            <p:childTnLst>
+                              <p:par>
+                                <p:cTn id="43" presetID="1" presetClass="entr" presetSubtype="0" fill="hold" nodeType="clickEffect">
+                                  <p:stCondLst>
+                                    <p:cond delay="0"/>
+                                  </p:stCondLst>
+                                  <p:childTnLst>
+                                    <p:set>
+                                      <p:cBhvr>
+                                        <p:cTn id="44" dur="1" fill="hold">
+                                          <p:stCondLst>
+                                            <p:cond delay="0"/>
+                                          </p:stCondLst>
+                                        </p:cTn>
+                                        <p:tgtEl>
+                                          <p:spTgt spid="26"/>
+                                        </p:tgtEl>
+                                        <p:attrNameLst>
+                                          <p:attrName>style.visibility</p:attrName>
+                                        </p:attrNameLst>
+                                      </p:cBhvr>
+                                      <p:to>
+                                        <p:strVal val="visible"/>
+                                      </p:to>
+                                    </p:set>
+                                  </p:childTnLst>
+                                </p:cTn>
+                              </p:par>
+                            </p:childTnLst>
+                          </p:cTn>
+                        </p:par>
+                      </p:childTnLst>
+                    </p:cTn>
+                  </p:par>
+                  <p:par>
+                    <p:cTn id="45" fill="hold">
+                      <p:stCondLst>
+                        <p:cond delay="indefinite"/>
+                      </p:stCondLst>
+                      <p:childTnLst>
+                        <p:par>
+                          <p:cTn id="46" fill="hold">
+                            <p:stCondLst>
+                              <p:cond delay="0"/>
+                            </p:stCondLst>
+                            <p:childTnLst>
+                              <p:par>
+                                <p:cTn id="47" presetID="1" presetClass="entr" presetSubtype="0" fill="hold" nodeType="clickEffect">
+                                  <p:stCondLst>
+                                    <p:cond delay="0"/>
+                                  </p:stCondLst>
+                                  <p:childTnLst>
+                                    <p:set>
+                                      <p:cBhvr>
+                                        <p:cTn id="48" dur="1" fill="hold">
+                                          <p:stCondLst>
+                                            <p:cond delay="0"/>
+                                          </p:stCondLst>
+                                        </p:cTn>
+                                        <p:tgtEl>
+                                          <p:spTgt spid="24"/>
+                                        </p:tgtEl>
+                                        <p:attrNameLst>
+                                          <p:attrName>style.visibility</p:attrName>
+                                        </p:attrNameLst>
+                                      </p:cBhvr>
+                                      <p:to>
+                                        <p:strVal val="visible"/>
+                                      </p:to>
+                                    </p:set>
+                                  </p:childTnLst>
+                                </p:cTn>
+                              </p:par>
+                            </p:childTnLst>
+                          </p:cTn>
+                        </p:par>
+                      </p:childTnLst>
+                    </p:cTn>
+                  </p:par>
+                  <p:par>
+                    <p:cTn id="49" fill="hold">
+                      <p:stCondLst>
+                        <p:cond delay="indefinite"/>
+                      </p:stCondLst>
+                      <p:childTnLst>
+                        <p:par>
+                          <p:cTn id="50" fill="hold">
+                            <p:stCondLst>
+                              <p:cond delay="0"/>
+                            </p:stCondLst>
+                            <p:childTnLst>
+                              <p:par>
+                                <p:cTn id="51" presetID="1" presetClass="entr" presetSubtype="0" fill="hold" grpId="0" nodeType="clickEffect">
+                                  <p:stCondLst>
+                                    <p:cond delay="0"/>
+                                  </p:stCondLst>
+                                  <p:childTnLst>
+                                    <p:set>
+                                      <p:cBhvr>
+                                        <p:cTn id="52" dur="1" fill="hold">
+                                          <p:stCondLst>
+                                            <p:cond delay="0"/>
+                                          </p:stCondLst>
+                                        </p:cTn>
+                                        <p:tgtEl>
+                                          <p:spTgt spid="25"/>
+                                        </p:tgtEl>
+                                        <p:attrNameLst>
+                                          <p:attrName>style.visibility</p:attrName>
+                                        </p:attrNameLst>
+                                      </p:cBhvr>
+                                      <p:to>
+                                        <p:strVal val="visible"/>
+                                      </p:to>
+                                    </p:set>
+                                  </p:childTnLst>
+                                </p:cTn>
+                              </p:par>
+                            </p:childTnLst>
+                          </p:cTn>
+                        </p:par>
+                      </p:childTnLst>
+                    </p:cTn>
+                  </p:par>
+                  <p:par>
+                    <p:cTn id="53" fill="hold">
+                      <p:stCondLst>
+                        <p:cond delay="indefinite"/>
+                      </p:stCondLst>
+                      <p:childTnLst>
+                        <p:par>
+                          <p:cTn id="54" fill="hold">
+                            <p:stCondLst>
+                              <p:cond delay="0"/>
+                            </p:stCondLst>
+                            <p:childTnLst>
+                              <p:par>
+                                <p:cTn id="55" presetID="1" presetClass="entr" presetSubtype="0" fill="hold" nodeType="clickEffect">
+                                  <p:stCondLst>
+                                    <p:cond delay="0"/>
+                                  </p:stCondLst>
+                                  <p:childTnLst>
+                                    <p:set>
+                                      <p:cBhvr>
+                                        <p:cTn id="56" dur="1" fill="hold">
+                                          <p:stCondLst>
+                                            <p:cond delay="0"/>
+                                          </p:stCondLst>
+                                        </p:cTn>
+                                        <p:tgtEl>
+                                          <p:spTgt spid="27"/>
+                                        </p:tgtEl>
+                                        <p:attrNameLst>
+                                          <p:attrName>style.visibility</p:attrName>
+                                        </p:attrNameLst>
+                                      </p:cBhvr>
+                                      <p:to>
+                                        <p:strVal val="visible"/>
+                                      </p:to>
+                                    </p:set>
+                                  </p:childTnLst>
+                                </p:cTn>
+                              </p:par>
+                            </p:childTnLst>
+                          </p:cTn>
+                        </p:par>
+                      </p:childTnLst>
+                    </p:cTn>
+                  </p:par>
+                </p:childTnLst>
+              </p:cTn>
+              <p:prevCondLst>
+                <p:cond evt="onPrev" delay="0">
+                  <p:tgtEl>
+                    <p:sldTgt/>
+                  </p:tgtEl>
+                </p:cond>
+              </p:prevCondLst>
+              <p:nextCondLst>
+                <p:cond evt="onNext" delay="0">
+                  <p:tgtEl>
+                    <p:sldTgt/>
+                  </p:tgtEl>
+                </p:cond>
+              </p:nextCondLst>
+            </p:seq>
+          </p:childTnLst>
+        </p:cTn>
+      </p:par>
+    </p:tnLst>
+    <p:bldLst>
+      <p:bldP spid="13" grpId="0"/>
+      <p:bldP spid="13" grpId="1"/>
+      <p:bldP spid="21" grpId="0"/>
+      <p:bldP spid="23" grpId="0"/>
+      <p:bldP spid="25" grpId="0"/>
+    </p:bldLst>
+  </p:timing>
+</p:sld>
+</file>
+
+<file path=ppt/slides/slide8.xml><?xml version="1.0" encoding="utf-8"?>
+<p:sld xmlns:a="http://schemas.openxmlformats.org/drawingml/2006/main" xmlns:r="http://schemas.openxmlformats.org/officeDocument/2006/relationships" xmlns:p="http://schemas.openxmlformats.org/presentationml/2006/main">
+  <p:cSld>
+    <p:spTree>
+      <p:nvGrpSpPr>
+        <p:cNvPr id="1" name=""/>
+        <p:cNvGrpSpPr/>
+        <p:nvPr/>
+      </p:nvGrpSpPr>
+      <p:grpSpPr>
+        <a:xfrm>
+          <a:off x="0" y="0"/>
+          <a:ext cx="0" cy="0"/>
+          <a:chOff x="0" y="0"/>
+          <a:chExt cx="0" cy="0"/>
+        </a:xfrm>
+      </p:grpSpPr>
+      <p:sp>
+        <p:nvSpPr>
+          <p:cNvPr id="2" name="Slide Number Placeholder 1">
+            <a:extLst>
+              <a:ext uri="{FF2B5EF4-FFF2-40B4-BE49-F238E27FC236}">
+                <a16:creationId xmlns:a16="http://schemas.microsoft.com/office/drawing/2014/main" id="{252163C1-2528-F420-833D-73BEDE5FBB96}"/>
+              </a:ext>
+            </a:extLst>
+          </p:cNvPr>
+          <p:cNvSpPr>
+            <a:spLocks noGrp="1"/>
+          </p:cNvSpPr>
+          <p:nvPr>
+            <p:ph type="sldNum" sz="quarter" idx="12"/>
+          </p:nvPr>
+        </p:nvSpPr>
+        <p:spPr/>
+        <p:txBody>
+          <a:bodyPr/>
+          <a:lstStyle/>
+          <a:p>
+            <a:fld id="{7A304655-5D53-B746-8252-3F5A598C52D3}" type="slidenum">
+              <a:rPr lang="en-CN" smtClean="0"/>
+              <a:pPr/>
+              <a:t>8</a:t>
+            </a:fld>
+            <a:endParaRPr lang="en-CN"/>
+          </a:p>
+        </p:txBody>
+      </p:sp>
+      <p:sp>
+        <p:nvSpPr>
+          <p:cNvPr id="3" name="Title 2">
+            <a:extLst>
+              <a:ext uri="{FF2B5EF4-FFF2-40B4-BE49-F238E27FC236}">
+                <a16:creationId xmlns:a16="http://schemas.microsoft.com/office/drawing/2014/main" id="{6E579CAA-EC66-9DFA-8A60-0EAC4F6622C0}"/>
+              </a:ext>
+            </a:extLst>
+          </p:cNvPr>
+          <p:cNvSpPr>
+            <a:spLocks noGrp="1"/>
+          </p:cNvSpPr>
+          <p:nvPr>
+            <p:ph type="title"/>
+          </p:nvPr>
+        </p:nvSpPr>
+        <p:spPr/>
+        <p:txBody>
+          <a:bodyPr/>
+          <a:lstStyle/>
+          <a:p>
+            <a:r>
+              <a:rPr kumimoji="1" lang="zh-CN" altLang="en-US" dirty="0"/>
+              <a:t>同态有什么性质</a:t>
+            </a:r>
+            <a:r>
+              <a:rPr kumimoji="1" lang="en-US" altLang="zh-CN" dirty="0"/>
+              <a:t>?</a:t>
+            </a:r>
+            <a:endParaRPr kumimoji="1" lang="zh-CN" altLang="en-US" dirty="0"/>
+          </a:p>
+        </p:txBody>
+      </p:sp>
+      <p:sp>
+        <p:nvSpPr>
+          <p:cNvPr id="5" name="TextBox 4">
+            <a:extLst>
+              <a:ext uri="{FF2B5EF4-FFF2-40B4-BE49-F238E27FC236}">
+                <a16:creationId xmlns:a16="http://schemas.microsoft.com/office/drawing/2014/main" id="{07BFA650-6DFB-98F6-2561-AF9B55F00F26}"/>
+              </a:ext>
+            </a:extLst>
+          </p:cNvPr>
+          <p:cNvSpPr txBox="1"/>
+          <p:nvPr/>
+        </p:nvSpPr>
+        <p:spPr>
+          <a:xfrm>
+            <a:off x="628650" y="1029177"/>
+            <a:ext cx="2056973" cy="369332"/>
+          </a:xfrm>
+          <a:prstGeom prst="rect">
+            <a:avLst/>
+          </a:prstGeom>
+          <a:noFill/>
+        </p:spPr>
+        <p:txBody>
+          <a:bodyPr wrap="none" rtlCol="0">
+            <a:spAutoFit/>
+          </a:bodyPr>
+          <a:lstStyle/>
+          <a:p>
+            <a:r>
+              <a:rPr kumimoji="1" lang="en-US" altLang="zh-CN" dirty="0"/>
+              <a:t>2.</a:t>
+            </a:r>
+            <a:r>
+              <a:rPr kumimoji="1" lang="zh-CN" altLang="en-US" dirty="0"/>
+              <a:t> 同态的基本性质</a:t>
+            </a:r>
+          </a:p>
+        </p:txBody>
+      </p:sp>
+      <p:sp>
+        <p:nvSpPr>
+          <p:cNvPr id="15" name="Oval 14">
+            <a:extLst>
+              <a:ext uri="{FF2B5EF4-FFF2-40B4-BE49-F238E27FC236}">
+                <a16:creationId xmlns:a16="http://schemas.microsoft.com/office/drawing/2014/main" id="{D93EA82F-A87C-E1DB-5129-EF3C86B9AA19}"/>
+              </a:ext>
+            </a:extLst>
+          </p:cNvPr>
+          <p:cNvSpPr/>
+          <p:nvPr/>
+        </p:nvSpPr>
+        <p:spPr>
+          <a:xfrm>
+            <a:off x="6654540" y="1091324"/>
+            <a:ext cx="678873" cy="615095"/>
+          </a:xfrm>
+          <a:prstGeom prst="ellipse">
+            <a:avLst/>
+          </a:prstGeom>
+        </p:spPr>
+        <p:style>
+          <a:lnRef idx="2">
+            <a:schemeClr val="accent2">
+              <a:shade val="50000"/>
+            </a:schemeClr>
+          </a:lnRef>
+          <a:fillRef idx="1">
+            <a:schemeClr val="accent2"/>
+          </a:fillRef>
+          <a:effectRef idx="0">
+            <a:schemeClr val="accent2"/>
+          </a:effectRef>
+          <a:fontRef idx="minor">
+            <a:schemeClr val="lt1"/>
+          </a:fontRef>
+        </p:style>
+        <p:txBody>
+          <a:bodyPr rtlCol="0" anchor="ctr"/>
+          <a:lstStyle/>
+          <a:p>
+            <a:pPr algn="ctr"/>
+            <a:r>
+              <a:rPr kumimoji="1" lang="zh-CN" altLang="en-US" dirty="0"/>
+              <a:t>群</a:t>
+            </a:r>
+          </a:p>
+        </p:txBody>
+      </p:sp>
+      <p:sp>
+        <p:nvSpPr>
+          <p:cNvPr id="16" name="Oval 15">
+            <a:extLst>
+              <a:ext uri="{FF2B5EF4-FFF2-40B4-BE49-F238E27FC236}">
+                <a16:creationId xmlns:a16="http://schemas.microsoft.com/office/drawing/2014/main" id="{E9B59DF9-5E1E-346B-A4BD-387E676246AC}"/>
+              </a:ext>
+            </a:extLst>
+          </p:cNvPr>
+          <p:cNvSpPr/>
+          <p:nvPr/>
+        </p:nvSpPr>
+        <p:spPr>
+          <a:xfrm>
+            <a:off x="6751522" y="1004256"/>
+            <a:ext cx="678873" cy="615095"/>
+          </a:xfrm>
+          <a:prstGeom prst="ellipse">
+            <a:avLst/>
+          </a:prstGeom>
+        </p:spPr>
+        <p:style>
+          <a:lnRef idx="2">
+            <a:schemeClr val="accent2">
+              <a:shade val="50000"/>
+            </a:schemeClr>
+          </a:lnRef>
+          <a:fillRef idx="1">
+            <a:schemeClr val="accent2"/>
+          </a:fillRef>
+          <a:effectRef idx="0">
+            <a:schemeClr val="accent2"/>
+          </a:effectRef>
+          <a:fontRef idx="minor">
+            <a:schemeClr val="lt1"/>
+          </a:fontRef>
+        </p:style>
+        <p:txBody>
+          <a:bodyPr rtlCol="0" anchor="ctr"/>
+          <a:lstStyle/>
+          <a:p>
+            <a:pPr algn="ctr"/>
+            <a:r>
+              <a:rPr kumimoji="1" lang="zh-CN" altLang="en-US" dirty="0"/>
+              <a:t>群</a:t>
+            </a:r>
+          </a:p>
+        </p:txBody>
+      </p:sp>
+      <p:sp>
+        <p:nvSpPr>
+          <p:cNvPr id="17" name="TextBox 16">
+            <a:extLst>
+              <a:ext uri="{FF2B5EF4-FFF2-40B4-BE49-F238E27FC236}">
+                <a16:creationId xmlns:a16="http://schemas.microsoft.com/office/drawing/2014/main" id="{AAA103BB-3748-4859-62F8-9DBAB77C8C0B}"/>
+              </a:ext>
+            </a:extLst>
+          </p:cNvPr>
+          <p:cNvSpPr txBox="1"/>
+          <p:nvPr/>
+        </p:nvSpPr>
+        <p:spPr>
+          <a:xfrm>
+            <a:off x="7430395" y="930170"/>
+            <a:ext cx="1361270" cy="307777"/>
+          </a:xfrm>
+          <a:prstGeom prst="rect">
+            <a:avLst/>
+          </a:prstGeom>
+          <a:noFill/>
+        </p:spPr>
+        <p:txBody>
+          <a:bodyPr wrap="none" rtlCol="0">
+            <a:spAutoFit/>
+          </a:bodyPr>
+          <a:lstStyle/>
+          <a:p>
+            <a:r>
+              <a:rPr kumimoji="1" lang="zh-CN" altLang="en-US" sz="1400" dirty="0"/>
+              <a:t>同构</a:t>
+            </a:r>
+            <a:r>
+              <a:rPr kumimoji="1" lang="en-US" altLang="zh-CN" sz="1400" dirty="0"/>
+              <a:t>:</a:t>
+            </a:r>
+            <a:r>
+              <a:rPr kumimoji="1" lang="zh-CN" altLang="en-US" sz="1400" dirty="0"/>
+              <a:t> 保持运算</a:t>
+            </a:r>
+          </a:p>
+        </p:txBody>
+      </p:sp>
+      <p:sp>
+        <p:nvSpPr>
+          <p:cNvPr id="21" name="TextBox 20">
+            <a:extLst>
+              <a:ext uri="{FF2B5EF4-FFF2-40B4-BE49-F238E27FC236}">
+                <a16:creationId xmlns:a16="http://schemas.microsoft.com/office/drawing/2014/main" id="{5AEB5D18-C2A5-64D2-F103-E7B4B79451EF}"/>
+              </a:ext>
+            </a:extLst>
+          </p:cNvPr>
+          <p:cNvSpPr txBox="1"/>
+          <p:nvPr/>
+        </p:nvSpPr>
+        <p:spPr>
+          <a:xfrm>
+            <a:off x="7422269" y="1247387"/>
+            <a:ext cx="646331" cy="276999"/>
+          </a:xfrm>
+          <a:prstGeom prst="rect">
+            <a:avLst/>
+          </a:prstGeom>
+          <a:noFill/>
+        </p:spPr>
+        <p:txBody>
+          <a:bodyPr wrap="none" rtlCol="0">
+            <a:spAutoFit/>
+          </a:bodyPr>
+          <a:lstStyle/>
+          <a:p>
+            <a:r>
+              <a:rPr kumimoji="1" lang="zh-CN" altLang="en-US" sz="1200" dirty="0"/>
+              <a:t>传递性</a:t>
+            </a:r>
+          </a:p>
+        </p:txBody>
+      </p:sp>
+      <p:sp>
+        <p:nvSpPr>
+          <p:cNvPr id="28" name="TextBox 27">
+            <a:extLst>
+              <a:ext uri="{FF2B5EF4-FFF2-40B4-BE49-F238E27FC236}">
+                <a16:creationId xmlns:a16="http://schemas.microsoft.com/office/drawing/2014/main" id="{C35AE98A-0E89-C7FE-E05E-84CABB11AE2B}"/>
+              </a:ext>
+            </a:extLst>
+          </p:cNvPr>
+          <p:cNvSpPr txBox="1"/>
+          <p:nvPr/>
+        </p:nvSpPr>
+        <p:spPr>
+          <a:xfrm>
+            <a:off x="8145334" y="1260009"/>
+            <a:ext cx="954107" cy="461665"/>
+          </a:xfrm>
+          <a:prstGeom prst="rect">
+            <a:avLst/>
+          </a:prstGeom>
+          <a:noFill/>
+        </p:spPr>
+        <p:txBody>
+          <a:bodyPr wrap="none" rtlCol="0">
+            <a:spAutoFit/>
+          </a:bodyPr>
+          <a:lstStyle/>
+          <a:p>
+            <a:r>
+              <a:rPr kumimoji="1" lang="zh-CN" altLang="en-US" sz="1200" dirty="0"/>
+              <a:t>元素的映射</a:t>
+            </a:r>
+            <a:endParaRPr kumimoji="1" lang="en-US" altLang="zh-CN" sz="1200" dirty="0"/>
+          </a:p>
+          <a:p>
+            <a:r>
+              <a:rPr kumimoji="1" lang="zh-CN" altLang="en-US" sz="1200" dirty="0"/>
+              <a:t>像</a:t>
+            </a:r>
+          </a:p>
+        </p:txBody>
+      </p:sp>
+      <p:pic>
+        <p:nvPicPr>
+          <p:cNvPr id="4" name="Picture 3">
+            <a:extLst>
+              <a:ext uri="{FF2B5EF4-FFF2-40B4-BE49-F238E27FC236}">
+                <a16:creationId xmlns:a16="http://schemas.microsoft.com/office/drawing/2014/main" id="{FEE3083B-9869-7EA9-80D1-2C864AFC0FEF}"/>
+              </a:ext>
+            </a:extLst>
+          </p:cNvPr>
+          <p:cNvPicPr>
+            <a:picLocks noChangeAspect="1"/>
+          </p:cNvPicPr>
+          <p:nvPr/>
+        </p:nvPicPr>
+        <p:blipFill>
+          <a:blip r:embed="rId2"/>
+          <a:stretch>
+            <a:fillRect/>
+          </a:stretch>
+        </p:blipFill>
+        <p:spPr>
+          <a:xfrm>
+            <a:off x="894923" y="1557006"/>
+            <a:ext cx="1790700" cy="444500"/>
+          </a:xfrm>
+          <a:prstGeom prst="rect">
+            <a:avLst/>
+          </a:prstGeom>
+        </p:spPr>
+      </p:pic>
+      <p:pic>
+        <p:nvPicPr>
+          <p:cNvPr id="6" name="Picture 5">
+            <a:extLst>
+              <a:ext uri="{FF2B5EF4-FFF2-40B4-BE49-F238E27FC236}">
+                <a16:creationId xmlns:a16="http://schemas.microsoft.com/office/drawing/2014/main" id="{0B136E41-35FF-B710-FC21-E9641E95D4E6}"/>
+              </a:ext>
+            </a:extLst>
+          </p:cNvPr>
+          <p:cNvPicPr>
+            <a:picLocks noChangeAspect="1"/>
+          </p:cNvPicPr>
+          <p:nvPr/>
+        </p:nvPicPr>
+        <p:blipFill>
+          <a:blip r:embed="rId3"/>
+          <a:stretch>
+            <a:fillRect/>
+          </a:stretch>
+        </p:blipFill>
+        <p:spPr>
+          <a:xfrm>
+            <a:off x="641638" y="2033286"/>
+            <a:ext cx="3555423" cy="458764"/>
+          </a:xfrm>
+          <a:prstGeom prst="rect">
+            <a:avLst/>
+          </a:prstGeom>
+        </p:spPr>
+      </p:pic>
+      <p:pic>
+        <p:nvPicPr>
+          <p:cNvPr id="7" name="Picture 6">
+            <a:extLst>
+              <a:ext uri="{FF2B5EF4-FFF2-40B4-BE49-F238E27FC236}">
+                <a16:creationId xmlns:a16="http://schemas.microsoft.com/office/drawing/2014/main" id="{A0098BEA-EFF0-A183-8E74-B21ED62123F8}"/>
+              </a:ext>
+            </a:extLst>
+          </p:cNvPr>
+          <p:cNvPicPr>
+            <a:picLocks noChangeAspect="1"/>
+          </p:cNvPicPr>
+          <p:nvPr/>
+        </p:nvPicPr>
+        <p:blipFill>
+          <a:blip r:embed="rId4"/>
+          <a:stretch>
+            <a:fillRect/>
+          </a:stretch>
+        </p:blipFill>
+        <p:spPr>
+          <a:xfrm>
+            <a:off x="4197061" y="2033286"/>
+            <a:ext cx="1587500" cy="381000"/>
+          </a:xfrm>
+          <a:prstGeom prst="rect">
+            <a:avLst/>
+          </a:prstGeom>
+        </p:spPr>
+      </p:pic>
+      <p:sp>
+        <p:nvSpPr>
+          <p:cNvPr id="29" name="Oval 28">
+            <a:extLst>
+              <a:ext uri="{FF2B5EF4-FFF2-40B4-BE49-F238E27FC236}">
+                <a16:creationId xmlns:a16="http://schemas.microsoft.com/office/drawing/2014/main" id="{DC30C60C-EE3A-561F-4E19-FD1CBD16DFFC}"/>
+              </a:ext>
+            </a:extLst>
+          </p:cNvPr>
+          <p:cNvSpPr/>
+          <p:nvPr/>
+        </p:nvSpPr>
+        <p:spPr>
+          <a:xfrm>
+            <a:off x="894923" y="3484812"/>
+            <a:ext cx="980661" cy="2726175"/>
+          </a:xfrm>
+          <a:prstGeom prst="ellipse">
+            <a:avLst/>
+          </a:prstGeom>
+        </p:spPr>
+        <p:style>
+          <a:lnRef idx="2">
+            <a:schemeClr val="accent6"/>
+          </a:lnRef>
+          <a:fillRef idx="1">
+            <a:schemeClr val="lt1"/>
+          </a:fillRef>
+          <a:effectRef idx="0">
+            <a:schemeClr val="accent6"/>
+          </a:effectRef>
+          <a:fontRef idx="minor">
+            <a:schemeClr val="dk1"/>
+          </a:fontRef>
+        </p:style>
+        <p:txBody>
+          <a:bodyPr rtlCol="0" anchor="ctr"/>
+          <a:lstStyle/>
+          <a:p>
+            <a:pPr algn="ctr"/>
+            <a:endParaRPr kumimoji="1" lang="zh-CN" altLang="en-US"/>
+          </a:p>
+        </p:txBody>
+      </p:sp>
+      <p:sp>
+        <p:nvSpPr>
+          <p:cNvPr id="30" name="TextBox 29">
+            <a:extLst>
+              <a:ext uri="{FF2B5EF4-FFF2-40B4-BE49-F238E27FC236}">
+                <a16:creationId xmlns:a16="http://schemas.microsoft.com/office/drawing/2014/main" id="{9CC79DA3-0FAA-43F2-FAF3-23A1DD3C2A53}"/>
+              </a:ext>
+            </a:extLst>
+          </p:cNvPr>
+          <p:cNvSpPr txBox="1"/>
+          <p:nvPr/>
+        </p:nvSpPr>
+        <p:spPr>
+          <a:xfrm>
+            <a:off x="1197885" y="3126827"/>
+            <a:ext cx="344966" cy="584775"/>
+          </a:xfrm>
+          <a:prstGeom prst="rect">
+            <a:avLst/>
+          </a:prstGeom>
+          <a:noFill/>
+        </p:spPr>
+        <p:txBody>
+          <a:bodyPr wrap="none" rtlCol="0">
+            <a:spAutoFit/>
+          </a:bodyPr>
+          <a:lstStyle/>
+          <a:p>
+            <a:r>
+              <a:rPr kumimoji="1" lang="zh-CN" altLang="en-US" sz="3200" dirty="0"/>
+              <a:t>*</a:t>
+            </a:r>
+          </a:p>
+        </p:txBody>
+      </p:sp>
+      <p:sp>
+        <p:nvSpPr>
+          <p:cNvPr id="10" name="TextBox 9">
+            <a:extLst>
+              <a:ext uri="{FF2B5EF4-FFF2-40B4-BE49-F238E27FC236}">
+                <a16:creationId xmlns:a16="http://schemas.microsoft.com/office/drawing/2014/main" id="{AE979C32-7FD6-CD9F-0F56-7E69B01AD99B}"/>
+              </a:ext>
+            </a:extLst>
+          </p:cNvPr>
+          <p:cNvSpPr txBox="1"/>
+          <p:nvPr/>
+        </p:nvSpPr>
+        <p:spPr>
+          <a:xfrm>
+            <a:off x="1195726" y="3832236"/>
+            <a:ext cx="415498" cy="2031325"/>
+          </a:xfrm>
+          <a:prstGeom prst="rect">
+            <a:avLst/>
+          </a:prstGeom>
+          <a:noFill/>
+        </p:spPr>
+        <p:txBody>
+          <a:bodyPr wrap="none" rtlCol="0">
+            <a:spAutoFit/>
+          </a:bodyPr>
+          <a:lstStyle/>
+          <a:p>
+            <a:r>
+              <a:rPr kumimoji="1" lang="en-US" altLang="zh-CN" dirty="0"/>
+              <a:t>○</a:t>
+            </a:r>
+          </a:p>
+          <a:p>
+            <a:r>
+              <a:rPr kumimoji="1" lang="en-US" altLang="zh-CN" dirty="0"/>
+              <a:t>○</a:t>
+            </a:r>
+          </a:p>
+          <a:p>
+            <a:r>
+              <a:rPr kumimoji="1" lang="en-US" altLang="zh-CN" dirty="0"/>
+              <a:t>○</a:t>
+            </a:r>
+          </a:p>
+          <a:p>
+            <a:r>
+              <a:rPr kumimoji="1" lang="en-US" altLang="zh-CN" dirty="0"/>
+              <a:t>○</a:t>
+            </a:r>
+          </a:p>
+          <a:p>
+            <a:r>
+              <a:rPr kumimoji="1" lang="en-US" altLang="zh-CN" dirty="0"/>
+              <a:t>○</a:t>
+            </a:r>
+          </a:p>
+          <a:p>
+            <a:r>
+              <a:rPr kumimoji="1" lang="en-US" altLang="zh-CN" dirty="0"/>
+              <a:t>○</a:t>
+            </a:r>
+          </a:p>
+          <a:p>
+            <a:r>
+              <a:rPr kumimoji="1" lang="en-US" altLang="zh-CN" dirty="0"/>
+              <a:t>○</a:t>
+            </a:r>
+            <a:endParaRPr kumimoji="1" lang="zh-CN" altLang="en-US" dirty="0"/>
+          </a:p>
+        </p:txBody>
+      </p:sp>
+      <p:sp>
+        <p:nvSpPr>
+          <p:cNvPr id="31" name="Oval 30">
+            <a:extLst>
+              <a:ext uri="{FF2B5EF4-FFF2-40B4-BE49-F238E27FC236}">
+                <a16:creationId xmlns:a16="http://schemas.microsoft.com/office/drawing/2014/main" id="{5A838742-105B-DBA2-6570-7059FBFDB713}"/>
+              </a:ext>
+            </a:extLst>
+          </p:cNvPr>
+          <p:cNvSpPr/>
+          <p:nvPr/>
+        </p:nvSpPr>
+        <p:spPr>
+          <a:xfrm>
+            <a:off x="3247146" y="3484812"/>
+            <a:ext cx="980661" cy="2726175"/>
+          </a:xfrm>
+          <a:prstGeom prst="ellipse">
+            <a:avLst/>
+          </a:prstGeom>
+        </p:spPr>
+        <p:style>
+          <a:lnRef idx="2">
+            <a:schemeClr val="accent6"/>
+          </a:lnRef>
+          <a:fillRef idx="1">
+            <a:schemeClr val="lt1"/>
+          </a:fillRef>
+          <a:effectRef idx="0">
+            <a:schemeClr val="accent6"/>
+          </a:effectRef>
+          <a:fontRef idx="minor">
+            <a:schemeClr val="dk1"/>
+          </a:fontRef>
+        </p:style>
+        <p:txBody>
+          <a:bodyPr rtlCol="0" anchor="ctr"/>
+          <a:lstStyle/>
+          <a:p>
+            <a:pPr algn="ctr"/>
+            <a:endParaRPr kumimoji="1" lang="zh-CN" altLang="en-US"/>
+          </a:p>
+        </p:txBody>
+      </p:sp>
+      <p:sp>
+        <p:nvSpPr>
+          <p:cNvPr id="32" name="TextBox 31">
+            <a:extLst>
+              <a:ext uri="{FF2B5EF4-FFF2-40B4-BE49-F238E27FC236}">
+                <a16:creationId xmlns:a16="http://schemas.microsoft.com/office/drawing/2014/main" id="{FA11ABCD-8B15-6B15-DD3D-0AAA4D672756}"/>
+              </a:ext>
+            </a:extLst>
+          </p:cNvPr>
+          <p:cNvSpPr txBox="1"/>
+          <p:nvPr/>
+        </p:nvSpPr>
+        <p:spPr>
+          <a:xfrm>
+            <a:off x="3550108" y="3126827"/>
+            <a:ext cx="344966" cy="584775"/>
+          </a:xfrm>
+          <a:prstGeom prst="rect">
+            <a:avLst/>
+          </a:prstGeom>
+          <a:noFill/>
+        </p:spPr>
+        <p:txBody>
+          <a:bodyPr wrap="none" rtlCol="0">
+            <a:spAutoFit/>
+          </a:bodyPr>
+          <a:lstStyle/>
+          <a:p>
+            <a:r>
+              <a:rPr kumimoji="1" lang="zh-CN" altLang="en-US" sz="3200" dirty="0"/>
+              <a:t>*</a:t>
+            </a:r>
+          </a:p>
+        </p:txBody>
+      </p:sp>
+      <p:sp>
+        <p:nvSpPr>
+          <p:cNvPr id="33" name="TextBox 32">
+            <a:extLst>
+              <a:ext uri="{FF2B5EF4-FFF2-40B4-BE49-F238E27FC236}">
+                <a16:creationId xmlns:a16="http://schemas.microsoft.com/office/drawing/2014/main" id="{6B4FD558-54E6-30D1-94E4-1F7B739D5853}"/>
+              </a:ext>
+            </a:extLst>
+          </p:cNvPr>
+          <p:cNvSpPr txBox="1"/>
+          <p:nvPr/>
+        </p:nvSpPr>
+        <p:spPr>
+          <a:xfrm>
+            <a:off x="3547949" y="3832236"/>
+            <a:ext cx="415498" cy="2031325"/>
+          </a:xfrm>
+          <a:prstGeom prst="rect">
+            <a:avLst/>
+          </a:prstGeom>
+          <a:noFill/>
+        </p:spPr>
+        <p:txBody>
+          <a:bodyPr wrap="none" rtlCol="0">
+            <a:spAutoFit/>
+          </a:bodyPr>
+          <a:lstStyle/>
+          <a:p>
+            <a:r>
+              <a:rPr kumimoji="1" lang="en-US" altLang="zh-CN" dirty="0"/>
+              <a:t>○</a:t>
+            </a:r>
+          </a:p>
+          <a:p>
+            <a:r>
+              <a:rPr kumimoji="1" lang="en-US" altLang="zh-CN" dirty="0"/>
+              <a:t>○</a:t>
+            </a:r>
+          </a:p>
+          <a:p>
+            <a:r>
+              <a:rPr kumimoji="1" lang="en-US" altLang="zh-CN" dirty="0"/>
+              <a:t>○</a:t>
+            </a:r>
+          </a:p>
+          <a:p>
+            <a:r>
+              <a:rPr kumimoji="1" lang="en-US" altLang="zh-CN" dirty="0"/>
+              <a:t>○</a:t>
+            </a:r>
+          </a:p>
+          <a:p>
+            <a:r>
+              <a:rPr kumimoji="1" lang="en-US" altLang="zh-CN" dirty="0"/>
+              <a:t>○</a:t>
+            </a:r>
+          </a:p>
+          <a:p>
+            <a:r>
+              <a:rPr kumimoji="1" lang="en-US" altLang="zh-CN" dirty="0"/>
+              <a:t>○</a:t>
+            </a:r>
+          </a:p>
+          <a:p>
+            <a:r>
+              <a:rPr kumimoji="1" lang="en-US" altLang="zh-CN" dirty="0"/>
+              <a:t>○</a:t>
+            </a:r>
+            <a:endParaRPr kumimoji="1" lang="zh-CN" altLang="en-US" dirty="0"/>
+          </a:p>
+        </p:txBody>
+      </p:sp>
+      <mc:AlternateContent xmlns:mc="http://schemas.openxmlformats.org/markup-compatibility/2006">
+        <mc:Choice xmlns:a14="http://schemas.microsoft.com/office/drawing/2010/main" Requires="a14">
+          <p:sp>
+            <p:nvSpPr>
+              <p:cNvPr id="11" name="TextBox 10">
+                <a:extLst>
+                  <a:ext uri="{FF2B5EF4-FFF2-40B4-BE49-F238E27FC236}">
+                    <a16:creationId xmlns:a16="http://schemas.microsoft.com/office/drawing/2014/main" id="{F207137D-A1F4-3858-5FA6-EC4EA59AF1E1}"/>
+                  </a:ext>
+                </a:extLst>
+              </p:cNvPr>
+              <p:cNvSpPr txBox="1"/>
+              <p:nvPr/>
+            </p:nvSpPr>
+            <p:spPr>
+              <a:xfrm>
+                <a:off x="1542851" y="5870849"/>
+                <a:ext cx="489942" cy="369332"/>
+              </a:xfrm>
+              <a:prstGeom prst="rect">
+                <a:avLst/>
+              </a:prstGeom>
+              <a:noFill/>
+            </p:spPr>
+            <p:txBody>
+              <a:bodyPr wrap="none" rtlCol="0">
+                <a:spAutoFit/>
+              </a:bodyPr>
+              <a:lstStyle/>
+              <a:p>
+                <a:pPr/>
+                <a14:m>
+                  <m:oMathPara xmlns:m="http://schemas.openxmlformats.org/officeDocument/2006/math">
+                    <m:oMathParaPr>
+                      <m:jc m:val="centerGroup"/>
+                    </m:oMathParaPr>
+                    <m:oMath xmlns:m="http://schemas.openxmlformats.org/officeDocument/2006/math">
+                      <m:sSub>
+                        <m:sSubPr>
+                          <m:ctrlPr>
+                            <a:rPr kumimoji="1" lang="en-US" altLang="zh-CN" i="1" smtClean="0">
+                              <a:latin typeface="Cambria Math" panose="02040503050406030204" pitchFamily="18" charset="0"/>
+                            </a:rPr>
+                          </m:ctrlPr>
+                        </m:sSubPr>
+                        <m:e>
+                          <m:r>
+                            <a:rPr kumimoji="1" lang="en-US" altLang="zh-CN" i="1">
+                              <a:latin typeface="Cambria Math" panose="02040503050406030204" pitchFamily="18" charset="0"/>
+                            </a:rPr>
+                            <m:t>𝐺</m:t>
+                          </m:r>
+                        </m:e>
+                        <m:sub>
+                          <m:r>
+                            <a:rPr kumimoji="1" lang="en-US" altLang="zh-CN" b="0" i="1" smtClean="0">
+                              <a:latin typeface="Cambria Math" panose="02040503050406030204" pitchFamily="18" charset="0"/>
+                            </a:rPr>
+                            <m:t>1</m:t>
+                          </m:r>
+                        </m:sub>
+                      </m:sSub>
+                    </m:oMath>
+                  </m:oMathPara>
+                </a14:m>
+                <a:endParaRPr kumimoji="1" lang="zh-CN" altLang="en-US" dirty="0"/>
+              </a:p>
+            </p:txBody>
+          </p:sp>
+        </mc:Choice>
+        <mc:Fallback>
+          <p:sp>
+            <p:nvSpPr>
+              <p:cNvPr id="11" name="TextBox 10">
+                <a:extLst>
+                  <a:ext uri="{FF2B5EF4-FFF2-40B4-BE49-F238E27FC236}">
+                    <a16:creationId xmlns:a16="http://schemas.microsoft.com/office/drawing/2014/main" id="{F207137D-A1F4-3858-5FA6-EC4EA59AF1E1}"/>
+                  </a:ext>
+                </a:extLst>
+              </p:cNvPr>
+              <p:cNvSpPr txBox="1">
+                <a:spLocks noRot="1" noChangeAspect="1" noMove="1" noResize="1" noEditPoints="1" noAdjustHandles="1" noChangeArrowheads="1" noChangeShapeType="1" noTextEdit="1"/>
+              </p:cNvSpPr>
+              <p:nvPr/>
+            </p:nvSpPr>
+            <p:spPr>
+              <a:xfrm>
+                <a:off x="1542851" y="5870849"/>
+                <a:ext cx="489942" cy="369332"/>
+              </a:xfrm>
+              <a:prstGeom prst="rect">
+                <a:avLst/>
+              </a:prstGeom>
+              <a:blipFill>
+                <a:blip r:embed="rId5"/>
+                <a:stretch>
+                  <a:fillRect b="-3333"/>
+                </a:stretch>
+              </a:blipFill>
+            </p:spPr>
+            <p:txBody>
+              <a:bodyPr/>
+              <a:lstStyle/>
+              <a:p>
+                <a:r>
+                  <a:rPr lang="zh-CN" altLang="en-US">
+                    <a:noFill/>
+                  </a:rPr>
+                  <a:t> </a:t>
+                </a:r>
+              </a:p>
+            </p:txBody>
+          </p:sp>
+        </mc:Fallback>
+      </mc:AlternateContent>
+      <mc:AlternateContent xmlns:mc="http://schemas.openxmlformats.org/markup-compatibility/2006">
+        <mc:Choice xmlns:a14="http://schemas.microsoft.com/office/drawing/2010/main" Requires="a14">
+          <p:sp>
+            <p:nvSpPr>
+              <p:cNvPr id="34" name="TextBox 33">
+                <a:extLst>
+                  <a:ext uri="{FF2B5EF4-FFF2-40B4-BE49-F238E27FC236}">
+                    <a16:creationId xmlns:a16="http://schemas.microsoft.com/office/drawing/2014/main" id="{94B21C0E-482C-D92A-B35E-E8C4AA709293}"/>
+                  </a:ext>
+                </a:extLst>
+              </p:cNvPr>
+              <p:cNvSpPr txBox="1"/>
+              <p:nvPr/>
+            </p:nvSpPr>
+            <p:spPr>
+              <a:xfrm>
+                <a:off x="3949429" y="5863561"/>
+                <a:ext cx="495264" cy="369332"/>
+              </a:xfrm>
+              <a:prstGeom prst="rect">
+                <a:avLst/>
+              </a:prstGeom>
+              <a:noFill/>
+            </p:spPr>
+            <p:txBody>
+              <a:bodyPr wrap="none" rtlCol="0">
+                <a:spAutoFit/>
+              </a:bodyPr>
+              <a:lstStyle/>
+              <a:p>
+                <a14:m>
+                  <m:oMathPara xmlns:m="http://schemas.openxmlformats.org/officeDocument/2006/math">
+                    <m:oMathParaPr>
+                      <m:jc m:val="centerGroup"/>
+                    </m:oMathParaPr>
+                    <m:oMath xmlns:m="http://schemas.openxmlformats.org/officeDocument/2006/math">
+                      <m:sSub>
+                        <m:sSubPr>
+                          <m:ctrlPr>
+                            <a:rPr kumimoji="1" lang="en-US" altLang="zh-CN" b="0" i="1" smtClean="0">
+                              <a:latin typeface="Cambria Math" panose="02040503050406030204" pitchFamily="18" charset="0"/>
+                            </a:rPr>
+                          </m:ctrlPr>
+                        </m:sSubPr>
+                        <m:e>
+                          <m:r>
+                            <a:rPr kumimoji="1" lang="en-US" altLang="zh-CN" b="0" i="1" smtClean="0">
+                              <a:latin typeface="Cambria Math" panose="02040503050406030204" pitchFamily="18" charset="0"/>
+                            </a:rPr>
+                            <m:t>𝐺</m:t>
+                          </m:r>
+                        </m:e>
+                        <m:sub>
+                          <m:r>
+                            <a:rPr kumimoji="1" lang="en-US" altLang="zh-CN" b="0" i="1" smtClean="0">
+                              <a:latin typeface="Cambria Math" panose="02040503050406030204" pitchFamily="18" charset="0"/>
+                            </a:rPr>
+                            <m:t>2</m:t>
+                          </m:r>
+                        </m:sub>
+                      </m:sSub>
+                    </m:oMath>
+                  </m:oMathPara>
+                </a14:m>
+                <a:endParaRPr kumimoji="1" lang="zh-CN" altLang="en-US" dirty="0"/>
+              </a:p>
+            </p:txBody>
+          </p:sp>
+        </mc:Choice>
+        <mc:Fallback>
+          <p:sp>
+            <p:nvSpPr>
+              <p:cNvPr id="34" name="TextBox 33">
+                <a:extLst>
+                  <a:ext uri="{FF2B5EF4-FFF2-40B4-BE49-F238E27FC236}">
+                    <a16:creationId xmlns:a16="http://schemas.microsoft.com/office/drawing/2014/main" id="{94B21C0E-482C-D92A-B35E-E8C4AA709293}"/>
+                  </a:ext>
+                </a:extLst>
+              </p:cNvPr>
+              <p:cNvSpPr txBox="1">
+                <a:spLocks noRot="1" noChangeAspect="1" noMove="1" noResize="1" noEditPoints="1" noAdjustHandles="1" noChangeArrowheads="1" noChangeShapeType="1" noTextEdit="1"/>
+              </p:cNvSpPr>
+              <p:nvPr/>
+            </p:nvSpPr>
+            <p:spPr>
+              <a:xfrm>
+                <a:off x="3949429" y="5863561"/>
+                <a:ext cx="495264" cy="369332"/>
+              </a:xfrm>
+              <a:prstGeom prst="rect">
+                <a:avLst/>
+              </a:prstGeom>
+              <a:blipFill>
+                <a:blip r:embed="rId6"/>
+                <a:stretch>
+                  <a:fillRect b="-3333"/>
+                </a:stretch>
+              </a:blipFill>
+            </p:spPr>
+            <p:txBody>
+              <a:bodyPr/>
+              <a:lstStyle/>
+              <a:p>
+                <a:r>
+                  <a:rPr lang="zh-CN" altLang="en-US">
+                    <a:noFill/>
+                  </a:rPr>
+                  <a:t> </a:t>
+                </a:r>
+              </a:p>
+            </p:txBody>
+          </p:sp>
+        </mc:Fallback>
+      </mc:AlternateContent>
+      <p:cxnSp>
+        <p:nvCxnSpPr>
+          <p:cNvPr id="36" name="Straight Arrow Connector 35">
+            <a:extLst>
+              <a:ext uri="{FF2B5EF4-FFF2-40B4-BE49-F238E27FC236}">
+                <a16:creationId xmlns:a16="http://schemas.microsoft.com/office/drawing/2014/main" id="{0E057E17-E673-3226-4E02-51EAE1A521B3}"/>
+              </a:ext>
+            </a:extLst>
+          </p:cNvPr>
+          <p:cNvCxnSpPr/>
+          <p:nvPr/>
+        </p:nvCxnSpPr>
+        <p:spPr>
+          <a:xfrm>
+            <a:off x="1542851" y="3976255"/>
+            <a:ext cx="2179740" cy="0"/>
+          </a:xfrm>
+          <a:prstGeom prst="straightConnector1">
+            <a:avLst/>
+          </a:prstGeom>
+          <a:ln>
+            <a:tailEnd type="triangle"/>
+          </a:ln>
+        </p:spPr>
+        <p:style>
+          <a:lnRef idx="1">
+            <a:schemeClr val="accent1"/>
+          </a:lnRef>
+          <a:fillRef idx="0">
+            <a:schemeClr val="accent1"/>
+          </a:fillRef>
+          <a:effectRef idx="0">
+            <a:schemeClr val="accent1"/>
+          </a:effectRef>
+          <a:fontRef idx="minor">
+            <a:schemeClr val="tx1"/>
+          </a:fontRef>
+        </p:style>
+      </p:cxnSp>
+      <p:cxnSp>
+        <p:nvCxnSpPr>
+          <p:cNvPr id="37" name="Straight Arrow Connector 36">
+            <a:extLst>
+              <a:ext uri="{FF2B5EF4-FFF2-40B4-BE49-F238E27FC236}">
+                <a16:creationId xmlns:a16="http://schemas.microsoft.com/office/drawing/2014/main" id="{C9D218FF-4926-5815-4CDB-D8E061447EA7}"/>
+              </a:ext>
+            </a:extLst>
+          </p:cNvPr>
+          <p:cNvCxnSpPr/>
+          <p:nvPr/>
+        </p:nvCxnSpPr>
+        <p:spPr>
+          <a:xfrm>
+            <a:off x="1403475" y="4267200"/>
+            <a:ext cx="2179740" cy="0"/>
+          </a:xfrm>
+          <a:prstGeom prst="straightConnector1">
+            <a:avLst/>
+          </a:prstGeom>
+          <a:ln>
+            <a:tailEnd type="triangle"/>
+          </a:ln>
+        </p:spPr>
+        <p:style>
+          <a:lnRef idx="1">
+            <a:schemeClr val="accent1"/>
+          </a:lnRef>
+          <a:fillRef idx="0">
+            <a:schemeClr val="accent1"/>
+          </a:fillRef>
+          <a:effectRef idx="0">
+            <a:schemeClr val="accent1"/>
+          </a:effectRef>
+          <a:fontRef idx="minor">
+            <a:schemeClr val="tx1"/>
+          </a:fontRef>
+        </p:style>
+      </p:cxnSp>
+      <p:cxnSp>
+        <p:nvCxnSpPr>
+          <p:cNvPr id="38" name="Straight Arrow Connector 37">
+            <a:extLst>
+              <a:ext uri="{FF2B5EF4-FFF2-40B4-BE49-F238E27FC236}">
+                <a16:creationId xmlns:a16="http://schemas.microsoft.com/office/drawing/2014/main" id="{F8A49E45-DE5A-F120-B8D7-FD53EA66CD08}"/>
+              </a:ext>
+            </a:extLst>
+          </p:cNvPr>
+          <p:cNvCxnSpPr/>
+          <p:nvPr/>
+        </p:nvCxnSpPr>
+        <p:spPr>
+          <a:xfrm>
+            <a:off x="1473105" y="4558146"/>
+            <a:ext cx="2179740" cy="0"/>
+          </a:xfrm>
+          <a:prstGeom prst="straightConnector1">
+            <a:avLst/>
+          </a:prstGeom>
+          <a:ln>
+            <a:tailEnd type="triangle"/>
+          </a:ln>
+        </p:spPr>
+        <p:style>
+          <a:lnRef idx="1">
+            <a:schemeClr val="accent1"/>
+          </a:lnRef>
+          <a:fillRef idx="0">
+            <a:schemeClr val="accent1"/>
+          </a:fillRef>
+          <a:effectRef idx="0">
+            <a:schemeClr val="accent1"/>
+          </a:effectRef>
+          <a:fontRef idx="minor">
+            <a:schemeClr val="tx1"/>
+          </a:fontRef>
+        </p:style>
+      </p:cxnSp>
+      <p:cxnSp>
+        <p:nvCxnSpPr>
+          <p:cNvPr id="39" name="Straight Arrow Connector 38">
+            <a:extLst>
+              <a:ext uri="{FF2B5EF4-FFF2-40B4-BE49-F238E27FC236}">
+                <a16:creationId xmlns:a16="http://schemas.microsoft.com/office/drawing/2014/main" id="{AC8C9FB4-EE12-BDE0-FCFA-4E8475DB6FEE}"/>
+              </a:ext>
+            </a:extLst>
+          </p:cNvPr>
+          <p:cNvCxnSpPr/>
+          <p:nvPr/>
+        </p:nvCxnSpPr>
+        <p:spPr>
+          <a:xfrm>
+            <a:off x="1512510" y="4847898"/>
+            <a:ext cx="2179740" cy="0"/>
+          </a:xfrm>
+          <a:prstGeom prst="straightConnector1">
+            <a:avLst/>
+          </a:prstGeom>
+          <a:ln>
+            <a:tailEnd type="triangle"/>
+          </a:ln>
+        </p:spPr>
+        <p:style>
+          <a:lnRef idx="1">
+            <a:schemeClr val="accent1"/>
+          </a:lnRef>
+          <a:fillRef idx="0">
+            <a:schemeClr val="accent1"/>
+          </a:fillRef>
+          <a:effectRef idx="0">
+            <a:schemeClr val="accent1"/>
+          </a:effectRef>
+          <a:fontRef idx="minor">
+            <a:schemeClr val="tx1"/>
+          </a:fontRef>
+        </p:style>
+      </p:cxnSp>
+      <p:cxnSp>
+        <p:nvCxnSpPr>
+          <p:cNvPr id="40" name="Straight Arrow Connector 39">
+            <a:extLst>
+              <a:ext uri="{FF2B5EF4-FFF2-40B4-BE49-F238E27FC236}">
+                <a16:creationId xmlns:a16="http://schemas.microsoft.com/office/drawing/2014/main" id="{AFF1FFFD-3796-AF03-D8BA-6B8AFC19C467}"/>
+              </a:ext>
+            </a:extLst>
+          </p:cNvPr>
+          <p:cNvCxnSpPr>
+            <a:cxnSpLocks/>
+          </p:cNvCxnSpPr>
+          <p:nvPr/>
+        </p:nvCxnSpPr>
+        <p:spPr>
+          <a:xfrm flipV="1">
+            <a:off x="1473105" y="5098473"/>
+            <a:ext cx="2179740" cy="275898"/>
+          </a:xfrm>
+          <a:prstGeom prst="straightConnector1">
+            <a:avLst/>
+          </a:prstGeom>
+          <a:ln>
+            <a:tailEnd type="triangle"/>
+          </a:ln>
+        </p:spPr>
+        <p:style>
+          <a:lnRef idx="1">
+            <a:schemeClr val="accent1"/>
+          </a:lnRef>
+          <a:fillRef idx="0">
+            <a:schemeClr val="accent1"/>
+          </a:fillRef>
+          <a:effectRef idx="0">
+            <a:schemeClr val="accent1"/>
+          </a:effectRef>
+          <a:fontRef idx="minor">
+            <a:schemeClr val="tx1"/>
+          </a:fontRef>
+        </p:style>
+      </p:cxnSp>
+      <p:cxnSp>
+        <p:nvCxnSpPr>
+          <p:cNvPr id="42" name="Straight Arrow Connector 41">
+            <a:extLst>
+              <a:ext uri="{FF2B5EF4-FFF2-40B4-BE49-F238E27FC236}">
+                <a16:creationId xmlns:a16="http://schemas.microsoft.com/office/drawing/2014/main" id="{B3970A31-F209-9044-95FF-C18C32312CC2}"/>
+              </a:ext>
+            </a:extLst>
+          </p:cNvPr>
+          <p:cNvCxnSpPr>
+            <a:cxnSpLocks/>
+          </p:cNvCxnSpPr>
+          <p:nvPr/>
+        </p:nvCxnSpPr>
+        <p:spPr>
+          <a:xfrm flipV="1">
+            <a:off x="1484801" y="4831069"/>
+            <a:ext cx="2179740" cy="275898"/>
+          </a:xfrm>
+          <a:prstGeom prst="straightConnector1">
+            <a:avLst/>
+          </a:prstGeom>
+          <a:ln>
+            <a:tailEnd type="triangle"/>
+          </a:ln>
+        </p:spPr>
+        <p:style>
+          <a:lnRef idx="1">
+            <a:schemeClr val="accent1"/>
+          </a:lnRef>
+          <a:fillRef idx="0">
+            <a:schemeClr val="accent1"/>
+          </a:fillRef>
+          <a:effectRef idx="0">
+            <a:schemeClr val="accent1"/>
+          </a:effectRef>
+          <a:fontRef idx="minor">
+            <a:schemeClr val="tx1"/>
+          </a:fontRef>
+        </p:style>
+      </p:cxnSp>
+      <p:cxnSp>
+        <p:nvCxnSpPr>
+          <p:cNvPr id="43" name="Straight Arrow Connector 42">
+            <a:extLst>
+              <a:ext uri="{FF2B5EF4-FFF2-40B4-BE49-F238E27FC236}">
+                <a16:creationId xmlns:a16="http://schemas.microsoft.com/office/drawing/2014/main" id="{7A4ED7EC-84C3-47E3-F15D-F22898694C8B}"/>
+              </a:ext>
+            </a:extLst>
+          </p:cNvPr>
+          <p:cNvCxnSpPr>
+            <a:cxnSpLocks/>
+          </p:cNvCxnSpPr>
+          <p:nvPr/>
+        </p:nvCxnSpPr>
+        <p:spPr>
+          <a:xfrm flipV="1">
+            <a:off x="1484599" y="4883663"/>
+            <a:ext cx="2207651" cy="775696"/>
+          </a:xfrm>
+          <a:prstGeom prst="straightConnector1">
+            <a:avLst/>
+          </a:prstGeom>
+          <a:ln>
+            <a:tailEnd type="triangle"/>
+          </a:ln>
+        </p:spPr>
+        <p:style>
+          <a:lnRef idx="1">
+            <a:schemeClr val="accent1"/>
+          </a:lnRef>
+          <a:fillRef idx="0">
+            <a:schemeClr val="accent1"/>
+          </a:fillRef>
+          <a:effectRef idx="0">
+            <a:schemeClr val="accent1"/>
+          </a:effectRef>
+          <a:fontRef idx="minor">
+            <a:schemeClr val="tx1"/>
+          </a:fontRef>
+        </p:style>
+      </p:cxnSp>
+      <mc:AlternateContent xmlns:mc="http://schemas.openxmlformats.org/markup-compatibility/2006">
+        <mc:Choice xmlns:a14="http://schemas.microsoft.com/office/drawing/2010/main" Requires="a14">
+          <p:sp>
+            <p:nvSpPr>
+              <p:cNvPr id="45" name="TextBox 44">
+                <a:extLst>
+                  <a:ext uri="{FF2B5EF4-FFF2-40B4-BE49-F238E27FC236}">
+                    <a16:creationId xmlns:a16="http://schemas.microsoft.com/office/drawing/2014/main" id="{4BF3A14A-AB74-F0D7-2DAF-ED4D5A4D6493}"/>
+                  </a:ext>
+                </a:extLst>
+              </p:cNvPr>
+              <p:cNvSpPr txBox="1"/>
+              <p:nvPr/>
+            </p:nvSpPr>
+            <p:spPr>
+              <a:xfrm>
+                <a:off x="2419706" y="3612880"/>
+                <a:ext cx="382156" cy="369332"/>
+              </a:xfrm>
+              <a:prstGeom prst="rect">
+                <a:avLst/>
+              </a:prstGeom>
+              <a:noFill/>
+            </p:spPr>
+            <p:txBody>
+              <a:bodyPr wrap="none" rtlCol="0">
+                <a:spAutoFit/>
+              </a:bodyPr>
+              <a:lstStyle/>
+              <a:p>
+                <a14:m>
+                  <m:oMathPara xmlns:m="http://schemas.openxmlformats.org/officeDocument/2006/math">
+                    <m:oMathParaPr>
+                      <m:jc m:val="centerGroup"/>
+                    </m:oMathParaPr>
+                    <m:oMath xmlns:m="http://schemas.openxmlformats.org/officeDocument/2006/math">
+                      <m:r>
+                        <a:rPr kumimoji="1" lang="en-US" altLang="zh-CN" b="0" i="1" smtClean="0">
+                          <a:latin typeface="Cambria Math" panose="02040503050406030204" pitchFamily="18" charset="0"/>
+                        </a:rPr>
+                        <m:t>𝑓</m:t>
+                      </m:r>
+                    </m:oMath>
+                  </m:oMathPara>
+                </a14:m>
+                <a:endParaRPr kumimoji="1" lang="zh-CN" altLang="en-US" dirty="0"/>
+              </a:p>
+            </p:txBody>
+          </p:sp>
+        </mc:Choice>
+        <mc:Fallback>
+          <p:sp>
+            <p:nvSpPr>
+              <p:cNvPr id="45" name="TextBox 44">
+                <a:extLst>
+                  <a:ext uri="{FF2B5EF4-FFF2-40B4-BE49-F238E27FC236}">
+                    <a16:creationId xmlns:a16="http://schemas.microsoft.com/office/drawing/2014/main" id="{4BF3A14A-AB74-F0D7-2DAF-ED4D5A4D6493}"/>
+                  </a:ext>
+                </a:extLst>
+              </p:cNvPr>
+              <p:cNvSpPr txBox="1">
+                <a:spLocks noRot="1" noChangeAspect="1" noMove="1" noResize="1" noEditPoints="1" noAdjustHandles="1" noChangeArrowheads="1" noChangeShapeType="1" noTextEdit="1"/>
+              </p:cNvSpPr>
+              <p:nvPr/>
+            </p:nvSpPr>
+            <p:spPr>
+              <a:xfrm>
+                <a:off x="2419706" y="3612880"/>
+                <a:ext cx="382156" cy="369332"/>
+              </a:xfrm>
+              <a:prstGeom prst="rect">
+                <a:avLst/>
+              </a:prstGeom>
+              <a:blipFill>
+                <a:blip r:embed="rId7"/>
+                <a:stretch>
+                  <a:fillRect b="-16667"/>
+                </a:stretch>
+              </a:blipFill>
+            </p:spPr>
+            <p:txBody>
+              <a:bodyPr/>
+              <a:lstStyle/>
+              <a:p>
+                <a:r>
+                  <a:rPr lang="zh-CN" altLang="en-US">
+                    <a:noFill/>
+                  </a:rPr>
+                  <a:t> </a:t>
+                </a:r>
+              </a:p>
+            </p:txBody>
+          </p:sp>
+        </mc:Fallback>
+      </mc:AlternateContent>
+      <p:sp>
+        <p:nvSpPr>
+          <p:cNvPr id="46" name="Oval 45">
+            <a:extLst>
+              <a:ext uri="{FF2B5EF4-FFF2-40B4-BE49-F238E27FC236}">
+                <a16:creationId xmlns:a16="http://schemas.microsoft.com/office/drawing/2014/main" id="{16B71146-FD6D-45D3-F99C-B5B110AEE93C}"/>
+              </a:ext>
+            </a:extLst>
+          </p:cNvPr>
+          <p:cNvSpPr/>
+          <p:nvPr/>
+        </p:nvSpPr>
+        <p:spPr>
+          <a:xfrm>
+            <a:off x="3435927" y="3711602"/>
+            <a:ext cx="637309" cy="1559909"/>
+          </a:xfrm>
+          <a:prstGeom prst="ellipse">
+            <a:avLst/>
+          </a:prstGeom>
+          <a:solidFill>
+            <a:srgbClr val="FFFF00">
+              <a:alpha val="58291"/>
+            </a:srgbClr>
+          </a:solidFill>
+        </p:spPr>
+        <p:style>
+          <a:lnRef idx="2">
+            <a:schemeClr val="accent1">
+              <a:shade val="50000"/>
+            </a:schemeClr>
+          </a:lnRef>
+          <a:fillRef idx="1">
+            <a:schemeClr val="accent1"/>
+          </a:fillRef>
+          <a:effectRef idx="0">
+            <a:schemeClr val="accent1"/>
+          </a:effectRef>
+          <a:fontRef idx="minor">
+            <a:schemeClr val="lt1"/>
+          </a:fontRef>
+        </p:style>
+        <p:txBody>
+          <a:bodyPr rtlCol="0" anchor="ctr"/>
+          <a:lstStyle/>
+          <a:p>
+            <a:pPr algn="ctr"/>
+            <a:endParaRPr kumimoji="1" lang="zh-CN" altLang="en-US"/>
+          </a:p>
+        </p:txBody>
+      </p:sp>
+      <p:sp>
+        <p:nvSpPr>
+          <p:cNvPr id="47" name="Freeform 46">
+            <a:extLst>
+              <a:ext uri="{FF2B5EF4-FFF2-40B4-BE49-F238E27FC236}">
+                <a16:creationId xmlns:a16="http://schemas.microsoft.com/office/drawing/2014/main" id="{6D7D52CB-EA30-6AED-983E-30561EDBA596}"/>
+              </a:ext>
+            </a:extLst>
+          </p:cNvPr>
+          <p:cNvSpPr/>
+          <p:nvPr/>
+        </p:nvSpPr>
+        <p:spPr>
+          <a:xfrm>
+            <a:off x="4045527" y="3532909"/>
+            <a:ext cx="983673" cy="651164"/>
+          </a:xfrm>
+          <a:custGeom>
+            <a:avLst/>
+            <a:gdLst>
+              <a:gd name="connsiteX0" fmla="*/ 983673 w 983673"/>
+              <a:gd name="connsiteY0" fmla="*/ 0 h 651164"/>
+              <a:gd name="connsiteX1" fmla="*/ 374073 w 983673"/>
+              <a:gd name="connsiteY1" fmla="*/ 138546 h 651164"/>
+              <a:gd name="connsiteX2" fmla="*/ 803564 w 983673"/>
+              <a:gd name="connsiteY2" fmla="*/ 263236 h 651164"/>
+              <a:gd name="connsiteX3" fmla="*/ 304800 w 983673"/>
+              <a:gd name="connsiteY3" fmla="*/ 387927 h 651164"/>
+              <a:gd name="connsiteX4" fmla="*/ 581891 w 983673"/>
+              <a:gd name="connsiteY4" fmla="*/ 457200 h 651164"/>
+              <a:gd name="connsiteX5" fmla="*/ 0 w 983673"/>
+              <a:gd name="connsiteY5" fmla="*/ 651164 h 651164"/>
+            </a:gdLst>
+            <a:ahLst/>
+            <a:cxnLst>
+              <a:cxn ang="0">
+                <a:pos x="connsiteX0" y="connsiteY0"/>
+              </a:cxn>
+              <a:cxn ang="0">
+                <a:pos x="connsiteX1" y="connsiteY1"/>
+              </a:cxn>
+              <a:cxn ang="0">
+                <a:pos x="connsiteX2" y="connsiteY2"/>
+              </a:cxn>
+              <a:cxn ang="0">
+                <a:pos x="connsiteX3" y="connsiteY3"/>
+              </a:cxn>
+              <a:cxn ang="0">
+                <a:pos x="connsiteX4" y="connsiteY4"/>
+              </a:cxn>
+              <a:cxn ang="0">
+                <a:pos x="connsiteX5" y="connsiteY5"/>
+              </a:cxn>
+            </a:cxnLst>
+            <a:rect l="l" t="t" r="r" b="b"/>
+            <a:pathLst>
+              <a:path w="983673" h="651164">
+                <a:moveTo>
+                  <a:pt x="983673" y="0"/>
+                </a:moveTo>
+                <a:lnTo>
+                  <a:pt x="374073" y="138546"/>
+                </a:lnTo>
+                <a:lnTo>
+                  <a:pt x="803564" y="263236"/>
+                </a:lnTo>
+                <a:lnTo>
+                  <a:pt x="304800" y="387927"/>
+                </a:lnTo>
+                <a:lnTo>
+                  <a:pt x="581891" y="457200"/>
+                </a:lnTo>
+                <a:lnTo>
+                  <a:pt x="0" y="651164"/>
+                </a:lnTo>
+              </a:path>
+            </a:pathLst>
+          </a:custGeom>
+          <a:noFill/>
+          <a:ln w="38100">
+            <a:solidFill>
+              <a:schemeClr val="accent1"/>
+            </a:solidFill>
+            <a:headEnd type="none" w="med" len="med"/>
+            <a:tailEnd type="triangle" w="med" len="med"/>
+          </a:ln>
+        </p:spPr>
+        <p:style>
+          <a:lnRef idx="2">
+            <a:schemeClr val="accent1">
+              <a:shade val="50000"/>
+            </a:schemeClr>
+          </a:lnRef>
+          <a:fillRef idx="1">
+            <a:schemeClr val="accent1"/>
+          </a:fillRef>
+          <a:effectRef idx="0">
+            <a:schemeClr val="accent1"/>
+          </a:effectRef>
+          <a:fontRef idx="minor">
+            <a:schemeClr val="lt1"/>
+          </a:fontRef>
+        </p:style>
+        <p:txBody>
+          <a:bodyPr rtlCol="0" anchor="ctr"/>
+          <a:lstStyle/>
+          <a:p>
+            <a:pPr algn="ctr"/>
+            <a:endParaRPr kumimoji="1" lang="zh-CN" altLang="en-US"/>
+          </a:p>
+        </p:txBody>
+      </p:sp>
+      <mc:AlternateContent xmlns:mc="http://schemas.openxmlformats.org/markup-compatibility/2006">
+        <mc:Choice xmlns:a14="http://schemas.microsoft.com/office/drawing/2010/main" Requires="a14">
+          <p:sp>
+            <p:nvSpPr>
+              <p:cNvPr id="48" name="TextBox 47">
+                <a:extLst>
+                  <a:ext uri="{FF2B5EF4-FFF2-40B4-BE49-F238E27FC236}">
+                    <a16:creationId xmlns:a16="http://schemas.microsoft.com/office/drawing/2014/main" id="{F04AEC91-38C1-72A9-278F-913A5724EB0E}"/>
+                  </a:ext>
+                </a:extLst>
+              </p:cNvPr>
+              <p:cNvSpPr txBox="1"/>
+              <p:nvPr/>
+            </p:nvSpPr>
+            <p:spPr>
+              <a:xfrm>
+                <a:off x="4885607" y="3244334"/>
+                <a:ext cx="815673" cy="369332"/>
+              </a:xfrm>
+              <a:prstGeom prst="rect">
+                <a:avLst/>
+              </a:prstGeom>
+              <a:noFill/>
+            </p:spPr>
+            <p:txBody>
+              <a:bodyPr wrap="none" rtlCol="0">
+                <a:spAutoFit/>
+              </a:bodyPr>
+              <a:lstStyle/>
+              <a:p>
+                <a14:m>
+                  <m:oMathPara xmlns:m="http://schemas.openxmlformats.org/officeDocument/2006/math">
+                    <m:oMathParaPr>
+                      <m:jc m:val="centerGroup"/>
+                    </m:oMathParaPr>
+                    <m:oMath xmlns:m="http://schemas.openxmlformats.org/officeDocument/2006/math">
+                      <m:r>
+                        <a:rPr kumimoji="1" lang="en-US" altLang="zh-CN" b="0" i="1" smtClean="0">
+                          <a:latin typeface="Cambria Math" panose="02040503050406030204" pitchFamily="18" charset="0"/>
+                        </a:rPr>
+                        <m:t>𝑓</m:t>
+                      </m:r>
+                      <m:r>
+                        <a:rPr kumimoji="1" lang="en-US" altLang="zh-CN" b="0" i="1" smtClean="0">
+                          <a:latin typeface="Cambria Math" panose="02040503050406030204" pitchFamily="18" charset="0"/>
+                        </a:rPr>
+                        <m:t>(</m:t>
+                      </m:r>
+                      <m:sSub>
+                        <m:sSubPr>
+                          <m:ctrlPr>
+                            <a:rPr kumimoji="1" lang="en-US" altLang="zh-CN" b="0" i="1" smtClean="0">
+                              <a:latin typeface="Cambria Math" panose="02040503050406030204" pitchFamily="18" charset="0"/>
+                            </a:rPr>
+                          </m:ctrlPr>
+                        </m:sSubPr>
+                        <m:e>
+                          <m:r>
+                            <a:rPr kumimoji="1" lang="en-US" altLang="zh-CN" b="0" i="1" smtClean="0">
+                              <a:latin typeface="Cambria Math" panose="02040503050406030204" pitchFamily="18" charset="0"/>
+                            </a:rPr>
+                            <m:t>𝐺</m:t>
+                          </m:r>
+                        </m:e>
+                        <m:sub>
+                          <m:r>
+                            <a:rPr kumimoji="1" lang="en-US" altLang="zh-CN" b="0" i="1" smtClean="0">
+                              <a:latin typeface="Cambria Math" panose="02040503050406030204" pitchFamily="18" charset="0"/>
+                            </a:rPr>
+                            <m:t>1</m:t>
+                          </m:r>
+                        </m:sub>
+                      </m:sSub>
+                      <m:r>
+                        <a:rPr kumimoji="1" lang="en-US" altLang="zh-CN" b="0" i="1" smtClean="0">
+                          <a:latin typeface="Cambria Math" panose="02040503050406030204" pitchFamily="18" charset="0"/>
+                        </a:rPr>
+                        <m:t>)</m:t>
+                      </m:r>
+                    </m:oMath>
+                  </m:oMathPara>
+                </a14:m>
+                <a:endParaRPr kumimoji="1" lang="zh-CN" altLang="en-US" dirty="0"/>
+              </a:p>
+            </p:txBody>
+          </p:sp>
+        </mc:Choice>
+        <mc:Fallback>
+          <p:sp>
+            <p:nvSpPr>
+              <p:cNvPr id="48" name="TextBox 47">
+                <a:extLst>
+                  <a:ext uri="{FF2B5EF4-FFF2-40B4-BE49-F238E27FC236}">
+                    <a16:creationId xmlns:a16="http://schemas.microsoft.com/office/drawing/2014/main" id="{F04AEC91-38C1-72A9-278F-913A5724EB0E}"/>
+                  </a:ext>
+                </a:extLst>
+              </p:cNvPr>
+              <p:cNvSpPr txBox="1">
+                <a:spLocks noRot="1" noChangeAspect="1" noMove="1" noResize="1" noEditPoints="1" noAdjustHandles="1" noChangeArrowheads="1" noChangeShapeType="1" noTextEdit="1"/>
+              </p:cNvSpPr>
+              <p:nvPr/>
+            </p:nvSpPr>
+            <p:spPr>
+              <a:xfrm>
+                <a:off x="4885607" y="3244334"/>
+                <a:ext cx="815673" cy="369332"/>
+              </a:xfrm>
+              <a:prstGeom prst="rect">
+                <a:avLst/>
+              </a:prstGeom>
+              <a:blipFill>
+                <a:blip r:embed="rId8"/>
+                <a:stretch>
+                  <a:fillRect b="-16667"/>
+                </a:stretch>
+              </a:blipFill>
+            </p:spPr>
+            <p:txBody>
+              <a:bodyPr/>
+              <a:lstStyle/>
+              <a:p>
+                <a:r>
+                  <a:rPr lang="zh-CN" altLang="en-US">
+                    <a:noFill/>
+                  </a:rPr>
+                  <a:t> </a:t>
+                </a:r>
+              </a:p>
+            </p:txBody>
+          </p:sp>
+        </mc:Fallback>
+      </mc:AlternateContent>
+    </p:spTree>
+    <p:extLst>
+      <p:ext uri="{BB962C8B-B14F-4D97-AF65-F5344CB8AC3E}">
+        <p14:creationId xmlns:p14="http://schemas.microsoft.com/office/powerpoint/2010/main" val="3857461854"/>
+      </p:ext>
+    </p:extLst>
+  </p:cSld>
+  <p:clrMapOvr>
+    <a:masterClrMapping/>
+  </p:clrMapOvr>
+  <p:timing>
+    <p:tnLst>
+      <p:par>
+        <p:cTn id="1" dur="indefinite" restart="never" nodeType="tmRoot">
+          <p:childTnLst>
+            <p:seq concurrent="1" nextAc="seek">
+              <p:cTn id="2" dur="indefinite" nodeType="mainSeq">
+                <p:childTnLst>
+                  <p:par>
+                    <p:cTn id="3" fill="hold">
+                      <p:stCondLst>
+                        <p:cond delay="indefinite"/>
+                      </p:stCondLst>
+                      <p:childTnLst>
+                        <p:par>
+                          <p:cTn id="4" fill="hold">
+                            <p:stCondLst>
+                              <p:cond delay="0"/>
+                            </p:stCondLst>
+                            <p:childTnLst>
+                              <p:par>
+                                <p:cTn id="5" presetID="1" presetClass="entr" presetSubtype="0" fill="hold" nodeType="clickEffect">
+                                  <p:stCondLst>
+                                    <p:cond delay="0"/>
+                                  </p:stCondLst>
+                                  <p:childTnLst>
+                                    <p:set>
+                                      <p:cBhvr>
+                                        <p:cTn id="6" dur="1" fill="hold">
+                                          <p:stCondLst>
+                                            <p:cond delay="0"/>
+                                          </p:stCondLst>
+                                        </p:cTn>
+                                        <p:tgtEl>
+                                          <p:spTgt spid="4"/>
+                                        </p:tgtEl>
+                                        <p:attrNameLst>
+                                          <p:attrName>style.visibility</p:attrName>
+                                        </p:attrNameLst>
+                                      </p:cBhvr>
+                                      <p:to>
+                                        <p:strVal val="visible"/>
+                                      </p:to>
+                                    </p:set>
+                                  </p:childTnLst>
+                                </p:cTn>
+                              </p:par>
+                            </p:childTnLst>
+                          </p:cTn>
+                        </p:par>
+                      </p:childTnLst>
+                    </p:cTn>
+                  </p:par>
+                  <p:par>
+                    <p:cTn id="7" fill="hold">
+                      <p:stCondLst>
+                        <p:cond delay="indefinite"/>
+                      </p:stCondLst>
+                      <p:childTnLst>
+                        <p:par>
+                          <p:cTn id="8" fill="hold">
+                            <p:stCondLst>
+                              <p:cond delay="0"/>
+                            </p:stCondLst>
+                            <p:childTnLst>
+                              <p:par>
+                                <p:cTn id="9" presetID="1" presetClass="entr" presetSubtype="0" fill="hold" nodeType="clickEffect">
+                                  <p:stCondLst>
+                                    <p:cond delay="0"/>
+                                  </p:stCondLst>
+                                  <p:childTnLst>
+                                    <p:set>
+                                      <p:cBhvr>
+                                        <p:cTn id="10" dur="1" fill="hold">
+                                          <p:stCondLst>
+                                            <p:cond delay="0"/>
+                                          </p:stCondLst>
+                                        </p:cTn>
+                                        <p:tgtEl>
+                                          <p:spTgt spid="6"/>
+                                        </p:tgtEl>
+                                        <p:attrNameLst>
+                                          <p:attrName>style.visibility</p:attrName>
+                                        </p:attrNameLst>
+                                      </p:cBhvr>
+                                      <p:to>
+                                        <p:strVal val="visible"/>
+                                      </p:to>
+                                    </p:set>
+                                  </p:childTnLst>
+                                </p:cTn>
+                              </p:par>
+                            </p:childTnLst>
+                          </p:cTn>
+                        </p:par>
+                      </p:childTnLst>
+                    </p:cTn>
+                  </p:par>
+                  <p:par>
+                    <p:cTn id="11" fill="hold">
+                      <p:stCondLst>
+                        <p:cond delay="indefinite"/>
+                      </p:stCondLst>
+                      <p:childTnLst>
+                        <p:par>
+                          <p:cTn id="12" fill="hold">
+                            <p:stCondLst>
+                              <p:cond delay="0"/>
+                            </p:stCondLst>
+                            <p:childTnLst>
+                              <p:par>
+                                <p:cTn id="13" presetID="1" presetClass="entr" presetSubtype="0" fill="hold" nodeType="clickEffect">
+                                  <p:stCondLst>
+                                    <p:cond delay="0"/>
+                                  </p:stCondLst>
+                                  <p:childTnLst>
+                                    <p:set>
+                                      <p:cBhvr>
+                                        <p:cTn id="14" dur="1" fill="hold">
+                                          <p:stCondLst>
+                                            <p:cond delay="0"/>
+                                          </p:stCondLst>
+                                        </p:cTn>
+                                        <p:tgtEl>
+                                          <p:spTgt spid="7"/>
+                                        </p:tgtEl>
+                                        <p:attrNameLst>
+                                          <p:attrName>style.visibility</p:attrName>
+                                        </p:attrNameLst>
+                                      </p:cBhvr>
+                                      <p:to>
+                                        <p:strVal val="visible"/>
+                                      </p:to>
+                                    </p:set>
+                                  </p:childTnLst>
+                                </p:cTn>
+                              </p:par>
+                            </p:childTnLst>
+                          </p:cTn>
+                        </p:par>
+                      </p:childTnLst>
+                    </p:cTn>
+                  </p:par>
+                  <p:par>
+                    <p:cTn id="15" fill="hold">
+                      <p:stCondLst>
+                        <p:cond delay="indefinite"/>
+                      </p:stCondLst>
+                      <p:childTnLst>
+                        <p:par>
+                          <p:cTn id="16" fill="hold">
+                            <p:stCondLst>
+                              <p:cond delay="0"/>
+                            </p:stCondLst>
+                            <p:childTnLst>
+                              <p:par>
+                                <p:cTn id="17" presetID="1" presetClass="entr" presetSubtype="0" fill="hold" grpId="0" nodeType="clickEffect">
+                                  <p:stCondLst>
+                                    <p:cond delay="0"/>
+                                  </p:stCondLst>
+                                  <p:childTnLst>
+                                    <p:set>
+                                      <p:cBhvr>
+                                        <p:cTn id="18" dur="1" fill="hold">
+                                          <p:stCondLst>
+                                            <p:cond delay="0"/>
+                                          </p:stCondLst>
+                                        </p:cTn>
+                                        <p:tgtEl>
+                                          <p:spTgt spid="29"/>
+                                        </p:tgtEl>
+                                        <p:attrNameLst>
+                                          <p:attrName>style.visibility</p:attrName>
+                                        </p:attrNameLst>
+                                      </p:cBhvr>
+                                      <p:to>
+                                        <p:strVal val="visible"/>
+                                      </p:to>
+                                    </p:set>
+                                  </p:childTnLst>
+                                </p:cTn>
+                              </p:par>
+                              <p:par>
+                                <p:cTn id="19" presetID="1" presetClass="entr" presetSubtype="0" fill="hold" grpId="0" nodeType="withEffect">
+                                  <p:stCondLst>
+                                    <p:cond delay="0"/>
+                                  </p:stCondLst>
+                                  <p:childTnLst>
+                                    <p:set>
+                                      <p:cBhvr>
+                                        <p:cTn id="20" dur="1" fill="hold">
+                                          <p:stCondLst>
+                                            <p:cond delay="0"/>
+                                          </p:stCondLst>
+                                        </p:cTn>
+                                        <p:tgtEl>
+                                          <p:spTgt spid="30"/>
+                                        </p:tgtEl>
+                                        <p:attrNameLst>
+                                          <p:attrName>style.visibility</p:attrName>
+                                        </p:attrNameLst>
+                                      </p:cBhvr>
+                                      <p:to>
+                                        <p:strVal val="visible"/>
+                                      </p:to>
+                                    </p:set>
+                                  </p:childTnLst>
+                                </p:cTn>
+                              </p:par>
+                              <p:par>
+                                <p:cTn id="21" presetID="1" presetClass="entr" presetSubtype="0" fill="hold" grpId="0" nodeType="withEffect">
+                                  <p:stCondLst>
+                                    <p:cond delay="0"/>
+                                  </p:stCondLst>
+                                  <p:childTnLst>
+                                    <p:set>
+                                      <p:cBhvr>
+                                        <p:cTn id="22" dur="1" fill="hold">
+                                          <p:stCondLst>
+                                            <p:cond delay="0"/>
+                                          </p:stCondLst>
+                                        </p:cTn>
+                                        <p:tgtEl>
+                                          <p:spTgt spid="10"/>
+                                        </p:tgtEl>
+                                        <p:attrNameLst>
+                                          <p:attrName>style.visibility</p:attrName>
+                                        </p:attrNameLst>
+                                      </p:cBhvr>
+                                      <p:to>
+                                        <p:strVal val="visible"/>
+                                      </p:to>
+                                    </p:set>
+                                  </p:childTnLst>
+                                </p:cTn>
+                              </p:par>
+                              <p:par>
+                                <p:cTn id="23" presetID="1" presetClass="entr" presetSubtype="0" fill="hold" grpId="0" nodeType="withEffect">
+                                  <p:stCondLst>
+                                    <p:cond delay="0"/>
+                                  </p:stCondLst>
+                                  <p:childTnLst>
+                                    <p:set>
+                                      <p:cBhvr>
+                                        <p:cTn id="24" dur="1" fill="hold">
+                                          <p:stCondLst>
+                                            <p:cond delay="0"/>
+                                          </p:stCondLst>
+                                        </p:cTn>
+                                        <p:tgtEl>
+                                          <p:spTgt spid="11"/>
+                                        </p:tgtEl>
+                                        <p:attrNameLst>
+                                          <p:attrName>style.visibility</p:attrName>
+                                        </p:attrNameLst>
+                                      </p:cBhvr>
+                                      <p:to>
+                                        <p:strVal val="visible"/>
+                                      </p:to>
+                                    </p:set>
+                                  </p:childTnLst>
+                                </p:cTn>
+                              </p:par>
+                            </p:childTnLst>
+                          </p:cTn>
+                        </p:par>
+                      </p:childTnLst>
+                    </p:cTn>
+                  </p:par>
+                  <p:par>
+                    <p:cTn id="25" fill="hold">
+                      <p:stCondLst>
+                        <p:cond delay="indefinite"/>
+                      </p:stCondLst>
+                      <p:childTnLst>
+                        <p:par>
+                          <p:cTn id="26" fill="hold">
+                            <p:stCondLst>
+                              <p:cond delay="0"/>
+                            </p:stCondLst>
+                            <p:childTnLst>
+                              <p:par>
+                                <p:cTn id="27" presetID="1" presetClass="entr" presetSubtype="0" fill="hold" grpId="0" nodeType="clickEffect">
+                                  <p:stCondLst>
+                                    <p:cond delay="0"/>
+                                  </p:stCondLst>
+                                  <p:childTnLst>
+                                    <p:set>
+                                      <p:cBhvr>
+                                        <p:cTn id="28" dur="1" fill="hold">
+                                          <p:stCondLst>
+                                            <p:cond delay="0"/>
+                                          </p:stCondLst>
+                                        </p:cTn>
+                                        <p:tgtEl>
+                                          <p:spTgt spid="31"/>
+                                        </p:tgtEl>
+                                        <p:attrNameLst>
+                                          <p:attrName>style.visibility</p:attrName>
+                                        </p:attrNameLst>
+                                      </p:cBhvr>
+                                      <p:to>
+                                        <p:strVal val="visible"/>
+                                      </p:to>
+                                    </p:set>
+                                  </p:childTnLst>
+                                </p:cTn>
+                              </p:par>
+                              <p:par>
+                                <p:cTn id="29" presetID="1" presetClass="entr" presetSubtype="0" fill="hold" grpId="0" nodeType="withEffect">
+                                  <p:stCondLst>
+                                    <p:cond delay="0"/>
+                                  </p:stCondLst>
+                                  <p:childTnLst>
+                                    <p:set>
+                                      <p:cBhvr>
+                                        <p:cTn id="30" dur="1" fill="hold">
+                                          <p:stCondLst>
+                                            <p:cond delay="0"/>
+                                          </p:stCondLst>
+                                        </p:cTn>
+                                        <p:tgtEl>
+                                          <p:spTgt spid="32"/>
+                                        </p:tgtEl>
+                                        <p:attrNameLst>
+                                          <p:attrName>style.visibility</p:attrName>
+                                        </p:attrNameLst>
+                                      </p:cBhvr>
+                                      <p:to>
+                                        <p:strVal val="visible"/>
+                                      </p:to>
+                                    </p:set>
+                                  </p:childTnLst>
+                                </p:cTn>
+                              </p:par>
+                              <p:par>
+                                <p:cTn id="31" presetID="1" presetClass="entr" presetSubtype="0" fill="hold" grpId="0" nodeType="withEffect">
+                                  <p:stCondLst>
+                                    <p:cond delay="0"/>
+                                  </p:stCondLst>
+                                  <p:childTnLst>
+                                    <p:set>
+                                      <p:cBhvr>
+                                        <p:cTn id="32" dur="1" fill="hold">
+                                          <p:stCondLst>
+                                            <p:cond delay="0"/>
+                                          </p:stCondLst>
+                                        </p:cTn>
+                                        <p:tgtEl>
+                                          <p:spTgt spid="33"/>
+                                        </p:tgtEl>
+                                        <p:attrNameLst>
+                                          <p:attrName>style.visibility</p:attrName>
+                                        </p:attrNameLst>
+                                      </p:cBhvr>
+                                      <p:to>
+                                        <p:strVal val="visible"/>
+                                      </p:to>
+                                    </p:set>
+                                  </p:childTnLst>
+                                </p:cTn>
+                              </p:par>
+                              <p:par>
+                                <p:cTn id="33" presetID="1" presetClass="entr" presetSubtype="0" fill="hold" grpId="0" nodeType="withEffect">
+                                  <p:stCondLst>
+                                    <p:cond delay="0"/>
+                                  </p:stCondLst>
+                                  <p:childTnLst>
+                                    <p:set>
+                                      <p:cBhvr>
+                                        <p:cTn id="34" dur="1" fill="hold">
+                                          <p:stCondLst>
+                                            <p:cond delay="0"/>
+                                          </p:stCondLst>
+                                        </p:cTn>
+                                        <p:tgtEl>
+                                          <p:spTgt spid="34"/>
+                                        </p:tgtEl>
+                                        <p:attrNameLst>
+                                          <p:attrName>style.visibility</p:attrName>
+                                        </p:attrNameLst>
+                                      </p:cBhvr>
+                                      <p:to>
+                                        <p:strVal val="visible"/>
+                                      </p:to>
+                                    </p:set>
+                                  </p:childTnLst>
+                                </p:cTn>
+                              </p:par>
+                            </p:childTnLst>
+                          </p:cTn>
+                        </p:par>
+                      </p:childTnLst>
+                    </p:cTn>
+                  </p:par>
+                  <p:par>
+                    <p:cTn id="35" fill="hold">
+                      <p:stCondLst>
+                        <p:cond delay="indefinite"/>
+                      </p:stCondLst>
+                      <p:childTnLst>
+                        <p:par>
+                          <p:cTn id="36" fill="hold">
+                            <p:stCondLst>
+                              <p:cond delay="0"/>
+                            </p:stCondLst>
+                            <p:childTnLst>
+                              <p:par>
+                                <p:cTn id="37" presetID="1" presetClass="entr" presetSubtype="0" fill="hold" grpId="0" nodeType="clickEffect">
+                                  <p:stCondLst>
+                                    <p:cond delay="0"/>
+                                  </p:stCondLst>
+                                  <p:childTnLst>
+                                    <p:set>
+                                      <p:cBhvr>
+                                        <p:cTn id="38" dur="1" fill="hold">
+                                          <p:stCondLst>
+                                            <p:cond delay="0"/>
+                                          </p:stCondLst>
+                                        </p:cTn>
+                                        <p:tgtEl>
+                                          <p:spTgt spid="45"/>
+                                        </p:tgtEl>
+                                        <p:attrNameLst>
+                                          <p:attrName>style.visibility</p:attrName>
+                                        </p:attrNameLst>
+                                      </p:cBhvr>
+                                      <p:to>
+                                        <p:strVal val="visible"/>
+                                      </p:to>
+                                    </p:set>
+                                  </p:childTnLst>
+                                </p:cTn>
+                              </p:par>
+                              <p:par>
+                                <p:cTn id="39" presetID="1" presetClass="entr" presetSubtype="0" fill="hold" nodeType="withEffect">
+                                  <p:stCondLst>
+                                    <p:cond delay="0"/>
+                                  </p:stCondLst>
+                                  <p:childTnLst>
+                                    <p:set>
+                                      <p:cBhvr>
+                                        <p:cTn id="40" dur="1" fill="hold">
+                                          <p:stCondLst>
+                                            <p:cond delay="0"/>
+                                          </p:stCondLst>
+                                        </p:cTn>
+                                        <p:tgtEl>
+                                          <p:spTgt spid="36"/>
+                                        </p:tgtEl>
+                                        <p:attrNameLst>
+                                          <p:attrName>style.visibility</p:attrName>
+                                        </p:attrNameLst>
+                                      </p:cBhvr>
+                                      <p:to>
+                                        <p:strVal val="visible"/>
+                                      </p:to>
+                                    </p:set>
+                                  </p:childTnLst>
+                                </p:cTn>
+                              </p:par>
+                              <p:par>
+                                <p:cTn id="41" presetID="1" presetClass="entr" presetSubtype="0" fill="hold" nodeType="withEffect">
+                                  <p:stCondLst>
+                                    <p:cond delay="0"/>
+                                  </p:stCondLst>
+                                  <p:childTnLst>
+                                    <p:set>
+                                      <p:cBhvr>
+                                        <p:cTn id="42" dur="1" fill="hold">
+                                          <p:stCondLst>
+                                            <p:cond delay="0"/>
+                                          </p:stCondLst>
+                                        </p:cTn>
+                                        <p:tgtEl>
+                                          <p:spTgt spid="37"/>
+                                        </p:tgtEl>
+                                        <p:attrNameLst>
+                                          <p:attrName>style.visibility</p:attrName>
+                                        </p:attrNameLst>
+                                      </p:cBhvr>
+                                      <p:to>
+                                        <p:strVal val="visible"/>
+                                      </p:to>
+                                    </p:set>
+                                  </p:childTnLst>
+                                </p:cTn>
+                              </p:par>
+                              <p:par>
+                                <p:cTn id="43" presetID="1" presetClass="entr" presetSubtype="0" fill="hold" nodeType="withEffect">
+                                  <p:stCondLst>
+                                    <p:cond delay="0"/>
+                                  </p:stCondLst>
+                                  <p:childTnLst>
+                                    <p:set>
+                                      <p:cBhvr>
+                                        <p:cTn id="44" dur="1" fill="hold">
+                                          <p:stCondLst>
+                                            <p:cond delay="0"/>
+                                          </p:stCondLst>
+                                        </p:cTn>
+                                        <p:tgtEl>
+                                          <p:spTgt spid="38"/>
+                                        </p:tgtEl>
+                                        <p:attrNameLst>
+                                          <p:attrName>style.visibility</p:attrName>
+                                        </p:attrNameLst>
+                                      </p:cBhvr>
+                                      <p:to>
+                                        <p:strVal val="visible"/>
+                                      </p:to>
+                                    </p:set>
+                                  </p:childTnLst>
+                                </p:cTn>
+                              </p:par>
+                              <p:par>
+                                <p:cTn id="45" presetID="1" presetClass="entr" presetSubtype="0" fill="hold" nodeType="withEffect">
+                                  <p:stCondLst>
+                                    <p:cond delay="0"/>
+                                  </p:stCondLst>
+                                  <p:childTnLst>
+                                    <p:set>
+                                      <p:cBhvr>
+                                        <p:cTn id="46" dur="1" fill="hold">
+                                          <p:stCondLst>
+                                            <p:cond delay="0"/>
+                                          </p:stCondLst>
+                                        </p:cTn>
+                                        <p:tgtEl>
+                                          <p:spTgt spid="39"/>
+                                        </p:tgtEl>
+                                        <p:attrNameLst>
+                                          <p:attrName>style.visibility</p:attrName>
+                                        </p:attrNameLst>
+                                      </p:cBhvr>
+                                      <p:to>
+                                        <p:strVal val="visible"/>
+                                      </p:to>
+                                    </p:set>
+                                  </p:childTnLst>
+                                </p:cTn>
+                              </p:par>
+                              <p:par>
+                                <p:cTn id="47" presetID="1" presetClass="entr" presetSubtype="0" fill="hold" nodeType="withEffect">
+                                  <p:stCondLst>
+                                    <p:cond delay="0"/>
+                                  </p:stCondLst>
+                                  <p:childTnLst>
+                                    <p:set>
+                                      <p:cBhvr>
+                                        <p:cTn id="48" dur="1" fill="hold">
+                                          <p:stCondLst>
+                                            <p:cond delay="0"/>
+                                          </p:stCondLst>
+                                        </p:cTn>
+                                        <p:tgtEl>
+                                          <p:spTgt spid="42"/>
+                                        </p:tgtEl>
+                                        <p:attrNameLst>
+                                          <p:attrName>style.visibility</p:attrName>
+                                        </p:attrNameLst>
+                                      </p:cBhvr>
+                                      <p:to>
+                                        <p:strVal val="visible"/>
+                                      </p:to>
+                                    </p:set>
+                                  </p:childTnLst>
+                                </p:cTn>
+                              </p:par>
+                              <p:par>
+                                <p:cTn id="49" presetID="1" presetClass="entr" presetSubtype="0" fill="hold" nodeType="withEffect">
+                                  <p:stCondLst>
+                                    <p:cond delay="0"/>
+                                  </p:stCondLst>
+                                  <p:childTnLst>
+                                    <p:set>
+                                      <p:cBhvr>
+                                        <p:cTn id="50" dur="1" fill="hold">
+                                          <p:stCondLst>
+                                            <p:cond delay="0"/>
+                                          </p:stCondLst>
+                                        </p:cTn>
+                                        <p:tgtEl>
+                                          <p:spTgt spid="40"/>
+                                        </p:tgtEl>
+                                        <p:attrNameLst>
+                                          <p:attrName>style.visibility</p:attrName>
+                                        </p:attrNameLst>
+                                      </p:cBhvr>
+                                      <p:to>
+                                        <p:strVal val="visible"/>
+                                      </p:to>
+                                    </p:set>
+                                  </p:childTnLst>
+                                </p:cTn>
+                              </p:par>
+                              <p:par>
+                                <p:cTn id="51" presetID="1" presetClass="entr" presetSubtype="0" fill="hold" nodeType="withEffect">
+                                  <p:stCondLst>
+                                    <p:cond delay="0"/>
+                                  </p:stCondLst>
+                                  <p:childTnLst>
+                                    <p:set>
+                                      <p:cBhvr>
+                                        <p:cTn id="52" dur="1" fill="hold">
+                                          <p:stCondLst>
+                                            <p:cond delay="0"/>
+                                          </p:stCondLst>
+                                        </p:cTn>
+                                        <p:tgtEl>
+                                          <p:spTgt spid="43"/>
+                                        </p:tgtEl>
+                                        <p:attrNameLst>
+                                          <p:attrName>style.visibility</p:attrName>
+                                        </p:attrNameLst>
+                                      </p:cBhvr>
+                                      <p:to>
+                                        <p:strVal val="visible"/>
+                                      </p:to>
+                                    </p:set>
+                                  </p:childTnLst>
+                                </p:cTn>
+                              </p:par>
+                            </p:childTnLst>
+                          </p:cTn>
+                        </p:par>
+                      </p:childTnLst>
+                    </p:cTn>
+                  </p:par>
+                  <p:par>
+                    <p:cTn id="53" fill="hold">
+                      <p:stCondLst>
+                        <p:cond delay="indefinite"/>
+                      </p:stCondLst>
+                      <p:childTnLst>
+                        <p:par>
+                          <p:cTn id="54" fill="hold">
+                            <p:stCondLst>
+                              <p:cond delay="0"/>
+                            </p:stCondLst>
+                            <p:childTnLst>
+                              <p:par>
+                                <p:cTn id="55" presetID="1" presetClass="entr" presetSubtype="0" fill="hold" grpId="0" nodeType="clickEffect">
+                                  <p:stCondLst>
+                                    <p:cond delay="0"/>
+                                  </p:stCondLst>
+                                  <p:childTnLst>
+                                    <p:set>
+                                      <p:cBhvr>
+                                        <p:cTn id="56" dur="1" fill="hold">
+                                          <p:stCondLst>
+                                            <p:cond delay="0"/>
+                                          </p:stCondLst>
+                                        </p:cTn>
+                                        <p:tgtEl>
+                                          <p:spTgt spid="46"/>
+                                        </p:tgtEl>
+                                        <p:attrNameLst>
+                                          <p:attrName>style.visibility</p:attrName>
+                                        </p:attrNameLst>
+                                      </p:cBhvr>
+                                      <p:to>
+                                        <p:strVal val="visible"/>
+                                      </p:to>
+                                    </p:set>
+                                  </p:childTnLst>
+                                </p:cTn>
+                              </p:par>
+                              <p:par>
+                                <p:cTn id="57" presetID="1" presetClass="entr" presetSubtype="0" fill="hold" grpId="0" nodeType="withEffect">
+                                  <p:stCondLst>
+                                    <p:cond delay="0"/>
+                                  </p:stCondLst>
+                                  <p:childTnLst>
+                                    <p:set>
+                                      <p:cBhvr>
+                                        <p:cTn id="58" dur="1" fill="hold">
+                                          <p:stCondLst>
+                                            <p:cond delay="0"/>
+                                          </p:stCondLst>
+                                        </p:cTn>
+                                        <p:tgtEl>
+                                          <p:spTgt spid="47"/>
+                                        </p:tgtEl>
+                                        <p:attrNameLst>
+                                          <p:attrName>style.visibility</p:attrName>
+                                        </p:attrNameLst>
+                                      </p:cBhvr>
+                                      <p:to>
+                                        <p:strVal val="visible"/>
+                                      </p:to>
+                                    </p:set>
+                                  </p:childTnLst>
+                                </p:cTn>
+                              </p:par>
+                              <p:par>
+                                <p:cTn id="59" presetID="1" presetClass="entr" presetSubtype="0" fill="hold" grpId="0" nodeType="withEffect">
+                                  <p:stCondLst>
+                                    <p:cond delay="0"/>
+                                  </p:stCondLst>
+                                  <p:childTnLst>
+                                    <p:set>
+                                      <p:cBhvr>
+                                        <p:cTn id="60" dur="1" fill="hold">
+                                          <p:stCondLst>
+                                            <p:cond delay="0"/>
+                                          </p:stCondLst>
+                                        </p:cTn>
+                                        <p:tgtEl>
+                                          <p:spTgt spid="48"/>
+                                        </p:tgtEl>
+                                        <p:attrNameLst>
+                                          <p:attrName>style.visibility</p:attrName>
+                                        </p:attrNameLst>
+                                      </p:cBhvr>
+                                      <p:to>
+                                        <p:strVal val="visible"/>
+                                      </p:to>
+                                    </p:set>
+                                  </p:childTnLst>
+                                </p:cTn>
+                              </p:par>
+                            </p:childTnLst>
+                          </p:cTn>
+                        </p:par>
+                      </p:childTnLst>
+                    </p:cTn>
+                  </p:par>
+                </p:childTnLst>
+              </p:cTn>
+              <p:prevCondLst>
+                <p:cond evt="onPrev" delay="0">
+                  <p:tgtEl>
+                    <p:sldTgt/>
+                  </p:tgtEl>
+                </p:cond>
+              </p:prevCondLst>
+              <p:nextCondLst>
+                <p:cond evt="onNext" delay="0">
+                  <p:tgtEl>
+                    <p:sldTgt/>
+                  </p:tgtEl>
+                </p:cond>
+              </p:nextCondLst>
+            </p:seq>
+          </p:childTnLst>
+        </p:cTn>
+      </p:par>
+    </p:tnLst>
+    <p:bldLst>
+      <p:bldP spid="29" grpId="0" animBg="1"/>
+      <p:bldP spid="30" grpId="0"/>
+      <p:bldP spid="10" grpId="0"/>
+      <p:bldP spid="31" grpId="0" animBg="1"/>
+      <p:bldP spid="32" grpId="0"/>
+      <p:bldP spid="33" grpId="0"/>
+      <p:bldP spid="11" grpId="0"/>
+      <p:bldP spid="34" grpId="0"/>
+      <p:bldP spid="45" grpId="0"/>
+      <p:bldP spid="46" grpId="0" animBg="1"/>
+      <p:bldP spid="47" grpId="0" animBg="1"/>
+      <p:bldP spid="48" grpId="0"/>
+    </p:bldLst>
+  </p:timing>
+</p:sld>
+</file>
+
+<file path=ppt/slides/slide9.xml><?xml version="1.0" encoding="utf-8"?>
+<p:sld xmlns:a="http://schemas.openxmlformats.org/drawingml/2006/main" xmlns:r="http://schemas.openxmlformats.org/officeDocument/2006/relationships" xmlns:p="http://schemas.openxmlformats.org/presentationml/2006/main">
+  <p:cSld>
+    <p:spTree>
+      <p:nvGrpSpPr>
+        <p:cNvPr id="1" name=""/>
+        <p:cNvGrpSpPr/>
+        <p:nvPr/>
+      </p:nvGrpSpPr>
+      <p:grpSpPr>
+        <a:xfrm>
+          <a:off x="0" y="0"/>
+          <a:ext cx="0" cy="0"/>
+          <a:chOff x="0" y="0"/>
+          <a:chExt cx="0" cy="0"/>
+        </a:xfrm>
+      </p:grpSpPr>
+      <p:sp>
+        <p:nvSpPr>
+          <p:cNvPr id="2" name="Slide Number Placeholder 1">
+            <a:extLst>
+              <a:ext uri="{FF2B5EF4-FFF2-40B4-BE49-F238E27FC236}">
+                <a16:creationId xmlns:a16="http://schemas.microsoft.com/office/drawing/2014/main" id="{252163C1-2528-F420-833D-73BEDE5FBB96}"/>
+              </a:ext>
+            </a:extLst>
+          </p:cNvPr>
+          <p:cNvSpPr>
+            <a:spLocks noGrp="1"/>
+          </p:cNvSpPr>
+          <p:nvPr>
+            <p:ph type="sldNum" sz="quarter" idx="12"/>
+          </p:nvPr>
+        </p:nvSpPr>
+        <p:spPr/>
+        <p:txBody>
+          <a:bodyPr/>
+          <a:lstStyle/>
+          <a:p>
+            <a:fld id="{7A304655-5D53-B746-8252-3F5A598C52D3}" type="slidenum">
+              <a:rPr lang="en-CN" smtClean="0"/>
+              <a:pPr/>
+              <a:t>9</a:t>
+            </a:fld>
+            <a:endParaRPr lang="en-CN"/>
+          </a:p>
+        </p:txBody>
+      </p:sp>
+      <p:sp>
+        <p:nvSpPr>
+          <p:cNvPr id="3" name="Title 2">
+            <a:extLst>
+              <a:ext uri="{FF2B5EF4-FFF2-40B4-BE49-F238E27FC236}">
+                <a16:creationId xmlns:a16="http://schemas.microsoft.com/office/drawing/2014/main" id="{6E579CAA-EC66-9DFA-8A60-0EAC4F6622C0}"/>
+              </a:ext>
+            </a:extLst>
+          </p:cNvPr>
+          <p:cNvSpPr>
+            <a:spLocks noGrp="1"/>
+          </p:cNvSpPr>
+          <p:nvPr>
+            <p:ph type="title"/>
+          </p:nvPr>
+        </p:nvSpPr>
+        <p:spPr/>
+        <p:txBody>
+          <a:bodyPr/>
+          <a:lstStyle/>
+          <a:p>
+            <a:r>
+              <a:rPr kumimoji="1" lang="zh-CN" altLang="en-US" dirty="0"/>
+              <a:t>同态有什么性质</a:t>
+            </a:r>
+            <a:r>
+              <a:rPr kumimoji="1" lang="en-US" altLang="zh-CN" dirty="0"/>
+              <a:t>?</a:t>
+            </a:r>
+            <a:endParaRPr kumimoji="1" lang="zh-CN" altLang="en-US" dirty="0"/>
+          </a:p>
+        </p:txBody>
+      </p:sp>
+      <p:sp>
+        <p:nvSpPr>
+          <p:cNvPr id="5" name="TextBox 4">
+            <a:extLst>
+              <a:ext uri="{FF2B5EF4-FFF2-40B4-BE49-F238E27FC236}">
+                <a16:creationId xmlns:a16="http://schemas.microsoft.com/office/drawing/2014/main" id="{07BFA650-6DFB-98F6-2561-AF9B55F00F26}"/>
+              </a:ext>
+            </a:extLst>
+          </p:cNvPr>
+          <p:cNvSpPr txBox="1"/>
+          <p:nvPr/>
+        </p:nvSpPr>
+        <p:spPr>
+          <a:xfrm>
+            <a:off x="628650" y="1029177"/>
+            <a:ext cx="2056973" cy="369332"/>
+          </a:xfrm>
+          <a:prstGeom prst="rect">
+            <a:avLst/>
+          </a:prstGeom>
+          <a:noFill/>
+        </p:spPr>
+        <p:txBody>
+          <a:bodyPr wrap="none" rtlCol="0">
+            <a:spAutoFit/>
+          </a:bodyPr>
+          <a:lstStyle/>
+          <a:p>
+            <a:r>
+              <a:rPr kumimoji="1" lang="en-US" altLang="zh-CN" dirty="0"/>
+              <a:t>2.</a:t>
+            </a:r>
+            <a:r>
+              <a:rPr kumimoji="1" lang="zh-CN" altLang="en-US" dirty="0"/>
+              <a:t> 同态的基本性质</a:t>
+            </a:r>
+          </a:p>
+        </p:txBody>
+      </p:sp>
+      <p:sp>
+        <p:nvSpPr>
+          <p:cNvPr id="15" name="Oval 14">
+            <a:extLst>
+              <a:ext uri="{FF2B5EF4-FFF2-40B4-BE49-F238E27FC236}">
+                <a16:creationId xmlns:a16="http://schemas.microsoft.com/office/drawing/2014/main" id="{D93EA82F-A87C-E1DB-5129-EF3C86B9AA19}"/>
+              </a:ext>
+            </a:extLst>
+          </p:cNvPr>
+          <p:cNvSpPr/>
+          <p:nvPr/>
+        </p:nvSpPr>
+        <p:spPr>
+          <a:xfrm>
+            <a:off x="6654540" y="1091324"/>
+            <a:ext cx="678873" cy="615095"/>
+          </a:xfrm>
+          <a:prstGeom prst="ellipse">
+            <a:avLst/>
+          </a:prstGeom>
+        </p:spPr>
+        <p:style>
+          <a:lnRef idx="2">
+            <a:schemeClr val="accent2">
+              <a:shade val="50000"/>
+            </a:schemeClr>
+          </a:lnRef>
+          <a:fillRef idx="1">
+            <a:schemeClr val="accent2"/>
+          </a:fillRef>
+          <a:effectRef idx="0">
+            <a:schemeClr val="accent2"/>
+          </a:effectRef>
+          <a:fontRef idx="minor">
+            <a:schemeClr val="lt1"/>
+          </a:fontRef>
+        </p:style>
+        <p:txBody>
+          <a:bodyPr rtlCol="0" anchor="ctr"/>
+          <a:lstStyle/>
+          <a:p>
+            <a:pPr algn="ctr"/>
+            <a:r>
+              <a:rPr kumimoji="1" lang="zh-CN" altLang="en-US" dirty="0"/>
+              <a:t>群</a:t>
+            </a:r>
+          </a:p>
+        </p:txBody>
+      </p:sp>
+      <p:sp>
+        <p:nvSpPr>
+          <p:cNvPr id="16" name="Oval 15">
+            <a:extLst>
+              <a:ext uri="{FF2B5EF4-FFF2-40B4-BE49-F238E27FC236}">
+                <a16:creationId xmlns:a16="http://schemas.microsoft.com/office/drawing/2014/main" id="{E9B59DF9-5E1E-346B-A4BD-387E676246AC}"/>
+              </a:ext>
+            </a:extLst>
+          </p:cNvPr>
+          <p:cNvSpPr/>
+          <p:nvPr/>
+        </p:nvSpPr>
+        <p:spPr>
+          <a:xfrm>
+            <a:off x="6751522" y="1004256"/>
+            <a:ext cx="678873" cy="615095"/>
+          </a:xfrm>
+          <a:prstGeom prst="ellipse">
+            <a:avLst/>
+          </a:prstGeom>
+        </p:spPr>
+        <p:style>
+          <a:lnRef idx="2">
+            <a:schemeClr val="accent2">
+              <a:shade val="50000"/>
+            </a:schemeClr>
+          </a:lnRef>
+          <a:fillRef idx="1">
+            <a:schemeClr val="accent2"/>
+          </a:fillRef>
+          <a:effectRef idx="0">
+            <a:schemeClr val="accent2"/>
+          </a:effectRef>
+          <a:fontRef idx="minor">
+            <a:schemeClr val="lt1"/>
+          </a:fontRef>
+        </p:style>
+        <p:txBody>
+          <a:bodyPr rtlCol="0" anchor="ctr"/>
+          <a:lstStyle/>
+          <a:p>
+            <a:pPr algn="ctr"/>
+            <a:r>
+              <a:rPr kumimoji="1" lang="zh-CN" altLang="en-US" dirty="0"/>
+              <a:t>群</a:t>
+            </a:r>
+          </a:p>
+        </p:txBody>
+      </p:sp>
+      <p:sp>
+        <p:nvSpPr>
+          <p:cNvPr id="17" name="TextBox 16">
+            <a:extLst>
+              <a:ext uri="{FF2B5EF4-FFF2-40B4-BE49-F238E27FC236}">
+                <a16:creationId xmlns:a16="http://schemas.microsoft.com/office/drawing/2014/main" id="{AAA103BB-3748-4859-62F8-9DBAB77C8C0B}"/>
+              </a:ext>
+            </a:extLst>
+          </p:cNvPr>
+          <p:cNvSpPr txBox="1"/>
+          <p:nvPr/>
+        </p:nvSpPr>
+        <p:spPr>
+          <a:xfrm>
+            <a:off x="7430395" y="930170"/>
+            <a:ext cx="1361270" cy="307777"/>
+          </a:xfrm>
+          <a:prstGeom prst="rect">
+            <a:avLst/>
+          </a:prstGeom>
+          <a:noFill/>
+        </p:spPr>
+        <p:txBody>
+          <a:bodyPr wrap="none" rtlCol="0">
+            <a:spAutoFit/>
+          </a:bodyPr>
+          <a:lstStyle/>
+          <a:p>
+            <a:r>
+              <a:rPr kumimoji="1" lang="zh-CN" altLang="en-US" sz="1400" dirty="0"/>
+              <a:t>同构</a:t>
+            </a:r>
+            <a:r>
+              <a:rPr kumimoji="1" lang="en-US" altLang="zh-CN" sz="1400" dirty="0"/>
+              <a:t>:</a:t>
+            </a:r>
+            <a:r>
+              <a:rPr kumimoji="1" lang="zh-CN" altLang="en-US" sz="1400" dirty="0"/>
+              <a:t> 保持运算</a:t>
+            </a:r>
+          </a:p>
+        </p:txBody>
+      </p:sp>
+      <p:sp>
+        <p:nvSpPr>
+          <p:cNvPr id="21" name="TextBox 20">
+            <a:extLst>
+              <a:ext uri="{FF2B5EF4-FFF2-40B4-BE49-F238E27FC236}">
+                <a16:creationId xmlns:a16="http://schemas.microsoft.com/office/drawing/2014/main" id="{5AEB5D18-C2A5-64D2-F103-E7B4B79451EF}"/>
+              </a:ext>
+            </a:extLst>
+          </p:cNvPr>
+          <p:cNvSpPr txBox="1"/>
+          <p:nvPr/>
+        </p:nvSpPr>
+        <p:spPr>
+          <a:xfrm>
+            <a:off x="7422269" y="1247387"/>
+            <a:ext cx="646331" cy="276999"/>
+          </a:xfrm>
+          <a:prstGeom prst="rect">
+            <a:avLst/>
+          </a:prstGeom>
+          <a:noFill/>
+        </p:spPr>
+        <p:txBody>
+          <a:bodyPr wrap="none" rtlCol="0">
+            <a:spAutoFit/>
+          </a:bodyPr>
+          <a:lstStyle/>
+          <a:p>
+            <a:r>
+              <a:rPr kumimoji="1" lang="zh-CN" altLang="en-US" sz="1200" dirty="0"/>
+              <a:t>传递性</a:t>
+            </a:r>
+          </a:p>
+        </p:txBody>
+      </p:sp>
+      <p:sp>
+        <p:nvSpPr>
+          <p:cNvPr id="28" name="TextBox 27">
+            <a:extLst>
+              <a:ext uri="{FF2B5EF4-FFF2-40B4-BE49-F238E27FC236}">
+                <a16:creationId xmlns:a16="http://schemas.microsoft.com/office/drawing/2014/main" id="{C35AE98A-0E89-C7FE-E05E-84CABB11AE2B}"/>
+              </a:ext>
+            </a:extLst>
+          </p:cNvPr>
+          <p:cNvSpPr txBox="1"/>
+          <p:nvPr/>
+        </p:nvSpPr>
+        <p:spPr>
+          <a:xfrm>
+            <a:off x="8145334" y="1260009"/>
+            <a:ext cx="954107" cy="461665"/>
+          </a:xfrm>
+          <a:prstGeom prst="rect">
+            <a:avLst/>
+          </a:prstGeom>
+          <a:noFill/>
+        </p:spPr>
+        <p:txBody>
+          <a:bodyPr wrap="none" rtlCol="0">
+            <a:spAutoFit/>
+          </a:bodyPr>
+          <a:lstStyle/>
+          <a:p>
+            <a:r>
+              <a:rPr kumimoji="1" lang="zh-CN" altLang="en-US" sz="1200" dirty="0"/>
+              <a:t>元素的映射</a:t>
+            </a:r>
+            <a:endParaRPr kumimoji="1" lang="en-US" altLang="zh-CN" sz="1200" dirty="0"/>
+          </a:p>
+          <a:p>
+            <a:r>
+              <a:rPr kumimoji="1" lang="zh-CN" altLang="en-US" sz="1200" dirty="0"/>
+              <a:t>像</a:t>
+            </a:r>
+          </a:p>
+        </p:txBody>
+      </p:sp>
+      <p:pic>
+        <p:nvPicPr>
+          <p:cNvPr id="4" name="Picture 3">
+            <a:extLst>
+              <a:ext uri="{FF2B5EF4-FFF2-40B4-BE49-F238E27FC236}">
+                <a16:creationId xmlns:a16="http://schemas.microsoft.com/office/drawing/2014/main" id="{FEE3083B-9869-7EA9-80D1-2C864AFC0FEF}"/>
+              </a:ext>
+            </a:extLst>
+          </p:cNvPr>
+          <p:cNvPicPr>
+            <a:picLocks noChangeAspect="1"/>
+          </p:cNvPicPr>
+          <p:nvPr/>
+        </p:nvPicPr>
+        <p:blipFill>
+          <a:blip r:embed="rId2"/>
+          <a:stretch>
+            <a:fillRect/>
+          </a:stretch>
+        </p:blipFill>
+        <p:spPr>
+          <a:xfrm>
+            <a:off x="894923" y="1557006"/>
+            <a:ext cx="1790700" cy="444500"/>
+          </a:xfrm>
+          <a:prstGeom prst="rect">
+            <a:avLst/>
+          </a:prstGeom>
+        </p:spPr>
+      </p:pic>
+      <p:pic>
+        <p:nvPicPr>
+          <p:cNvPr id="6" name="Picture 5">
+            <a:extLst>
+              <a:ext uri="{FF2B5EF4-FFF2-40B4-BE49-F238E27FC236}">
+                <a16:creationId xmlns:a16="http://schemas.microsoft.com/office/drawing/2014/main" id="{0B136E41-35FF-B710-FC21-E9641E95D4E6}"/>
+              </a:ext>
+            </a:extLst>
+          </p:cNvPr>
+          <p:cNvPicPr>
+            <a:picLocks noChangeAspect="1"/>
+          </p:cNvPicPr>
+          <p:nvPr/>
+        </p:nvPicPr>
+        <p:blipFill>
+          <a:blip r:embed="rId3"/>
+          <a:stretch>
+            <a:fillRect/>
+          </a:stretch>
+        </p:blipFill>
+        <p:spPr>
+          <a:xfrm>
+            <a:off x="641638" y="2033286"/>
+            <a:ext cx="3555423" cy="458764"/>
+          </a:xfrm>
+          <a:prstGeom prst="rect">
+            <a:avLst/>
+          </a:prstGeom>
+        </p:spPr>
+      </p:pic>
+      <p:pic>
+        <p:nvPicPr>
+          <p:cNvPr id="7" name="Picture 6">
+            <a:extLst>
+              <a:ext uri="{FF2B5EF4-FFF2-40B4-BE49-F238E27FC236}">
+                <a16:creationId xmlns:a16="http://schemas.microsoft.com/office/drawing/2014/main" id="{A0098BEA-EFF0-A183-8E74-B21ED62123F8}"/>
+              </a:ext>
+            </a:extLst>
+          </p:cNvPr>
+          <p:cNvPicPr>
+            <a:picLocks noChangeAspect="1"/>
+          </p:cNvPicPr>
+          <p:nvPr/>
+        </p:nvPicPr>
+        <p:blipFill>
+          <a:blip r:embed="rId4"/>
+          <a:stretch>
+            <a:fillRect/>
+          </a:stretch>
+        </p:blipFill>
+        <p:spPr>
+          <a:xfrm>
+            <a:off x="4197061" y="2033286"/>
+            <a:ext cx="1587500" cy="381000"/>
+          </a:xfrm>
+          <a:prstGeom prst="rect">
+            <a:avLst/>
+          </a:prstGeom>
+        </p:spPr>
+      </p:pic>
+    </p:spTree>
+    <p:extLst>
+      <p:ext uri="{BB962C8B-B14F-4D97-AF65-F5344CB8AC3E}">
+        <p14:creationId xmlns:p14="http://schemas.microsoft.com/office/powerpoint/2010/main" val="3030472727"/>
+      </p:ext>
+    </p:extLst>
+  </p:cSld>
+  <p:clrMapOvr>
+    <a:masterClrMapping/>
+  </p:clrMapOvr>
 </p:sld>
 </file>
 

--- a/notes/notes/mcs/9.5-group-theory/3-morphi.pptx
+++ b/notes/notes/mcs/9.5-group-theory/3-morphi.pptx
@@ -5,7 +5,7 @@
     <p:sldMasterId id="2147483660" r:id="rId1"/>
   </p:sldMasterIdLst>
   <p:notesMasterIdLst>
-    <p:notesMasterId r:id="rId11"/>
+    <p:notesMasterId r:id="rId13"/>
   </p:notesMasterIdLst>
   <p:sldIdLst>
     <p:sldId id="257" r:id="rId2"/>
@@ -17,6 +17,8 @@
     <p:sldId id="263" r:id="rId8"/>
     <p:sldId id="264" r:id="rId9"/>
     <p:sldId id="265" r:id="rId10"/>
+    <p:sldId id="266" r:id="rId11"/>
+    <p:sldId id="267" r:id="rId12"/>
   </p:sldIdLst>
   <p:sldSz cx="9144000" cy="6858000" type="screen4x3"/>
   <p:notesSz cx="6858000" cy="9144000"/>
@@ -133,6 +135,8 @@
             <p14:sldId id="263"/>
             <p14:sldId id="264"/>
             <p14:sldId id="265"/>
+            <p14:sldId id="266"/>
+            <p14:sldId id="267"/>
           </p14:sldIdLst>
         </p14:section>
       </p14:sectionLst>
@@ -226,7 +230,7 @@
           <a:p>
             <a:fld id="{9BFDADED-620D-D24E-82E2-96F000A12D1D}" type="datetimeFigureOut">
               <a:rPr lang="en-CN" smtClean="0"/>
-              <a:t>2023/6/14</a:t>
+              <a:t>2023/7/4</a:t>
             </a:fld>
             <a:endParaRPr lang="en-CN"/>
           </a:p>
@@ -1081,7 +1085,7 @@
           <a:p>
             <a:fld id="{58D30FAB-176C-8449-8796-69F8D9C85B57}" type="datetime1">
               <a:rPr lang="en-US" smtClean="0"/>
-              <a:t>6/14/23</a:t>
+              <a:t>7/4/23</a:t>
             </a:fld>
             <a:endParaRPr lang="en-CN"/>
           </a:p>
@@ -1771,6 +1775,3307 @@
   <p:clrMapOvr>
     <a:masterClrMapping/>
   </p:clrMapOvr>
+</p:sld>
+</file>
+
+<file path=ppt/slides/slide10.xml><?xml version="1.0" encoding="utf-8"?>
+<p:sld xmlns:a="http://schemas.openxmlformats.org/drawingml/2006/main" xmlns:r="http://schemas.openxmlformats.org/officeDocument/2006/relationships" xmlns:p="http://schemas.openxmlformats.org/presentationml/2006/main">
+  <p:cSld>
+    <p:spTree>
+      <p:nvGrpSpPr>
+        <p:cNvPr id="1" name=""/>
+        <p:cNvGrpSpPr/>
+        <p:nvPr/>
+      </p:nvGrpSpPr>
+      <p:grpSpPr>
+        <a:xfrm>
+          <a:off x="0" y="0"/>
+          <a:ext cx="0" cy="0"/>
+          <a:chOff x="0" y="0"/>
+          <a:chExt cx="0" cy="0"/>
+        </a:xfrm>
+      </p:grpSpPr>
+      <p:sp>
+        <p:nvSpPr>
+          <p:cNvPr id="2" name="Slide Number Placeholder 1">
+            <a:extLst>
+              <a:ext uri="{FF2B5EF4-FFF2-40B4-BE49-F238E27FC236}">
+                <a16:creationId xmlns:a16="http://schemas.microsoft.com/office/drawing/2014/main" id="{252163C1-2528-F420-833D-73BEDE5FBB96}"/>
+              </a:ext>
+            </a:extLst>
+          </p:cNvPr>
+          <p:cNvSpPr>
+            <a:spLocks noGrp="1"/>
+          </p:cNvSpPr>
+          <p:nvPr>
+            <p:ph type="sldNum" sz="quarter" idx="12"/>
+          </p:nvPr>
+        </p:nvSpPr>
+        <p:spPr/>
+        <p:txBody>
+          <a:bodyPr/>
+          <a:lstStyle/>
+          <a:p>
+            <a:fld id="{7A304655-5D53-B746-8252-3F5A598C52D3}" type="slidenum">
+              <a:rPr lang="en-CN" smtClean="0"/>
+              <a:pPr/>
+              <a:t>10</a:t>
+            </a:fld>
+            <a:endParaRPr lang="en-CN"/>
+          </a:p>
+        </p:txBody>
+      </p:sp>
+      <p:sp>
+        <p:nvSpPr>
+          <p:cNvPr id="3" name="Title 2">
+            <a:extLst>
+              <a:ext uri="{FF2B5EF4-FFF2-40B4-BE49-F238E27FC236}">
+                <a16:creationId xmlns:a16="http://schemas.microsoft.com/office/drawing/2014/main" id="{6E579CAA-EC66-9DFA-8A60-0EAC4F6622C0}"/>
+              </a:ext>
+            </a:extLst>
+          </p:cNvPr>
+          <p:cNvSpPr>
+            <a:spLocks noGrp="1"/>
+          </p:cNvSpPr>
+          <p:nvPr>
+            <p:ph type="title"/>
+          </p:nvPr>
+        </p:nvSpPr>
+        <p:spPr/>
+        <p:txBody>
+          <a:bodyPr/>
+          <a:lstStyle/>
+          <a:p>
+            <a:r>
+              <a:rPr kumimoji="1" lang="zh-CN" altLang="en-US" dirty="0"/>
+              <a:t>同态有什么性质</a:t>
+            </a:r>
+            <a:r>
+              <a:rPr kumimoji="1" lang="en-US" altLang="zh-CN" dirty="0"/>
+              <a:t>?</a:t>
+            </a:r>
+            <a:endParaRPr kumimoji="1" lang="zh-CN" altLang="en-US" dirty="0"/>
+          </a:p>
+        </p:txBody>
+      </p:sp>
+      <p:sp>
+        <p:nvSpPr>
+          <p:cNvPr id="5" name="TextBox 4">
+            <a:extLst>
+              <a:ext uri="{FF2B5EF4-FFF2-40B4-BE49-F238E27FC236}">
+                <a16:creationId xmlns:a16="http://schemas.microsoft.com/office/drawing/2014/main" id="{07BFA650-6DFB-98F6-2561-AF9B55F00F26}"/>
+              </a:ext>
+            </a:extLst>
+          </p:cNvPr>
+          <p:cNvSpPr txBox="1"/>
+          <p:nvPr/>
+        </p:nvSpPr>
+        <p:spPr>
+          <a:xfrm>
+            <a:off x="628650" y="1029177"/>
+            <a:ext cx="2056973" cy="369332"/>
+          </a:xfrm>
+          <a:prstGeom prst="rect">
+            <a:avLst/>
+          </a:prstGeom>
+          <a:noFill/>
+        </p:spPr>
+        <p:txBody>
+          <a:bodyPr wrap="none" rtlCol="0">
+            <a:spAutoFit/>
+          </a:bodyPr>
+          <a:lstStyle/>
+          <a:p>
+            <a:r>
+              <a:rPr kumimoji="1" lang="en-US" altLang="zh-CN" dirty="0"/>
+              <a:t>2.</a:t>
+            </a:r>
+            <a:r>
+              <a:rPr kumimoji="1" lang="zh-CN" altLang="en-US" dirty="0"/>
+              <a:t> 同态的基本性质</a:t>
+            </a:r>
+          </a:p>
+        </p:txBody>
+      </p:sp>
+      <p:sp>
+        <p:nvSpPr>
+          <p:cNvPr id="15" name="Oval 14">
+            <a:extLst>
+              <a:ext uri="{FF2B5EF4-FFF2-40B4-BE49-F238E27FC236}">
+                <a16:creationId xmlns:a16="http://schemas.microsoft.com/office/drawing/2014/main" id="{D93EA82F-A87C-E1DB-5129-EF3C86B9AA19}"/>
+              </a:ext>
+            </a:extLst>
+          </p:cNvPr>
+          <p:cNvSpPr/>
+          <p:nvPr/>
+        </p:nvSpPr>
+        <p:spPr>
+          <a:xfrm>
+            <a:off x="6654540" y="1091324"/>
+            <a:ext cx="678873" cy="615095"/>
+          </a:xfrm>
+          <a:prstGeom prst="ellipse">
+            <a:avLst/>
+          </a:prstGeom>
+        </p:spPr>
+        <p:style>
+          <a:lnRef idx="2">
+            <a:schemeClr val="accent2">
+              <a:shade val="50000"/>
+            </a:schemeClr>
+          </a:lnRef>
+          <a:fillRef idx="1">
+            <a:schemeClr val="accent2"/>
+          </a:fillRef>
+          <a:effectRef idx="0">
+            <a:schemeClr val="accent2"/>
+          </a:effectRef>
+          <a:fontRef idx="minor">
+            <a:schemeClr val="lt1"/>
+          </a:fontRef>
+        </p:style>
+        <p:txBody>
+          <a:bodyPr rtlCol="0" anchor="ctr"/>
+          <a:lstStyle/>
+          <a:p>
+            <a:pPr algn="ctr"/>
+            <a:r>
+              <a:rPr kumimoji="1" lang="zh-CN" altLang="en-US" dirty="0"/>
+              <a:t>群</a:t>
+            </a:r>
+          </a:p>
+        </p:txBody>
+      </p:sp>
+      <p:sp>
+        <p:nvSpPr>
+          <p:cNvPr id="16" name="Oval 15">
+            <a:extLst>
+              <a:ext uri="{FF2B5EF4-FFF2-40B4-BE49-F238E27FC236}">
+                <a16:creationId xmlns:a16="http://schemas.microsoft.com/office/drawing/2014/main" id="{E9B59DF9-5E1E-346B-A4BD-387E676246AC}"/>
+              </a:ext>
+            </a:extLst>
+          </p:cNvPr>
+          <p:cNvSpPr/>
+          <p:nvPr/>
+        </p:nvSpPr>
+        <p:spPr>
+          <a:xfrm>
+            <a:off x="6751522" y="1004256"/>
+            <a:ext cx="678873" cy="615095"/>
+          </a:xfrm>
+          <a:prstGeom prst="ellipse">
+            <a:avLst/>
+          </a:prstGeom>
+        </p:spPr>
+        <p:style>
+          <a:lnRef idx="2">
+            <a:schemeClr val="accent2">
+              <a:shade val="50000"/>
+            </a:schemeClr>
+          </a:lnRef>
+          <a:fillRef idx="1">
+            <a:schemeClr val="accent2"/>
+          </a:fillRef>
+          <a:effectRef idx="0">
+            <a:schemeClr val="accent2"/>
+          </a:effectRef>
+          <a:fontRef idx="minor">
+            <a:schemeClr val="lt1"/>
+          </a:fontRef>
+        </p:style>
+        <p:txBody>
+          <a:bodyPr rtlCol="0" anchor="ctr"/>
+          <a:lstStyle/>
+          <a:p>
+            <a:pPr algn="ctr"/>
+            <a:r>
+              <a:rPr kumimoji="1" lang="zh-CN" altLang="en-US" dirty="0"/>
+              <a:t>群</a:t>
+            </a:r>
+          </a:p>
+        </p:txBody>
+      </p:sp>
+      <p:sp>
+        <p:nvSpPr>
+          <p:cNvPr id="17" name="TextBox 16">
+            <a:extLst>
+              <a:ext uri="{FF2B5EF4-FFF2-40B4-BE49-F238E27FC236}">
+                <a16:creationId xmlns:a16="http://schemas.microsoft.com/office/drawing/2014/main" id="{AAA103BB-3748-4859-62F8-9DBAB77C8C0B}"/>
+              </a:ext>
+            </a:extLst>
+          </p:cNvPr>
+          <p:cNvSpPr txBox="1"/>
+          <p:nvPr/>
+        </p:nvSpPr>
+        <p:spPr>
+          <a:xfrm>
+            <a:off x="7430395" y="930170"/>
+            <a:ext cx="1361270" cy="307777"/>
+          </a:xfrm>
+          <a:prstGeom prst="rect">
+            <a:avLst/>
+          </a:prstGeom>
+          <a:noFill/>
+        </p:spPr>
+        <p:txBody>
+          <a:bodyPr wrap="none" rtlCol="0">
+            <a:spAutoFit/>
+          </a:bodyPr>
+          <a:lstStyle/>
+          <a:p>
+            <a:r>
+              <a:rPr kumimoji="1" lang="zh-CN" altLang="en-US" sz="1400" dirty="0"/>
+              <a:t>同构</a:t>
+            </a:r>
+            <a:r>
+              <a:rPr kumimoji="1" lang="en-US" altLang="zh-CN" sz="1400" dirty="0"/>
+              <a:t>:</a:t>
+            </a:r>
+            <a:r>
+              <a:rPr kumimoji="1" lang="zh-CN" altLang="en-US" sz="1400" dirty="0"/>
+              <a:t> 保持运算</a:t>
+            </a:r>
+          </a:p>
+        </p:txBody>
+      </p:sp>
+      <p:sp>
+        <p:nvSpPr>
+          <p:cNvPr id="21" name="TextBox 20">
+            <a:extLst>
+              <a:ext uri="{FF2B5EF4-FFF2-40B4-BE49-F238E27FC236}">
+                <a16:creationId xmlns:a16="http://schemas.microsoft.com/office/drawing/2014/main" id="{5AEB5D18-C2A5-64D2-F103-E7B4B79451EF}"/>
+              </a:ext>
+            </a:extLst>
+          </p:cNvPr>
+          <p:cNvSpPr txBox="1"/>
+          <p:nvPr/>
+        </p:nvSpPr>
+        <p:spPr>
+          <a:xfrm>
+            <a:off x="7422269" y="1247387"/>
+            <a:ext cx="646331" cy="276999"/>
+          </a:xfrm>
+          <a:prstGeom prst="rect">
+            <a:avLst/>
+          </a:prstGeom>
+          <a:noFill/>
+        </p:spPr>
+        <p:txBody>
+          <a:bodyPr wrap="none" rtlCol="0">
+            <a:spAutoFit/>
+          </a:bodyPr>
+          <a:lstStyle/>
+          <a:p>
+            <a:r>
+              <a:rPr kumimoji="1" lang="zh-CN" altLang="en-US" sz="1200" dirty="0"/>
+              <a:t>传递性</a:t>
+            </a:r>
+          </a:p>
+        </p:txBody>
+      </p:sp>
+      <p:sp>
+        <p:nvSpPr>
+          <p:cNvPr id="28" name="TextBox 27">
+            <a:extLst>
+              <a:ext uri="{FF2B5EF4-FFF2-40B4-BE49-F238E27FC236}">
+                <a16:creationId xmlns:a16="http://schemas.microsoft.com/office/drawing/2014/main" id="{C35AE98A-0E89-C7FE-E05E-84CABB11AE2B}"/>
+              </a:ext>
+            </a:extLst>
+          </p:cNvPr>
+          <p:cNvSpPr txBox="1"/>
+          <p:nvPr/>
+        </p:nvSpPr>
+        <p:spPr>
+          <a:xfrm>
+            <a:off x="8145334" y="1260009"/>
+            <a:ext cx="1248048" cy="461665"/>
+          </a:xfrm>
+          <a:prstGeom prst="rect">
+            <a:avLst/>
+          </a:prstGeom>
+          <a:noFill/>
+        </p:spPr>
+        <p:txBody>
+          <a:bodyPr wrap="square" rtlCol="0">
+            <a:spAutoFit/>
+          </a:bodyPr>
+          <a:lstStyle/>
+          <a:p>
+            <a:r>
+              <a:rPr kumimoji="1" lang="zh-CN" altLang="en-US" sz="1200" dirty="0"/>
+              <a:t>元素的映射</a:t>
+            </a:r>
+            <a:endParaRPr kumimoji="1" lang="en-US" altLang="zh-CN" sz="1200" dirty="0"/>
+          </a:p>
+          <a:p>
+            <a:r>
+              <a:rPr kumimoji="1" lang="zh-CN" altLang="en-US" sz="1200" dirty="0"/>
+              <a:t>像</a:t>
+            </a:r>
+          </a:p>
+        </p:txBody>
+      </p:sp>
+      <p:pic>
+        <p:nvPicPr>
+          <p:cNvPr id="4" name="Picture 3">
+            <a:extLst>
+              <a:ext uri="{FF2B5EF4-FFF2-40B4-BE49-F238E27FC236}">
+                <a16:creationId xmlns:a16="http://schemas.microsoft.com/office/drawing/2014/main" id="{FEE3083B-9869-7EA9-80D1-2C864AFC0FEF}"/>
+              </a:ext>
+            </a:extLst>
+          </p:cNvPr>
+          <p:cNvPicPr>
+            <a:picLocks noChangeAspect="1"/>
+          </p:cNvPicPr>
+          <p:nvPr/>
+        </p:nvPicPr>
+        <p:blipFill>
+          <a:blip r:embed="rId2"/>
+          <a:stretch>
+            <a:fillRect/>
+          </a:stretch>
+        </p:blipFill>
+        <p:spPr>
+          <a:xfrm>
+            <a:off x="894923" y="1557006"/>
+            <a:ext cx="1790700" cy="444500"/>
+          </a:xfrm>
+          <a:prstGeom prst="rect">
+            <a:avLst/>
+          </a:prstGeom>
+        </p:spPr>
+      </p:pic>
+      <p:pic>
+        <p:nvPicPr>
+          <p:cNvPr id="6" name="Picture 5">
+            <a:extLst>
+              <a:ext uri="{FF2B5EF4-FFF2-40B4-BE49-F238E27FC236}">
+                <a16:creationId xmlns:a16="http://schemas.microsoft.com/office/drawing/2014/main" id="{0B136E41-35FF-B710-FC21-E9641E95D4E6}"/>
+              </a:ext>
+            </a:extLst>
+          </p:cNvPr>
+          <p:cNvPicPr>
+            <a:picLocks noChangeAspect="1"/>
+          </p:cNvPicPr>
+          <p:nvPr/>
+        </p:nvPicPr>
+        <p:blipFill>
+          <a:blip r:embed="rId3"/>
+          <a:stretch>
+            <a:fillRect/>
+          </a:stretch>
+        </p:blipFill>
+        <p:spPr>
+          <a:xfrm>
+            <a:off x="641638" y="2033286"/>
+            <a:ext cx="3555423" cy="458764"/>
+          </a:xfrm>
+          <a:prstGeom prst="rect">
+            <a:avLst/>
+          </a:prstGeom>
+        </p:spPr>
+      </p:pic>
+      <p:pic>
+        <p:nvPicPr>
+          <p:cNvPr id="7" name="Picture 6">
+            <a:extLst>
+              <a:ext uri="{FF2B5EF4-FFF2-40B4-BE49-F238E27FC236}">
+                <a16:creationId xmlns:a16="http://schemas.microsoft.com/office/drawing/2014/main" id="{A0098BEA-EFF0-A183-8E74-B21ED62123F8}"/>
+              </a:ext>
+            </a:extLst>
+          </p:cNvPr>
+          <p:cNvPicPr>
+            <a:picLocks noChangeAspect="1"/>
+          </p:cNvPicPr>
+          <p:nvPr/>
+        </p:nvPicPr>
+        <p:blipFill>
+          <a:blip r:embed="rId4"/>
+          <a:stretch>
+            <a:fillRect/>
+          </a:stretch>
+        </p:blipFill>
+        <p:spPr>
+          <a:xfrm>
+            <a:off x="4197061" y="2033286"/>
+            <a:ext cx="1587500" cy="381000"/>
+          </a:xfrm>
+          <a:prstGeom prst="rect">
+            <a:avLst/>
+          </a:prstGeom>
+        </p:spPr>
+      </p:pic>
+      <p:pic>
+        <p:nvPicPr>
+          <p:cNvPr id="8" name="Picture 7">
+            <a:extLst>
+              <a:ext uri="{FF2B5EF4-FFF2-40B4-BE49-F238E27FC236}">
+                <a16:creationId xmlns:a16="http://schemas.microsoft.com/office/drawing/2014/main" id="{9AFA6E16-A517-F31D-A7E3-E98BE9F740B4}"/>
+              </a:ext>
+            </a:extLst>
+          </p:cNvPr>
+          <p:cNvPicPr>
+            <a:picLocks noChangeAspect="1"/>
+          </p:cNvPicPr>
+          <p:nvPr/>
+        </p:nvPicPr>
+        <p:blipFill>
+          <a:blip r:embed="rId5"/>
+          <a:stretch>
+            <a:fillRect/>
+          </a:stretch>
+        </p:blipFill>
+        <p:spPr>
+          <a:xfrm>
+            <a:off x="922632" y="2542627"/>
+            <a:ext cx="1502197" cy="451641"/>
+          </a:xfrm>
+          <a:prstGeom prst="rect">
+            <a:avLst/>
+          </a:prstGeom>
+        </p:spPr>
+      </p:pic>
+      <p:pic>
+        <p:nvPicPr>
+          <p:cNvPr id="9" name="Picture 8">
+            <a:extLst>
+              <a:ext uri="{FF2B5EF4-FFF2-40B4-BE49-F238E27FC236}">
+                <a16:creationId xmlns:a16="http://schemas.microsoft.com/office/drawing/2014/main" id="{F9F3A51C-9B7E-E298-1319-1F7999E0441E}"/>
+              </a:ext>
+            </a:extLst>
+          </p:cNvPr>
+          <p:cNvPicPr>
+            <a:picLocks noChangeAspect="1"/>
+          </p:cNvPicPr>
+          <p:nvPr/>
+        </p:nvPicPr>
+        <p:blipFill>
+          <a:blip r:embed="rId6"/>
+          <a:stretch>
+            <a:fillRect/>
+          </a:stretch>
+        </p:blipFill>
+        <p:spPr>
+          <a:xfrm>
+            <a:off x="2542309" y="2542627"/>
+            <a:ext cx="3505200" cy="406400"/>
+          </a:xfrm>
+          <a:prstGeom prst="rect">
+            <a:avLst/>
+          </a:prstGeom>
+        </p:spPr>
+      </p:pic>
+      <p:pic>
+        <p:nvPicPr>
+          <p:cNvPr id="10" name="Picture 9">
+            <a:extLst>
+              <a:ext uri="{FF2B5EF4-FFF2-40B4-BE49-F238E27FC236}">
+                <a16:creationId xmlns:a16="http://schemas.microsoft.com/office/drawing/2014/main" id="{9633B2C5-E948-B5A1-B0FA-C40034BEF6FC}"/>
+              </a:ext>
+            </a:extLst>
+          </p:cNvPr>
+          <p:cNvPicPr>
+            <a:picLocks noChangeAspect="1"/>
+          </p:cNvPicPr>
+          <p:nvPr/>
+        </p:nvPicPr>
+        <p:blipFill>
+          <a:blip r:embed="rId7"/>
+          <a:stretch>
+            <a:fillRect/>
+          </a:stretch>
+        </p:blipFill>
+        <p:spPr>
+          <a:xfrm>
+            <a:off x="1399309" y="2970203"/>
+            <a:ext cx="2895600" cy="406400"/>
+          </a:xfrm>
+          <a:prstGeom prst="rect">
+            <a:avLst/>
+          </a:prstGeom>
+        </p:spPr>
+      </p:pic>
+      <p:pic>
+        <p:nvPicPr>
+          <p:cNvPr id="11" name="Picture 10">
+            <a:extLst>
+              <a:ext uri="{FF2B5EF4-FFF2-40B4-BE49-F238E27FC236}">
+                <a16:creationId xmlns:a16="http://schemas.microsoft.com/office/drawing/2014/main" id="{698DC525-22F5-B7FA-A4D8-10A6FF0AC9E6}"/>
+              </a:ext>
+            </a:extLst>
+          </p:cNvPr>
+          <p:cNvPicPr>
+            <a:picLocks noChangeAspect="1"/>
+          </p:cNvPicPr>
+          <p:nvPr/>
+        </p:nvPicPr>
+        <p:blipFill>
+          <a:blip r:embed="rId8"/>
+          <a:stretch>
+            <a:fillRect/>
+          </a:stretch>
+        </p:blipFill>
+        <p:spPr>
+          <a:xfrm>
+            <a:off x="1399309" y="3472421"/>
+            <a:ext cx="4152900" cy="1384300"/>
+          </a:xfrm>
+          <a:prstGeom prst="rect">
+            <a:avLst/>
+          </a:prstGeom>
+        </p:spPr>
+      </p:pic>
+    </p:spTree>
+    <p:extLst>
+      <p:ext uri="{BB962C8B-B14F-4D97-AF65-F5344CB8AC3E}">
+        <p14:creationId xmlns:p14="http://schemas.microsoft.com/office/powerpoint/2010/main" val="110218533"/>
+      </p:ext>
+    </p:extLst>
+  </p:cSld>
+  <p:clrMapOvr>
+    <a:masterClrMapping/>
+  </p:clrMapOvr>
+  <p:timing>
+    <p:tnLst>
+      <p:par>
+        <p:cTn id="1" dur="indefinite" restart="never" nodeType="tmRoot">
+          <p:childTnLst>
+            <p:seq concurrent="1" nextAc="seek">
+              <p:cTn id="2" dur="indefinite" nodeType="mainSeq">
+                <p:childTnLst>
+                  <p:par>
+                    <p:cTn id="3" fill="hold">
+                      <p:stCondLst>
+                        <p:cond delay="indefinite"/>
+                      </p:stCondLst>
+                      <p:childTnLst>
+                        <p:par>
+                          <p:cTn id="4" fill="hold">
+                            <p:stCondLst>
+                              <p:cond delay="0"/>
+                            </p:stCondLst>
+                            <p:childTnLst>
+                              <p:par>
+                                <p:cTn id="5" presetID="1" presetClass="entr" presetSubtype="0" fill="hold" nodeType="clickEffect">
+                                  <p:stCondLst>
+                                    <p:cond delay="0"/>
+                                  </p:stCondLst>
+                                  <p:childTnLst>
+                                    <p:set>
+                                      <p:cBhvr>
+                                        <p:cTn id="6" dur="1" fill="hold">
+                                          <p:stCondLst>
+                                            <p:cond delay="0"/>
+                                          </p:stCondLst>
+                                        </p:cTn>
+                                        <p:tgtEl>
+                                          <p:spTgt spid="8"/>
+                                        </p:tgtEl>
+                                        <p:attrNameLst>
+                                          <p:attrName>style.visibility</p:attrName>
+                                        </p:attrNameLst>
+                                      </p:cBhvr>
+                                      <p:to>
+                                        <p:strVal val="visible"/>
+                                      </p:to>
+                                    </p:set>
+                                  </p:childTnLst>
+                                </p:cTn>
+                              </p:par>
+                            </p:childTnLst>
+                          </p:cTn>
+                        </p:par>
+                      </p:childTnLst>
+                    </p:cTn>
+                  </p:par>
+                  <p:par>
+                    <p:cTn id="7" fill="hold">
+                      <p:stCondLst>
+                        <p:cond delay="indefinite"/>
+                      </p:stCondLst>
+                      <p:childTnLst>
+                        <p:par>
+                          <p:cTn id="8" fill="hold">
+                            <p:stCondLst>
+                              <p:cond delay="0"/>
+                            </p:stCondLst>
+                            <p:childTnLst>
+                              <p:par>
+                                <p:cTn id="9" presetID="1" presetClass="entr" presetSubtype="0" fill="hold" nodeType="clickEffect">
+                                  <p:stCondLst>
+                                    <p:cond delay="0"/>
+                                  </p:stCondLst>
+                                  <p:childTnLst>
+                                    <p:set>
+                                      <p:cBhvr>
+                                        <p:cTn id="10" dur="1" fill="hold">
+                                          <p:stCondLst>
+                                            <p:cond delay="0"/>
+                                          </p:stCondLst>
+                                        </p:cTn>
+                                        <p:tgtEl>
+                                          <p:spTgt spid="9"/>
+                                        </p:tgtEl>
+                                        <p:attrNameLst>
+                                          <p:attrName>style.visibility</p:attrName>
+                                        </p:attrNameLst>
+                                      </p:cBhvr>
+                                      <p:to>
+                                        <p:strVal val="visible"/>
+                                      </p:to>
+                                    </p:set>
+                                  </p:childTnLst>
+                                </p:cTn>
+                              </p:par>
+                            </p:childTnLst>
+                          </p:cTn>
+                        </p:par>
+                      </p:childTnLst>
+                    </p:cTn>
+                  </p:par>
+                  <p:par>
+                    <p:cTn id="11" fill="hold">
+                      <p:stCondLst>
+                        <p:cond delay="indefinite"/>
+                      </p:stCondLst>
+                      <p:childTnLst>
+                        <p:par>
+                          <p:cTn id="12" fill="hold">
+                            <p:stCondLst>
+                              <p:cond delay="0"/>
+                            </p:stCondLst>
+                            <p:childTnLst>
+                              <p:par>
+                                <p:cTn id="13" presetID="1" presetClass="entr" presetSubtype="0" fill="hold" nodeType="clickEffect">
+                                  <p:stCondLst>
+                                    <p:cond delay="0"/>
+                                  </p:stCondLst>
+                                  <p:childTnLst>
+                                    <p:set>
+                                      <p:cBhvr>
+                                        <p:cTn id="14" dur="1" fill="hold">
+                                          <p:stCondLst>
+                                            <p:cond delay="0"/>
+                                          </p:stCondLst>
+                                        </p:cTn>
+                                        <p:tgtEl>
+                                          <p:spTgt spid="10"/>
+                                        </p:tgtEl>
+                                        <p:attrNameLst>
+                                          <p:attrName>style.visibility</p:attrName>
+                                        </p:attrNameLst>
+                                      </p:cBhvr>
+                                      <p:to>
+                                        <p:strVal val="visible"/>
+                                      </p:to>
+                                    </p:set>
+                                  </p:childTnLst>
+                                </p:cTn>
+                              </p:par>
+                            </p:childTnLst>
+                          </p:cTn>
+                        </p:par>
+                      </p:childTnLst>
+                    </p:cTn>
+                  </p:par>
+                  <p:par>
+                    <p:cTn id="15" fill="hold">
+                      <p:stCondLst>
+                        <p:cond delay="indefinite"/>
+                      </p:stCondLst>
+                      <p:childTnLst>
+                        <p:par>
+                          <p:cTn id="16" fill="hold">
+                            <p:stCondLst>
+                              <p:cond delay="0"/>
+                            </p:stCondLst>
+                            <p:childTnLst>
+                              <p:par>
+                                <p:cTn id="17" presetID="1" presetClass="entr" presetSubtype="0" fill="hold" nodeType="clickEffect">
+                                  <p:stCondLst>
+                                    <p:cond delay="0"/>
+                                  </p:stCondLst>
+                                  <p:childTnLst>
+                                    <p:set>
+                                      <p:cBhvr>
+                                        <p:cTn id="18" dur="1" fill="hold">
+                                          <p:stCondLst>
+                                            <p:cond delay="0"/>
+                                          </p:stCondLst>
+                                        </p:cTn>
+                                        <p:tgtEl>
+                                          <p:spTgt spid="11"/>
+                                        </p:tgtEl>
+                                        <p:attrNameLst>
+                                          <p:attrName>style.visibility</p:attrName>
+                                        </p:attrNameLst>
+                                      </p:cBhvr>
+                                      <p:to>
+                                        <p:strVal val="visible"/>
+                                      </p:to>
+                                    </p:set>
+                                  </p:childTnLst>
+                                </p:cTn>
+                              </p:par>
+                            </p:childTnLst>
+                          </p:cTn>
+                        </p:par>
+                      </p:childTnLst>
+                    </p:cTn>
+                  </p:par>
+                </p:childTnLst>
+              </p:cTn>
+              <p:prevCondLst>
+                <p:cond evt="onPrev" delay="0">
+                  <p:tgtEl>
+                    <p:sldTgt/>
+                  </p:tgtEl>
+                </p:cond>
+              </p:prevCondLst>
+              <p:nextCondLst>
+                <p:cond evt="onNext" delay="0">
+                  <p:tgtEl>
+                    <p:sldTgt/>
+                  </p:tgtEl>
+                </p:cond>
+              </p:nextCondLst>
+            </p:seq>
+          </p:childTnLst>
+        </p:cTn>
+      </p:par>
+    </p:tnLst>
+  </p:timing>
+</p:sld>
+</file>
+
+<file path=ppt/slides/slide11.xml><?xml version="1.0" encoding="utf-8"?>
+<p:sld xmlns:a="http://schemas.openxmlformats.org/drawingml/2006/main" xmlns:r="http://schemas.openxmlformats.org/officeDocument/2006/relationships" xmlns:p="http://schemas.openxmlformats.org/presentationml/2006/main">
+  <p:cSld>
+    <p:spTree>
+      <p:nvGrpSpPr>
+        <p:cNvPr id="1" name=""/>
+        <p:cNvGrpSpPr/>
+        <p:nvPr/>
+      </p:nvGrpSpPr>
+      <p:grpSpPr>
+        <a:xfrm>
+          <a:off x="0" y="0"/>
+          <a:ext cx="0" cy="0"/>
+          <a:chOff x="0" y="0"/>
+          <a:chExt cx="0" cy="0"/>
+        </a:xfrm>
+      </p:grpSpPr>
+      <p:sp>
+        <p:nvSpPr>
+          <p:cNvPr id="2" name="Slide Number Placeholder 1">
+            <a:extLst>
+              <a:ext uri="{FF2B5EF4-FFF2-40B4-BE49-F238E27FC236}">
+                <a16:creationId xmlns:a16="http://schemas.microsoft.com/office/drawing/2014/main" id="{252163C1-2528-F420-833D-73BEDE5FBB96}"/>
+              </a:ext>
+            </a:extLst>
+          </p:cNvPr>
+          <p:cNvSpPr>
+            <a:spLocks noGrp="1"/>
+          </p:cNvSpPr>
+          <p:nvPr>
+            <p:ph type="sldNum" sz="quarter" idx="12"/>
+          </p:nvPr>
+        </p:nvSpPr>
+        <p:spPr/>
+        <p:txBody>
+          <a:bodyPr/>
+          <a:lstStyle/>
+          <a:p>
+            <a:fld id="{7A304655-5D53-B746-8252-3F5A598C52D3}" type="slidenum">
+              <a:rPr lang="en-CN" smtClean="0"/>
+              <a:pPr/>
+              <a:t>11</a:t>
+            </a:fld>
+            <a:endParaRPr lang="en-CN"/>
+          </a:p>
+        </p:txBody>
+      </p:sp>
+      <p:sp>
+        <p:nvSpPr>
+          <p:cNvPr id="3" name="Title 2">
+            <a:extLst>
+              <a:ext uri="{FF2B5EF4-FFF2-40B4-BE49-F238E27FC236}">
+                <a16:creationId xmlns:a16="http://schemas.microsoft.com/office/drawing/2014/main" id="{6E579CAA-EC66-9DFA-8A60-0EAC4F6622C0}"/>
+              </a:ext>
+            </a:extLst>
+          </p:cNvPr>
+          <p:cNvSpPr>
+            <a:spLocks noGrp="1"/>
+          </p:cNvSpPr>
+          <p:nvPr>
+            <p:ph type="title"/>
+          </p:nvPr>
+        </p:nvSpPr>
+        <p:spPr/>
+        <p:txBody>
+          <a:bodyPr/>
+          <a:lstStyle/>
+          <a:p>
+            <a:r>
+              <a:rPr kumimoji="1" lang="zh-CN" altLang="en-US" dirty="0"/>
+              <a:t>同态有什么性质</a:t>
+            </a:r>
+            <a:r>
+              <a:rPr kumimoji="1" lang="en-US" altLang="zh-CN" dirty="0"/>
+              <a:t>?</a:t>
+            </a:r>
+            <a:endParaRPr kumimoji="1" lang="zh-CN" altLang="en-US" dirty="0"/>
+          </a:p>
+        </p:txBody>
+      </p:sp>
+      <p:sp>
+        <p:nvSpPr>
+          <p:cNvPr id="5" name="TextBox 4">
+            <a:extLst>
+              <a:ext uri="{FF2B5EF4-FFF2-40B4-BE49-F238E27FC236}">
+                <a16:creationId xmlns:a16="http://schemas.microsoft.com/office/drawing/2014/main" id="{07BFA650-6DFB-98F6-2561-AF9B55F00F26}"/>
+              </a:ext>
+            </a:extLst>
+          </p:cNvPr>
+          <p:cNvSpPr txBox="1"/>
+          <p:nvPr/>
+        </p:nvSpPr>
+        <p:spPr>
+          <a:xfrm>
+            <a:off x="628650" y="1029177"/>
+            <a:ext cx="2056973" cy="369332"/>
+          </a:xfrm>
+          <a:prstGeom prst="rect">
+            <a:avLst/>
+          </a:prstGeom>
+          <a:noFill/>
+        </p:spPr>
+        <p:txBody>
+          <a:bodyPr wrap="none" rtlCol="0">
+            <a:spAutoFit/>
+          </a:bodyPr>
+          <a:lstStyle/>
+          <a:p>
+            <a:r>
+              <a:rPr kumimoji="1" lang="en-US" altLang="zh-CN" dirty="0"/>
+              <a:t>2.</a:t>
+            </a:r>
+            <a:r>
+              <a:rPr kumimoji="1" lang="zh-CN" altLang="en-US" dirty="0"/>
+              <a:t> 同态的基本性质</a:t>
+            </a:r>
+          </a:p>
+        </p:txBody>
+      </p:sp>
+      <p:sp>
+        <p:nvSpPr>
+          <p:cNvPr id="15" name="Oval 14">
+            <a:extLst>
+              <a:ext uri="{FF2B5EF4-FFF2-40B4-BE49-F238E27FC236}">
+                <a16:creationId xmlns:a16="http://schemas.microsoft.com/office/drawing/2014/main" id="{D93EA82F-A87C-E1DB-5129-EF3C86B9AA19}"/>
+              </a:ext>
+            </a:extLst>
+          </p:cNvPr>
+          <p:cNvSpPr/>
+          <p:nvPr/>
+        </p:nvSpPr>
+        <p:spPr>
+          <a:xfrm>
+            <a:off x="6654540" y="1091324"/>
+            <a:ext cx="678873" cy="615095"/>
+          </a:xfrm>
+          <a:prstGeom prst="ellipse">
+            <a:avLst/>
+          </a:prstGeom>
+        </p:spPr>
+        <p:style>
+          <a:lnRef idx="2">
+            <a:schemeClr val="accent2">
+              <a:shade val="50000"/>
+            </a:schemeClr>
+          </a:lnRef>
+          <a:fillRef idx="1">
+            <a:schemeClr val="accent2"/>
+          </a:fillRef>
+          <a:effectRef idx="0">
+            <a:schemeClr val="accent2"/>
+          </a:effectRef>
+          <a:fontRef idx="minor">
+            <a:schemeClr val="lt1"/>
+          </a:fontRef>
+        </p:style>
+        <p:txBody>
+          <a:bodyPr rtlCol="0" anchor="ctr"/>
+          <a:lstStyle/>
+          <a:p>
+            <a:pPr algn="ctr"/>
+            <a:r>
+              <a:rPr kumimoji="1" lang="zh-CN" altLang="en-US" dirty="0"/>
+              <a:t>群</a:t>
+            </a:r>
+          </a:p>
+        </p:txBody>
+      </p:sp>
+      <p:sp>
+        <p:nvSpPr>
+          <p:cNvPr id="16" name="Oval 15">
+            <a:extLst>
+              <a:ext uri="{FF2B5EF4-FFF2-40B4-BE49-F238E27FC236}">
+                <a16:creationId xmlns:a16="http://schemas.microsoft.com/office/drawing/2014/main" id="{E9B59DF9-5E1E-346B-A4BD-387E676246AC}"/>
+              </a:ext>
+            </a:extLst>
+          </p:cNvPr>
+          <p:cNvSpPr/>
+          <p:nvPr/>
+        </p:nvSpPr>
+        <p:spPr>
+          <a:xfrm>
+            <a:off x="6751522" y="1004256"/>
+            <a:ext cx="678873" cy="615095"/>
+          </a:xfrm>
+          <a:prstGeom prst="ellipse">
+            <a:avLst/>
+          </a:prstGeom>
+        </p:spPr>
+        <p:style>
+          <a:lnRef idx="2">
+            <a:schemeClr val="accent2">
+              <a:shade val="50000"/>
+            </a:schemeClr>
+          </a:lnRef>
+          <a:fillRef idx="1">
+            <a:schemeClr val="accent2"/>
+          </a:fillRef>
+          <a:effectRef idx="0">
+            <a:schemeClr val="accent2"/>
+          </a:effectRef>
+          <a:fontRef idx="minor">
+            <a:schemeClr val="lt1"/>
+          </a:fontRef>
+        </p:style>
+        <p:txBody>
+          <a:bodyPr rtlCol="0" anchor="ctr"/>
+          <a:lstStyle/>
+          <a:p>
+            <a:pPr algn="ctr"/>
+            <a:r>
+              <a:rPr kumimoji="1" lang="zh-CN" altLang="en-US" dirty="0"/>
+              <a:t>群</a:t>
+            </a:r>
+          </a:p>
+        </p:txBody>
+      </p:sp>
+      <p:sp>
+        <p:nvSpPr>
+          <p:cNvPr id="17" name="TextBox 16">
+            <a:extLst>
+              <a:ext uri="{FF2B5EF4-FFF2-40B4-BE49-F238E27FC236}">
+                <a16:creationId xmlns:a16="http://schemas.microsoft.com/office/drawing/2014/main" id="{AAA103BB-3748-4859-62F8-9DBAB77C8C0B}"/>
+              </a:ext>
+            </a:extLst>
+          </p:cNvPr>
+          <p:cNvSpPr txBox="1"/>
+          <p:nvPr/>
+        </p:nvSpPr>
+        <p:spPr>
+          <a:xfrm>
+            <a:off x="7430395" y="930170"/>
+            <a:ext cx="1361270" cy="307777"/>
+          </a:xfrm>
+          <a:prstGeom prst="rect">
+            <a:avLst/>
+          </a:prstGeom>
+          <a:noFill/>
+        </p:spPr>
+        <p:txBody>
+          <a:bodyPr wrap="none" rtlCol="0">
+            <a:spAutoFit/>
+          </a:bodyPr>
+          <a:lstStyle/>
+          <a:p>
+            <a:r>
+              <a:rPr kumimoji="1" lang="zh-CN" altLang="en-US" sz="1400" dirty="0"/>
+              <a:t>同构</a:t>
+            </a:r>
+            <a:r>
+              <a:rPr kumimoji="1" lang="en-US" altLang="zh-CN" sz="1400" dirty="0"/>
+              <a:t>:</a:t>
+            </a:r>
+            <a:r>
+              <a:rPr kumimoji="1" lang="zh-CN" altLang="en-US" sz="1400" dirty="0"/>
+              <a:t> 保持运算</a:t>
+            </a:r>
+          </a:p>
+        </p:txBody>
+      </p:sp>
+      <p:sp>
+        <p:nvSpPr>
+          <p:cNvPr id="21" name="TextBox 20">
+            <a:extLst>
+              <a:ext uri="{FF2B5EF4-FFF2-40B4-BE49-F238E27FC236}">
+                <a16:creationId xmlns:a16="http://schemas.microsoft.com/office/drawing/2014/main" id="{5AEB5D18-C2A5-64D2-F103-E7B4B79451EF}"/>
+              </a:ext>
+            </a:extLst>
+          </p:cNvPr>
+          <p:cNvSpPr txBox="1"/>
+          <p:nvPr/>
+        </p:nvSpPr>
+        <p:spPr>
+          <a:xfrm>
+            <a:off x="7422269" y="1247387"/>
+            <a:ext cx="646331" cy="276999"/>
+          </a:xfrm>
+          <a:prstGeom prst="rect">
+            <a:avLst/>
+          </a:prstGeom>
+          <a:noFill/>
+        </p:spPr>
+        <p:txBody>
+          <a:bodyPr wrap="none" rtlCol="0">
+            <a:spAutoFit/>
+          </a:bodyPr>
+          <a:lstStyle/>
+          <a:p>
+            <a:r>
+              <a:rPr kumimoji="1" lang="zh-CN" altLang="en-US" sz="1200" dirty="0"/>
+              <a:t>传递性</a:t>
+            </a:r>
+          </a:p>
+        </p:txBody>
+      </p:sp>
+      <p:sp>
+        <p:nvSpPr>
+          <p:cNvPr id="28" name="TextBox 27">
+            <a:extLst>
+              <a:ext uri="{FF2B5EF4-FFF2-40B4-BE49-F238E27FC236}">
+                <a16:creationId xmlns:a16="http://schemas.microsoft.com/office/drawing/2014/main" id="{C35AE98A-0E89-C7FE-E05E-84CABB11AE2B}"/>
+              </a:ext>
+            </a:extLst>
+          </p:cNvPr>
+          <p:cNvSpPr txBox="1"/>
+          <p:nvPr/>
+        </p:nvSpPr>
+        <p:spPr>
+          <a:xfrm>
+            <a:off x="8145334" y="1260009"/>
+            <a:ext cx="1248048" cy="646331"/>
+          </a:xfrm>
+          <a:prstGeom prst="rect">
+            <a:avLst/>
+          </a:prstGeom>
+          <a:noFill/>
+        </p:spPr>
+        <p:txBody>
+          <a:bodyPr wrap="square" rtlCol="0">
+            <a:spAutoFit/>
+          </a:bodyPr>
+          <a:lstStyle/>
+          <a:p>
+            <a:r>
+              <a:rPr kumimoji="1" lang="zh-CN" altLang="en-US" sz="1200" dirty="0"/>
+              <a:t>元素的映射</a:t>
+            </a:r>
+            <a:endParaRPr kumimoji="1" lang="en-US" altLang="zh-CN" sz="1200" dirty="0"/>
+          </a:p>
+          <a:p>
+            <a:r>
+              <a:rPr kumimoji="1" lang="zh-CN" altLang="en-US" sz="1200" dirty="0"/>
+              <a:t>像</a:t>
+            </a:r>
+            <a:endParaRPr kumimoji="1" lang="en-US" altLang="zh-CN" sz="1200" dirty="0"/>
+          </a:p>
+          <a:p>
+            <a:r>
+              <a:rPr kumimoji="1" lang="zh-CN" altLang="en-US" sz="1200" dirty="0"/>
+              <a:t>核</a:t>
+            </a:r>
+          </a:p>
+        </p:txBody>
+      </p:sp>
+      <p:pic>
+        <p:nvPicPr>
+          <p:cNvPr id="12" name="Picture 11">
+            <a:extLst>
+              <a:ext uri="{FF2B5EF4-FFF2-40B4-BE49-F238E27FC236}">
+                <a16:creationId xmlns:a16="http://schemas.microsoft.com/office/drawing/2014/main" id="{1A97DB72-F33B-4396-8B70-F6C63FBBC40A}"/>
+              </a:ext>
+            </a:extLst>
+          </p:cNvPr>
+          <p:cNvPicPr>
+            <a:picLocks noChangeAspect="1"/>
+          </p:cNvPicPr>
+          <p:nvPr/>
+        </p:nvPicPr>
+        <p:blipFill>
+          <a:blip r:embed="rId2"/>
+          <a:stretch>
+            <a:fillRect/>
+          </a:stretch>
+        </p:blipFill>
+        <p:spPr>
+          <a:xfrm>
+            <a:off x="902537" y="1525340"/>
+            <a:ext cx="1816100" cy="381000"/>
+          </a:xfrm>
+          <a:prstGeom prst="rect">
+            <a:avLst/>
+          </a:prstGeom>
+        </p:spPr>
+      </p:pic>
+      <p:pic>
+        <p:nvPicPr>
+          <p:cNvPr id="13" name="Picture 12">
+            <a:extLst>
+              <a:ext uri="{FF2B5EF4-FFF2-40B4-BE49-F238E27FC236}">
+                <a16:creationId xmlns:a16="http://schemas.microsoft.com/office/drawing/2014/main" id="{E36E7600-3D0E-82B8-4012-B96E9C73D1A7}"/>
+              </a:ext>
+            </a:extLst>
+          </p:cNvPr>
+          <p:cNvPicPr>
+            <a:picLocks noChangeAspect="1"/>
+          </p:cNvPicPr>
+          <p:nvPr/>
+        </p:nvPicPr>
+        <p:blipFill>
+          <a:blip r:embed="rId3"/>
+          <a:stretch>
+            <a:fillRect/>
+          </a:stretch>
+        </p:blipFill>
+        <p:spPr>
+          <a:xfrm>
+            <a:off x="1054937" y="2026244"/>
+            <a:ext cx="3327400" cy="520700"/>
+          </a:xfrm>
+          <a:prstGeom prst="rect">
+            <a:avLst/>
+          </a:prstGeom>
+        </p:spPr>
+      </p:pic>
+      <p:pic>
+        <p:nvPicPr>
+          <p:cNvPr id="14" name="Picture 13">
+            <a:extLst>
+              <a:ext uri="{FF2B5EF4-FFF2-40B4-BE49-F238E27FC236}">
+                <a16:creationId xmlns:a16="http://schemas.microsoft.com/office/drawing/2014/main" id="{4B1E5055-41ED-76A5-3104-3C11ACE230B8}"/>
+              </a:ext>
+            </a:extLst>
+          </p:cNvPr>
+          <p:cNvPicPr>
+            <a:picLocks noChangeAspect="1"/>
+          </p:cNvPicPr>
+          <p:nvPr/>
+        </p:nvPicPr>
+        <p:blipFill>
+          <a:blip r:embed="rId4"/>
+          <a:stretch>
+            <a:fillRect/>
+          </a:stretch>
+        </p:blipFill>
+        <p:spPr>
+          <a:xfrm>
+            <a:off x="4382337" y="2133339"/>
+            <a:ext cx="3873500" cy="558800"/>
+          </a:xfrm>
+          <a:prstGeom prst="rect">
+            <a:avLst/>
+          </a:prstGeom>
+        </p:spPr>
+      </p:pic>
+      <p:pic>
+        <p:nvPicPr>
+          <p:cNvPr id="18" name="Picture 17">
+            <a:extLst>
+              <a:ext uri="{FF2B5EF4-FFF2-40B4-BE49-F238E27FC236}">
+                <a16:creationId xmlns:a16="http://schemas.microsoft.com/office/drawing/2014/main" id="{1741E040-4CAC-1B28-38D9-6F86CF9E185A}"/>
+              </a:ext>
+            </a:extLst>
+          </p:cNvPr>
+          <p:cNvPicPr>
+            <a:picLocks noChangeAspect="1"/>
+          </p:cNvPicPr>
+          <p:nvPr/>
+        </p:nvPicPr>
+        <p:blipFill>
+          <a:blip r:embed="rId5"/>
+          <a:stretch>
+            <a:fillRect/>
+          </a:stretch>
+        </p:blipFill>
+        <p:spPr>
+          <a:xfrm>
+            <a:off x="1810587" y="2522945"/>
+            <a:ext cx="1663700" cy="533400"/>
+          </a:xfrm>
+          <a:prstGeom prst="rect">
+            <a:avLst/>
+          </a:prstGeom>
+        </p:spPr>
+      </p:pic>
+      <p:pic>
+        <p:nvPicPr>
+          <p:cNvPr id="19" name="Picture 18">
+            <a:extLst>
+              <a:ext uri="{FF2B5EF4-FFF2-40B4-BE49-F238E27FC236}">
+                <a16:creationId xmlns:a16="http://schemas.microsoft.com/office/drawing/2014/main" id="{3678378C-773A-4766-1773-0F370EE74ED0}"/>
+              </a:ext>
+            </a:extLst>
+          </p:cNvPr>
+          <p:cNvPicPr>
+            <a:picLocks noChangeAspect="1"/>
+          </p:cNvPicPr>
+          <p:nvPr/>
+        </p:nvPicPr>
+        <p:blipFill>
+          <a:blip r:embed="rId6"/>
+          <a:stretch>
+            <a:fillRect/>
+          </a:stretch>
+        </p:blipFill>
+        <p:spPr>
+          <a:xfrm>
+            <a:off x="1054937" y="3265964"/>
+            <a:ext cx="2197100" cy="533400"/>
+          </a:xfrm>
+          <a:prstGeom prst="rect">
+            <a:avLst/>
+          </a:prstGeom>
+        </p:spPr>
+      </p:pic>
+      <p:sp>
+        <p:nvSpPr>
+          <p:cNvPr id="22" name="Oval 21">
+            <a:extLst>
+              <a:ext uri="{FF2B5EF4-FFF2-40B4-BE49-F238E27FC236}">
+                <a16:creationId xmlns:a16="http://schemas.microsoft.com/office/drawing/2014/main" id="{34EF7ED7-5353-0DD9-FFB5-D97C266B3CF4}"/>
+              </a:ext>
+            </a:extLst>
+          </p:cNvPr>
+          <p:cNvSpPr/>
+          <p:nvPr/>
+        </p:nvSpPr>
+        <p:spPr>
+          <a:xfrm>
+            <a:off x="4007687" y="3357140"/>
+            <a:ext cx="980661" cy="2726175"/>
+          </a:xfrm>
+          <a:prstGeom prst="ellipse">
+            <a:avLst/>
+          </a:prstGeom>
+        </p:spPr>
+        <p:style>
+          <a:lnRef idx="2">
+            <a:schemeClr val="accent6"/>
+          </a:lnRef>
+          <a:fillRef idx="1">
+            <a:schemeClr val="lt1"/>
+          </a:fillRef>
+          <a:effectRef idx="0">
+            <a:schemeClr val="accent6"/>
+          </a:effectRef>
+          <a:fontRef idx="minor">
+            <a:schemeClr val="dk1"/>
+          </a:fontRef>
+        </p:style>
+        <p:txBody>
+          <a:bodyPr rtlCol="0" anchor="ctr"/>
+          <a:lstStyle/>
+          <a:p>
+            <a:pPr algn="ctr"/>
+            <a:endParaRPr kumimoji="1" lang="zh-CN" altLang="en-US"/>
+          </a:p>
+        </p:txBody>
+      </p:sp>
+      <p:sp>
+        <p:nvSpPr>
+          <p:cNvPr id="23" name="TextBox 22">
+            <a:extLst>
+              <a:ext uri="{FF2B5EF4-FFF2-40B4-BE49-F238E27FC236}">
+                <a16:creationId xmlns:a16="http://schemas.microsoft.com/office/drawing/2014/main" id="{88E014DA-7517-BEFE-872B-005EE9615456}"/>
+              </a:ext>
+            </a:extLst>
+          </p:cNvPr>
+          <p:cNvSpPr txBox="1"/>
+          <p:nvPr/>
+        </p:nvSpPr>
+        <p:spPr>
+          <a:xfrm>
+            <a:off x="4310649" y="2999155"/>
+            <a:ext cx="344966" cy="584775"/>
+          </a:xfrm>
+          <a:prstGeom prst="rect">
+            <a:avLst/>
+          </a:prstGeom>
+          <a:noFill/>
+        </p:spPr>
+        <p:txBody>
+          <a:bodyPr wrap="none" rtlCol="0">
+            <a:spAutoFit/>
+          </a:bodyPr>
+          <a:lstStyle/>
+          <a:p>
+            <a:r>
+              <a:rPr kumimoji="1" lang="zh-CN" altLang="en-US" sz="3200" dirty="0"/>
+              <a:t>*</a:t>
+            </a:r>
+          </a:p>
+        </p:txBody>
+      </p:sp>
+      <p:sp>
+        <p:nvSpPr>
+          <p:cNvPr id="24" name="TextBox 23">
+            <a:extLst>
+              <a:ext uri="{FF2B5EF4-FFF2-40B4-BE49-F238E27FC236}">
+                <a16:creationId xmlns:a16="http://schemas.microsoft.com/office/drawing/2014/main" id="{47EBACA6-AF06-9AA0-ADA8-7E375643D58D}"/>
+              </a:ext>
+            </a:extLst>
+          </p:cNvPr>
+          <p:cNvSpPr txBox="1"/>
+          <p:nvPr/>
+        </p:nvSpPr>
+        <p:spPr>
+          <a:xfrm>
+            <a:off x="4308490" y="3704564"/>
+            <a:ext cx="415498" cy="2031325"/>
+          </a:xfrm>
+          <a:prstGeom prst="rect">
+            <a:avLst/>
+          </a:prstGeom>
+          <a:noFill/>
+        </p:spPr>
+        <p:txBody>
+          <a:bodyPr wrap="none" rtlCol="0">
+            <a:spAutoFit/>
+          </a:bodyPr>
+          <a:lstStyle/>
+          <a:p>
+            <a:r>
+              <a:rPr kumimoji="1" lang="en-US" altLang="zh-CN" dirty="0"/>
+              <a:t>○</a:t>
+            </a:r>
+          </a:p>
+          <a:p>
+            <a:r>
+              <a:rPr kumimoji="1" lang="en-US" altLang="zh-CN" dirty="0"/>
+              <a:t>○</a:t>
+            </a:r>
+          </a:p>
+          <a:p>
+            <a:r>
+              <a:rPr kumimoji="1" lang="en-US" altLang="zh-CN" dirty="0"/>
+              <a:t>○</a:t>
+            </a:r>
+          </a:p>
+          <a:p>
+            <a:r>
+              <a:rPr kumimoji="1" lang="en-US" altLang="zh-CN" dirty="0"/>
+              <a:t>○</a:t>
+            </a:r>
+          </a:p>
+          <a:p>
+            <a:r>
+              <a:rPr kumimoji="1" lang="en-US" altLang="zh-CN" dirty="0"/>
+              <a:t>○</a:t>
+            </a:r>
+          </a:p>
+          <a:p>
+            <a:r>
+              <a:rPr kumimoji="1" lang="en-US" altLang="zh-CN" dirty="0"/>
+              <a:t>○</a:t>
+            </a:r>
+          </a:p>
+          <a:p>
+            <a:r>
+              <a:rPr kumimoji="1" lang="en-US" altLang="zh-CN" dirty="0"/>
+              <a:t>○</a:t>
+            </a:r>
+            <a:endParaRPr kumimoji="1" lang="zh-CN" altLang="en-US" dirty="0"/>
+          </a:p>
+        </p:txBody>
+      </p:sp>
+      <p:sp>
+        <p:nvSpPr>
+          <p:cNvPr id="25" name="Oval 24">
+            <a:extLst>
+              <a:ext uri="{FF2B5EF4-FFF2-40B4-BE49-F238E27FC236}">
+                <a16:creationId xmlns:a16="http://schemas.microsoft.com/office/drawing/2014/main" id="{20040E85-EECF-A3AE-A28A-2054D8840B23}"/>
+              </a:ext>
+            </a:extLst>
+          </p:cNvPr>
+          <p:cNvSpPr/>
+          <p:nvPr/>
+        </p:nvSpPr>
+        <p:spPr>
+          <a:xfrm>
+            <a:off x="6359910" y="3357140"/>
+            <a:ext cx="980661" cy="2726175"/>
+          </a:xfrm>
+          <a:prstGeom prst="ellipse">
+            <a:avLst/>
+          </a:prstGeom>
+        </p:spPr>
+        <p:style>
+          <a:lnRef idx="2">
+            <a:schemeClr val="accent6"/>
+          </a:lnRef>
+          <a:fillRef idx="1">
+            <a:schemeClr val="lt1"/>
+          </a:fillRef>
+          <a:effectRef idx="0">
+            <a:schemeClr val="accent6"/>
+          </a:effectRef>
+          <a:fontRef idx="minor">
+            <a:schemeClr val="dk1"/>
+          </a:fontRef>
+        </p:style>
+        <p:txBody>
+          <a:bodyPr rtlCol="0" anchor="ctr"/>
+          <a:lstStyle/>
+          <a:p>
+            <a:pPr algn="ctr"/>
+            <a:endParaRPr kumimoji="1" lang="zh-CN" altLang="en-US"/>
+          </a:p>
+        </p:txBody>
+      </p:sp>
+      <p:sp>
+        <p:nvSpPr>
+          <p:cNvPr id="26" name="TextBox 25">
+            <a:extLst>
+              <a:ext uri="{FF2B5EF4-FFF2-40B4-BE49-F238E27FC236}">
+                <a16:creationId xmlns:a16="http://schemas.microsoft.com/office/drawing/2014/main" id="{18530671-4C5D-3FA3-0A29-4E66A01CEC4D}"/>
+              </a:ext>
+            </a:extLst>
+          </p:cNvPr>
+          <p:cNvSpPr txBox="1"/>
+          <p:nvPr/>
+        </p:nvSpPr>
+        <p:spPr>
+          <a:xfrm>
+            <a:off x="6662872" y="2999155"/>
+            <a:ext cx="344966" cy="584775"/>
+          </a:xfrm>
+          <a:prstGeom prst="rect">
+            <a:avLst/>
+          </a:prstGeom>
+          <a:noFill/>
+        </p:spPr>
+        <p:txBody>
+          <a:bodyPr wrap="none" rtlCol="0">
+            <a:spAutoFit/>
+          </a:bodyPr>
+          <a:lstStyle/>
+          <a:p>
+            <a:r>
+              <a:rPr kumimoji="1" lang="zh-CN" altLang="en-US" sz="3200" dirty="0"/>
+              <a:t>*</a:t>
+            </a:r>
+          </a:p>
+        </p:txBody>
+      </p:sp>
+      <p:sp>
+        <p:nvSpPr>
+          <p:cNvPr id="27" name="TextBox 26">
+            <a:extLst>
+              <a:ext uri="{FF2B5EF4-FFF2-40B4-BE49-F238E27FC236}">
+                <a16:creationId xmlns:a16="http://schemas.microsoft.com/office/drawing/2014/main" id="{6D918C67-B7E0-EBCF-8E69-38BADB9F9966}"/>
+              </a:ext>
+            </a:extLst>
+          </p:cNvPr>
+          <p:cNvSpPr txBox="1"/>
+          <p:nvPr/>
+        </p:nvSpPr>
+        <p:spPr>
+          <a:xfrm>
+            <a:off x="6660713" y="3704564"/>
+            <a:ext cx="415498" cy="2031325"/>
+          </a:xfrm>
+          <a:prstGeom prst="rect">
+            <a:avLst/>
+          </a:prstGeom>
+          <a:noFill/>
+        </p:spPr>
+        <p:txBody>
+          <a:bodyPr wrap="none" rtlCol="0">
+            <a:spAutoFit/>
+          </a:bodyPr>
+          <a:lstStyle/>
+          <a:p>
+            <a:r>
+              <a:rPr kumimoji="1" lang="en-US" altLang="zh-CN" dirty="0"/>
+              <a:t>○</a:t>
+            </a:r>
+          </a:p>
+          <a:p>
+            <a:r>
+              <a:rPr kumimoji="1" lang="en-US" altLang="zh-CN" dirty="0"/>
+              <a:t>○</a:t>
+            </a:r>
+          </a:p>
+          <a:p>
+            <a:r>
+              <a:rPr kumimoji="1" lang="en-US" altLang="zh-CN" dirty="0"/>
+              <a:t>○</a:t>
+            </a:r>
+          </a:p>
+          <a:p>
+            <a:r>
+              <a:rPr kumimoji="1" lang="en-US" altLang="zh-CN" dirty="0"/>
+              <a:t>○</a:t>
+            </a:r>
+          </a:p>
+          <a:p>
+            <a:r>
+              <a:rPr kumimoji="1" lang="en-US" altLang="zh-CN" dirty="0"/>
+              <a:t>○</a:t>
+            </a:r>
+          </a:p>
+          <a:p>
+            <a:r>
+              <a:rPr kumimoji="1" lang="en-US" altLang="zh-CN" dirty="0"/>
+              <a:t>○</a:t>
+            </a:r>
+          </a:p>
+          <a:p>
+            <a:r>
+              <a:rPr kumimoji="1" lang="en-US" altLang="zh-CN" dirty="0"/>
+              <a:t>○</a:t>
+            </a:r>
+            <a:endParaRPr kumimoji="1" lang="zh-CN" altLang="en-US" dirty="0"/>
+          </a:p>
+        </p:txBody>
+      </p:sp>
+      <mc:AlternateContent xmlns:mc="http://schemas.openxmlformats.org/markup-compatibility/2006">
+        <mc:Choice xmlns:a14="http://schemas.microsoft.com/office/drawing/2010/main" Requires="a14">
+          <p:sp>
+            <p:nvSpPr>
+              <p:cNvPr id="29" name="TextBox 28">
+                <a:extLst>
+                  <a:ext uri="{FF2B5EF4-FFF2-40B4-BE49-F238E27FC236}">
+                    <a16:creationId xmlns:a16="http://schemas.microsoft.com/office/drawing/2014/main" id="{71F66CEE-60CA-7BFE-9A87-0FB928A63102}"/>
+                  </a:ext>
+                </a:extLst>
+              </p:cNvPr>
+              <p:cNvSpPr txBox="1"/>
+              <p:nvPr/>
+            </p:nvSpPr>
+            <p:spPr>
+              <a:xfrm>
+                <a:off x="4655615" y="5743177"/>
+                <a:ext cx="489942" cy="369332"/>
+              </a:xfrm>
+              <a:prstGeom prst="rect">
+                <a:avLst/>
+              </a:prstGeom>
+              <a:noFill/>
+            </p:spPr>
+            <p:txBody>
+              <a:bodyPr wrap="none" rtlCol="0">
+                <a:spAutoFit/>
+              </a:bodyPr>
+              <a:lstStyle/>
+              <a:p>
+                <a:pPr/>
+                <a14:m>
+                  <m:oMathPara xmlns:m="http://schemas.openxmlformats.org/officeDocument/2006/math">
+                    <m:oMathParaPr>
+                      <m:jc m:val="centerGroup"/>
+                    </m:oMathParaPr>
+                    <m:oMath xmlns:m="http://schemas.openxmlformats.org/officeDocument/2006/math">
+                      <m:sSub>
+                        <m:sSubPr>
+                          <m:ctrlPr>
+                            <a:rPr kumimoji="1" lang="en-US" altLang="zh-CN" i="1" smtClean="0">
+                              <a:latin typeface="Cambria Math" panose="02040503050406030204" pitchFamily="18" charset="0"/>
+                            </a:rPr>
+                          </m:ctrlPr>
+                        </m:sSubPr>
+                        <m:e>
+                          <m:r>
+                            <a:rPr kumimoji="1" lang="en-US" altLang="zh-CN" i="1">
+                              <a:latin typeface="Cambria Math" panose="02040503050406030204" pitchFamily="18" charset="0"/>
+                            </a:rPr>
+                            <m:t>𝐺</m:t>
+                          </m:r>
+                        </m:e>
+                        <m:sub>
+                          <m:r>
+                            <a:rPr kumimoji="1" lang="en-US" altLang="zh-CN" b="0" i="1" smtClean="0">
+                              <a:latin typeface="Cambria Math" panose="02040503050406030204" pitchFamily="18" charset="0"/>
+                            </a:rPr>
+                            <m:t>1</m:t>
+                          </m:r>
+                        </m:sub>
+                      </m:sSub>
+                    </m:oMath>
+                  </m:oMathPara>
+                </a14:m>
+                <a:endParaRPr kumimoji="1" lang="zh-CN" altLang="en-US" dirty="0"/>
+              </a:p>
+            </p:txBody>
+          </p:sp>
+        </mc:Choice>
+        <mc:Fallback>
+          <p:sp>
+            <p:nvSpPr>
+              <p:cNvPr id="29" name="TextBox 28">
+                <a:extLst>
+                  <a:ext uri="{FF2B5EF4-FFF2-40B4-BE49-F238E27FC236}">
+                    <a16:creationId xmlns:a16="http://schemas.microsoft.com/office/drawing/2014/main" id="{71F66CEE-60CA-7BFE-9A87-0FB928A63102}"/>
+                  </a:ext>
+                </a:extLst>
+              </p:cNvPr>
+              <p:cNvSpPr txBox="1">
+                <a:spLocks noRot="1" noChangeAspect="1" noMove="1" noResize="1" noEditPoints="1" noAdjustHandles="1" noChangeArrowheads="1" noChangeShapeType="1" noTextEdit="1"/>
+              </p:cNvSpPr>
+              <p:nvPr/>
+            </p:nvSpPr>
+            <p:spPr>
+              <a:xfrm>
+                <a:off x="4655615" y="5743177"/>
+                <a:ext cx="489942" cy="369332"/>
+              </a:xfrm>
+              <a:prstGeom prst="rect">
+                <a:avLst/>
+              </a:prstGeom>
+              <a:blipFill>
+                <a:blip r:embed="rId7"/>
+                <a:stretch>
+                  <a:fillRect/>
+                </a:stretch>
+              </a:blipFill>
+            </p:spPr>
+            <p:txBody>
+              <a:bodyPr/>
+              <a:lstStyle/>
+              <a:p>
+                <a:r>
+                  <a:rPr lang="zh-CN" altLang="en-US">
+                    <a:noFill/>
+                  </a:rPr>
+                  <a:t> </a:t>
+                </a:r>
+              </a:p>
+            </p:txBody>
+          </p:sp>
+        </mc:Fallback>
+      </mc:AlternateContent>
+      <mc:AlternateContent xmlns:mc="http://schemas.openxmlformats.org/markup-compatibility/2006">
+        <mc:Choice xmlns:a14="http://schemas.microsoft.com/office/drawing/2010/main" Requires="a14">
+          <p:sp>
+            <p:nvSpPr>
+              <p:cNvPr id="30" name="TextBox 29">
+                <a:extLst>
+                  <a:ext uri="{FF2B5EF4-FFF2-40B4-BE49-F238E27FC236}">
+                    <a16:creationId xmlns:a16="http://schemas.microsoft.com/office/drawing/2014/main" id="{5FE25567-AB9B-BF05-932C-B2351769D863}"/>
+                  </a:ext>
+                </a:extLst>
+              </p:cNvPr>
+              <p:cNvSpPr txBox="1"/>
+              <p:nvPr/>
+            </p:nvSpPr>
+            <p:spPr>
+              <a:xfrm>
+                <a:off x="7062193" y="5735889"/>
+                <a:ext cx="495264" cy="369332"/>
+              </a:xfrm>
+              <a:prstGeom prst="rect">
+                <a:avLst/>
+              </a:prstGeom>
+              <a:noFill/>
+            </p:spPr>
+            <p:txBody>
+              <a:bodyPr wrap="none" rtlCol="0">
+                <a:spAutoFit/>
+              </a:bodyPr>
+              <a:lstStyle/>
+              <a:p>
+                <a:pPr/>
+                <a14:m>
+                  <m:oMathPara xmlns:m="http://schemas.openxmlformats.org/officeDocument/2006/math">
+                    <m:oMathParaPr>
+                      <m:jc m:val="centerGroup"/>
+                    </m:oMathParaPr>
+                    <m:oMath xmlns:m="http://schemas.openxmlformats.org/officeDocument/2006/math">
+                      <m:sSub>
+                        <m:sSubPr>
+                          <m:ctrlPr>
+                            <a:rPr kumimoji="1" lang="en-US" altLang="zh-CN" b="0" i="1" smtClean="0">
+                              <a:latin typeface="Cambria Math" panose="02040503050406030204" pitchFamily="18" charset="0"/>
+                            </a:rPr>
+                          </m:ctrlPr>
+                        </m:sSubPr>
+                        <m:e>
+                          <m:r>
+                            <a:rPr kumimoji="1" lang="en-US" altLang="zh-CN" b="0" i="1" smtClean="0">
+                              <a:latin typeface="Cambria Math" panose="02040503050406030204" pitchFamily="18" charset="0"/>
+                            </a:rPr>
+                            <m:t>𝐺</m:t>
+                          </m:r>
+                        </m:e>
+                        <m:sub>
+                          <m:r>
+                            <a:rPr kumimoji="1" lang="en-US" altLang="zh-CN" b="0" i="1" smtClean="0">
+                              <a:latin typeface="Cambria Math" panose="02040503050406030204" pitchFamily="18" charset="0"/>
+                            </a:rPr>
+                            <m:t>2</m:t>
+                          </m:r>
+                        </m:sub>
+                      </m:sSub>
+                    </m:oMath>
+                  </m:oMathPara>
+                </a14:m>
+                <a:endParaRPr kumimoji="1" lang="zh-CN" altLang="en-US" dirty="0"/>
+              </a:p>
+            </p:txBody>
+          </p:sp>
+        </mc:Choice>
+        <mc:Fallback>
+          <p:sp>
+            <p:nvSpPr>
+              <p:cNvPr id="30" name="TextBox 29">
+                <a:extLst>
+                  <a:ext uri="{FF2B5EF4-FFF2-40B4-BE49-F238E27FC236}">
+                    <a16:creationId xmlns:a16="http://schemas.microsoft.com/office/drawing/2014/main" id="{5FE25567-AB9B-BF05-932C-B2351769D863}"/>
+                  </a:ext>
+                </a:extLst>
+              </p:cNvPr>
+              <p:cNvSpPr txBox="1">
+                <a:spLocks noRot="1" noChangeAspect="1" noMove="1" noResize="1" noEditPoints="1" noAdjustHandles="1" noChangeArrowheads="1" noChangeShapeType="1" noTextEdit="1"/>
+              </p:cNvSpPr>
+              <p:nvPr/>
+            </p:nvSpPr>
+            <p:spPr>
+              <a:xfrm>
+                <a:off x="7062193" y="5735889"/>
+                <a:ext cx="495264" cy="369332"/>
+              </a:xfrm>
+              <a:prstGeom prst="rect">
+                <a:avLst/>
+              </a:prstGeom>
+              <a:blipFill>
+                <a:blip r:embed="rId8"/>
+                <a:stretch>
+                  <a:fillRect/>
+                </a:stretch>
+              </a:blipFill>
+            </p:spPr>
+            <p:txBody>
+              <a:bodyPr/>
+              <a:lstStyle/>
+              <a:p>
+                <a:r>
+                  <a:rPr lang="zh-CN" altLang="en-US">
+                    <a:noFill/>
+                  </a:rPr>
+                  <a:t> </a:t>
+                </a:r>
+              </a:p>
+            </p:txBody>
+          </p:sp>
+        </mc:Fallback>
+      </mc:AlternateContent>
+      <p:cxnSp>
+        <p:nvCxnSpPr>
+          <p:cNvPr id="31" name="Straight Arrow Connector 30">
+            <a:extLst>
+              <a:ext uri="{FF2B5EF4-FFF2-40B4-BE49-F238E27FC236}">
+                <a16:creationId xmlns:a16="http://schemas.microsoft.com/office/drawing/2014/main" id="{A8D318D5-E889-B3C9-6C7C-5CABA8839EB3}"/>
+              </a:ext>
+            </a:extLst>
+          </p:cNvPr>
+          <p:cNvCxnSpPr/>
+          <p:nvPr/>
+        </p:nvCxnSpPr>
+        <p:spPr>
+          <a:xfrm>
+            <a:off x="4655615" y="3848583"/>
+            <a:ext cx="2179740" cy="0"/>
+          </a:xfrm>
+          <a:prstGeom prst="straightConnector1">
+            <a:avLst/>
+          </a:prstGeom>
+          <a:ln>
+            <a:tailEnd type="triangle"/>
+          </a:ln>
+        </p:spPr>
+        <p:style>
+          <a:lnRef idx="1">
+            <a:schemeClr val="accent1"/>
+          </a:lnRef>
+          <a:fillRef idx="0">
+            <a:schemeClr val="accent1"/>
+          </a:fillRef>
+          <a:effectRef idx="0">
+            <a:schemeClr val="accent1"/>
+          </a:effectRef>
+          <a:fontRef idx="minor">
+            <a:schemeClr val="tx1"/>
+          </a:fontRef>
+        </p:style>
+      </p:cxnSp>
+      <p:cxnSp>
+        <p:nvCxnSpPr>
+          <p:cNvPr id="32" name="Straight Arrow Connector 31">
+            <a:extLst>
+              <a:ext uri="{FF2B5EF4-FFF2-40B4-BE49-F238E27FC236}">
+                <a16:creationId xmlns:a16="http://schemas.microsoft.com/office/drawing/2014/main" id="{702707E4-A503-7BEC-66E0-F7A886432FE5}"/>
+              </a:ext>
+            </a:extLst>
+          </p:cNvPr>
+          <p:cNvCxnSpPr/>
+          <p:nvPr/>
+        </p:nvCxnSpPr>
+        <p:spPr>
+          <a:xfrm>
+            <a:off x="4516239" y="4139528"/>
+            <a:ext cx="2179740" cy="0"/>
+          </a:xfrm>
+          <a:prstGeom prst="straightConnector1">
+            <a:avLst/>
+          </a:prstGeom>
+          <a:ln>
+            <a:tailEnd type="triangle"/>
+          </a:ln>
+        </p:spPr>
+        <p:style>
+          <a:lnRef idx="1">
+            <a:schemeClr val="accent1"/>
+          </a:lnRef>
+          <a:fillRef idx="0">
+            <a:schemeClr val="accent1"/>
+          </a:fillRef>
+          <a:effectRef idx="0">
+            <a:schemeClr val="accent1"/>
+          </a:effectRef>
+          <a:fontRef idx="minor">
+            <a:schemeClr val="tx1"/>
+          </a:fontRef>
+        </p:style>
+      </p:cxnSp>
+      <p:cxnSp>
+        <p:nvCxnSpPr>
+          <p:cNvPr id="33" name="Straight Arrow Connector 32">
+            <a:extLst>
+              <a:ext uri="{FF2B5EF4-FFF2-40B4-BE49-F238E27FC236}">
+                <a16:creationId xmlns:a16="http://schemas.microsoft.com/office/drawing/2014/main" id="{03E80D5A-0288-EDA9-020F-D790DDAEF29E}"/>
+              </a:ext>
+            </a:extLst>
+          </p:cNvPr>
+          <p:cNvCxnSpPr/>
+          <p:nvPr/>
+        </p:nvCxnSpPr>
+        <p:spPr>
+          <a:xfrm>
+            <a:off x="4585869" y="4430474"/>
+            <a:ext cx="2179740" cy="0"/>
+          </a:xfrm>
+          <a:prstGeom prst="straightConnector1">
+            <a:avLst/>
+          </a:prstGeom>
+          <a:ln>
+            <a:tailEnd type="triangle"/>
+          </a:ln>
+        </p:spPr>
+        <p:style>
+          <a:lnRef idx="1">
+            <a:schemeClr val="accent1"/>
+          </a:lnRef>
+          <a:fillRef idx="0">
+            <a:schemeClr val="accent1"/>
+          </a:fillRef>
+          <a:effectRef idx="0">
+            <a:schemeClr val="accent1"/>
+          </a:effectRef>
+          <a:fontRef idx="minor">
+            <a:schemeClr val="tx1"/>
+          </a:fontRef>
+        </p:style>
+      </p:cxnSp>
+      <p:cxnSp>
+        <p:nvCxnSpPr>
+          <p:cNvPr id="34" name="Straight Arrow Connector 33">
+            <a:extLst>
+              <a:ext uri="{FF2B5EF4-FFF2-40B4-BE49-F238E27FC236}">
+                <a16:creationId xmlns:a16="http://schemas.microsoft.com/office/drawing/2014/main" id="{C2E40B56-A0C2-8F47-2691-DEE98AE0ADAF}"/>
+              </a:ext>
+            </a:extLst>
+          </p:cNvPr>
+          <p:cNvCxnSpPr/>
+          <p:nvPr/>
+        </p:nvCxnSpPr>
+        <p:spPr>
+          <a:xfrm>
+            <a:off x="4625274" y="4720226"/>
+            <a:ext cx="2179740" cy="0"/>
+          </a:xfrm>
+          <a:prstGeom prst="straightConnector1">
+            <a:avLst/>
+          </a:prstGeom>
+          <a:ln>
+            <a:tailEnd type="triangle"/>
+          </a:ln>
+        </p:spPr>
+        <p:style>
+          <a:lnRef idx="1">
+            <a:schemeClr val="accent1"/>
+          </a:lnRef>
+          <a:fillRef idx="0">
+            <a:schemeClr val="accent1"/>
+          </a:fillRef>
+          <a:effectRef idx="0">
+            <a:schemeClr val="accent1"/>
+          </a:effectRef>
+          <a:fontRef idx="minor">
+            <a:schemeClr val="tx1"/>
+          </a:fontRef>
+        </p:style>
+      </p:cxnSp>
+      <p:cxnSp>
+        <p:nvCxnSpPr>
+          <p:cNvPr id="35" name="Straight Arrow Connector 34">
+            <a:extLst>
+              <a:ext uri="{FF2B5EF4-FFF2-40B4-BE49-F238E27FC236}">
+                <a16:creationId xmlns:a16="http://schemas.microsoft.com/office/drawing/2014/main" id="{48A10FB0-C2C2-9AE1-31C3-38DE66F80F87}"/>
+              </a:ext>
+            </a:extLst>
+          </p:cNvPr>
+          <p:cNvCxnSpPr>
+            <a:cxnSpLocks/>
+          </p:cNvCxnSpPr>
+          <p:nvPr/>
+        </p:nvCxnSpPr>
+        <p:spPr>
+          <a:xfrm flipV="1">
+            <a:off x="4585869" y="4970801"/>
+            <a:ext cx="2179740" cy="275898"/>
+          </a:xfrm>
+          <a:prstGeom prst="straightConnector1">
+            <a:avLst/>
+          </a:prstGeom>
+          <a:ln>
+            <a:tailEnd type="triangle"/>
+          </a:ln>
+        </p:spPr>
+        <p:style>
+          <a:lnRef idx="1">
+            <a:schemeClr val="accent1"/>
+          </a:lnRef>
+          <a:fillRef idx="0">
+            <a:schemeClr val="accent1"/>
+          </a:fillRef>
+          <a:effectRef idx="0">
+            <a:schemeClr val="accent1"/>
+          </a:effectRef>
+          <a:fontRef idx="minor">
+            <a:schemeClr val="tx1"/>
+          </a:fontRef>
+        </p:style>
+      </p:cxnSp>
+      <p:cxnSp>
+        <p:nvCxnSpPr>
+          <p:cNvPr id="36" name="Straight Arrow Connector 35">
+            <a:extLst>
+              <a:ext uri="{FF2B5EF4-FFF2-40B4-BE49-F238E27FC236}">
+                <a16:creationId xmlns:a16="http://schemas.microsoft.com/office/drawing/2014/main" id="{0F42D947-7040-64C0-B091-1BEDC59C0C56}"/>
+              </a:ext>
+            </a:extLst>
+          </p:cNvPr>
+          <p:cNvCxnSpPr>
+            <a:cxnSpLocks/>
+          </p:cNvCxnSpPr>
+          <p:nvPr/>
+        </p:nvCxnSpPr>
+        <p:spPr>
+          <a:xfrm flipV="1">
+            <a:off x="4597565" y="4703397"/>
+            <a:ext cx="2179740" cy="275898"/>
+          </a:xfrm>
+          <a:prstGeom prst="straightConnector1">
+            <a:avLst/>
+          </a:prstGeom>
+          <a:ln>
+            <a:tailEnd type="triangle"/>
+          </a:ln>
+        </p:spPr>
+        <p:style>
+          <a:lnRef idx="1">
+            <a:schemeClr val="accent1"/>
+          </a:lnRef>
+          <a:fillRef idx="0">
+            <a:schemeClr val="accent1"/>
+          </a:fillRef>
+          <a:effectRef idx="0">
+            <a:schemeClr val="accent1"/>
+          </a:effectRef>
+          <a:fontRef idx="minor">
+            <a:schemeClr val="tx1"/>
+          </a:fontRef>
+        </p:style>
+      </p:cxnSp>
+      <p:cxnSp>
+        <p:nvCxnSpPr>
+          <p:cNvPr id="37" name="Straight Arrow Connector 36">
+            <a:extLst>
+              <a:ext uri="{FF2B5EF4-FFF2-40B4-BE49-F238E27FC236}">
+                <a16:creationId xmlns:a16="http://schemas.microsoft.com/office/drawing/2014/main" id="{A1C5BCA6-610B-CCD1-B1FE-78220A4549DE}"/>
+              </a:ext>
+            </a:extLst>
+          </p:cNvPr>
+          <p:cNvCxnSpPr>
+            <a:cxnSpLocks/>
+          </p:cNvCxnSpPr>
+          <p:nvPr/>
+        </p:nvCxnSpPr>
+        <p:spPr>
+          <a:xfrm flipV="1">
+            <a:off x="4597363" y="4755991"/>
+            <a:ext cx="2207651" cy="775696"/>
+          </a:xfrm>
+          <a:prstGeom prst="straightConnector1">
+            <a:avLst/>
+          </a:prstGeom>
+          <a:ln>
+            <a:tailEnd type="triangle"/>
+          </a:ln>
+        </p:spPr>
+        <p:style>
+          <a:lnRef idx="1">
+            <a:schemeClr val="accent1"/>
+          </a:lnRef>
+          <a:fillRef idx="0">
+            <a:schemeClr val="accent1"/>
+          </a:fillRef>
+          <a:effectRef idx="0">
+            <a:schemeClr val="accent1"/>
+          </a:effectRef>
+          <a:fontRef idx="minor">
+            <a:schemeClr val="tx1"/>
+          </a:fontRef>
+        </p:style>
+      </p:cxnSp>
+      <mc:AlternateContent xmlns:mc="http://schemas.openxmlformats.org/markup-compatibility/2006">
+        <mc:Choice xmlns:a14="http://schemas.microsoft.com/office/drawing/2010/main" Requires="a14">
+          <p:sp>
+            <p:nvSpPr>
+              <p:cNvPr id="38" name="TextBox 37">
+                <a:extLst>
+                  <a:ext uri="{FF2B5EF4-FFF2-40B4-BE49-F238E27FC236}">
+                    <a16:creationId xmlns:a16="http://schemas.microsoft.com/office/drawing/2014/main" id="{2872853D-F15B-CEBB-14EC-3C4DF0A390D5}"/>
+                  </a:ext>
+                </a:extLst>
+              </p:cNvPr>
+              <p:cNvSpPr txBox="1"/>
+              <p:nvPr/>
+            </p:nvSpPr>
+            <p:spPr>
+              <a:xfrm>
+                <a:off x="5532470" y="3485208"/>
+                <a:ext cx="382156" cy="369332"/>
+              </a:xfrm>
+              <a:prstGeom prst="rect">
+                <a:avLst/>
+              </a:prstGeom>
+              <a:noFill/>
+            </p:spPr>
+            <p:txBody>
+              <a:bodyPr wrap="none" rtlCol="0">
+                <a:spAutoFit/>
+              </a:bodyPr>
+              <a:lstStyle/>
+              <a:p>
+                <a:pPr/>
+                <a14:m>
+                  <m:oMathPara xmlns:m="http://schemas.openxmlformats.org/officeDocument/2006/math">
+                    <m:oMathParaPr>
+                      <m:jc m:val="centerGroup"/>
+                    </m:oMathParaPr>
+                    <m:oMath xmlns:m="http://schemas.openxmlformats.org/officeDocument/2006/math">
+                      <m:r>
+                        <a:rPr kumimoji="1" lang="en-US" altLang="zh-CN" b="0" i="1" smtClean="0">
+                          <a:latin typeface="Cambria Math" panose="02040503050406030204" pitchFamily="18" charset="0"/>
+                        </a:rPr>
+                        <m:t>𝑓</m:t>
+                      </m:r>
+                    </m:oMath>
+                  </m:oMathPara>
+                </a14:m>
+                <a:endParaRPr kumimoji="1" lang="zh-CN" altLang="en-US" dirty="0"/>
+              </a:p>
+            </p:txBody>
+          </p:sp>
+        </mc:Choice>
+        <mc:Fallback>
+          <p:sp>
+            <p:nvSpPr>
+              <p:cNvPr id="38" name="TextBox 37">
+                <a:extLst>
+                  <a:ext uri="{FF2B5EF4-FFF2-40B4-BE49-F238E27FC236}">
+                    <a16:creationId xmlns:a16="http://schemas.microsoft.com/office/drawing/2014/main" id="{2872853D-F15B-CEBB-14EC-3C4DF0A390D5}"/>
+                  </a:ext>
+                </a:extLst>
+              </p:cNvPr>
+              <p:cNvSpPr txBox="1">
+                <a:spLocks noRot="1" noChangeAspect="1" noMove="1" noResize="1" noEditPoints="1" noAdjustHandles="1" noChangeArrowheads="1" noChangeShapeType="1" noTextEdit="1"/>
+              </p:cNvSpPr>
+              <p:nvPr/>
+            </p:nvSpPr>
+            <p:spPr>
+              <a:xfrm>
+                <a:off x="5532470" y="3485208"/>
+                <a:ext cx="382156" cy="369332"/>
+              </a:xfrm>
+              <a:prstGeom prst="rect">
+                <a:avLst/>
+              </a:prstGeom>
+              <a:blipFill>
+                <a:blip r:embed="rId9"/>
+                <a:stretch>
+                  <a:fillRect b="-16667"/>
+                </a:stretch>
+              </a:blipFill>
+            </p:spPr>
+            <p:txBody>
+              <a:bodyPr/>
+              <a:lstStyle/>
+              <a:p>
+                <a:r>
+                  <a:rPr lang="zh-CN" altLang="en-US">
+                    <a:noFill/>
+                  </a:rPr>
+                  <a:t> </a:t>
+                </a:r>
+              </a:p>
+            </p:txBody>
+          </p:sp>
+        </mc:Fallback>
+      </mc:AlternateContent>
+      <p:sp>
+        <p:nvSpPr>
+          <p:cNvPr id="39" name="Oval 38">
+            <a:extLst>
+              <a:ext uri="{FF2B5EF4-FFF2-40B4-BE49-F238E27FC236}">
+                <a16:creationId xmlns:a16="http://schemas.microsoft.com/office/drawing/2014/main" id="{607503D6-5547-E4F0-0670-7733DB536916}"/>
+              </a:ext>
+            </a:extLst>
+          </p:cNvPr>
+          <p:cNvSpPr/>
+          <p:nvPr/>
+        </p:nvSpPr>
+        <p:spPr>
+          <a:xfrm>
+            <a:off x="6548691" y="4774507"/>
+            <a:ext cx="637309" cy="369332"/>
+          </a:xfrm>
+          <a:prstGeom prst="ellipse">
+            <a:avLst/>
+          </a:prstGeom>
+          <a:solidFill>
+            <a:srgbClr val="FFFF00">
+              <a:alpha val="58291"/>
+            </a:srgbClr>
+          </a:solidFill>
+        </p:spPr>
+        <p:style>
+          <a:lnRef idx="2">
+            <a:schemeClr val="accent1">
+              <a:shade val="50000"/>
+            </a:schemeClr>
+          </a:lnRef>
+          <a:fillRef idx="1">
+            <a:schemeClr val="accent1"/>
+          </a:fillRef>
+          <a:effectRef idx="0">
+            <a:schemeClr val="accent1"/>
+          </a:effectRef>
+          <a:fontRef idx="minor">
+            <a:schemeClr val="lt1"/>
+          </a:fontRef>
+        </p:style>
+        <p:txBody>
+          <a:bodyPr rtlCol="0" anchor="ctr"/>
+          <a:lstStyle/>
+          <a:p>
+            <a:pPr algn="ctr"/>
+            <a:r>
+              <a:rPr kumimoji="1" lang="en-US" altLang="zh-CN" dirty="0">
+                <a:solidFill>
+                  <a:schemeClr val="tx1"/>
+                </a:solidFill>
+              </a:rPr>
+              <a:t>e</a:t>
+            </a:r>
+            <a:endParaRPr kumimoji="1" lang="zh-CN" altLang="en-US" dirty="0">
+              <a:solidFill>
+                <a:schemeClr val="tx1"/>
+              </a:solidFill>
+            </a:endParaRPr>
+          </a:p>
+        </p:txBody>
+      </p:sp>
+      <p:sp>
+        <p:nvSpPr>
+          <p:cNvPr id="40" name="Freeform 39">
+            <a:extLst>
+              <a:ext uri="{FF2B5EF4-FFF2-40B4-BE49-F238E27FC236}">
+                <a16:creationId xmlns:a16="http://schemas.microsoft.com/office/drawing/2014/main" id="{43204B5F-1F35-93FD-6D66-272B8774BB64}"/>
+              </a:ext>
+            </a:extLst>
+          </p:cNvPr>
+          <p:cNvSpPr/>
+          <p:nvPr/>
+        </p:nvSpPr>
+        <p:spPr>
+          <a:xfrm>
+            <a:off x="7158291" y="3405237"/>
+            <a:ext cx="983673" cy="651164"/>
+          </a:xfrm>
+          <a:custGeom>
+            <a:avLst/>
+            <a:gdLst>
+              <a:gd name="connsiteX0" fmla="*/ 983673 w 983673"/>
+              <a:gd name="connsiteY0" fmla="*/ 0 h 651164"/>
+              <a:gd name="connsiteX1" fmla="*/ 374073 w 983673"/>
+              <a:gd name="connsiteY1" fmla="*/ 138546 h 651164"/>
+              <a:gd name="connsiteX2" fmla="*/ 803564 w 983673"/>
+              <a:gd name="connsiteY2" fmla="*/ 263236 h 651164"/>
+              <a:gd name="connsiteX3" fmla="*/ 304800 w 983673"/>
+              <a:gd name="connsiteY3" fmla="*/ 387927 h 651164"/>
+              <a:gd name="connsiteX4" fmla="*/ 581891 w 983673"/>
+              <a:gd name="connsiteY4" fmla="*/ 457200 h 651164"/>
+              <a:gd name="connsiteX5" fmla="*/ 0 w 983673"/>
+              <a:gd name="connsiteY5" fmla="*/ 651164 h 651164"/>
+            </a:gdLst>
+            <a:ahLst/>
+            <a:cxnLst>
+              <a:cxn ang="0">
+                <a:pos x="connsiteX0" y="connsiteY0"/>
+              </a:cxn>
+              <a:cxn ang="0">
+                <a:pos x="connsiteX1" y="connsiteY1"/>
+              </a:cxn>
+              <a:cxn ang="0">
+                <a:pos x="connsiteX2" y="connsiteY2"/>
+              </a:cxn>
+              <a:cxn ang="0">
+                <a:pos x="connsiteX3" y="connsiteY3"/>
+              </a:cxn>
+              <a:cxn ang="0">
+                <a:pos x="connsiteX4" y="connsiteY4"/>
+              </a:cxn>
+              <a:cxn ang="0">
+                <a:pos x="connsiteX5" y="connsiteY5"/>
+              </a:cxn>
+            </a:cxnLst>
+            <a:rect l="l" t="t" r="r" b="b"/>
+            <a:pathLst>
+              <a:path w="983673" h="651164">
+                <a:moveTo>
+                  <a:pt x="983673" y="0"/>
+                </a:moveTo>
+                <a:lnTo>
+                  <a:pt x="374073" y="138546"/>
+                </a:lnTo>
+                <a:lnTo>
+                  <a:pt x="803564" y="263236"/>
+                </a:lnTo>
+                <a:lnTo>
+                  <a:pt x="304800" y="387927"/>
+                </a:lnTo>
+                <a:lnTo>
+                  <a:pt x="581891" y="457200"/>
+                </a:lnTo>
+                <a:lnTo>
+                  <a:pt x="0" y="651164"/>
+                </a:lnTo>
+              </a:path>
+            </a:pathLst>
+          </a:custGeom>
+          <a:noFill/>
+          <a:ln w="38100">
+            <a:solidFill>
+              <a:schemeClr val="accent1"/>
+            </a:solidFill>
+            <a:headEnd type="none" w="med" len="med"/>
+            <a:tailEnd type="triangle" w="med" len="med"/>
+          </a:ln>
+        </p:spPr>
+        <p:style>
+          <a:lnRef idx="2">
+            <a:schemeClr val="accent1">
+              <a:shade val="50000"/>
+            </a:schemeClr>
+          </a:lnRef>
+          <a:fillRef idx="1">
+            <a:schemeClr val="accent1"/>
+          </a:fillRef>
+          <a:effectRef idx="0">
+            <a:schemeClr val="accent1"/>
+          </a:effectRef>
+          <a:fontRef idx="minor">
+            <a:schemeClr val="lt1"/>
+          </a:fontRef>
+        </p:style>
+        <p:txBody>
+          <a:bodyPr rtlCol="0" anchor="ctr"/>
+          <a:lstStyle/>
+          <a:p>
+            <a:pPr algn="ctr"/>
+            <a:endParaRPr kumimoji="1" lang="zh-CN" altLang="en-US"/>
+          </a:p>
+        </p:txBody>
+      </p:sp>
+      <mc:AlternateContent xmlns:mc="http://schemas.openxmlformats.org/markup-compatibility/2006">
+        <mc:Choice xmlns:a14="http://schemas.microsoft.com/office/drawing/2010/main" Requires="a14">
+          <p:sp>
+            <p:nvSpPr>
+              <p:cNvPr id="41" name="TextBox 40">
+                <a:extLst>
+                  <a:ext uri="{FF2B5EF4-FFF2-40B4-BE49-F238E27FC236}">
+                    <a16:creationId xmlns:a16="http://schemas.microsoft.com/office/drawing/2014/main" id="{C38A80AD-629B-1ECB-E132-3D8EC422720C}"/>
+                  </a:ext>
+                </a:extLst>
+              </p:cNvPr>
+              <p:cNvSpPr txBox="1"/>
+              <p:nvPr/>
+            </p:nvSpPr>
+            <p:spPr>
+              <a:xfrm>
+                <a:off x="7998371" y="3116662"/>
+                <a:ext cx="815673" cy="369332"/>
+              </a:xfrm>
+              <a:prstGeom prst="rect">
+                <a:avLst/>
+              </a:prstGeom>
+              <a:noFill/>
+            </p:spPr>
+            <p:txBody>
+              <a:bodyPr wrap="none" rtlCol="0">
+                <a:spAutoFit/>
+              </a:bodyPr>
+              <a:lstStyle/>
+              <a:p>
+                <a:pPr/>
+                <a14:m>
+                  <m:oMathPara xmlns:m="http://schemas.openxmlformats.org/officeDocument/2006/math">
+                    <m:oMathParaPr>
+                      <m:jc m:val="centerGroup"/>
+                    </m:oMathParaPr>
+                    <m:oMath xmlns:m="http://schemas.openxmlformats.org/officeDocument/2006/math">
+                      <m:r>
+                        <a:rPr kumimoji="1" lang="en-US" altLang="zh-CN" b="0" i="1" smtClean="0">
+                          <a:latin typeface="Cambria Math" panose="02040503050406030204" pitchFamily="18" charset="0"/>
+                        </a:rPr>
+                        <m:t>𝑓</m:t>
+                      </m:r>
+                      <m:r>
+                        <a:rPr kumimoji="1" lang="en-US" altLang="zh-CN" b="0" i="1" smtClean="0">
+                          <a:latin typeface="Cambria Math" panose="02040503050406030204" pitchFamily="18" charset="0"/>
+                        </a:rPr>
+                        <m:t>(</m:t>
+                      </m:r>
+                      <m:sSub>
+                        <m:sSubPr>
+                          <m:ctrlPr>
+                            <a:rPr kumimoji="1" lang="en-US" altLang="zh-CN" b="0" i="1" smtClean="0">
+                              <a:latin typeface="Cambria Math" panose="02040503050406030204" pitchFamily="18" charset="0"/>
+                            </a:rPr>
+                          </m:ctrlPr>
+                        </m:sSubPr>
+                        <m:e>
+                          <m:r>
+                            <a:rPr kumimoji="1" lang="en-US" altLang="zh-CN" b="0" i="1" smtClean="0">
+                              <a:latin typeface="Cambria Math" panose="02040503050406030204" pitchFamily="18" charset="0"/>
+                            </a:rPr>
+                            <m:t>𝐺</m:t>
+                          </m:r>
+                        </m:e>
+                        <m:sub>
+                          <m:r>
+                            <a:rPr kumimoji="1" lang="en-US" altLang="zh-CN" b="0" i="1" smtClean="0">
+                              <a:latin typeface="Cambria Math" panose="02040503050406030204" pitchFamily="18" charset="0"/>
+                            </a:rPr>
+                            <m:t>1</m:t>
+                          </m:r>
+                        </m:sub>
+                      </m:sSub>
+                      <m:r>
+                        <a:rPr kumimoji="1" lang="en-US" altLang="zh-CN" b="0" i="1" smtClean="0">
+                          <a:latin typeface="Cambria Math" panose="02040503050406030204" pitchFamily="18" charset="0"/>
+                        </a:rPr>
+                        <m:t>)</m:t>
+                      </m:r>
+                    </m:oMath>
+                  </m:oMathPara>
+                </a14:m>
+                <a:endParaRPr kumimoji="1" lang="zh-CN" altLang="en-US" dirty="0"/>
+              </a:p>
+            </p:txBody>
+          </p:sp>
+        </mc:Choice>
+        <mc:Fallback>
+          <p:sp>
+            <p:nvSpPr>
+              <p:cNvPr id="41" name="TextBox 40">
+                <a:extLst>
+                  <a:ext uri="{FF2B5EF4-FFF2-40B4-BE49-F238E27FC236}">
+                    <a16:creationId xmlns:a16="http://schemas.microsoft.com/office/drawing/2014/main" id="{C38A80AD-629B-1ECB-E132-3D8EC422720C}"/>
+                  </a:ext>
+                </a:extLst>
+              </p:cNvPr>
+              <p:cNvSpPr txBox="1">
+                <a:spLocks noRot="1" noChangeAspect="1" noMove="1" noResize="1" noEditPoints="1" noAdjustHandles="1" noChangeArrowheads="1" noChangeShapeType="1" noTextEdit="1"/>
+              </p:cNvSpPr>
+              <p:nvPr/>
+            </p:nvSpPr>
+            <p:spPr>
+              <a:xfrm>
+                <a:off x="7998371" y="3116662"/>
+                <a:ext cx="815673" cy="369332"/>
+              </a:xfrm>
+              <a:prstGeom prst="rect">
+                <a:avLst/>
+              </a:prstGeom>
+              <a:blipFill>
+                <a:blip r:embed="rId10"/>
+                <a:stretch>
+                  <a:fillRect b="-16667"/>
+                </a:stretch>
+              </a:blipFill>
+            </p:spPr>
+            <p:txBody>
+              <a:bodyPr/>
+              <a:lstStyle/>
+              <a:p>
+                <a:r>
+                  <a:rPr lang="zh-CN" altLang="en-US">
+                    <a:noFill/>
+                  </a:rPr>
+                  <a:t> </a:t>
+                </a:r>
+              </a:p>
+            </p:txBody>
+          </p:sp>
+        </mc:Fallback>
+      </mc:AlternateContent>
+    </p:spTree>
+    <p:extLst>
+      <p:ext uri="{BB962C8B-B14F-4D97-AF65-F5344CB8AC3E}">
+        <p14:creationId xmlns:p14="http://schemas.microsoft.com/office/powerpoint/2010/main" val="3769516051"/>
+      </p:ext>
+    </p:extLst>
+  </p:cSld>
+  <p:clrMapOvr>
+    <a:masterClrMapping/>
+  </p:clrMapOvr>
+  <p:timing>
+    <p:tnLst>
+      <p:par>
+        <p:cTn id="1" dur="indefinite" restart="never" nodeType="tmRoot">
+          <p:childTnLst>
+            <p:seq concurrent="1" nextAc="seek">
+              <p:cTn id="2" dur="indefinite" nodeType="mainSeq">
+                <p:childTnLst>
+                  <p:par>
+                    <p:cTn id="3" fill="hold">
+                      <p:stCondLst>
+                        <p:cond delay="indefinite"/>
+                      </p:stCondLst>
+                      <p:childTnLst>
+                        <p:par>
+                          <p:cTn id="4" fill="hold">
+                            <p:stCondLst>
+                              <p:cond delay="0"/>
+                            </p:stCondLst>
+                            <p:childTnLst>
+                              <p:par>
+                                <p:cTn id="5" presetID="1" presetClass="entr" presetSubtype="0" fill="hold" nodeType="clickEffect">
+                                  <p:stCondLst>
+                                    <p:cond delay="0"/>
+                                  </p:stCondLst>
+                                  <p:childTnLst>
+                                    <p:set>
+                                      <p:cBhvr>
+                                        <p:cTn id="6" dur="1" fill="hold">
+                                          <p:stCondLst>
+                                            <p:cond delay="0"/>
+                                          </p:stCondLst>
+                                        </p:cTn>
+                                        <p:tgtEl>
+                                          <p:spTgt spid="12"/>
+                                        </p:tgtEl>
+                                        <p:attrNameLst>
+                                          <p:attrName>style.visibility</p:attrName>
+                                        </p:attrNameLst>
+                                      </p:cBhvr>
+                                      <p:to>
+                                        <p:strVal val="visible"/>
+                                      </p:to>
+                                    </p:set>
+                                  </p:childTnLst>
+                                </p:cTn>
+                              </p:par>
+                            </p:childTnLst>
+                          </p:cTn>
+                        </p:par>
+                      </p:childTnLst>
+                    </p:cTn>
+                  </p:par>
+                  <p:par>
+                    <p:cTn id="7" fill="hold">
+                      <p:stCondLst>
+                        <p:cond delay="indefinite"/>
+                      </p:stCondLst>
+                      <p:childTnLst>
+                        <p:par>
+                          <p:cTn id="8" fill="hold">
+                            <p:stCondLst>
+                              <p:cond delay="0"/>
+                            </p:stCondLst>
+                            <p:childTnLst>
+                              <p:par>
+                                <p:cTn id="9" presetID="1" presetClass="entr" presetSubtype="0" fill="hold" nodeType="clickEffect">
+                                  <p:stCondLst>
+                                    <p:cond delay="0"/>
+                                  </p:stCondLst>
+                                  <p:childTnLst>
+                                    <p:set>
+                                      <p:cBhvr>
+                                        <p:cTn id="10" dur="1" fill="hold">
+                                          <p:stCondLst>
+                                            <p:cond delay="0"/>
+                                          </p:stCondLst>
+                                        </p:cTn>
+                                        <p:tgtEl>
+                                          <p:spTgt spid="13"/>
+                                        </p:tgtEl>
+                                        <p:attrNameLst>
+                                          <p:attrName>style.visibility</p:attrName>
+                                        </p:attrNameLst>
+                                      </p:cBhvr>
+                                      <p:to>
+                                        <p:strVal val="visible"/>
+                                      </p:to>
+                                    </p:set>
+                                  </p:childTnLst>
+                                </p:cTn>
+                              </p:par>
+                            </p:childTnLst>
+                          </p:cTn>
+                        </p:par>
+                      </p:childTnLst>
+                    </p:cTn>
+                  </p:par>
+                  <p:par>
+                    <p:cTn id="11" fill="hold">
+                      <p:stCondLst>
+                        <p:cond delay="indefinite"/>
+                      </p:stCondLst>
+                      <p:childTnLst>
+                        <p:par>
+                          <p:cTn id="12" fill="hold">
+                            <p:stCondLst>
+                              <p:cond delay="0"/>
+                            </p:stCondLst>
+                            <p:childTnLst>
+                              <p:par>
+                                <p:cTn id="13" presetID="1" presetClass="entr" presetSubtype="0" fill="hold" nodeType="clickEffect">
+                                  <p:stCondLst>
+                                    <p:cond delay="0"/>
+                                  </p:stCondLst>
+                                  <p:childTnLst>
+                                    <p:set>
+                                      <p:cBhvr>
+                                        <p:cTn id="14" dur="1" fill="hold">
+                                          <p:stCondLst>
+                                            <p:cond delay="0"/>
+                                          </p:stCondLst>
+                                        </p:cTn>
+                                        <p:tgtEl>
+                                          <p:spTgt spid="14"/>
+                                        </p:tgtEl>
+                                        <p:attrNameLst>
+                                          <p:attrName>style.visibility</p:attrName>
+                                        </p:attrNameLst>
+                                      </p:cBhvr>
+                                      <p:to>
+                                        <p:strVal val="visible"/>
+                                      </p:to>
+                                    </p:set>
+                                  </p:childTnLst>
+                                </p:cTn>
+                              </p:par>
+                            </p:childTnLst>
+                          </p:cTn>
+                        </p:par>
+                      </p:childTnLst>
+                    </p:cTn>
+                  </p:par>
+                  <p:par>
+                    <p:cTn id="15" fill="hold">
+                      <p:stCondLst>
+                        <p:cond delay="indefinite"/>
+                      </p:stCondLst>
+                      <p:childTnLst>
+                        <p:par>
+                          <p:cTn id="16" fill="hold">
+                            <p:stCondLst>
+                              <p:cond delay="0"/>
+                            </p:stCondLst>
+                            <p:childTnLst>
+                              <p:par>
+                                <p:cTn id="17" presetID="1" presetClass="entr" presetSubtype="0" fill="hold" nodeType="clickEffect">
+                                  <p:stCondLst>
+                                    <p:cond delay="0"/>
+                                  </p:stCondLst>
+                                  <p:childTnLst>
+                                    <p:set>
+                                      <p:cBhvr>
+                                        <p:cTn id="18" dur="1" fill="hold">
+                                          <p:stCondLst>
+                                            <p:cond delay="0"/>
+                                          </p:stCondLst>
+                                        </p:cTn>
+                                        <p:tgtEl>
+                                          <p:spTgt spid="18"/>
+                                        </p:tgtEl>
+                                        <p:attrNameLst>
+                                          <p:attrName>style.visibility</p:attrName>
+                                        </p:attrNameLst>
+                                      </p:cBhvr>
+                                      <p:to>
+                                        <p:strVal val="visible"/>
+                                      </p:to>
+                                    </p:set>
+                                  </p:childTnLst>
+                                </p:cTn>
+                              </p:par>
+                            </p:childTnLst>
+                          </p:cTn>
+                        </p:par>
+                      </p:childTnLst>
+                    </p:cTn>
+                  </p:par>
+                  <p:par>
+                    <p:cTn id="19" fill="hold">
+                      <p:stCondLst>
+                        <p:cond delay="indefinite"/>
+                      </p:stCondLst>
+                      <p:childTnLst>
+                        <p:par>
+                          <p:cTn id="20" fill="hold">
+                            <p:stCondLst>
+                              <p:cond delay="0"/>
+                            </p:stCondLst>
+                            <p:childTnLst>
+                              <p:par>
+                                <p:cTn id="21" presetID="1" presetClass="entr" presetSubtype="0" fill="hold" grpId="0" nodeType="clickEffect">
+                                  <p:stCondLst>
+                                    <p:cond delay="0"/>
+                                  </p:stCondLst>
+                                  <p:childTnLst>
+                                    <p:set>
+                                      <p:cBhvr>
+                                        <p:cTn id="22" dur="1" fill="hold">
+                                          <p:stCondLst>
+                                            <p:cond delay="0"/>
+                                          </p:stCondLst>
+                                        </p:cTn>
+                                        <p:tgtEl>
+                                          <p:spTgt spid="22"/>
+                                        </p:tgtEl>
+                                        <p:attrNameLst>
+                                          <p:attrName>style.visibility</p:attrName>
+                                        </p:attrNameLst>
+                                      </p:cBhvr>
+                                      <p:to>
+                                        <p:strVal val="visible"/>
+                                      </p:to>
+                                    </p:set>
+                                  </p:childTnLst>
+                                </p:cTn>
+                              </p:par>
+                              <p:par>
+                                <p:cTn id="23" presetID="1" presetClass="entr" presetSubtype="0" fill="hold" grpId="0" nodeType="withEffect">
+                                  <p:stCondLst>
+                                    <p:cond delay="0"/>
+                                  </p:stCondLst>
+                                  <p:childTnLst>
+                                    <p:set>
+                                      <p:cBhvr>
+                                        <p:cTn id="24" dur="1" fill="hold">
+                                          <p:stCondLst>
+                                            <p:cond delay="0"/>
+                                          </p:stCondLst>
+                                        </p:cTn>
+                                        <p:tgtEl>
+                                          <p:spTgt spid="23"/>
+                                        </p:tgtEl>
+                                        <p:attrNameLst>
+                                          <p:attrName>style.visibility</p:attrName>
+                                        </p:attrNameLst>
+                                      </p:cBhvr>
+                                      <p:to>
+                                        <p:strVal val="visible"/>
+                                      </p:to>
+                                    </p:set>
+                                  </p:childTnLst>
+                                </p:cTn>
+                              </p:par>
+                              <p:par>
+                                <p:cTn id="25" presetID="1" presetClass="entr" presetSubtype="0" fill="hold" grpId="0" nodeType="withEffect">
+                                  <p:stCondLst>
+                                    <p:cond delay="0"/>
+                                  </p:stCondLst>
+                                  <p:childTnLst>
+                                    <p:set>
+                                      <p:cBhvr>
+                                        <p:cTn id="26" dur="1" fill="hold">
+                                          <p:stCondLst>
+                                            <p:cond delay="0"/>
+                                          </p:stCondLst>
+                                        </p:cTn>
+                                        <p:tgtEl>
+                                          <p:spTgt spid="24"/>
+                                        </p:tgtEl>
+                                        <p:attrNameLst>
+                                          <p:attrName>style.visibility</p:attrName>
+                                        </p:attrNameLst>
+                                      </p:cBhvr>
+                                      <p:to>
+                                        <p:strVal val="visible"/>
+                                      </p:to>
+                                    </p:set>
+                                  </p:childTnLst>
+                                </p:cTn>
+                              </p:par>
+                              <p:par>
+                                <p:cTn id="27" presetID="1" presetClass="entr" presetSubtype="0" fill="hold" grpId="0" nodeType="withEffect">
+                                  <p:stCondLst>
+                                    <p:cond delay="0"/>
+                                  </p:stCondLst>
+                                  <p:childTnLst>
+                                    <p:set>
+                                      <p:cBhvr>
+                                        <p:cTn id="28" dur="1" fill="hold">
+                                          <p:stCondLst>
+                                            <p:cond delay="0"/>
+                                          </p:stCondLst>
+                                        </p:cTn>
+                                        <p:tgtEl>
+                                          <p:spTgt spid="29"/>
+                                        </p:tgtEl>
+                                        <p:attrNameLst>
+                                          <p:attrName>style.visibility</p:attrName>
+                                        </p:attrNameLst>
+                                      </p:cBhvr>
+                                      <p:to>
+                                        <p:strVal val="visible"/>
+                                      </p:to>
+                                    </p:set>
+                                  </p:childTnLst>
+                                </p:cTn>
+                              </p:par>
+                            </p:childTnLst>
+                          </p:cTn>
+                        </p:par>
+                      </p:childTnLst>
+                    </p:cTn>
+                  </p:par>
+                  <p:par>
+                    <p:cTn id="29" fill="hold">
+                      <p:stCondLst>
+                        <p:cond delay="indefinite"/>
+                      </p:stCondLst>
+                      <p:childTnLst>
+                        <p:par>
+                          <p:cTn id="30" fill="hold">
+                            <p:stCondLst>
+                              <p:cond delay="0"/>
+                            </p:stCondLst>
+                            <p:childTnLst>
+                              <p:par>
+                                <p:cTn id="31" presetID="1" presetClass="entr" presetSubtype="0" fill="hold" grpId="0" nodeType="clickEffect">
+                                  <p:stCondLst>
+                                    <p:cond delay="0"/>
+                                  </p:stCondLst>
+                                  <p:childTnLst>
+                                    <p:set>
+                                      <p:cBhvr>
+                                        <p:cTn id="32" dur="1" fill="hold">
+                                          <p:stCondLst>
+                                            <p:cond delay="0"/>
+                                          </p:stCondLst>
+                                        </p:cTn>
+                                        <p:tgtEl>
+                                          <p:spTgt spid="25"/>
+                                        </p:tgtEl>
+                                        <p:attrNameLst>
+                                          <p:attrName>style.visibility</p:attrName>
+                                        </p:attrNameLst>
+                                      </p:cBhvr>
+                                      <p:to>
+                                        <p:strVal val="visible"/>
+                                      </p:to>
+                                    </p:set>
+                                  </p:childTnLst>
+                                </p:cTn>
+                              </p:par>
+                              <p:par>
+                                <p:cTn id="33" presetID="1" presetClass="entr" presetSubtype="0" fill="hold" grpId="0" nodeType="withEffect">
+                                  <p:stCondLst>
+                                    <p:cond delay="0"/>
+                                  </p:stCondLst>
+                                  <p:childTnLst>
+                                    <p:set>
+                                      <p:cBhvr>
+                                        <p:cTn id="34" dur="1" fill="hold">
+                                          <p:stCondLst>
+                                            <p:cond delay="0"/>
+                                          </p:stCondLst>
+                                        </p:cTn>
+                                        <p:tgtEl>
+                                          <p:spTgt spid="26"/>
+                                        </p:tgtEl>
+                                        <p:attrNameLst>
+                                          <p:attrName>style.visibility</p:attrName>
+                                        </p:attrNameLst>
+                                      </p:cBhvr>
+                                      <p:to>
+                                        <p:strVal val="visible"/>
+                                      </p:to>
+                                    </p:set>
+                                  </p:childTnLst>
+                                </p:cTn>
+                              </p:par>
+                              <p:par>
+                                <p:cTn id="35" presetID="1" presetClass="entr" presetSubtype="0" fill="hold" grpId="0" nodeType="withEffect">
+                                  <p:stCondLst>
+                                    <p:cond delay="0"/>
+                                  </p:stCondLst>
+                                  <p:childTnLst>
+                                    <p:set>
+                                      <p:cBhvr>
+                                        <p:cTn id="36" dur="1" fill="hold">
+                                          <p:stCondLst>
+                                            <p:cond delay="0"/>
+                                          </p:stCondLst>
+                                        </p:cTn>
+                                        <p:tgtEl>
+                                          <p:spTgt spid="27"/>
+                                        </p:tgtEl>
+                                        <p:attrNameLst>
+                                          <p:attrName>style.visibility</p:attrName>
+                                        </p:attrNameLst>
+                                      </p:cBhvr>
+                                      <p:to>
+                                        <p:strVal val="visible"/>
+                                      </p:to>
+                                    </p:set>
+                                  </p:childTnLst>
+                                </p:cTn>
+                              </p:par>
+                              <p:par>
+                                <p:cTn id="37" presetID="1" presetClass="entr" presetSubtype="0" fill="hold" grpId="0" nodeType="withEffect">
+                                  <p:stCondLst>
+                                    <p:cond delay="0"/>
+                                  </p:stCondLst>
+                                  <p:childTnLst>
+                                    <p:set>
+                                      <p:cBhvr>
+                                        <p:cTn id="38" dur="1" fill="hold">
+                                          <p:stCondLst>
+                                            <p:cond delay="0"/>
+                                          </p:stCondLst>
+                                        </p:cTn>
+                                        <p:tgtEl>
+                                          <p:spTgt spid="30"/>
+                                        </p:tgtEl>
+                                        <p:attrNameLst>
+                                          <p:attrName>style.visibility</p:attrName>
+                                        </p:attrNameLst>
+                                      </p:cBhvr>
+                                      <p:to>
+                                        <p:strVal val="visible"/>
+                                      </p:to>
+                                    </p:set>
+                                  </p:childTnLst>
+                                </p:cTn>
+                              </p:par>
+                            </p:childTnLst>
+                          </p:cTn>
+                        </p:par>
+                      </p:childTnLst>
+                    </p:cTn>
+                  </p:par>
+                  <p:par>
+                    <p:cTn id="39" fill="hold">
+                      <p:stCondLst>
+                        <p:cond delay="indefinite"/>
+                      </p:stCondLst>
+                      <p:childTnLst>
+                        <p:par>
+                          <p:cTn id="40" fill="hold">
+                            <p:stCondLst>
+                              <p:cond delay="0"/>
+                            </p:stCondLst>
+                            <p:childTnLst>
+                              <p:par>
+                                <p:cTn id="41" presetID="1" presetClass="entr" presetSubtype="0" fill="hold" grpId="0" nodeType="clickEffect">
+                                  <p:stCondLst>
+                                    <p:cond delay="0"/>
+                                  </p:stCondLst>
+                                  <p:childTnLst>
+                                    <p:set>
+                                      <p:cBhvr>
+                                        <p:cTn id="42" dur="1" fill="hold">
+                                          <p:stCondLst>
+                                            <p:cond delay="0"/>
+                                          </p:stCondLst>
+                                        </p:cTn>
+                                        <p:tgtEl>
+                                          <p:spTgt spid="38"/>
+                                        </p:tgtEl>
+                                        <p:attrNameLst>
+                                          <p:attrName>style.visibility</p:attrName>
+                                        </p:attrNameLst>
+                                      </p:cBhvr>
+                                      <p:to>
+                                        <p:strVal val="visible"/>
+                                      </p:to>
+                                    </p:set>
+                                  </p:childTnLst>
+                                </p:cTn>
+                              </p:par>
+                              <p:par>
+                                <p:cTn id="43" presetID="1" presetClass="entr" presetSubtype="0" fill="hold" nodeType="withEffect">
+                                  <p:stCondLst>
+                                    <p:cond delay="0"/>
+                                  </p:stCondLst>
+                                  <p:childTnLst>
+                                    <p:set>
+                                      <p:cBhvr>
+                                        <p:cTn id="44" dur="1" fill="hold">
+                                          <p:stCondLst>
+                                            <p:cond delay="0"/>
+                                          </p:stCondLst>
+                                        </p:cTn>
+                                        <p:tgtEl>
+                                          <p:spTgt spid="31"/>
+                                        </p:tgtEl>
+                                        <p:attrNameLst>
+                                          <p:attrName>style.visibility</p:attrName>
+                                        </p:attrNameLst>
+                                      </p:cBhvr>
+                                      <p:to>
+                                        <p:strVal val="visible"/>
+                                      </p:to>
+                                    </p:set>
+                                  </p:childTnLst>
+                                </p:cTn>
+                              </p:par>
+                              <p:par>
+                                <p:cTn id="45" presetID="1" presetClass="entr" presetSubtype="0" fill="hold" nodeType="withEffect">
+                                  <p:stCondLst>
+                                    <p:cond delay="0"/>
+                                  </p:stCondLst>
+                                  <p:childTnLst>
+                                    <p:set>
+                                      <p:cBhvr>
+                                        <p:cTn id="46" dur="1" fill="hold">
+                                          <p:stCondLst>
+                                            <p:cond delay="0"/>
+                                          </p:stCondLst>
+                                        </p:cTn>
+                                        <p:tgtEl>
+                                          <p:spTgt spid="32"/>
+                                        </p:tgtEl>
+                                        <p:attrNameLst>
+                                          <p:attrName>style.visibility</p:attrName>
+                                        </p:attrNameLst>
+                                      </p:cBhvr>
+                                      <p:to>
+                                        <p:strVal val="visible"/>
+                                      </p:to>
+                                    </p:set>
+                                  </p:childTnLst>
+                                </p:cTn>
+                              </p:par>
+                              <p:par>
+                                <p:cTn id="47" presetID="1" presetClass="entr" presetSubtype="0" fill="hold" nodeType="withEffect">
+                                  <p:stCondLst>
+                                    <p:cond delay="0"/>
+                                  </p:stCondLst>
+                                  <p:childTnLst>
+                                    <p:set>
+                                      <p:cBhvr>
+                                        <p:cTn id="48" dur="1" fill="hold">
+                                          <p:stCondLst>
+                                            <p:cond delay="0"/>
+                                          </p:stCondLst>
+                                        </p:cTn>
+                                        <p:tgtEl>
+                                          <p:spTgt spid="33"/>
+                                        </p:tgtEl>
+                                        <p:attrNameLst>
+                                          <p:attrName>style.visibility</p:attrName>
+                                        </p:attrNameLst>
+                                      </p:cBhvr>
+                                      <p:to>
+                                        <p:strVal val="visible"/>
+                                      </p:to>
+                                    </p:set>
+                                  </p:childTnLst>
+                                </p:cTn>
+                              </p:par>
+                              <p:par>
+                                <p:cTn id="49" presetID="1" presetClass="entr" presetSubtype="0" fill="hold" nodeType="withEffect">
+                                  <p:stCondLst>
+                                    <p:cond delay="0"/>
+                                  </p:stCondLst>
+                                  <p:childTnLst>
+                                    <p:set>
+                                      <p:cBhvr>
+                                        <p:cTn id="50" dur="1" fill="hold">
+                                          <p:stCondLst>
+                                            <p:cond delay="0"/>
+                                          </p:stCondLst>
+                                        </p:cTn>
+                                        <p:tgtEl>
+                                          <p:spTgt spid="34"/>
+                                        </p:tgtEl>
+                                        <p:attrNameLst>
+                                          <p:attrName>style.visibility</p:attrName>
+                                        </p:attrNameLst>
+                                      </p:cBhvr>
+                                      <p:to>
+                                        <p:strVal val="visible"/>
+                                      </p:to>
+                                    </p:set>
+                                  </p:childTnLst>
+                                </p:cTn>
+                              </p:par>
+                              <p:par>
+                                <p:cTn id="51" presetID="1" presetClass="entr" presetSubtype="0" fill="hold" nodeType="withEffect">
+                                  <p:stCondLst>
+                                    <p:cond delay="0"/>
+                                  </p:stCondLst>
+                                  <p:childTnLst>
+                                    <p:set>
+                                      <p:cBhvr>
+                                        <p:cTn id="52" dur="1" fill="hold">
+                                          <p:stCondLst>
+                                            <p:cond delay="0"/>
+                                          </p:stCondLst>
+                                        </p:cTn>
+                                        <p:tgtEl>
+                                          <p:spTgt spid="36"/>
+                                        </p:tgtEl>
+                                        <p:attrNameLst>
+                                          <p:attrName>style.visibility</p:attrName>
+                                        </p:attrNameLst>
+                                      </p:cBhvr>
+                                      <p:to>
+                                        <p:strVal val="visible"/>
+                                      </p:to>
+                                    </p:set>
+                                  </p:childTnLst>
+                                </p:cTn>
+                              </p:par>
+                              <p:par>
+                                <p:cTn id="53" presetID="1" presetClass="entr" presetSubtype="0" fill="hold" nodeType="withEffect">
+                                  <p:stCondLst>
+                                    <p:cond delay="0"/>
+                                  </p:stCondLst>
+                                  <p:childTnLst>
+                                    <p:set>
+                                      <p:cBhvr>
+                                        <p:cTn id="54" dur="1" fill="hold">
+                                          <p:stCondLst>
+                                            <p:cond delay="0"/>
+                                          </p:stCondLst>
+                                        </p:cTn>
+                                        <p:tgtEl>
+                                          <p:spTgt spid="35"/>
+                                        </p:tgtEl>
+                                        <p:attrNameLst>
+                                          <p:attrName>style.visibility</p:attrName>
+                                        </p:attrNameLst>
+                                      </p:cBhvr>
+                                      <p:to>
+                                        <p:strVal val="visible"/>
+                                      </p:to>
+                                    </p:set>
+                                  </p:childTnLst>
+                                </p:cTn>
+                              </p:par>
+                              <p:par>
+                                <p:cTn id="55" presetID="1" presetClass="entr" presetSubtype="0" fill="hold" nodeType="withEffect">
+                                  <p:stCondLst>
+                                    <p:cond delay="0"/>
+                                  </p:stCondLst>
+                                  <p:childTnLst>
+                                    <p:set>
+                                      <p:cBhvr>
+                                        <p:cTn id="56" dur="1" fill="hold">
+                                          <p:stCondLst>
+                                            <p:cond delay="0"/>
+                                          </p:stCondLst>
+                                        </p:cTn>
+                                        <p:tgtEl>
+                                          <p:spTgt spid="37"/>
+                                        </p:tgtEl>
+                                        <p:attrNameLst>
+                                          <p:attrName>style.visibility</p:attrName>
+                                        </p:attrNameLst>
+                                      </p:cBhvr>
+                                      <p:to>
+                                        <p:strVal val="visible"/>
+                                      </p:to>
+                                    </p:set>
+                                  </p:childTnLst>
+                                </p:cTn>
+                              </p:par>
+                            </p:childTnLst>
+                          </p:cTn>
+                        </p:par>
+                      </p:childTnLst>
+                    </p:cTn>
+                  </p:par>
+                  <p:par>
+                    <p:cTn id="57" fill="hold">
+                      <p:stCondLst>
+                        <p:cond delay="indefinite"/>
+                      </p:stCondLst>
+                      <p:childTnLst>
+                        <p:par>
+                          <p:cTn id="58" fill="hold">
+                            <p:stCondLst>
+                              <p:cond delay="0"/>
+                            </p:stCondLst>
+                            <p:childTnLst>
+                              <p:par>
+                                <p:cTn id="59" presetID="1" presetClass="entr" presetSubtype="0" fill="hold" grpId="0" nodeType="clickEffect">
+                                  <p:stCondLst>
+                                    <p:cond delay="0"/>
+                                  </p:stCondLst>
+                                  <p:childTnLst>
+                                    <p:set>
+                                      <p:cBhvr>
+                                        <p:cTn id="60" dur="1" fill="hold">
+                                          <p:stCondLst>
+                                            <p:cond delay="0"/>
+                                          </p:stCondLst>
+                                        </p:cTn>
+                                        <p:tgtEl>
+                                          <p:spTgt spid="39"/>
+                                        </p:tgtEl>
+                                        <p:attrNameLst>
+                                          <p:attrName>style.visibility</p:attrName>
+                                        </p:attrNameLst>
+                                      </p:cBhvr>
+                                      <p:to>
+                                        <p:strVal val="visible"/>
+                                      </p:to>
+                                    </p:set>
+                                  </p:childTnLst>
+                                </p:cTn>
+                              </p:par>
+                              <p:par>
+                                <p:cTn id="61" presetID="1" presetClass="entr" presetSubtype="0" fill="hold" grpId="0" nodeType="withEffect">
+                                  <p:stCondLst>
+                                    <p:cond delay="0"/>
+                                  </p:stCondLst>
+                                  <p:childTnLst>
+                                    <p:set>
+                                      <p:cBhvr>
+                                        <p:cTn id="62" dur="1" fill="hold">
+                                          <p:stCondLst>
+                                            <p:cond delay="0"/>
+                                          </p:stCondLst>
+                                        </p:cTn>
+                                        <p:tgtEl>
+                                          <p:spTgt spid="40"/>
+                                        </p:tgtEl>
+                                        <p:attrNameLst>
+                                          <p:attrName>style.visibility</p:attrName>
+                                        </p:attrNameLst>
+                                      </p:cBhvr>
+                                      <p:to>
+                                        <p:strVal val="visible"/>
+                                      </p:to>
+                                    </p:set>
+                                  </p:childTnLst>
+                                </p:cTn>
+                              </p:par>
+                              <p:par>
+                                <p:cTn id="63" presetID="1" presetClass="entr" presetSubtype="0" fill="hold" grpId="0" nodeType="withEffect">
+                                  <p:stCondLst>
+                                    <p:cond delay="0"/>
+                                  </p:stCondLst>
+                                  <p:childTnLst>
+                                    <p:set>
+                                      <p:cBhvr>
+                                        <p:cTn id="64" dur="1" fill="hold">
+                                          <p:stCondLst>
+                                            <p:cond delay="0"/>
+                                          </p:stCondLst>
+                                        </p:cTn>
+                                        <p:tgtEl>
+                                          <p:spTgt spid="41"/>
+                                        </p:tgtEl>
+                                        <p:attrNameLst>
+                                          <p:attrName>style.visibility</p:attrName>
+                                        </p:attrNameLst>
+                                      </p:cBhvr>
+                                      <p:to>
+                                        <p:strVal val="visible"/>
+                                      </p:to>
+                                    </p:set>
+                                  </p:childTnLst>
+                                </p:cTn>
+                              </p:par>
+                            </p:childTnLst>
+                          </p:cTn>
+                        </p:par>
+                      </p:childTnLst>
+                    </p:cTn>
+                  </p:par>
+                </p:childTnLst>
+              </p:cTn>
+              <p:prevCondLst>
+                <p:cond evt="onPrev" delay="0">
+                  <p:tgtEl>
+                    <p:sldTgt/>
+                  </p:tgtEl>
+                </p:cond>
+              </p:prevCondLst>
+              <p:nextCondLst>
+                <p:cond evt="onNext" delay="0">
+                  <p:tgtEl>
+                    <p:sldTgt/>
+                  </p:tgtEl>
+                </p:cond>
+              </p:nextCondLst>
+            </p:seq>
+          </p:childTnLst>
+        </p:cTn>
+      </p:par>
+    </p:tnLst>
+    <p:bldLst>
+      <p:bldP spid="22" grpId="0" animBg="1"/>
+      <p:bldP spid="23" grpId="0"/>
+      <p:bldP spid="24" grpId="0"/>
+      <p:bldP spid="25" grpId="0" animBg="1"/>
+      <p:bldP spid="26" grpId="0"/>
+      <p:bldP spid="27" grpId="0"/>
+      <p:bldP spid="29" grpId="0"/>
+      <p:bldP spid="30" grpId="0"/>
+      <p:bldP spid="38" grpId="0"/>
+      <p:bldP spid="39" grpId="0" animBg="1"/>
+      <p:bldP spid="40" grpId="0" animBg="1"/>
+      <p:bldP spid="41" grpId="0"/>
+    </p:bldLst>
+  </p:timing>
 </p:sld>
 </file>
 
@@ -5980,8 +9285,8 @@
           </a:p>
         </p:txBody>
       </p:sp>
-      <mc:AlternateContent xmlns:mc="http://schemas.openxmlformats.org/markup-compatibility/2006">
-        <mc:Choice xmlns:a14="http://schemas.microsoft.com/office/drawing/2010/main" Requires="a14">
+      <mc:AlternateContent xmlns:mc="http://schemas.openxmlformats.org/markup-compatibility/2006" xmlns:a14="http://schemas.microsoft.com/office/drawing/2010/main">
+        <mc:Choice Requires="a14">
           <p:sp>
             <p:nvSpPr>
               <p:cNvPr id="21" name="TextBox 20">
@@ -6047,7 +9352,7 @@
             </p:txBody>
           </p:sp>
         </mc:Choice>
-        <mc:Fallback>
+        <mc:Fallback xmlns="">
           <p:sp>
             <p:nvSpPr>
               <p:cNvPr id="21" name="TextBox 20">
@@ -6092,8 +9397,8 @@
           </p:sp>
         </mc:Fallback>
       </mc:AlternateContent>
-      <mc:AlternateContent xmlns:mc="http://schemas.openxmlformats.org/markup-compatibility/2006">
-        <mc:Choice xmlns:a14="http://schemas.microsoft.com/office/drawing/2010/main" Requires="a14">
+      <mc:AlternateContent xmlns:mc="http://schemas.openxmlformats.org/markup-compatibility/2006" xmlns:a14="http://schemas.microsoft.com/office/drawing/2010/main">
+        <mc:Choice Requires="a14">
           <p:sp>
             <p:nvSpPr>
               <p:cNvPr id="22" name="TextBox 21">
@@ -6122,6 +9427,7 @@
               </a:bodyPr>
               <a:lstStyle/>
               <a:p>
+                <a:pPr/>
                 <a14:m>
                   <m:oMathPara xmlns:m="http://schemas.openxmlformats.org/officeDocument/2006/math">
                     <m:oMathParaPr>
@@ -6229,7 +9535,7 @@
             </p:txBody>
           </p:sp>
         </mc:Choice>
-        <mc:Fallback>
+        <mc:Fallback xmlns="">
           <p:sp>
             <p:nvSpPr>
               <p:cNvPr id="22" name="TextBox 21">
@@ -8318,8 +11624,8 @@
           </a:prstGeom>
         </p:spPr>
       </p:pic>
-      <mc:AlternateContent xmlns:mc="http://schemas.openxmlformats.org/markup-compatibility/2006">
-        <mc:Choice xmlns:a14="http://schemas.microsoft.com/office/drawing/2010/main" Requires="a14">
+      <mc:AlternateContent xmlns:mc="http://schemas.openxmlformats.org/markup-compatibility/2006" xmlns:a14="http://schemas.microsoft.com/office/drawing/2010/main">
+        <mc:Choice Requires="a14">
           <p:sp>
             <p:nvSpPr>
               <p:cNvPr id="25" name="TextBox 24">
@@ -8348,6 +11654,7 @@
               </a:bodyPr>
               <a:lstStyle/>
               <a:p>
+                <a:pPr/>
                 <a14:m>
                   <m:oMathPara xmlns:m="http://schemas.openxmlformats.org/officeDocument/2006/math">
                     <m:oMathParaPr>
@@ -8453,7 +11760,7 @@
             </p:txBody>
           </p:sp>
         </mc:Choice>
-        <mc:Fallback>
+        <mc:Fallback xmlns="">
           <p:sp>
             <p:nvSpPr>
               <p:cNvPr id="25" name="TextBox 24">
@@ -9960,8 +13267,8 @@
           </a:p>
         </p:txBody>
       </p:sp>
-      <mc:AlternateContent xmlns:mc="http://schemas.openxmlformats.org/markup-compatibility/2006">
-        <mc:Choice xmlns:a14="http://schemas.microsoft.com/office/drawing/2010/main" Requires="a14">
+      <mc:AlternateContent xmlns:mc="http://schemas.openxmlformats.org/markup-compatibility/2006" xmlns:a14="http://schemas.microsoft.com/office/drawing/2010/main">
+        <mc:Choice Requires="a14">
           <p:sp>
             <p:nvSpPr>
               <p:cNvPr id="11" name="TextBox 10">
@@ -10030,7 +13337,7 @@
             </p:txBody>
           </p:sp>
         </mc:Choice>
-        <mc:Fallback>
+        <mc:Fallback xmlns="">
           <p:sp>
             <p:nvSpPr>
               <p:cNvPr id="11" name="TextBox 10">
@@ -10075,8 +13382,8 @@
           </p:sp>
         </mc:Fallback>
       </mc:AlternateContent>
-      <mc:AlternateContent xmlns:mc="http://schemas.openxmlformats.org/markup-compatibility/2006">
-        <mc:Choice xmlns:a14="http://schemas.microsoft.com/office/drawing/2010/main" Requires="a14">
+      <mc:AlternateContent xmlns:mc="http://schemas.openxmlformats.org/markup-compatibility/2006" xmlns:a14="http://schemas.microsoft.com/office/drawing/2010/main">
+        <mc:Choice Requires="a14">
           <p:sp>
             <p:nvSpPr>
               <p:cNvPr id="34" name="TextBox 33">
@@ -10105,6 +13412,7 @@
               </a:bodyPr>
               <a:lstStyle/>
               <a:p>
+                <a:pPr/>
                 <a14:m>
                   <m:oMathPara xmlns:m="http://schemas.openxmlformats.org/officeDocument/2006/math">
                     <m:oMathParaPr>
@@ -10144,7 +13452,7 @@
             </p:txBody>
           </p:sp>
         </mc:Choice>
-        <mc:Fallback>
+        <mc:Fallback xmlns="">
           <p:sp>
             <p:nvSpPr>
               <p:cNvPr id="34" name="TextBox 33">
@@ -10468,8 +13776,8 @@
           </a:fontRef>
         </p:style>
       </p:cxnSp>
-      <mc:AlternateContent xmlns:mc="http://schemas.openxmlformats.org/markup-compatibility/2006">
-        <mc:Choice xmlns:a14="http://schemas.microsoft.com/office/drawing/2010/main" Requires="a14">
+      <mc:AlternateContent xmlns:mc="http://schemas.openxmlformats.org/markup-compatibility/2006" xmlns:a14="http://schemas.microsoft.com/office/drawing/2010/main">
+        <mc:Choice Requires="a14">
           <p:sp>
             <p:nvSpPr>
               <p:cNvPr id="45" name="TextBox 44">
@@ -10498,6 +13806,7 @@
               </a:bodyPr>
               <a:lstStyle/>
               <a:p>
+                <a:pPr/>
                 <a14:m>
                   <m:oMathPara xmlns:m="http://schemas.openxmlformats.org/officeDocument/2006/math">
                     <m:oMathParaPr>
@@ -10518,7 +13827,7 @@
             </p:txBody>
           </p:sp>
         </mc:Choice>
-        <mc:Fallback>
+        <mc:Fallback xmlns="">
           <p:sp>
             <p:nvSpPr>
               <p:cNvPr id="45" name="TextBox 44">
@@ -10726,8 +14035,8 @@
           </a:p>
         </p:txBody>
       </p:sp>
-      <mc:AlternateContent xmlns:mc="http://schemas.openxmlformats.org/markup-compatibility/2006">
-        <mc:Choice xmlns:a14="http://schemas.microsoft.com/office/drawing/2010/main" Requires="a14">
+      <mc:AlternateContent xmlns:mc="http://schemas.openxmlformats.org/markup-compatibility/2006" xmlns:a14="http://schemas.microsoft.com/office/drawing/2010/main">
+        <mc:Choice Requires="a14">
           <p:sp>
             <p:nvSpPr>
               <p:cNvPr id="48" name="TextBox 47">
@@ -10756,6 +14065,7 @@
               </a:bodyPr>
               <a:lstStyle/>
               <a:p>
+                <a:pPr/>
                 <a14:m>
                   <m:oMathPara xmlns:m="http://schemas.openxmlformats.org/officeDocument/2006/math">
                     <m:oMathParaPr>
@@ -10813,7 +14123,7 @@
             </p:txBody>
           </p:sp>
         </mc:Choice>
-        <mc:Fallback>
+        <mc:Fallback xmlns="">
           <p:sp>
             <p:nvSpPr>
               <p:cNvPr id="48" name="TextBox 47">
@@ -12062,6 +15372,126 @@
           </a:prstGeom>
         </p:spPr>
       </p:pic>
+      <p:pic>
+        <p:nvPicPr>
+          <p:cNvPr id="8" name="Picture 7">
+            <a:extLst>
+              <a:ext uri="{FF2B5EF4-FFF2-40B4-BE49-F238E27FC236}">
+                <a16:creationId xmlns:a16="http://schemas.microsoft.com/office/drawing/2014/main" id="{9AFA6E16-A517-F31D-A7E3-E98BE9F740B4}"/>
+              </a:ext>
+            </a:extLst>
+          </p:cNvPr>
+          <p:cNvPicPr>
+            <a:picLocks noChangeAspect="1"/>
+          </p:cNvPicPr>
+          <p:nvPr/>
+        </p:nvPicPr>
+        <p:blipFill>
+          <a:blip r:embed="rId5"/>
+          <a:stretch>
+            <a:fillRect/>
+          </a:stretch>
+        </p:blipFill>
+        <p:spPr>
+          <a:xfrm>
+            <a:off x="922632" y="2542627"/>
+            <a:ext cx="1502197" cy="451641"/>
+          </a:xfrm>
+          <a:prstGeom prst="rect">
+            <a:avLst/>
+          </a:prstGeom>
+        </p:spPr>
+      </p:pic>
+      <p:pic>
+        <p:nvPicPr>
+          <p:cNvPr id="9" name="Picture 8">
+            <a:extLst>
+              <a:ext uri="{FF2B5EF4-FFF2-40B4-BE49-F238E27FC236}">
+                <a16:creationId xmlns:a16="http://schemas.microsoft.com/office/drawing/2014/main" id="{F9F3A51C-9B7E-E298-1319-1F7999E0441E}"/>
+              </a:ext>
+            </a:extLst>
+          </p:cNvPr>
+          <p:cNvPicPr>
+            <a:picLocks noChangeAspect="1"/>
+          </p:cNvPicPr>
+          <p:nvPr/>
+        </p:nvPicPr>
+        <p:blipFill>
+          <a:blip r:embed="rId6"/>
+          <a:stretch>
+            <a:fillRect/>
+          </a:stretch>
+        </p:blipFill>
+        <p:spPr>
+          <a:xfrm>
+            <a:off x="2542309" y="2542627"/>
+            <a:ext cx="3505200" cy="406400"/>
+          </a:xfrm>
+          <a:prstGeom prst="rect">
+            <a:avLst/>
+          </a:prstGeom>
+        </p:spPr>
+      </p:pic>
+      <p:pic>
+        <p:nvPicPr>
+          <p:cNvPr id="10" name="Picture 9">
+            <a:extLst>
+              <a:ext uri="{FF2B5EF4-FFF2-40B4-BE49-F238E27FC236}">
+                <a16:creationId xmlns:a16="http://schemas.microsoft.com/office/drawing/2014/main" id="{9633B2C5-E948-B5A1-B0FA-C40034BEF6FC}"/>
+              </a:ext>
+            </a:extLst>
+          </p:cNvPr>
+          <p:cNvPicPr>
+            <a:picLocks noChangeAspect="1"/>
+          </p:cNvPicPr>
+          <p:nvPr/>
+        </p:nvPicPr>
+        <p:blipFill>
+          <a:blip r:embed="rId7"/>
+          <a:stretch>
+            <a:fillRect/>
+          </a:stretch>
+        </p:blipFill>
+        <p:spPr>
+          <a:xfrm>
+            <a:off x="1399309" y="2970203"/>
+            <a:ext cx="2895600" cy="406400"/>
+          </a:xfrm>
+          <a:prstGeom prst="rect">
+            <a:avLst/>
+          </a:prstGeom>
+        </p:spPr>
+      </p:pic>
+      <p:pic>
+        <p:nvPicPr>
+          <p:cNvPr id="11" name="Picture 10">
+            <a:extLst>
+              <a:ext uri="{FF2B5EF4-FFF2-40B4-BE49-F238E27FC236}">
+                <a16:creationId xmlns:a16="http://schemas.microsoft.com/office/drawing/2014/main" id="{698DC525-22F5-B7FA-A4D8-10A6FF0AC9E6}"/>
+              </a:ext>
+            </a:extLst>
+          </p:cNvPr>
+          <p:cNvPicPr>
+            <a:picLocks noChangeAspect="1"/>
+          </p:cNvPicPr>
+          <p:nvPr/>
+        </p:nvPicPr>
+        <p:blipFill>
+          <a:blip r:embed="rId8"/>
+          <a:stretch>
+            <a:fillRect/>
+          </a:stretch>
+        </p:blipFill>
+        <p:spPr>
+          <a:xfrm>
+            <a:off x="1399309" y="3472421"/>
+            <a:ext cx="4152900" cy="1384300"/>
+          </a:xfrm>
+          <a:prstGeom prst="rect">
+            <a:avLst/>
+          </a:prstGeom>
+        </p:spPr>
+      </p:pic>
     </p:spTree>
     <p:extLst>
       <p:ext uri="{BB962C8B-B14F-4D97-AF65-F5344CB8AC3E}">
@@ -12072,6 +15502,216 @@
   <p:clrMapOvr>
     <a:masterClrMapping/>
   </p:clrMapOvr>
+  <p:timing>
+    <p:tnLst>
+      <p:par>
+        <p:cTn id="1" dur="indefinite" restart="never" nodeType="tmRoot">
+          <p:childTnLst>
+            <p:seq concurrent="1" nextAc="seek">
+              <p:cTn id="2" dur="indefinite" nodeType="mainSeq">
+                <p:childTnLst>
+                  <p:par>
+                    <p:cTn id="3" fill="hold">
+                      <p:stCondLst>
+                        <p:cond delay="indefinite"/>
+                      </p:stCondLst>
+                      <p:childTnLst>
+                        <p:par>
+                          <p:cTn id="4" fill="hold">
+                            <p:stCondLst>
+                              <p:cond delay="0"/>
+                            </p:stCondLst>
+                            <p:childTnLst>
+                              <p:par>
+                                <p:cTn id="5" presetID="1" presetClass="entr" presetSubtype="0" fill="hold" nodeType="clickEffect">
+                                  <p:stCondLst>
+                                    <p:cond delay="0"/>
+                                  </p:stCondLst>
+                                  <p:childTnLst>
+                                    <p:set>
+                                      <p:cBhvr>
+                                        <p:cTn id="6" dur="1" fill="hold">
+                                          <p:stCondLst>
+                                            <p:cond delay="0"/>
+                                          </p:stCondLst>
+                                        </p:cTn>
+                                        <p:tgtEl>
+                                          <p:spTgt spid="8"/>
+                                        </p:tgtEl>
+                                        <p:attrNameLst>
+                                          <p:attrName>style.visibility</p:attrName>
+                                        </p:attrNameLst>
+                                      </p:cBhvr>
+                                      <p:to>
+                                        <p:strVal val="visible"/>
+                                      </p:to>
+                                    </p:set>
+                                  </p:childTnLst>
+                                </p:cTn>
+                              </p:par>
+                            </p:childTnLst>
+                          </p:cTn>
+                        </p:par>
+                      </p:childTnLst>
+                    </p:cTn>
+                  </p:par>
+                  <p:par>
+                    <p:cTn id="7" fill="hold">
+                      <p:stCondLst>
+                        <p:cond delay="indefinite"/>
+                      </p:stCondLst>
+                      <p:childTnLst>
+                        <p:par>
+                          <p:cTn id="8" fill="hold">
+                            <p:stCondLst>
+                              <p:cond delay="0"/>
+                            </p:stCondLst>
+                            <p:childTnLst>
+                              <p:par>
+                                <p:cTn id="9" presetID="1" presetClass="entr" presetSubtype="0" fill="hold" nodeType="clickEffect">
+                                  <p:stCondLst>
+                                    <p:cond delay="0"/>
+                                  </p:stCondLst>
+                                  <p:childTnLst>
+                                    <p:set>
+                                      <p:cBhvr>
+                                        <p:cTn id="10" dur="1" fill="hold">
+                                          <p:stCondLst>
+                                            <p:cond delay="0"/>
+                                          </p:stCondLst>
+                                        </p:cTn>
+                                        <p:tgtEl>
+                                          <p:spTgt spid="9"/>
+                                        </p:tgtEl>
+                                        <p:attrNameLst>
+                                          <p:attrName>style.visibility</p:attrName>
+                                        </p:attrNameLst>
+                                      </p:cBhvr>
+                                      <p:to>
+                                        <p:strVal val="visible"/>
+                                      </p:to>
+                                    </p:set>
+                                  </p:childTnLst>
+                                </p:cTn>
+                              </p:par>
+                            </p:childTnLst>
+                          </p:cTn>
+                        </p:par>
+                      </p:childTnLst>
+                    </p:cTn>
+                  </p:par>
+                  <p:par>
+                    <p:cTn id="11" fill="hold">
+                      <p:stCondLst>
+                        <p:cond delay="indefinite"/>
+                      </p:stCondLst>
+                      <p:childTnLst>
+                        <p:par>
+                          <p:cTn id="12" fill="hold">
+                            <p:stCondLst>
+                              <p:cond delay="0"/>
+                            </p:stCondLst>
+                            <p:childTnLst>
+                              <p:par>
+                                <p:cTn id="13" presetID="1" presetClass="entr" presetSubtype="0" fill="hold" nodeType="clickEffect">
+                                  <p:stCondLst>
+                                    <p:cond delay="0"/>
+                                  </p:stCondLst>
+                                  <p:childTnLst>
+                                    <p:set>
+                                      <p:cBhvr>
+                                        <p:cTn id="14" dur="1" fill="hold">
+                                          <p:stCondLst>
+                                            <p:cond delay="0"/>
+                                          </p:stCondLst>
+                                        </p:cTn>
+                                        <p:tgtEl>
+                                          <p:spTgt spid="10"/>
+                                        </p:tgtEl>
+                                        <p:attrNameLst>
+                                          <p:attrName>style.visibility</p:attrName>
+                                        </p:attrNameLst>
+                                      </p:cBhvr>
+                                      <p:to>
+                                        <p:strVal val="visible"/>
+                                      </p:to>
+                                    </p:set>
+                                  </p:childTnLst>
+                                </p:cTn>
+                              </p:par>
+                            </p:childTnLst>
+                          </p:cTn>
+                        </p:par>
+                      </p:childTnLst>
+                    </p:cTn>
+                  </p:par>
+                  <p:par>
+                    <p:cTn id="15" fill="hold">
+                      <p:stCondLst>
+                        <p:cond delay="indefinite"/>
+                      </p:stCondLst>
+                      <p:childTnLst>
+                        <p:par>
+                          <p:cTn id="16" fill="hold">
+                            <p:stCondLst>
+                              <p:cond delay="0"/>
+                            </p:stCondLst>
+                            <p:childTnLst>
+                              <p:par>
+                                <p:cTn id="17" presetID="1" presetClass="entr" presetSubtype="0" fill="hold" nodeType="clickEffect">
+                                  <p:stCondLst>
+                                    <p:cond delay="0"/>
+                                  </p:stCondLst>
+                                  <p:childTnLst>
+                                    <p:set>
+                                      <p:cBhvr>
+                                        <p:cTn id="18" dur="1" fill="hold">
+                                          <p:stCondLst>
+                                            <p:cond delay="0"/>
+                                          </p:stCondLst>
+                                        </p:cTn>
+                                        <p:tgtEl>
+                                          <p:spTgt spid="11"/>
+                                        </p:tgtEl>
+                                        <p:attrNameLst>
+                                          <p:attrName>style.visibility</p:attrName>
+                                        </p:attrNameLst>
+                                      </p:cBhvr>
+                                      <p:to>
+                                        <p:strVal val="visible"/>
+                                      </p:to>
+                                    </p:set>
+                                  </p:childTnLst>
+                                </p:cTn>
+                              </p:par>
+                            </p:childTnLst>
+                          </p:cTn>
+                        </p:par>
+                      </p:childTnLst>
+                    </p:cTn>
+                  </p:par>
+                </p:childTnLst>
+              </p:cTn>
+              <p:prevCondLst>
+                <p:cond evt="onPrev" delay="0">
+                  <p:tgtEl>
+                    <p:sldTgt/>
+                  </p:tgtEl>
+                </p:cond>
+              </p:prevCondLst>
+              <p:nextCondLst>
+                <p:cond evt="onNext" delay="0">
+                  <p:tgtEl>
+                    <p:sldTgt/>
+                  </p:tgtEl>
+                </p:cond>
+              </p:nextCondLst>
+            </p:seq>
+          </p:childTnLst>
+        </p:cTn>
+      </p:par>
+    </p:tnLst>
+  </p:timing>
 </p:sld>
 </file>
 
